--- a/graph_diagrams.pptx
+++ b/graph_diagrams.pptx
@@ -105,7 +105,16 @@
       </a:defRPr>
     </a:lvl9pPr>
   </p:defaultTextStyle>
+  <p:extLst>
+    <p:ext uri="{EFAFB233-063F-42B5-8137-9DF3F51BA10A}">
+      <p15:sldGuideLst xmlns:p15="http://schemas.microsoft.com/office/powerpoint/2012/main"/>
+    </p:ext>
+  </p:extLst>
 </p:presentation>
+</file>
+
+<file path=ppt/revisionInfo.xml><?xml version="1.0" encoding="utf-8"?>
+<p1510:revInfo xmlns:a="http://schemas.openxmlformats.org/drawingml/2006/main" xmlns:r="http://schemas.openxmlformats.org/officeDocument/2006/relationships" xmlns:p1510="http://schemas.microsoft.com/office/powerpoint/2015/10/main"/>
 </file>
 
 <file path=ppt/slideLayouts/slideLayout1.xml><?xml version="1.0" encoding="utf-8"?>
@@ -150,7 +159,7 @@
           </a:lstStyle>
           <a:p>
             <a:r>
-              <a:rPr lang="en-US" smtClean="0"/>
+              <a:rPr lang="en-US"/>
               <a:t>Click to edit Master title style</a:t>
             </a:r>
             <a:endParaRPr lang="en-GB"/>
@@ -215,7 +224,7 @@
           </a:lstStyle>
           <a:p>
             <a:r>
-              <a:rPr lang="en-US" smtClean="0"/>
+              <a:rPr lang="en-US"/>
               <a:t>Click to edit Master subtitle style</a:t>
             </a:r>
             <a:endParaRPr lang="en-GB"/>
@@ -239,7 +248,7 @@
           <a:p>
             <a:fld id="{26DDC37A-2C2D-40D8-9678-FEE24CA3A861}" type="datetimeFigureOut">
               <a:rPr lang="en-GB" smtClean="0"/>
-              <a:t>14/08/2017</a:t>
+              <a:t>19/08/2017</a:t>
             </a:fld>
             <a:endParaRPr lang="en-GB"/>
           </a:p>
@@ -281,7 +290,7 @@
           <a:p>
             <a:fld id="{53007432-4F62-4A3D-96D0-1D087F291AF4}" type="slidenum">
               <a:rPr lang="en-GB" smtClean="0"/>
-              <a:t>‹#›</a:t>
+              <a:t>‹Nr.›</a:t>
             </a:fld>
             <a:endParaRPr lang="en-GB"/>
           </a:p>
@@ -333,7 +342,7 @@
           <a:lstStyle/>
           <a:p>
             <a:r>
-              <a:rPr lang="en-US" smtClean="0"/>
+              <a:rPr lang="en-US"/>
               <a:t>Click to edit Master title style</a:t>
             </a:r>
             <a:endParaRPr lang="en-GB"/>
@@ -357,35 +366,35 @@
           <a:p>
             <a:pPr lvl="0"/>
             <a:r>
-              <a:rPr lang="en-US" smtClean="0"/>
+              <a:rPr lang="en-US"/>
               <a:t>Edit Master text styles</a:t>
             </a:r>
           </a:p>
           <a:p>
             <a:pPr lvl="1"/>
             <a:r>
-              <a:rPr lang="en-US" smtClean="0"/>
+              <a:rPr lang="en-US"/>
               <a:t>Second level</a:t>
             </a:r>
           </a:p>
           <a:p>
             <a:pPr lvl="2"/>
             <a:r>
-              <a:rPr lang="en-US" smtClean="0"/>
+              <a:rPr lang="en-US"/>
               <a:t>Third level</a:t>
             </a:r>
           </a:p>
           <a:p>
             <a:pPr lvl="3"/>
             <a:r>
-              <a:rPr lang="en-US" smtClean="0"/>
+              <a:rPr lang="en-US"/>
               <a:t>Fourth level</a:t>
             </a:r>
           </a:p>
           <a:p>
             <a:pPr lvl="4"/>
             <a:r>
-              <a:rPr lang="en-US" smtClean="0"/>
+              <a:rPr lang="en-US"/>
               <a:t>Fifth level</a:t>
             </a:r>
             <a:endParaRPr lang="en-GB"/>
@@ -409,7 +418,7 @@
           <a:p>
             <a:fld id="{26DDC37A-2C2D-40D8-9678-FEE24CA3A861}" type="datetimeFigureOut">
               <a:rPr lang="en-GB" smtClean="0"/>
-              <a:t>14/08/2017</a:t>
+              <a:t>19/08/2017</a:t>
             </a:fld>
             <a:endParaRPr lang="en-GB"/>
           </a:p>
@@ -451,7 +460,7 @@
           <a:p>
             <a:fld id="{53007432-4F62-4A3D-96D0-1D087F291AF4}" type="slidenum">
               <a:rPr lang="en-GB" smtClean="0"/>
-              <a:t>‹#›</a:t>
+              <a:t>‹Nr.›</a:t>
             </a:fld>
             <a:endParaRPr lang="en-GB"/>
           </a:p>
@@ -508,7 +517,7 @@
           <a:lstStyle/>
           <a:p>
             <a:r>
-              <a:rPr lang="en-US" smtClean="0"/>
+              <a:rPr lang="en-US"/>
               <a:t>Click to edit Master title style</a:t>
             </a:r>
             <a:endParaRPr lang="en-GB"/>
@@ -537,35 +546,35 @@
           <a:p>
             <a:pPr lvl="0"/>
             <a:r>
-              <a:rPr lang="en-US" smtClean="0"/>
+              <a:rPr lang="en-US"/>
               <a:t>Edit Master text styles</a:t>
             </a:r>
           </a:p>
           <a:p>
             <a:pPr lvl="1"/>
             <a:r>
-              <a:rPr lang="en-US" smtClean="0"/>
+              <a:rPr lang="en-US"/>
               <a:t>Second level</a:t>
             </a:r>
           </a:p>
           <a:p>
             <a:pPr lvl="2"/>
             <a:r>
-              <a:rPr lang="en-US" smtClean="0"/>
+              <a:rPr lang="en-US"/>
               <a:t>Third level</a:t>
             </a:r>
           </a:p>
           <a:p>
             <a:pPr lvl="3"/>
             <a:r>
-              <a:rPr lang="en-US" smtClean="0"/>
+              <a:rPr lang="en-US"/>
               <a:t>Fourth level</a:t>
             </a:r>
           </a:p>
           <a:p>
             <a:pPr lvl="4"/>
             <a:r>
-              <a:rPr lang="en-US" smtClean="0"/>
+              <a:rPr lang="en-US"/>
               <a:t>Fifth level</a:t>
             </a:r>
             <a:endParaRPr lang="en-GB"/>
@@ -589,7 +598,7 @@
           <a:p>
             <a:fld id="{26DDC37A-2C2D-40D8-9678-FEE24CA3A861}" type="datetimeFigureOut">
               <a:rPr lang="en-GB" smtClean="0"/>
-              <a:t>14/08/2017</a:t>
+              <a:t>19/08/2017</a:t>
             </a:fld>
             <a:endParaRPr lang="en-GB"/>
           </a:p>
@@ -631,7 +640,7 @@
           <a:p>
             <a:fld id="{53007432-4F62-4A3D-96D0-1D087F291AF4}" type="slidenum">
               <a:rPr lang="en-GB" smtClean="0"/>
-              <a:t>‹#›</a:t>
+              <a:t>‹Nr.›</a:t>
             </a:fld>
             <a:endParaRPr lang="en-GB"/>
           </a:p>
@@ -683,7 +692,7 @@
           <a:lstStyle/>
           <a:p>
             <a:r>
-              <a:rPr lang="en-US" smtClean="0"/>
+              <a:rPr lang="en-US"/>
               <a:t>Click to edit Master title style</a:t>
             </a:r>
             <a:endParaRPr lang="en-GB"/>
@@ -707,35 +716,35 @@
           <a:p>
             <a:pPr lvl="0"/>
             <a:r>
-              <a:rPr lang="en-US" smtClean="0"/>
+              <a:rPr lang="en-US"/>
               <a:t>Edit Master text styles</a:t>
             </a:r>
           </a:p>
           <a:p>
             <a:pPr lvl="1"/>
             <a:r>
-              <a:rPr lang="en-US" smtClean="0"/>
+              <a:rPr lang="en-US"/>
               <a:t>Second level</a:t>
             </a:r>
           </a:p>
           <a:p>
             <a:pPr lvl="2"/>
             <a:r>
-              <a:rPr lang="en-US" smtClean="0"/>
+              <a:rPr lang="en-US"/>
               <a:t>Third level</a:t>
             </a:r>
           </a:p>
           <a:p>
             <a:pPr lvl="3"/>
             <a:r>
-              <a:rPr lang="en-US" smtClean="0"/>
+              <a:rPr lang="en-US"/>
               <a:t>Fourth level</a:t>
             </a:r>
           </a:p>
           <a:p>
             <a:pPr lvl="4"/>
             <a:r>
-              <a:rPr lang="en-US" smtClean="0"/>
+              <a:rPr lang="en-US"/>
               <a:t>Fifth level</a:t>
             </a:r>
             <a:endParaRPr lang="en-GB"/>
@@ -759,7 +768,7 @@
           <a:p>
             <a:fld id="{26DDC37A-2C2D-40D8-9678-FEE24CA3A861}" type="datetimeFigureOut">
               <a:rPr lang="en-GB" smtClean="0"/>
-              <a:t>14/08/2017</a:t>
+              <a:t>19/08/2017</a:t>
             </a:fld>
             <a:endParaRPr lang="en-GB"/>
           </a:p>
@@ -801,7 +810,7 @@
           <a:p>
             <a:fld id="{53007432-4F62-4A3D-96D0-1D087F291AF4}" type="slidenum">
               <a:rPr lang="en-GB" smtClean="0"/>
-              <a:t>‹#›</a:t>
+              <a:t>‹Nr.›</a:t>
             </a:fld>
             <a:endParaRPr lang="en-GB"/>
           </a:p>
@@ -862,7 +871,7 @@
           </a:lstStyle>
           <a:p>
             <a:r>
-              <a:rPr lang="en-US" smtClean="0"/>
+              <a:rPr lang="en-US"/>
               <a:t>Click to edit Master title style</a:t>
             </a:r>
             <a:endParaRPr lang="en-GB"/>
@@ -982,7 +991,7 @@
           <a:p>
             <a:pPr lvl="0"/>
             <a:r>
-              <a:rPr lang="en-US" smtClean="0"/>
+              <a:rPr lang="en-US"/>
               <a:t>Edit Master text styles</a:t>
             </a:r>
           </a:p>
@@ -1005,7 +1014,7 @@
           <a:p>
             <a:fld id="{26DDC37A-2C2D-40D8-9678-FEE24CA3A861}" type="datetimeFigureOut">
               <a:rPr lang="en-GB" smtClean="0"/>
-              <a:t>14/08/2017</a:t>
+              <a:t>19/08/2017</a:t>
             </a:fld>
             <a:endParaRPr lang="en-GB"/>
           </a:p>
@@ -1047,7 +1056,7 @@
           <a:p>
             <a:fld id="{53007432-4F62-4A3D-96D0-1D087F291AF4}" type="slidenum">
               <a:rPr lang="en-GB" smtClean="0"/>
-              <a:t>‹#›</a:t>
+              <a:t>‹Nr.›</a:t>
             </a:fld>
             <a:endParaRPr lang="en-GB"/>
           </a:p>
@@ -1099,7 +1108,7 @@
           <a:lstStyle/>
           <a:p>
             <a:r>
-              <a:rPr lang="en-US" smtClean="0"/>
+              <a:rPr lang="en-US"/>
               <a:t>Click to edit Master title style</a:t>
             </a:r>
             <a:endParaRPr lang="en-GB"/>
@@ -1128,35 +1137,35 @@
           <a:p>
             <a:pPr lvl="0"/>
             <a:r>
-              <a:rPr lang="en-US" smtClean="0"/>
+              <a:rPr lang="en-US"/>
               <a:t>Edit Master text styles</a:t>
             </a:r>
           </a:p>
           <a:p>
             <a:pPr lvl="1"/>
             <a:r>
-              <a:rPr lang="en-US" smtClean="0"/>
+              <a:rPr lang="en-US"/>
               <a:t>Second level</a:t>
             </a:r>
           </a:p>
           <a:p>
             <a:pPr lvl="2"/>
             <a:r>
-              <a:rPr lang="en-US" smtClean="0"/>
+              <a:rPr lang="en-US"/>
               <a:t>Third level</a:t>
             </a:r>
           </a:p>
           <a:p>
             <a:pPr lvl="3"/>
             <a:r>
-              <a:rPr lang="en-US" smtClean="0"/>
+              <a:rPr lang="en-US"/>
               <a:t>Fourth level</a:t>
             </a:r>
           </a:p>
           <a:p>
             <a:pPr lvl="4"/>
             <a:r>
-              <a:rPr lang="en-US" smtClean="0"/>
+              <a:rPr lang="en-US"/>
               <a:t>Fifth level</a:t>
             </a:r>
             <a:endParaRPr lang="en-GB"/>
@@ -1185,35 +1194,35 @@
           <a:p>
             <a:pPr lvl="0"/>
             <a:r>
-              <a:rPr lang="en-US" smtClean="0"/>
+              <a:rPr lang="en-US"/>
               <a:t>Edit Master text styles</a:t>
             </a:r>
           </a:p>
           <a:p>
             <a:pPr lvl="1"/>
             <a:r>
-              <a:rPr lang="en-US" smtClean="0"/>
+              <a:rPr lang="en-US"/>
               <a:t>Second level</a:t>
             </a:r>
           </a:p>
           <a:p>
             <a:pPr lvl="2"/>
             <a:r>
-              <a:rPr lang="en-US" smtClean="0"/>
+              <a:rPr lang="en-US"/>
               <a:t>Third level</a:t>
             </a:r>
           </a:p>
           <a:p>
             <a:pPr lvl="3"/>
             <a:r>
-              <a:rPr lang="en-US" smtClean="0"/>
+              <a:rPr lang="en-US"/>
               <a:t>Fourth level</a:t>
             </a:r>
           </a:p>
           <a:p>
             <a:pPr lvl="4"/>
             <a:r>
-              <a:rPr lang="en-US" smtClean="0"/>
+              <a:rPr lang="en-US"/>
               <a:t>Fifth level</a:t>
             </a:r>
             <a:endParaRPr lang="en-GB"/>
@@ -1237,7 +1246,7 @@
           <a:p>
             <a:fld id="{26DDC37A-2C2D-40D8-9678-FEE24CA3A861}" type="datetimeFigureOut">
               <a:rPr lang="en-GB" smtClean="0"/>
-              <a:t>14/08/2017</a:t>
+              <a:t>19/08/2017</a:t>
             </a:fld>
             <a:endParaRPr lang="en-GB"/>
           </a:p>
@@ -1279,7 +1288,7 @@
           <a:p>
             <a:fld id="{53007432-4F62-4A3D-96D0-1D087F291AF4}" type="slidenum">
               <a:rPr lang="en-GB" smtClean="0"/>
-              <a:t>‹#›</a:t>
+              <a:t>‹Nr.›</a:t>
             </a:fld>
             <a:endParaRPr lang="en-GB"/>
           </a:p>
@@ -1336,7 +1345,7 @@
           <a:lstStyle/>
           <a:p>
             <a:r>
-              <a:rPr lang="en-US" smtClean="0"/>
+              <a:rPr lang="en-US"/>
               <a:t>Click to edit Master title style</a:t>
             </a:r>
             <a:endParaRPr lang="en-GB"/>
@@ -1402,7 +1411,7 @@
           <a:p>
             <a:pPr lvl="0"/>
             <a:r>
-              <a:rPr lang="en-US" smtClean="0"/>
+              <a:rPr lang="en-US"/>
               <a:t>Edit Master text styles</a:t>
             </a:r>
           </a:p>
@@ -1430,35 +1439,35 @@
           <a:p>
             <a:pPr lvl="0"/>
             <a:r>
-              <a:rPr lang="en-US" smtClean="0"/>
+              <a:rPr lang="en-US"/>
               <a:t>Edit Master text styles</a:t>
             </a:r>
           </a:p>
           <a:p>
             <a:pPr lvl="1"/>
             <a:r>
-              <a:rPr lang="en-US" smtClean="0"/>
+              <a:rPr lang="en-US"/>
               <a:t>Second level</a:t>
             </a:r>
           </a:p>
           <a:p>
             <a:pPr lvl="2"/>
             <a:r>
-              <a:rPr lang="en-US" smtClean="0"/>
+              <a:rPr lang="en-US"/>
               <a:t>Third level</a:t>
             </a:r>
           </a:p>
           <a:p>
             <a:pPr lvl="3"/>
             <a:r>
-              <a:rPr lang="en-US" smtClean="0"/>
+              <a:rPr lang="en-US"/>
               <a:t>Fourth level</a:t>
             </a:r>
           </a:p>
           <a:p>
             <a:pPr lvl="4"/>
             <a:r>
-              <a:rPr lang="en-US" smtClean="0"/>
+              <a:rPr lang="en-US"/>
               <a:t>Fifth level</a:t>
             </a:r>
             <a:endParaRPr lang="en-GB"/>
@@ -1524,7 +1533,7 @@
           <a:p>
             <a:pPr lvl="0"/>
             <a:r>
-              <a:rPr lang="en-US" smtClean="0"/>
+              <a:rPr lang="en-US"/>
               <a:t>Edit Master text styles</a:t>
             </a:r>
           </a:p>
@@ -1552,35 +1561,35 @@
           <a:p>
             <a:pPr lvl="0"/>
             <a:r>
-              <a:rPr lang="en-US" smtClean="0"/>
+              <a:rPr lang="en-US"/>
               <a:t>Edit Master text styles</a:t>
             </a:r>
           </a:p>
           <a:p>
             <a:pPr lvl="1"/>
             <a:r>
-              <a:rPr lang="en-US" smtClean="0"/>
+              <a:rPr lang="en-US"/>
               <a:t>Second level</a:t>
             </a:r>
           </a:p>
           <a:p>
             <a:pPr lvl="2"/>
             <a:r>
-              <a:rPr lang="en-US" smtClean="0"/>
+              <a:rPr lang="en-US"/>
               <a:t>Third level</a:t>
             </a:r>
           </a:p>
           <a:p>
             <a:pPr lvl="3"/>
             <a:r>
-              <a:rPr lang="en-US" smtClean="0"/>
+              <a:rPr lang="en-US"/>
               <a:t>Fourth level</a:t>
             </a:r>
           </a:p>
           <a:p>
             <a:pPr lvl="4"/>
             <a:r>
-              <a:rPr lang="en-US" smtClean="0"/>
+              <a:rPr lang="en-US"/>
               <a:t>Fifth level</a:t>
             </a:r>
             <a:endParaRPr lang="en-GB"/>
@@ -1604,7 +1613,7 @@
           <a:p>
             <a:fld id="{26DDC37A-2C2D-40D8-9678-FEE24CA3A861}" type="datetimeFigureOut">
               <a:rPr lang="en-GB" smtClean="0"/>
-              <a:t>14/08/2017</a:t>
+              <a:t>19/08/2017</a:t>
             </a:fld>
             <a:endParaRPr lang="en-GB"/>
           </a:p>
@@ -1646,7 +1655,7 @@
           <a:p>
             <a:fld id="{53007432-4F62-4A3D-96D0-1D087F291AF4}" type="slidenum">
               <a:rPr lang="en-GB" smtClean="0"/>
-              <a:t>‹#›</a:t>
+              <a:t>‹Nr.›</a:t>
             </a:fld>
             <a:endParaRPr lang="en-GB"/>
           </a:p>
@@ -1698,7 +1707,7 @@
           <a:lstStyle/>
           <a:p>
             <a:r>
-              <a:rPr lang="en-US" smtClean="0"/>
+              <a:rPr lang="en-US"/>
               <a:t>Click to edit Master title style</a:t>
             </a:r>
             <a:endParaRPr lang="en-GB"/>
@@ -1722,7 +1731,7 @@
           <a:p>
             <a:fld id="{26DDC37A-2C2D-40D8-9678-FEE24CA3A861}" type="datetimeFigureOut">
               <a:rPr lang="en-GB" smtClean="0"/>
-              <a:t>14/08/2017</a:t>
+              <a:t>19/08/2017</a:t>
             </a:fld>
             <a:endParaRPr lang="en-GB"/>
           </a:p>
@@ -1764,7 +1773,7 @@
           <a:p>
             <a:fld id="{53007432-4F62-4A3D-96D0-1D087F291AF4}" type="slidenum">
               <a:rPr lang="en-GB" smtClean="0"/>
-              <a:t>‹#›</a:t>
+              <a:t>‹Nr.›</a:t>
             </a:fld>
             <a:endParaRPr lang="en-GB"/>
           </a:p>
@@ -1817,7 +1826,7 @@
           <a:p>
             <a:fld id="{26DDC37A-2C2D-40D8-9678-FEE24CA3A861}" type="datetimeFigureOut">
               <a:rPr lang="en-GB" smtClean="0"/>
-              <a:t>14/08/2017</a:t>
+              <a:t>19/08/2017</a:t>
             </a:fld>
             <a:endParaRPr lang="en-GB"/>
           </a:p>
@@ -1859,7 +1868,7 @@
           <a:p>
             <a:fld id="{53007432-4F62-4A3D-96D0-1D087F291AF4}" type="slidenum">
               <a:rPr lang="en-GB" smtClean="0"/>
-              <a:t>‹#›</a:t>
+              <a:t>‹Nr.›</a:t>
             </a:fld>
             <a:endParaRPr lang="en-GB"/>
           </a:p>
@@ -1920,7 +1929,7 @@
           </a:lstStyle>
           <a:p>
             <a:r>
-              <a:rPr lang="en-US" smtClean="0"/>
+              <a:rPr lang="en-US"/>
               <a:t>Click to edit Master title style</a:t>
             </a:r>
             <a:endParaRPr lang="en-GB"/>
@@ -1977,35 +1986,35 @@
           <a:p>
             <a:pPr lvl="0"/>
             <a:r>
-              <a:rPr lang="en-US" smtClean="0"/>
+              <a:rPr lang="en-US"/>
               <a:t>Edit Master text styles</a:t>
             </a:r>
           </a:p>
           <a:p>
             <a:pPr lvl="1"/>
             <a:r>
-              <a:rPr lang="en-US" smtClean="0"/>
+              <a:rPr lang="en-US"/>
               <a:t>Second level</a:t>
             </a:r>
           </a:p>
           <a:p>
             <a:pPr lvl="2"/>
             <a:r>
-              <a:rPr lang="en-US" smtClean="0"/>
+              <a:rPr lang="en-US"/>
               <a:t>Third level</a:t>
             </a:r>
           </a:p>
           <a:p>
             <a:pPr lvl="3"/>
             <a:r>
-              <a:rPr lang="en-US" smtClean="0"/>
+              <a:rPr lang="en-US"/>
               <a:t>Fourth level</a:t>
             </a:r>
           </a:p>
           <a:p>
             <a:pPr lvl="4"/>
             <a:r>
-              <a:rPr lang="en-US" smtClean="0"/>
+              <a:rPr lang="en-US"/>
               <a:t>Fifth level</a:t>
             </a:r>
             <a:endParaRPr lang="en-GB"/>
@@ -2071,7 +2080,7 @@
           <a:p>
             <a:pPr lvl="0"/>
             <a:r>
-              <a:rPr lang="en-US" smtClean="0"/>
+              <a:rPr lang="en-US"/>
               <a:t>Edit Master text styles</a:t>
             </a:r>
           </a:p>
@@ -2094,7 +2103,7 @@
           <a:p>
             <a:fld id="{26DDC37A-2C2D-40D8-9678-FEE24CA3A861}" type="datetimeFigureOut">
               <a:rPr lang="en-GB" smtClean="0"/>
-              <a:t>14/08/2017</a:t>
+              <a:t>19/08/2017</a:t>
             </a:fld>
             <a:endParaRPr lang="en-GB"/>
           </a:p>
@@ -2136,7 +2145,7 @@
           <a:p>
             <a:fld id="{53007432-4F62-4A3D-96D0-1D087F291AF4}" type="slidenum">
               <a:rPr lang="en-GB" smtClean="0"/>
-              <a:t>‹#›</a:t>
+              <a:t>‹Nr.›</a:t>
             </a:fld>
             <a:endParaRPr lang="en-GB"/>
           </a:p>
@@ -2197,7 +2206,7 @@
           </a:lstStyle>
           <a:p>
             <a:r>
-              <a:rPr lang="en-US" smtClean="0"/>
+              <a:rPr lang="en-US"/>
               <a:t>Click to edit Master title style</a:t>
             </a:r>
             <a:endParaRPr lang="en-GB"/>
@@ -2324,7 +2333,7 @@
           <a:p>
             <a:pPr lvl="0"/>
             <a:r>
-              <a:rPr lang="en-US" smtClean="0"/>
+              <a:rPr lang="en-US"/>
               <a:t>Edit Master text styles</a:t>
             </a:r>
           </a:p>
@@ -2347,7 +2356,7 @@
           <a:p>
             <a:fld id="{26DDC37A-2C2D-40D8-9678-FEE24CA3A861}" type="datetimeFigureOut">
               <a:rPr lang="en-GB" smtClean="0"/>
-              <a:t>14/08/2017</a:t>
+              <a:t>19/08/2017</a:t>
             </a:fld>
             <a:endParaRPr lang="en-GB"/>
           </a:p>
@@ -2389,7 +2398,7 @@
           <a:p>
             <a:fld id="{53007432-4F62-4A3D-96D0-1D087F291AF4}" type="slidenum">
               <a:rPr lang="en-GB" smtClean="0"/>
-              <a:t>‹#›</a:t>
+              <a:t>‹Nr.›</a:t>
             </a:fld>
             <a:endParaRPr lang="en-GB"/>
           </a:p>
@@ -2456,7 +2465,7 @@
           <a:lstStyle/>
           <a:p>
             <a:r>
-              <a:rPr lang="en-US" smtClean="0"/>
+              <a:rPr lang="en-US"/>
               <a:t>Click to edit Master title style</a:t>
             </a:r>
             <a:endParaRPr lang="en-GB"/>
@@ -2490,35 +2499,35 @@
           <a:p>
             <a:pPr lvl="0"/>
             <a:r>
-              <a:rPr lang="en-US" smtClean="0"/>
+              <a:rPr lang="en-US"/>
               <a:t>Edit Master text styles</a:t>
             </a:r>
           </a:p>
           <a:p>
             <a:pPr lvl="1"/>
             <a:r>
-              <a:rPr lang="en-US" smtClean="0"/>
+              <a:rPr lang="en-US"/>
               <a:t>Second level</a:t>
             </a:r>
           </a:p>
           <a:p>
             <a:pPr lvl="2"/>
             <a:r>
-              <a:rPr lang="en-US" smtClean="0"/>
+              <a:rPr lang="en-US"/>
               <a:t>Third level</a:t>
             </a:r>
           </a:p>
           <a:p>
             <a:pPr lvl="3"/>
             <a:r>
-              <a:rPr lang="en-US" smtClean="0"/>
+              <a:rPr lang="en-US"/>
               <a:t>Fourth level</a:t>
             </a:r>
           </a:p>
           <a:p>
             <a:pPr lvl="4"/>
             <a:r>
-              <a:rPr lang="en-US" smtClean="0"/>
+              <a:rPr lang="en-US"/>
               <a:t>Fifth level</a:t>
             </a:r>
             <a:endParaRPr lang="en-GB"/>
@@ -2560,7 +2569,7 @@
           <a:p>
             <a:fld id="{26DDC37A-2C2D-40D8-9678-FEE24CA3A861}" type="datetimeFigureOut">
               <a:rPr lang="en-GB" smtClean="0"/>
-              <a:t>14/08/2017</a:t>
+              <a:t>19/08/2017</a:t>
             </a:fld>
             <a:endParaRPr lang="en-GB"/>
           </a:p>
@@ -2638,7 +2647,7 @@
           <a:p>
             <a:fld id="{53007432-4F62-4A3D-96D0-1D087F291AF4}" type="slidenum">
               <a:rPr lang="en-GB" smtClean="0"/>
-              <a:t>‹#›</a:t>
+              <a:t>‹Nr.›</a:t>
             </a:fld>
             <a:endParaRPr lang="en-GB"/>
           </a:p>
@@ -3076,10 +3085,9 @@
           <a:p>
             <a:pPr algn="ctr"/>
             <a:r>
-              <a:rPr lang="en-GB" sz="3600" dirty="0" smtClean="0"/>
+              <a:rPr lang="en-GB" sz="3600" dirty="0"/>
               <a:t>A</a:t>
             </a:r>
-            <a:endParaRPr lang="en-GB" sz="3600" dirty="0"/>
           </a:p>
         </p:txBody>
       </p:sp>
@@ -3126,10 +3134,9 @@
           <a:p>
             <a:pPr algn="ctr"/>
             <a:r>
-              <a:rPr lang="en-GB" sz="3600" dirty="0" smtClean="0"/>
+              <a:rPr lang="en-GB" sz="3600" dirty="0"/>
               <a:t>A</a:t>
             </a:r>
-            <a:endParaRPr lang="en-GB" sz="3600" dirty="0"/>
           </a:p>
         </p:txBody>
       </p:sp>
@@ -3176,10 +3183,9 @@
           <a:p>
             <a:pPr algn="ctr"/>
             <a:r>
-              <a:rPr lang="en-GB" sz="3600" dirty="0" smtClean="0"/>
+              <a:rPr lang="en-GB" sz="3600" dirty="0"/>
               <a:t>B</a:t>
             </a:r>
-            <a:endParaRPr lang="en-GB" sz="3600" dirty="0"/>
           </a:p>
         </p:txBody>
       </p:sp>
@@ -3226,10 +3232,9 @@
           <a:p>
             <a:pPr algn="ctr"/>
             <a:r>
-              <a:rPr lang="en-GB" sz="3600" dirty="0" smtClean="0"/>
+              <a:rPr lang="en-GB" sz="3600" dirty="0"/>
               <a:t>C</a:t>
             </a:r>
-            <a:endParaRPr lang="en-GB" sz="3600" dirty="0"/>
           </a:p>
         </p:txBody>
       </p:sp>
@@ -3382,10 +3387,9 @@
           <a:p>
             <a:pPr algn="ctr"/>
             <a:r>
-              <a:rPr lang="en-GB" sz="3600" dirty="0" smtClean="0"/>
+              <a:rPr lang="en-GB" sz="3600" dirty="0"/>
               <a:t>A</a:t>
             </a:r>
-            <a:endParaRPr lang="en-GB" sz="3600" dirty="0"/>
           </a:p>
         </p:txBody>
       </p:sp>
@@ -3432,10 +3436,9 @@
           <a:p>
             <a:pPr algn="ctr"/>
             <a:r>
-              <a:rPr lang="en-GB" sz="3600" dirty="0" smtClean="0"/>
+              <a:rPr lang="en-GB" sz="3600" dirty="0"/>
               <a:t>B</a:t>
             </a:r>
-            <a:endParaRPr lang="en-GB" sz="3600" dirty="0"/>
           </a:p>
         </p:txBody>
       </p:sp>
@@ -3454,7 +3457,9 @@
             <a:avLst/>
           </a:prstGeom>
           <a:solidFill>
-            <a:srgbClr val="FF820A"/>
+            <a:srgbClr val="FF820A">
+              <a:alpha val="30000"/>
+            </a:srgbClr>
           </a:solidFill>
           <a:ln>
             <a:noFill/>
@@ -3482,10 +3487,9 @@
           <a:p>
             <a:pPr algn="ctr"/>
             <a:r>
-              <a:rPr lang="en-GB" sz="3600" dirty="0" smtClean="0"/>
+              <a:rPr lang="en-GB" sz="3600" dirty="0"/>
               <a:t>C</a:t>
             </a:r>
-            <a:endParaRPr lang="en-GB" sz="3600" dirty="0"/>
           </a:p>
         </p:txBody>
       </p:sp>
@@ -3543,6 +3547,11 @@
             <a:avLst/>
           </a:prstGeom>
           <a:ln w="88900">
+            <a:solidFill>
+              <a:schemeClr val="accent1">
+                <a:alpha val="30000"/>
+              </a:schemeClr>
+            </a:solidFill>
             <a:tailEnd type="triangle"/>
           </a:ln>
         </p:spPr>
@@ -3604,10 +3613,9 @@
           <a:p>
             <a:pPr algn="ctr"/>
             <a:r>
-              <a:rPr lang="en-GB" sz="3600" dirty="0" smtClean="0"/>
+              <a:rPr lang="en-GB" sz="3600" dirty="0"/>
               <a:t>C’</a:t>
             </a:r>
-            <a:endParaRPr lang="en-GB" sz="3600" dirty="0"/>
           </a:p>
         </p:txBody>
       </p:sp>
@@ -3695,10 +3703,9 @@
           <a:p>
             <a:pPr algn="ctr"/>
             <a:r>
-              <a:rPr lang="en-GB" sz="2400" dirty="0" smtClean="0"/>
+              <a:rPr lang="en-GB" sz="2400" dirty="0"/>
               <a:t>master</a:t>
             </a:r>
-            <a:endParaRPr lang="en-GB" sz="2400" dirty="0"/>
           </a:p>
         </p:txBody>
       </p:sp>
@@ -3750,10 +3757,9 @@
           <a:p>
             <a:pPr algn="ctr"/>
             <a:r>
-              <a:rPr lang="en-GB" sz="2400" dirty="0" smtClean="0"/>
+              <a:rPr lang="en-GB" sz="2400" dirty="0"/>
               <a:t>master</a:t>
             </a:r>
-            <a:endParaRPr lang="en-GB" sz="2400" dirty="0"/>
           </a:p>
         </p:txBody>
       </p:sp>
@@ -3805,10 +3811,9 @@
           <a:p>
             <a:pPr algn="ctr"/>
             <a:r>
-              <a:rPr lang="en-GB" sz="2400" dirty="0" smtClean="0"/>
+              <a:rPr lang="en-GB" sz="2400" dirty="0"/>
               <a:t>master</a:t>
             </a:r>
-            <a:endParaRPr lang="en-GB" sz="2400" dirty="0"/>
           </a:p>
         </p:txBody>
       </p:sp>
@@ -3860,10 +3865,9 @@
           <a:p>
             <a:pPr algn="ctr"/>
             <a:r>
-              <a:rPr lang="en-GB" sz="2400" dirty="0" smtClean="0"/>
+              <a:rPr lang="en-GB" sz="2400" dirty="0"/>
               <a:t>master</a:t>
             </a:r>
-            <a:endParaRPr lang="en-GB" sz="2400" dirty="0"/>
           </a:p>
         </p:txBody>
       </p:sp>
@@ -3899,39 +3903,2439 @@
       </p:grpSpPr>
       <p:sp>
         <p:nvSpPr>
-          <p:cNvPr id="2" name="Title 1"/>
-          <p:cNvSpPr>
-            <a:spLocks noGrp="1"/>
-          </p:cNvSpPr>
-          <p:nvPr>
-            <p:ph type="title"/>
-          </p:nvPr>
-        </p:nvSpPr>
-        <p:spPr/>
-        <p:txBody>
-          <a:bodyPr/>
-          <a:lstStyle/>
-          <a:p>
-            <a:endParaRPr lang="en-GB"/>
-          </a:p>
-        </p:txBody>
-      </p:sp>
-      <p:sp>
-        <p:nvSpPr>
-          <p:cNvPr id="3" name="Content Placeholder 2"/>
-          <p:cNvSpPr>
-            <a:spLocks noGrp="1"/>
-          </p:cNvSpPr>
-          <p:nvPr>
-            <p:ph idx="1"/>
-          </p:nvPr>
-        </p:nvSpPr>
-        <p:spPr/>
-        <p:txBody>
-          <a:bodyPr/>
-          <a:lstStyle/>
-          <a:p>
-            <a:endParaRPr lang="en-GB"/>
+          <p:cNvPr id="78" name="Down Arrow Callout 67">
+            <a:extLst>
+              <a:ext uri="{FF2B5EF4-FFF2-40B4-BE49-F238E27FC236}">
+                <a16:creationId xmlns:a16="http://schemas.microsoft.com/office/drawing/2014/main" id="{0856F122-239F-479C-90ED-57E87C773CCB}"/>
+              </a:ext>
+            </a:extLst>
+          </p:cNvPr>
+          <p:cNvSpPr/>
+          <p:nvPr/>
+        </p:nvSpPr>
+        <p:spPr>
+          <a:xfrm>
+            <a:off x="12580882" y="5940632"/>
+            <a:ext cx="1307308" cy="716205"/>
+          </a:xfrm>
+          <a:prstGeom prst="downArrowCallout">
+            <a:avLst>
+              <a:gd name="adj1" fmla="val 18711"/>
+              <a:gd name="adj2" fmla="val 18711"/>
+              <a:gd name="adj3" fmla="val 25000"/>
+              <a:gd name="adj4" fmla="val 64977"/>
+            </a:avLst>
+          </a:prstGeom>
+          <a:solidFill>
+            <a:srgbClr val="FEB080"/>
+          </a:solidFill>
+          <a:ln>
+            <a:noFill/>
+          </a:ln>
+        </p:spPr>
+        <p:style>
+          <a:lnRef idx="2">
+            <a:schemeClr val="accent1">
+              <a:shade val="50000"/>
+            </a:schemeClr>
+          </a:lnRef>
+          <a:fillRef idx="1">
+            <a:schemeClr val="accent1"/>
+          </a:fillRef>
+          <a:effectRef idx="0">
+            <a:schemeClr val="accent1"/>
+          </a:effectRef>
+          <a:fontRef idx="minor">
+            <a:schemeClr val="lt1"/>
+          </a:fontRef>
+        </p:style>
+        <p:txBody>
+          <a:bodyPr rtlCol="0" anchor="ctr"/>
+          <a:lstStyle/>
+          <a:p>
+            <a:pPr algn="ctr"/>
+            <a:r>
+              <a:rPr lang="en-GB" sz="2400" dirty="0"/>
+              <a:t>feature</a:t>
+            </a:r>
+          </a:p>
+        </p:txBody>
+      </p:sp>
+      <p:sp>
+        <p:nvSpPr>
+          <p:cNvPr id="4" name="Oval 47">
+            <a:extLst>
+              <a:ext uri="{FF2B5EF4-FFF2-40B4-BE49-F238E27FC236}">
+                <a16:creationId xmlns:a16="http://schemas.microsoft.com/office/drawing/2014/main" id="{5EA7ADD5-9CAA-4F42-B4B8-7A5AB8B4488A}"/>
+              </a:ext>
+            </a:extLst>
+          </p:cNvPr>
+          <p:cNvSpPr/>
+          <p:nvPr/>
+        </p:nvSpPr>
+        <p:spPr>
+          <a:xfrm>
+            <a:off x="746262" y="1563521"/>
+            <a:ext cx="684695" cy="684695"/>
+          </a:xfrm>
+          <a:prstGeom prst="ellipse">
+            <a:avLst/>
+          </a:prstGeom>
+          <a:solidFill>
+            <a:srgbClr val="FF820A"/>
+          </a:solidFill>
+          <a:ln>
+            <a:noFill/>
+          </a:ln>
+        </p:spPr>
+        <p:style>
+          <a:lnRef idx="2">
+            <a:schemeClr val="accent1">
+              <a:shade val="50000"/>
+            </a:schemeClr>
+          </a:lnRef>
+          <a:fillRef idx="1">
+            <a:schemeClr val="accent1"/>
+          </a:fillRef>
+          <a:effectRef idx="0">
+            <a:schemeClr val="accent1"/>
+          </a:effectRef>
+          <a:fontRef idx="minor">
+            <a:schemeClr val="lt1"/>
+          </a:fontRef>
+        </p:style>
+        <p:txBody>
+          <a:bodyPr wrap="none" lIns="0" tIns="0" rIns="0" bIns="0" rtlCol="0" anchor="ctr"/>
+          <a:lstStyle/>
+          <a:p>
+            <a:pPr algn="ctr"/>
+            <a:r>
+              <a:rPr lang="en-GB" sz="3600" dirty="0"/>
+              <a:t>A</a:t>
+            </a:r>
+          </a:p>
+        </p:txBody>
+      </p:sp>
+      <p:sp>
+        <p:nvSpPr>
+          <p:cNvPr id="5" name="Oval 48">
+            <a:extLst>
+              <a:ext uri="{FF2B5EF4-FFF2-40B4-BE49-F238E27FC236}">
+                <a16:creationId xmlns:a16="http://schemas.microsoft.com/office/drawing/2014/main" id="{54FCC982-6C9F-458A-A743-C3EEE22671F8}"/>
+              </a:ext>
+            </a:extLst>
+          </p:cNvPr>
+          <p:cNvSpPr/>
+          <p:nvPr/>
+        </p:nvSpPr>
+        <p:spPr>
+          <a:xfrm>
+            <a:off x="2205698" y="1563521"/>
+            <a:ext cx="684695" cy="684695"/>
+          </a:xfrm>
+          <a:prstGeom prst="ellipse">
+            <a:avLst/>
+          </a:prstGeom>
+          <a:solidFill>
+            <a:srgbClr val="FF820A"/>
+          </a:solidFill>
+          <a:ln>
+            <a:noFill/>
+          </a:ln>
+        </p:spPr>
+        <p:style>
+          <a:lnRef idx="2">
+            <a:schemeClr val="accent1">
+              <a:shade val="50000"/>
+            </a:schemeClr>
+          </a:lnRef>
+          <a:fillRef idx="1">
+            <a:schemeClr val="accent1"/>
+          </a:fillRef>
+          <a:effectRef idx="0">
+            <a:schemeClr val="accent1"/>
+          </a:effectRef>
+          <a:fontRef idx="minor">
+            <a:schemeClr val="lt1"/>
+          </a:fontRef>
+        </p:style>
+        <p:txBody>
+          <a:bodyPr wrap="none" lIns="0" tIns="0" rIns="0" bIns="0" rtlCol="0" anchor="ctr"/>
+          <a:lstStyle/>
+          <a:p>
+            <a:pPr algn="ctr"/>
+            <a:r>
+              <a:rPr lang="en-GB" sz="3600" dirty="0"/>
+              <a:t>B</a:t>
+            </a:r>
+          </a:p>
+        </p:txBody>
+      </p:sp>
+      <p:sp>
+        <p:nvSpPr>
+          <p:cNvPr id="6" name="Oval 49">
+            <a:extLst>
+              <a:ext uri="{FF2B5EF4-FFF2-40B4-BE49-F238E27FC236}">
+                <a16:creationId xmlns:a16="http://schemas.microsoft.com/office/drawing/2014/main" id="{4D2D22CA-5800-4A7B-9AD1-AD0E67619769}"/>
+              </a:ext>
+            </a:extLst>
+          </p:cNvPr>
+          <p:cNvSpPr/>
+          <p:nvPr/>
+        </p:nvSpPr>
+        <p:spPr>
+          <a:xfrm>
+            <a:off x="3665134" y="1563520"/>
+            <a:ext cx="684695" cy="684695"/>
+          </a:xfrm>
+          <a:prstGeom prst="ellipse">
+            <a:avLst/>
+          </a:prstGeom>
+          <a:solidFill>
+            <a:srgbClr val="FF820A"/>
+          </a:solidFill>
+          <a:ln>
+            <a:noFill/>
+          </a:ln>
+        </p:spPr>
+        <p:style>
+          <a:lnRef idx="2">
+            <a:schemeClr val="accent1">
+              <a:shade val="50000"/>
+            </a:schemeClr>
+          </a:lnRef>
+          <a:fillRef idx="1">
+            <a:schemeClr val="accent1"/>
+          </a:fillRef>
+          <a:effectRef idx="0">
+            <a:schemeClr val="accent1"/>
+          </a:effectRef>
+          <a:fontRef idx="minor">
+            <a:schemeClr val="lt1"/>
+          </a:fontRef>
+        </p:style>
+        <p:txBody>
+          <a:bodyPr wrap="none" lIns="0" tIns="0" rIns="0" bIns="0" rtlCol="0" anchor="ctr"/>
+          <a:lstStyle/>
+          <a:p>
+            <a:pPr algn="ctr"/>
+            <a:r>
+              <a:rPr lang="en-GB" sz="3600" dirty="0"/>
+              <a:t>C</a:t>
+            </a:r>
+          </a:p>
+        </p:txBody>
+      </p:sp>
+      <p:cxnSp>
+        <p:nvCxnSpPr>
+          <p:cNvPr id="7" name="Straight Arrow Connector 50">
+            <a:extLst>
+              <a:ext uri="{FF2B5EF4-FFF2-40B4-BE49-F238E27FC236}">
+                <a16:creationId xmlns:a16="http://schemas.microsoft.com/office/drawing/2014/main" id="{1BEF27FC-8886-4945-A892-0BB9F8CD2BE4}"/>
+              </a:ext>
+            </a:extLst>
+          </p:cNvPr>
+          <p:cNvCxnSpPr>
+            <a:stCxn id="4" idx="6"/>
+            <a:endCxn id="5" idx="2"/>
+          </p:cNvCxnSpPr>
+          <p:nvPr/>
+        </p:nvCxnSpPr>
+        <p:spPr>
+          <a:xfrm>
+            <a:off x="1430957" y="1905869"/>
+            <a:ext cx="774741" cy="0"/>
+          </a:xfrm>
+          <a:prstGeom prst="straightConnector1">
+            <a:avLst/>
+          </a:prstGeom>
+          <a:ln w="88900">
+            <a:tailEnd type="triangle"/>
+          </a:ln>
+        </p:spPr>
+        <p:style>
+          <a:lnRef idx="1">
+            <a:schemeClr val="accent1"/>
+          </a:lnRef>
+          <a:fillRef idx="0">
+            <a:schemeClr val="accent1"/>
+          </a:fillRef>
+          <a:effectRef idx="0">
+            <a:schemeClr val="accent1"/>
+          </a:effectRef>
+          <a:fontRef idx="minor">
+            <a:schemeClr val="tx1"/>
+          </a:fontRef>
+        </p:style>
+      </p:cxnSp>
+      <p:cxnSp>
+        <p:nvCxnSpPr>
+          <p:cNvPr id="8" name="Straight Arrow Connector 51">
+            <a:extLst>
+              <a:ext uri="{FF2B5EF4-FFF2-40B4-BE49-F238E27FC236}">
+                <a16:creationId xmlns:a16="http://schemas.microsoft.com/office/drawing/2014/main" id="{60695D23-D3EF-44B3-856E-673B72826592}"/>
+              </a:ext>
+            </a:extLst>
+          </p:cNvPr>
+          <p:cNvCxnSpPr>
+            <a:stCxn id="5" idx="6"/>
+            <a:endCxn id="6" idx="2"/>
+          </p:cNvCxnSpPr>
+          <p:nvPr/>
+        </p:nvCxnSpPr>
+        <p:spPr>
+          <a:xfrm flipV="1">
+            <a:off x="2890393" y="1905868"/>
+            <a:ext cx="774741" cy="1"/>
+          </a:xfrm>
+          <a:prstGeom prst="straightConnector1">
+            <a:avLst/>
+          </a:prstGeom>
+          <a:ln w="88900">
+            <a:tailEnd type="triangle"/>
+          </a:ln>
+        </p:spPr>
+        <p:style>
+          <a:lnRef idx="1">
+            <a:schemeClr val="accent1"/>
+          </a:lnRef>
+          <a:fillRef idx="0">
+            <a:schemeClr val="accent1"/>
+          </a:fillRef>
+          <a:effectRef idx="0">
+            <a:schemeClr val="accent1"/>
+          </a:effectRef>
+          <a:fontRef idx="minor">
+            <a:schemeClr val="tx1"/>
+          </a:fontRef>
+        </p:style>
+      </p:cxnSp>
+      <p:sp>
+        <p:nvSpPr>
+          <p:cNvPr id="9" name="Oval 52">
+            <a:extLst>
+              <a:ext uri="{FF2B5EF4-FFF2-40B4-BE49-F238E27FC236}">
+                <a16:creationId xmlns:a16="http://schemas.microsoft.com/office/drawing/2014/main" id="{4E6CD6C5-C0F4-452A-A29B-97E1C7BEF480}"/>
+              </a:ext>
+            </a:extLst>
+          </p:cNvPr>
+          <p:cNvSpPr/>
+          <p:nvPr/>
+        </p:nvSpPr>
+        <p:spPr>
+          <a:xfrm>
+            <a:off x="3665134" y="431400"/>
+            <a:ext cx="684695" cy="684695"/>
+          </a:xfrm>
+          <a:prstGeom prst="ellipse">
+            <a:avLst/>
+          </a:prstGeom>
+          <a:solidFill>
+            <a:srgbClr val="FF820A"/>
+          </a:solidFill>
+          <a:ln>
+            <a:noFill/>
+          </a:ln>
+        </p:spPr>
+        <p:style>
+          <a:lnRef idx="2">
+            <a:schemeClr val="accent1">
+              <a:shade val="50000"/>
+            </a:schemeClr>
+          </a:lnRef>
+          <a:fillRef idx="1">
+            <a:schemeClr val="accent1"/>
+          </a:fillRef>
+          <a:effectRef idx="0">
+            <a:schemeClr val="accent1"/>
+          </a:effectRef>
+          <a:fontRef idx="minor">
+            <a:schemeClr val="lt1"/>
+          </a:fontRef>
+        </p:style>
+        <p:txBody>
+          <a:bodyPr wrap="none" lIns="0" tIns="0" rIns="0" bIns="0" rtlCol="0" anchor="ctr"/>
+          <a:lstStyle/>
+          <a:p>
+            <a:pPr algn="ctr"/>
+            <a:r>
+              <a:rPr lang="en-GB" sz="3600" dirty="0"/>
+              <a:t>D</a:t>
+            </a:r>
+          </a:p>
+        </p:txBody>
+      </p:sp>
+      <p:cxnSp>
+        <p:nvCxnSpPr>
+          <p:cNvPr id="10" name="Curved Connector 53">
+            <a:extLst>
+              <a:ext uri="{FF2B5EF4-FFF2-40B4-BE49-F238E27FC236}">
+                <a16:creationId xmlns:a16="http://schemas.microsoft.com/office/drawing/2014/main" id="{87E352BF-2888-4255-884F-0DAA2C475E24}"/>
+              </a:ext>
+            </a:extLst>
+          </p:cNvPr>
+          <p:cNvCxnSpPr>
+            <a:stCxn id="5" idx="0"/>
+            <a:endCxn id="9" idx="2"/>
+          </p:cNvCxnSpPr>
+          <p:nvPr/>
+        </p:nvCxnSpPr>
+        <p:spPr>
+          <a:xfrm rot="5400000" flipH="1" flipV="1">
+            <a:off x="2711704" y="610091"/>
+            <a:ext cx="789773" cy="1117088"/>
+          </a:xfrm>
+          <a:prstGeom prst="curvedConnector2">
+            <a:avLst/>
+          </a:prstGeom>
+          <a:ln w="88900">
+            <a:tailEnd type="triangle"/>
+          </a:ln>
+        </p:spPr>
+        <p:style>
+          <a:lnRef idx="1">
+            <a:schemeClr val="accent1"/>
+          </a:lnRef>
+          <a:fillRef idx="0">
+            <a:schemeClr val="accent1"/>
+          </a:fillRef>
+          <a:effectRef idx="0">
+            <a:schemeClr val="accent1"/>
+          </a:effectRef>
+          <a:fontRef idx="minor">
+            <a:schemeClr val="tx1"/>
+          </a:fontRef>
+        </p:style>
+      </p:cxnSp>
+      <p:sp>
+        <p:nvSpPr>
+          <p:cNvPr id="14" name="Oval 47">
+            <a:extLst>
+              <a:ext uri="{FF2B5EF4-FFF2-40B4-BE49-F238E27FC236}">
+                <a16:creationId xmlns:a16="http://schemas.microsoft.com/office/drawing/2014/main" id="{B543FE65-40BE-4B96-9B2E-DB34D278AE93}"/>
+              </a:ext>
+            </a:extLst>
+          </p:cNvPr>
+          <p:cNvSpPr/>
+          <p:nvPr/>
+        </p:nvSpPr>
+        <p:spPr>
+          <a:xfrm>
+            <a:off x="746262" y="5450212"/>
+            <a:ext cx="684695" cy="684695"/>
+          </a:xfrm>
+          <a:prstGeom prst="ellipse">
+            <a:avLst/>
+          </a:prstGeom>
+          <a:solidFill>
+            <a:srgbClr val="FF820A"/>
+          </a:solidFill>
+          <a:ln>
+            <a:noFill/>
+          </a:ln>
+        </p:spPr>
+        <p:style>
+          <a:lnRef idx="2">
+            <a:schemeClr val="accent1">
+              <a:shade val="50000"/>
+            </a:schemeClr>
+          </a:lnRef>
+          <a:fillRef idx="1">
+            <a:schemeClr val="accent1"/>
+          </a:fillRef>
+          <a:effectRef idx="0">
+            <a:schemeClr val="accent1"/>
+          </a:effectRef>
+          <a:fontRef idx="minor">
+            <a:schemeClr val="lt1"/>
+          </a:fontRef>
+        </p:style>
+        <p:txBody>
+          <a:bodyPr wrap="none" lIns="0" tIns="0" rIns="0" bIns="0" rtlCol="0" anchor="ctr"/>
+          <a:lstStyle/>
+          <a:p>
+            <a:pPr algn="ctr"/>
+            <a:r>
+              <a:rPr lang="en-GB" sz="3600" dirty="0"/>
+              <a:t>A</a:t>
+            </a:r>
+          </a:p>
+        </p:txBody>
+      </p:sp>
+      <p:sp>
+        <p:nvSpPr>
+          <p:cNvPr id="15" name="Oval 48">
+            <a:extLst>
+              <a:ext uri="{FF2B5EF4-FFF2-40B4-BE49-F238E27FC236}">
+                <a16:creationId xmlns:a16="http://schemas.microsoft.com/office/drawing/2014/main" id="{2A96A9CF-9648-46CD-B001-28D238EE38CF}"/>
+              </a:ext>
+            </a:extLst>
+          </p:cNvPr>
+          <p:cNvSpPr/>
+          <p:nvPr/>
+        </p:nvSpPr>
+        <p:spPr>
+          <a:xfrm>
+            <a:off x="2205698" y="5450212"/>
+            <a:ext cx="684695" cy="684695"/>
+          </a:xfrm>
+          <a:prstGeom prst="ellipse">
+            <a:avLst/>
+          </a:prstGeom>
+          <a:solidFill>
+            <a:srgbClr val="FF820A"/>
+          </a:solidFill>
+          <a:ln>
+            <a:noFill/>
+          </a:ln>
+        </p:spPr>
+        <p:style>
+          <a:lnRef idx="2">
+            <a:schemeClr val="accent1">
+              <a:shade val="50000"/>
+            </a:schemeClr>
+          </a:lnRef>
+          <a:fillRef idx="1">
+            <a:schemeClr val="accent1"/>
+          </a:fillRef>
+          <a:effectRef idx="0">
+            <a:schemeClr val="accent1"/>
+          </a:effectRef>
+          <a:fontRef idx="minor">
+            <a:schemeClr val="lt1"/>
+          </a:fontRef>
+        </p:style>
+        <p:txBody>
+          <a:bodyPr wrap="none" lIns="0" tIns="0" rIns="0" bIns="0" rtlCol="0" anchor="ctr"/>
+          <a:lstStyle/>
+          <a:p>
+            <a:pPr algn="ctr"/>
+            <a:r>
+              <a:rPr lang="en-GB" sz="3600" dirty="0"/>
+              <a:t>B</a:t>
+            </a:r>
+          </a:p>
+        </p:txBody>
+      </p:sp>
+      <p:sp>
+        <p:nvSpPr>
+          <p:cNvPr id="16" name="Oval 49">
+            <a:extLst>
+              <a:ext uri="{FF2B5EF4-FFF2-40B4-BE49-F238E27FC236}">
+                <a16:creationId xmlns:a16="http://schemas.microsoft.com/office/drawing/2014/main" id="{009655AE-1AB4-4716-BF0A-9489CD43C174}"/>
+              </a:ext>
+            </a:extLst>
+          </p:cNvPr>
+          <p:cNvSpPr/>
+          <p:nvPr/>
+        </p:nvSpPr>
+        <p:spPr>
+          <a:xfrm>
+            <a:off x="3665134" y="5450211"/>
+            <a:ext cx="684695" cy="684695"/>
+          </a:xfrm>
+          <a:prstGeom prst="ellipse">
+            <a:avLst/>
+          </a:prstGeom>
+          <a:solidFill>
+            <a:srgbClr val="FF820A"/>
+          </a:solidFill>
+          <a:ln>
+            <a:noFill/>
+          </a:ln>
+        </p:spPr>
+        <p:style>
+          <a:lnRef idx="2">
+            <a:schemeClr val="accent1">
+              <a:shade val="50000"/>
+            </a:schemeClr>
+          </a:lnRef>
+          <a:fillRef idx="1">
+            <a:schemeClr val="accent1"/>
+          </a:fillRef>
+          <a:effectRef idx="0">
+            <a:schemeClr val="accent1"/>
+          </a:effectRef>
+          <a:fontRef idx="minor">
+            <a:schemeClr val="lt1"/>
+          </a:fontRef>
+        </p:style>
+        <p:txBody>
+          <a:bodyPr wrap="none" lIns="0" tIns="0" rIns="0" bIns="0" rtlCol="0" anchor="ctr"/>
+          <a:lstStyle/>
+          <a:p>
+            <a:pPr algn="ctr"/>
+            <a:r>
+              <a:rPr lang="en-GB" sz="3600" dirty="0"/>
+              <a:t>C</a:t>
+            </a:r>
+          </a:p>
+        </p:txBody>
+      </p:sp>
+      <p:cxnSp>
+        <p:nvCxnSpPr>
+          <p:cNvPr id="17" name="Straight Arrow Connector 50">
+            <a:extLst>
+              <a:ext uri="{FF2B5EF4-FFF2-40B4-BE49-F238E27FC236}">
+                <a16:creationId xmlns:a16="http://schemas.microsoft.com/office/drawing/2014/main" id="{EF977448-2628-4160-9151-7BFC8A7254EB}"/>
+              </a:ext>
+            </a:extLst>
+          </p:cNvPr>
+          <p:cNvCxnSpPr>
+            <a:stCxn id="14" idx="6"/>
+            <a:endCxn id="15" idx="2"/>
+          </p:cNvCxnSpPr>
+          <p:nvPr/>
+        </p:nvCxnSpPr>
+        <p:spPr>
+          <a:xfrm>
+            <a:off x="1430957" y="5792560"/>
+            <a:ext cx="774741" cy="0"/>
+          </a:xfrm>
+          <a:prstGeom prst="straightConnector1">
+            <a:avLst/>
+          </a:prstGeom>
+          <a:ln w="88900">
+            <a:tailEnd type="triangle"/>
+          </a:ln>
+        </p:spPr>
+        <p:style>
+          <a:lnRef idx="1">
+            <a:schemeClr val="accent1"/>
+          </a:lnRef>
+          <a:fillRef idx="0">
+            <a:schemeClr val="accent1"/>
+          </a:fillRef>
+          <a:effectRef idx="0">
+            <a:schemeClr val="accent1"/>
+          </a:effectRef>
+          <a:fontRef idx="minor">
+            <a:schemeClr val="tx1"/>
+          </a:fontRef>
+        </p:style>
+      </p:cxnSp>
+      <p:cxnSp>
+        <p:nvCxnSpPr>
+          <p:cNvPr id="18" name="Straight Arrow Connector 51">
+            <a:extLst>
+              <a:ext uri="{FF2B5EF4-FFF2-40B4-BE49-F238E27FC236}">
+                <a16:creationId xmlns:a16="http://schemas.microsoft.com/office/drawing/2014/main" id="{2BE1B6C3-1427-4953-81C8-782149113044}"/>
+              </a:ext>
+            </a:extLst>
+          </p:cNvPr>
+          <p:cNvCxnSpPr>
+            <a:stCxn id="15" idx="6"/>
+            <a:endCxn id="16" idx="2"/>
+          </p:cNvCxnSpPr>
+          <p:nvPr/>
+        </p:nvCxnSpPr>
+        <p:spPr>
+          <a:xfrm flipV="1">
+            <a:off x="2890393" y="5792559"/>
+            <a:ext cx="774741" cy="1"/>
+          </a:xfrm>
+          <a:prstGeom prst="straightConnector1">
+            <a:avLst/>
+          </a:prstGeom>
+          <a:ln w="88900">
+            <a:tailEnd type="triangle"/>
+          </a:ln>
+        </p:spPr>
+        <p:style>
+          <a:lnRef idx="1">
+            <a:schemeClr val="accent1"/>
+          </a:lnRef>
+          <a:fillRef idx="0">
+            <a:schemeClr val="accent1"/>
+          </a:fillRef>
+          <a:effectRef idx="0">
+            <a:schemeClr val="accent1"/>
+          </a:effectRef>
+          <a:fontRef idx="minor">
+            <a:schemeClr val="tx1"/>
+          </a:fontRef>
+        </p:style>
+      </p:cxnSp>
+      <p:sp>
+        <p:nvSpPr>
+          <p:cNvPr id="19" name="Oval 52">
+            <a:extLst>
+              <a:ext uri="{FF2B5EF4-FFF2-40B4-BE49-F238E27FC236}">
+                <a16:creationId xmlns:a16="http://schemas.microsoft.com/office/drawing/2014/main" id="{8C90F587-289F-4FA5-AAA5-3E6585C6927E}"/>
+              </a:ext>
+            </a:extLst>
+          </p:cNvPr>
+          <p:cNvSpPr/>
+          <p:nvPr/>
+        </p:nvSpPr>
+        <p:spPr>
+          <a:xfrm>
+            <a:off x="3665134" y="4318091"/>
+            <a:ext cx="684695" cy="684695"/>
+          </a:xfrm>
+          <a:prstGeom prst="ellipse">
+            <a:avLst/>
+          </a:prstGeom>
+          <a:solidFill>
+            <a:srgbClr val="FF820A"/>
+          </a:solidFill>
+          <a:ln>
+            <a:noFill/>
+          </a:ln>
+        </p:spPr>
+        <p:style>
+          <a:lnRef idx="2">
+            <a:schemeClr val="accent1">
+              <a:shade val="50000"/>
+            </a:schemeClr>
+          </a:lnRef>
+          <a:fillRef idx="1">
+            <a:schemeClr val="accent1"/>
+          </a:fillRef>
+          <a:effectRef idx="0">
+            <a:schemeClr val="accent1"/>
+          </a:effectRef>
+          <a:fontRef idx="minor">
+            <a:schemeClr val="lt1"/>
+          </a:fontRef>
+        </p:style>
+        <p:txBody>
+          <a:bodyPr wrap="none" lIns="0" tIns="0" rIns="0" bIns="0" rtlCol="0" anchor="ctr"/>
+          <a:lstStyle/>
+          <a:p>
+            <a:pPr algn="ctr"/>
+            <a:r>
+              <a:rPr lang="en-GB" sz="3600" dirty="0"/>
+              <a:t>D</a:t>
+            </a:r>
+          </a:p>
+        </p:txBody>
+      </p:sp>
+      <p:cxnSp>
+        <p:nvCxnSpPr>
+          <p:cNvPr id="20" name="Curved Connector 53">
+            <a:extLst>
+              <a:ext uri="{FF2B5EF4-FFF2-40B4-BE49-F238E27FC236}">
+                <a16:creationId xmlns:a16="http://schemas.microsoft.com/office/drawing/2014/main" id="{92A697B5-6CBF-4799-8FA3-2B3A5867C74B}"/>
+              </a:ext>
+            </a:extLst>
+          </p:cNvPr>
+          <p:cNvCxnSpPr>
+            <a:stCxn id="15" idx="0"/>
+            <a:endCxn id="19" idx="2"/>
+          </p:cNvCxnSpPr>
+          <p:nvPr/>
+        </p:nvCxnSpPr>
+        <p:spPr>
+          <a:xfrm rot="5400000" flipH="1" flipV="1">
+            <a:off x="2711704" y="4496782"/>
+            <a:ext cx="789773" cy="1117088"/>
+          </a:xfrm>
+          <a:prstGeom prst="curvedConnector2">
+            <a:avLst/>
+          </a:prstGeom>
+          <a:ln w="88900">
+            <a:tailEnd type="triangle"/>
+          </a:ln>
+        </p:spPr>
+        <p:style>
+          <a:lnRef idx="1">
+            <a:schemeClr val="accent1"/>
+          </a:lnRef>
+          <a:fillRef idx="0">
+            <a:schemeClr val="accent1"/>
+          </a:fillRef>
+          <a:effectRef idx="0">
+            <a:schemeClr val="accent1"/>
+          </a:effectRef>
+          <a:fontRef idx="minor">
+            <a:schemeClr val="tx1"/>
+          </a:fontRef>
+        </p:style>
+      </p:cxnSp>
+      <p:sp>
+        <p:nvSpPr>
+          <p:cNvPr id="23" name="Oval 49">
+            <a:extLst>
+              <a:ext uri="{FF2B5EF4-FFF2-40B4-BE49-F238E27FC236}">
+                <a16:creationId xmlns:a16="http://schemas.microsoft.com/office/drawing/2014/main" id="{733640EC-F840-4CD6-8950-A983CC28ED67}"/>
+              </a:ext>
+            </a:extLst>
+          </p:cNvPr>
+          <p:cNvSpPr/>
+          <p:nvPr/>
+        </p:nvSpPr>
+        <p:spPr>
+          <a:xfrm>
+            <a:off x="5124570" y="5450210"/>
+            <a:ext cx="684695" cy="684695"/>
+          </a:xfrm>
+          <a:prstGeom prst="ellipse">
+            <a:avLst/>
+          </a:prstGeom>
+          <a:solidFill>
+            <a:srgbClr val="FF820A"/>
+          </a:solidFill>
+          <a:ln>
+            <a:noFill/>
+          </a:ln>
+        </p:spPr>
+        <p:style>
+          <a:lnRef idx="2">
+            <a:schemeClr val="accent1">
+              <a:shade val="50000"/>
+            </a:schemeClr>
+          </a:lnRef>
+          <a:fillRef idx="1">
+            <a:schemeClr val="accent1"/>
+          </a:fillRef>
+          <a:effectRef idx="0">
+            <a:schemeClr val="accent1"/>
+          </a:effectRef>
+          <a:fontRef idx="minor">
+            <a:schemeClr val="lt1"/>
+          </a:fontRef>
+        </p:style>
+        <p:txBody>
+          <a:bodyPr wrap="none" lIns="0" tIns="0" rIns="0" bIns="0" rtlCol="0" anchor="ctr"/>
+          <a:lstStyle/>
+          <a:p>
+            <a:pPr algn="ctr"/>
+            <a:r>
+              <a:rPr lang="en-GB" sz="3600" dirty="0"/>
+              <a:t>E</a:t>
+            </a:r>
+          </a:p>
+        </p:txBody>
+      </p:sp>
+      <p:cxnSp>
+        <p:nvCxnSpPr>
+          <p:cNvPr id="24" name="Straight Arrow Connector 51">
+            <a:extLst>
+              <a:ext uri="{FF2B5EF4-FFF2-40B4-BE49-F238E27FC236}">
+                <a16:creationId xmlns:a16="http://schemas.microsoft.com/office/drawing/2014/main" id="{D1B49C1F-FC6A-42E3-8D71-ACAF7DF4C75F}"/>
+              </a:ext>
+            </a:extLst>
+          </p:cNvPr>
+          <p:cNvCxnSpPr/>
+          <p:nvPr/>
+        </p:nvCxnSpPr>
+        <p:spPr>
+          <a:xfrm flipV="1">
+            <a:off x="4349829" y="5792557"/>
+            <a:ext cx="774741" cy="1"/>
+          </a:xfrm>
+          <a:prstGeom prst="straightConnector1">
+            <a:avLst/>
+          </a:prstGeom>
+          <a:ln w="88900">
+            <a:tailEnd type="triangle"/>
+          </a:ln>
+        </p:spPr>
+        <p:style>
+          <a:lnRef idx="1">
+            <a:schemeClr val="accent1"/>
+          </a:lnRef>
+          <a:fillRef idx="0">
+            <a:schemeClr val="accent1"/>
+          </a:fillRef>
+          <a:effectRef idx="0">
+            <a:schemeClr val="accent1"/>
+          </a:effectRef>
+          <a:fontRef idx="minor">
+            <a:schemeClr val="tx1"/>
+          </a:fontRef>
+        </p:style>
+      </p:cxnSp>
+      <p:cxnSp>
+        <p:nvCxnSpPr>
+          <p:cNvPr id="31" name="Curved Connector 53">
+            <a:extLst>
+              <a:ext uri="{FF2B5EF4-FFF2-40B4-BE49-F238E27FC236}">
+                <a16:creationId xmlns:a16="http://schemas.microsoft.com/office/drawing/2014/main" id="{45A3A97B-2CB0-437A-B0BF-3706B490BCB9}"/>
+              </a:ext>
+            </a:extLst>
+          </p:cNvPr>
+          <p:cNvCxnSpPr>
+            <a:cxnSpLocks/>
+            <a:stCxn id="19" idx="6"/>
+            <a:endCxn id="23" idx="0"/>
+          </p:cNvCxnSpPr>
+          <p:nvPr/>
+        </p:nvCxnSpPr>
+        <p:spPr>
+          <a:xfrm>
+            <a:off x="4349829" y="4660439"/>
+            <a:ext cx="1117089" cy="789771"/>
+          </a:xfrm>
+          <a:prstGeom prst="curvedConnector2">
+            <a:avLst/>
+          </a:prstGeom>
+          <a:ln w="88900">
+            <a:tailEnd type="triangle"/>
+          </a:ln>
+        </p:spPr>
+        <p:style>
+          <a:lnRef idx="1">
+            <a:schemeClr val="accent1"/>
+          </a:lnRef>
+          <a:fillRef idx="0">
+            <a:schemeClr val="accent1"/>
+          </a:fillRef>
+          <a:effectRef idx="0">
+            <a:schemeClr val="accent1"/>
+          </a:effectRef>
+          <a:fontRef idx="minor">
+            <a:schemeClr val="tx1"/>
+          </a:fontRef>
+        </p:style>
+      </p:cxnSp>
+      <p:sp>
+        <p:nvSpPr>
+          <p:cNvPr id="37" name="Down Arrow Callout 67">
+            <a:extLst>
+              <a:ext uri="{FF2B5EF4-FFF2-40B4-BE49-F238E27FC236}">
+                <a16:creationId xmlns:a16="http://schemas.microsoft.com/office/drawing/2014/main" id="{1B7BCFE3-E2D2-43D2-BFCA-BA9FFC64283F}"/>
+              </a:ext>
+            </a:extLst>
+          </p:cNvPr>
+          <p:cNvSpPr/>
+          <p:nvPr/>
+        </p:nvSpPr>
+        <p:spPr>
+          <a:xfrm>
+            <a:off x="3353827" y="-284806"/>
+            <a:ext cx="1307308" cy="716205"/>
+          </a:xfrm>
+          <a:prstGeom prst="downArrowCallout">
+            <a:avLst>
+              <a:gd name="adj1" fmla="val 18711"/>
+              <a:gd name="adj2" fmla="val 18711"/>
+              <a:gd name="adj3" fmla="val 25000"/>
+              <a:gd name="adj4" fmla="val 64977"/>
+            </a:avLst>
+          </a:prstGeom>
+          <a:solidFill>
+            <a:srgbClr val="FEB080"/>
+          </a:solidFill>
+          <a:ln>
+            <a:noFill/>
+          </a:ln>
+        </p:spPr>
+        <p:style>
+          <a:lnRef idx="2">
+            <a:schemeClr val="accent1">
+              <a:shade val="50000"/>
+            </a:schemeClr>
+          </a:lnRef>
+          <a:fillRef idx="1">
+            <a:schemeClr val="accent1"/>
+          </a:fillRef>
+          <a:effectRef idx="0">
+            <a:schemeClr val="accent1"/>
+          </a:effectRef>
+          <a:fontRef idx="minor">
+            <a:schemeClr val="lt1"/>
+          </a:fontRef>
+        </p:style>
+        <p:txBody>
+          <a:bodyPr rtlCol="0" anchor="ctr"/>
+          <a:lstStyle/>
+          <a:p>
+            <a:pPr algn="ctr"/>
+            <a:r>
+              <a:rPr lang="en-GB" sz="2400" dirty="0"/>
+              <a:t>feature</a:t>
+            </a:r>
+          </a:p>
+        </p:txBody>
+      </p:sp>
+      <p:sp>
+        <p:nvSpPr>
+          <p:cNvPr id="38" name="Down Arrow Callout 67">
+            <a:extLst>
+              <a:ext uri="{FF2B5EF4-FFF2-40B4-BE49-F238E27FC236}">
+                <a16:creationId xmlns:a16="http://schemas.microsoft.com/office/drawing/2014/main" id="{34ED3643-0904-4AF2-8485-499526849FB4}"/>
+              </a:ext>
+            </a:extLst>
+          </p:cNvPr>
+          <p:cNvSpPr/>
+          <p:nvPr/>
+        </p:nvSpPr>
+        <p:spPr>
+          <a:xfrm>
+            <a:off x="3353827" y="3597844"/>
+            <a:ext cx="1307308" cy="716205"/>
+          </a:xfrm>
+          <a:prstGeom prst="downArrowCallout">
+            <a:avLst>
+              <a:gd name="adj1" fmla="val 18711"/>
+              <a:gd name="adj2" fmla="val 18711"/>
+              <a:gd name="adj3" fmla="val 25000"/>
+              <a:gd name="adj4" fmla="val 64977"/>
+            </a:avLst>
+          </a:prstGeom>
+          <a:solidFill>
+            <a:srgbClr val="FEB080"/>
+          </a:solidFill>
+          <a:ln>
+            <a:noFill/>
+          </a:ln>
+        </p:spPr>
+        <p:style>
+          <a:lnRef idx="2">
+            <a:schemeClr val="accent1">
+              <a:shade val="50000"/>
+            </a:schemeClr>
+          </a:lnRef>
+          <a:fillRef idx="1">
+            <a:schemeClr val="accent1"/>
+          </a:fillRef>
+          <a:effectRef idx="0">
+            <a:schemeClr val="accent1"/>
+          </a:effectRef>
+          <a:fontRef idx="minor">
+            <a:schemeClr val="lt1"/>
+          </a:fontRef>
+        </p:style>
+        <p:txBody>
+          <a:bodyPr rtlCol="0" anchor="ctr"/>
+          <a:lstStyle/>
+          <a:p>
+            <a:pPr algn="ctr"/>
+            <a:r>
+              <a:rPr lang="en-GB" sz="2400" dirty="0"/>
+              <a:t>feature</a:t>
+            </a:r>
+          </a:p>
+        </p:txBody>
+      </p:sp>
+      <p:sp>
+        <p:nvSpPr>
+          <p:cNvPr id="39" name="Down Arrow Callout 67">
+            <a:extLst>
+              <a:ext uri="{FF2B5EF4-FFF2-40B4-BE49-F238E27FC236}">
+                <a16:creationId xmlns:a16="http://schemas.microsoft.com/office/drawing/2014/main" id="{DCCE811E-D0F5-4520-8C22-62E64FCF635B}"/>
+              </a:ext>
+            </a:extLst>
+          </p:cNvPr>
+          <p:cNvSpPr/>
+          <p:nvPr/>
+        </p:nvSpPr>
+        <p:spPr>
+          <a:xfrm>
+            <a:off x="3353827" y="2248214"/>
+            <a:ext cx="1307308" cy="716205"/>
+          </a:xfrm>
+          <a:prstGeom prst="upArrowCallout">
+            <a:avLst>
+              <a:gd name="adj1" fmla="val 15116"/>
+              <a:gd name="adj2" fmla="val 18410"/>
+              <a:gd name="adj3" fmla="val 25000"/>
+              <a:gd name="adj4" fmla="val 64977"/>
+            </a:avLst>
+          </a:prstGeom>
+          <a:solidFill>
+            <a:srgbClr val="FEB080"/>
+          </a:solidFill>
+          <a:ln>
+            <a:noFill/>
+          </a:ln>
+        </p:spPr>
+        <p:style>
+          <a:lnRef idx="2">
+            <a:schemeClr val="accent1">
+              <a:shade val="50000"/>
+            </a:schemeClr>
+          </a:lnRef>
+          <a:fillRef idx="1">
+            <a:schemeClr val="accent1"/>
+          </a:fillRef>
+          <a:effectRef idx="0">
+            <a:schemeClr val="accent1"/>
+          </a:effectRef>
+          <a:fontRef idx="minor">
+            <a:schemeClr val="lt1"/>
+          </a:fontRef>
+        </p:style>
+        <p:txBody>
+          <a:bodyPr rtlCol="0" anchor="ctr"/>
+          <a:lstStyle/>
+          <a:p>
+            <a:pPr algn="ctr"/>
+            <a:r>
+              <a:rPr lang="en-GB" sz="2400" dirty="0"/>
+              <a:t>master</a:t>
+            </a:r>
+          </a:p>
+        </p:txBody>
+      </p:sp>
+      <p:sp>
+        <p:nvSpPr>
+          <p:cNvPr id="40" name="Down Arrow Callout 67">
+            <a:extLst>
+              <a:ext uri="{FF2B5EF4-FFF2-40B4-BE49-F238E27FC236}">
+                <a16:creationId xmlns:a16="http://schemas.microsoft.com/office/drawing/2014/main" id="{3DFB7D24-2801-4E6B-990D-49FA12B213E4}"/>
+              </a:ext>
+            </a:extLst>
+          </p:cNvPr>
+          <p:cNvSpPr/>
+          <p:nvPr/>
+        </p:nvSpPr>
+        <p:spPr>
+          <a:xfrm>
+            <a:off x="4813263" y="6134904"/>
+            <a:ext cx="1307308" cy="716205"/>
+          </a:xfrm>
+          <a:prstGeom prst="upArrowCallout">
+            <a:avLst>
+              <a:gd name="adj1" fmla="val 15116"/>
+              <a:gd name="adj2" fmla="val 18410"/>
+              <a:gd name="adj3" fmla="val 25000"/>
+              <a:gd name="adj4" fmla="val 64977"/>
+            </a:avLst>
+          </a:prstGeom>
+          <a:solidFill>
+            <a:srgbClr val="FEB080"/>
+          </a:solidFill>
+          <a:ln>
+            <a:noFill/>
+          </a:ln>
+        </p:spPr>
+        <p:style>
+          <a:lnRef idx="2">
+            <a:schemeClr val="accent1">
+              <a:shade val="50000"/>
+            </a:schemeClr>
+          </a:lnRef>
+          <a:fillRef idx="1">
+            <a:schemeClr val="accent1"/>
+          </a:fillRef>
+          <a:effectRef idx="0">
+            <a:schemeClr val="accent1"/>
+          </a:effectRef>
+          <a:fontRef idx="minor">
+            <a:schemeClr val="lt1"/>
+          </a:fontRef>
+        </p:style>
+        <p:txBody>
+          <a:bodyPr rtlCol="0" anchor="ctr"/>
+          <a:lstStyle/>
+          <a:p>
+            <a:pPr algn="ctr"/>
+            <a:r>
+              <a:rPr lang="en-GB" sz="2400" dirty="0"/>
+              <a:t>master</a:t>
+            </a:r>
+          </a:p>
+        </p:txBody>
+      </p:sp>
+      <p:sp>
+        <p:nvSpPr>
+          <p:cNvPr id="41" name="Oval 47">
+            <a:extLst>
+              <a:ext uri="{FF2B5EF4-FFF2-40B4-BE49-F238E27FC236}">
+                <a16:creationId xmlns:a16="http://schemas.microsoft.com/office/drawing/2014/main" id="{19D629A3-9CF0-4D29-B29F-3B8B0F2F9315}"/>
+              </a:ext>
+            </a:extLst>
+          </p:cNvPr>
+          <p:cNvSpPr/>
+          <p:nvPr/>
+        </p:nvSpPr>
+        <p:spPr>
+          <a:xfrm>
+            <a:off x="6120571" y="2887627"/>
+            <a:ext cx="684695" cy="684695"/>
+          </a:xfrm>
+          <a:prstGeom prst="ellipse">
+            <a:avLst/>
+          </a:prstGeom>
+          <a:solidFill>
+            <a:srgbClr val="FF820A"/>
+          </a:solidFill>
+          <a:ln>
+            <a:noFill/>
+          </a:ln>
+        </p:spPr>
+        <p:style>
+          <a:lnRef idx="2">
+            <a:schemeClr val="accent1">
+              <a:shade val="50000"/>
+            </a:schemeClr>
+          </a:lnRef>
+          <a:fillRef idx="1">
+            <a:schemeClr val="accent1"/>
+          </a:fillRef>
+          <a:effectRef idx="0">
+            <a:schemeClr val="accent1"/>
+          </a:effectRef>
+          <a:fontRef idx="minor">
+            <a:schemeClr val="lt1"/>
+          </a:fontRef>
+        </p:style>
+        <p:txBody>
+          <a:bodyPr wrap="none" lIns="0" tIns="0" rIns="0" bIns="0" rtlCol="0" anchor="ctr"/>
+          <a:lstStyle/>
+          <a:p>
+            <a:pPr algn="ctr"/>
+            <a:r>
+              <a:rPr lang="en-GB" sz="3600" dirty="0"/>
+              <a:t>A</a:t>
+            </a:r>
+          </a:p>
+        </p:txBody>
+      </p:sp>
+      <p:sp>
+        <p:nvSpPr>
+          <p:cNvPr id="42" name="Oval 48">
+            <a:extLst>
+              <a:ext uri="{FF2B5EF4-FFF2-40B4-BE49-F238E27FC236}">
+                <a16:creationId xmlns:a16="http://schemas.microsoft.com/office/drawing/2014/main" id="{6098235F-1489-4D64-A13D-F3539FB48F90}"/>
+              </a:ext>
+            </a:extLst>
+          </p:cNvPr>
+          <p:cNvSpPr/>
+          <p:nvPr/>
+        </p:nvSpPr>
+        <p:spPr>
+          <a:xfrm>
+            <a:off x="7580007" y="2887627"/>
+            <a:ext cx="684695" cy="684695"/>
+          </a:xfrm>
+          <a:prstGeom prst="ellipse">
+            <a:avLst/>
+          </a:prstGeom>
+          <a:solidFill>
+            <a:srgbClr val="FF820A"/>
+          </a:solidFill>
+          <a:ln>
+            <a:noFill/>
+          </a:ln>
+        </p:spPr>
+        <p:style>
+          <a:lnRef idx="2">
+            <a:schemeClr val="accent1">
+              <a:shade val="50000"/>
+            </a:schemeClr>
+          </a:lnRef>
+          <a:fillRef idx="1">
+            <a:schemeClr val="accent1"/>
+          </a:fillRef>
+          <a:effectRef idx="0">
+            <a:schemeClr val="accent1"/>
+          </a:effectRef>
+          <a:fontRef idx="minor">
+            <a:schemeClr val="lt1"/>
+          </a:fontRef>
+        </p:style>
+        <p:txBody>
+          <a:bodyPr wrap="none" lIns="0" tIns="0" rIns="0" bIns="0" rtlCol="0" anchor="ctr"/>
+          <a:lstStyle/>
+          <a:p>
+            <a:pPr algn="ctr"/>
+            <a:r>
+              <a:rPr lang="en-GB" sz="3600" dirty="0"/>
+              <a:t>B</a:t>
+            </a:r>
+          </a:p>
+        </p:txBody>
+      </p:sp>
+      <p:sp>
+        <p:nvSpPr>
+          <p:cNvPr id="43" name="Oval 49">
+            <a:extLst>
+              <a:ext uri="{FF2B5EF4-FFF2-40B4-BE49-F238E27FC236}">
+                <a16:creationId xmlns:a16="http://schemas.microsoft.com/office/drawing/2014/main" id="{DFA25E9C-706A-4955-AC89-ABC38FA5670E}"/>
+              </a:ext>
+            </a:extLst>
+          </p:cNvPr>
+          <p:cNvSpPr/>
+          <p:nvPr/>
+        </p:nvSpPr>
+        <p:spPr>
+          <a:xfrm>
+            <a:off x="9039443" y="2887626"/>
+            <a:ext cx="684695" cy="684695"/>
+          </a:xfrm>
+          <a:prstGeom prst="ellipse">
+            <a:avLst/>
+          </a:prstGeom>
+          <a:solidFill>
+            <a:srgbClr val="FF820A"/>
+          </a:solidFill>
+          <a:ln>
+            <a:noFill/>
+          </a:ln>
+        </p:spPr>
+        <p:style>
+          <a:lnRef idx="2">
+            <a:schemeClr val="accent1">
+              <a:shade val="50000"/>
+            </a:schemeClr>
+          </a:lnRef>
+          <a:fillRef idx="1">
+            <a:schemeClr val="accent1"/>
+          </a:fillRef>
+          <a:effectRef idx="0">
+            <a:schemeClr val="accent1"/>
+          </a:effectRef>
+          <a:fontRef idx="minor">
+            <a:schemeClr val="lt1"/>
+          </a:fontRef>
+        </p:style>
+        <p:txBody>
+          <a:bodyPr wrap="none" lIns="0" tIns="0" rIns="0" bIns="0" rtlCol="0" anchor="ctr"/>
+          <a:lstStyle/>
+          <a:p>
+            <a:pPr algn="ctr"/>
+            <a:r>
+              <a:rPr lang="en-GB" sz="3600" dirty="0"/>
+              <a:t>C</a:t>
+            </a:r>
+          </a:p>
+        </p:txBody>
+      </p:sp>
+      <p:cxnSp>
+        <p:nvCxnSpPr>
+          <p:cNvPr id="44" name="Straight Arrow Connector 50">
+            <a:extLst>
+              <a:ext uri="{FF2B5EF4-FFF2-40B4-BE49-F238E27FC236}">
+                <a16:creationId xmlns:a16="http://schemas.microsoft.com/office/drawing/2014/main" id="{06650017-06A2-45C1-9BF5-780C60535794}"/>
+              </a:ext>
+            </a:extLst>
+          </p:cNvPr>
+          <p:cNvCxnSpPr>
+            <a:stCxn id="41" idx="6"/>
+            <a:endCxn id="42" idx="2"/>
+          </p:cNvCxnSpPr>
+          <p:nvPr/>
+        </p:nvCxnSpPr>
+        <p:spPr>
+          <a:xfrm>
+            <a:off x="6805266" y="3229975"/>
+            <a:ext cx="774741" cy="0"/>
+          </a:xfrm>
+          <a:prstGeom prst="straightConnector1">
+            <a:avLst/>
+          </a:prstGeom>
+          <a:ln w="88900">
+            <a:tailEnd type="triangle"/>
+          </a:ln>
+        </p:spPr>
+        <p:style>
+          <a:lnRef idx="1">
+            <a:schemeClr val="accent1"/>
+          </a:lnRef>
+          <a:fillRef idx="0">
+            <a:schemeClr val="accent1"/>
+          </a:fillRef>
+          <a:effectRef idx="0">
+            <a:schemeClr val="accent1"/>
+          </a:effectRef>
+          <a:fontRef idx="minor">
+            <a:schemeClr val="tx1"/>
+          </a:fontRef>
+        </p:style>
+      </p:cxnSp>
+      <p:cxnSp>
+        <p:nvCxnSpPr>
+          <p:cNvPr id="45" name="Straight Arrow Connector 51">
+            <a:extLst>
+              <a:ext uri="{FF2B5EF4-FFF2-40B4-BE49-F238E27FC236}">
+                <a16:creationId xmlns:a16="http://schemas.microsoft.com/office/drawing/2014/main" id="{7E83C48F-68A5-4159-B7A6-83290C668028}"/>
+              </a:ext>
+            </a:extLst>
+          </p:cNvPr>
+          <p:cNvCxnSpPr>
+            <a:stCxn id="42" idx="6"/>
+            <a:endCxn id="43" idx="2"/>
+          </p:cNvCxnSpPr>
+          <p:nvPr/>
+        </p:nvCxnSpPr>
+        <p:spPr>
+          <a:xfrm flipV="1">
+            <a:off x="8264702" y="3229974"/>
+            <a:ext cx="774741" cy="1"/>
+          </a:xfrm>
+          <a:prstGeom prst="straightConnector1">
+            <a:avLst/>
+          </a:prstGeom>
+          <a:ln w="88900">
+            <a:tailEnd type="triangle"/>
+          </a:ln>
+        </p:spPr>
+        <p:style>
+          <a:lnRef idx="1">
+            <a:schemeClr val="accent1"/>
+          </a:lnRef>
+          <a:fillRef idx="0">
+            <a:schemeClr val="accent1"/>
+          </a:fillRef>
+          <a:effectRef idx="0">
+            <a:schemeClr val="accent1"/>
+          </a:effectRef>
+          <a:fontRef idx="minor">
+            <a:schemeClr val="tx1"/>
+          </a:fontRef>
+        </p:style>
+      </p:cxnSp>
+      <p:sp>
+        <p:nvSpPr>
+          <p:cNvPr id="46" name="Oval 52">
+            <a:extLst>
+              <a:ext uri="{FF2B5EF4-FFF2-40B4-BE49-F238E27FC236}">
+                <a16:creationId xmlns:a16="http://schemas.microsoft.com/office/drawing/2014/main" id="{3AE6FE8B-F35E-4C1F-B774-70BE0D7A99DC}"/>
+              </a:ext>
+            </a:extLst>
+          </p:cNvPr>
+          <p:cNvSpPr/>
+          <p:nvPr/>
+        </p:nvSpPr>
+        <p:spPr>
+          <a:xfrm>
+            <a:off x="9039443" y="1755506"/>
+            <a:ext cx="684695" cy="684695"/>
+          </a:xfrm>
+          <a:prstGeom prst="ellipse">
+            <a:avLst/>
+          </a:prstGeom>
+          <a:solidFill>
+            <a:srgbClr val="FF820A">
+              <a:alpha val="30000"/>
+            </a:srgbClr>
+          </a:solidFill>
+          <a:ln>
+            <a:noFill/>
+          </a:ln>
+        </p:spPr>
+        <p:style>
+          <a:lnRef idx="2">
+            <a:schemeClr val="accent1">
+              <a:shade val="50000"/>
+            </a:schemeClr>
+          </a:lnRef>
+          <a:fillRef idx="1">
+            <a:schemeClr val="accent1"/>
+          </a:fillRef>
+          <a:effectRef idx="0">
+            <a:schemeClr val="accent1"/>
+          </a:effectRef>
+          <a:fontRef idx="minor">
+            <a:schemeClr val="lt1"/>
+          </a:fontRef>
+        </p:style>
+        <p:txBody>
+          <a:bodyPr wrap="none" lIns="0" tIns="0" rIns="0" bIns="0" rtlCol="0" anchor="ctr"/>
+          <a:lstStyle/>
+          <a:p>
+            <a:pPr algn="ctr"/>
+            <a:r>
+              <a:rPr lang="en-GB" sz="3600" dirty="0"/>
+              <a:t>D</a:t>
+            </a:r>
+          </a:p>
+        </p:txBody>
+      </p:sp>
+      <p:cxnSp>
+        <p:nvCxnSpPr>
+          <p:cNvPr id="47" name="Curved Connector 53">
+            <a:extLst>
+              <a:ext uri="{FF2B5EF4-FFF2-40B4-BE49-F238E27FC236}">
+                <a16:creationId xmlns:a16="http://schemas.microsoft.com/office/drawing/2014/main" id="{A4D1CF3B-656A-4509-BD29-4D1B750010FC}"/>
+              </a:ext>
+            </a:extLst>
+          </p:cNvPr>
+          <p:cNvCxnSpPr>
+            <a:stCxn id="42" idx="0"/>
+            <a:endCxn id="46" idx="2"/>
+          </p:cNvCxnSpPr>
+          <p:nvPr/>
+        </p:nvCxnSpPr>
+        <p:spPr>
+          <a:xfrm rot="5400000" flipH="1" flipV="1">
+            <a:off x="8086013" y="1934197"/>
+            <a:ext cx="789773" cy="1117088"/>
+          </a:xfrm>
+          <a:prstGeom prst="curvedConnector2">
+            <a:avLst/>
+          </a:prstGeom>
+          <a:ln w="88900">
+            <a:solidFill>
+              <a:schemeClr val="accent1">
+                <a:alpha val="30000"/>
+              </a:schemeClr>
+            </a:solidFill>
+            <a:tailEnd type="triangle"/>
+          </a:ln>
+        </p:spPr>
+        <p:style>
+          <a:lnRef idx="1">
+            <a:schemeClr val="accent1"/>
+          </a:lnRef>
+          <a:fillRef idx="0">
+            <a:schemeClr val="accent1"/>
+          </a:fillRef>
+          <a:effectRef idx="0">
+            <a:schemeClr val="accent1"/>
+          </a:effectRef>
+          <a:fontRef idx="minor">
+            <a:schemeClr val="tx1"/>
+          </a:fontRef>
+        </p:style>
+      </p:cxnSp>
+      <p:sp>
+        <p:nvSpPr>
+          <p:cNvPr id="48" name="Down Arrow Callout 67">
+            <a:extLst>
+              <a:ext uri="{FF2B5EF4-FFF2-40B4-BE49-F238E27FC236}">
+                <a16:creationId xmlns:a16="http://schemas.microsoft.com/office/drawing/2014/main" id="{801B5204-EEF4-474F-94DA-42D3E15DF0C9}"/>
+              </a:ext>
+            </a:extLst>
+          </p:cNvPr>
+          <p:cNvSpPr/>
+          <p:nvPr/>
+        </p:nvSpPr>
+        <p:spPr>
+          <a:xfrm>
+            <a:off x="10187571" y="2171420"/>
+            <a:ext cx="1307308" cy="716205"/>
+          </a:xfrm>
+          <a:prstGeom prst="downArrowCallout">
+            <a:avLst>
+              <a:gd name="adj1" fmla="val 18711"/>
+              <a:gd name="adj2" fmla="val 18711"/>
+              <a:gd name="adj3" fmla="val 25000"/>
+              <a:gd name="adj4" fmla="val 64977"/>
+            </a:avLst>
+          </a:prstGeom>
+          <a:solidFill>
+            <a:srgbClr val="FEB080"/>
+          </a:solidFill>
+          <a:ln>
+            <a:noFill/>
+          </a:ln>
+        </p:spPr>
+        <p:style>
+          <a:lnRef idx="2">
+            <a:schemeClr val="accent1">
+              <a:shade val="50000"/>
+            </a:schemeClr>
+          </a:lnRef>
+          <a:fillRef idx="1">
+            <a:schemeClr val="accent1"/>
+          </a:fillRef>
+          <a:effectRef idx="0">
+            <a:schemeClr val="accent1"/>
+          </a:effectRef>
+          <a:fontRef idx="minor">
+            <a:schemeClr val="lt1"/>
+          </a:fontRef>
+        </p:style>
+        <p:txBody>
+          <a:bodyPr rtlCol="0" anchor="ctr"/>
+          <a:lstStyle/>
+          <a:p>
+            <a:pPr algn="ctr"/>
+            <a:r>
+              <a:rPr lang="en-GB" sz="2400" dirty="0"/>
+              <a:t>feature</a:t>
+            </a:r>
+          </a:p>
+        </p:txBody>
+      </p:sp>
+      <p:sp>
+        <p:nvSpPr>
+          <p:cNvPr id="49" name="Down Arrow Callout 67">
+            <a:extLst>
+              <a:ext uri="{FF2B5EF4-FFF2-40B4-BE49-F238E27FC236}">
+                <a16:creationId xmlns:a16="http://schemas.microsoft.com/office/drawing/2014/main" id="{44335F7B-1B6E-46F4-8B46-F08B110215A6}"/>
+              </a:ext>
+            </a:extLst>
+          </p:cNvPr>
+          <p:cNvSpPr/>
+          <p:nvPr/>
+        </p:nvSpPr>
+        <p:spPr>
+          <a:xfrm>
+            <a:off x="8728136" y="3572320"/>
+            <a:ext cx="1307308" cy="716205"/>
+          </a:xfrm>
+          <a:prstGeom prst="upArrowCallout">
+            <a:avLst>
+              <a:gd name="adj1" fmla="val 15116"/>
+              <a:gd name="adj2" fmla="val 18410"/>
+              <a:gd name="adj3" fmla="val 25000"/>
+              <a:gd name="adj4" fmla="val 64977"/>
+            </a:avLst>
+          </a:prstGeom>
+          <a:solidFill>
+            <a:srgbClr val="FEB080"/>
+          </a:solidFill>
+          <a:ln>
+            <a:noFill/>
+          </a:ln>
+        </p:spPr>
+        <p:style>
+          <a:lnRef idx="2">
+            <a:schemeClr val="accent1">
+              <a:shade val="50000"/>
+            </a:schemeClr>
+          </a:lnRef>
+          <a:fillRef idx="1">
+            <a:schemeClr val="accent1"/>
+          </a:fillRef>
+          <a:effectRef idx="0">
+            <a:schemeClr val="accent1"/>
+          </a:effectRef>
+          <a:fontRef idx="minor">
+            <a:schemeClr val="lt1"/>
+          </a:fontRef>
+        </p:style>
+        <p:txBody>
+          <a:bodyPr rtlCol="0" anchor="ctr"/>
+          <a:lstStyle/>
+          <a:p>
+            <a:pPr algn="ctr"/>
+            <a:r>
+              <a:rPr lang="en-GB" sz="2400" dirty="0"/>
+              <a:t>master</a:t>
+            </a:r>
+          </a:p>
+        </p:txBody>
+      </p:sp>
+      <p:cxnSp>
+        <p:nvCxnSpPr>
+          <p:cNvPr id="50" name="Straight Arrow Connector 51">
+            <a:extLst>
+              <a:ext uri="{FF2B5EF4-FFF2-40B4-BE49-F238E27FC236}">
+                <a16:creationId xmlns:a16="http://schemas.microsoft.com/office/drawing/2014/main" id="{BD81CB17-9B1B-4DA1-88CA-1CD4411B8E63}"/>
+              </a:ext>
+            </a:extLst>
+          </p:cNvPr>
+          <p:cNvCxnSpPr/>
+          <p:nvPr/>
+        </p:nvCxnSpPr>
+        <p:spPr>
+          <a:xfrm flipV="1">
+            <a:off x="9724138" y="3229973"/>
+            <a:ext cx="774741" cy="1"/>
+          </a:xfrm>
+          <a:prstGeom prst="straightConnector1">
+            <a:avLst/>
+          </a:prstGeom>
+          <a:ln w="88900">
+            <a:tailEnd type="triangle"/>
+          </a:ln>
+        </p:spPr>
+        <p:style>
+          <a:lnRef idx="1">
+            <a:schemeClr val="accent1"/>
+          </a:lnRef>
+          <a:fillRef idx="0">
+            <a:schemeClr val="accent1"/>
+          </a:fillRef>
+          <a:effectRef idx="0">
+            <a:schemeClr val="accent1"/>
+          </a:effectRef>
+          <a:fontRef idx="minor">
+            <a:schemeClr val="tx1"/>
+          </a:fontRef>
+        </p:style>
+      </p:cxnSp>
+      <p:sp>
+        <p:nvSpPr>
+          <p:cNvPr id="51" name="Oval 52">
+            <a:extLst>
+              <a:ext uri="{FF2B5EF4-FFF2-40B4-BE49-F238E27FC236}">
+                <a16:creationId xmlns:a16="http://schemas.microsoft.com/office/drawing/2014/main" id="{35A7E165-9EEF-4BAA-B236-878B7617D2ED}"/>
+              </a:ext>
+            </a:extLst>
+          </p:cNvPr>
+          <p:cNvSpPr/>
+          <p:nvPr/>
+        </p:nvSpPr>
+        <p:spPr>
+          <a:xfrm>
+            <a:off x="10498878" y="2887625"/>
+            <a:ext cx="684695" cy="684695"/>
+          </a:xfrm>
+          <a:prstGeom prst="ellipse">
+            <a:avLst/>
+          </a:prstGeom>
+          <a:solidFill>
+            <a:srgbClr val="FF820A"/>
+          </a:solidFill>
+          <a:ln>
+            <a:noFill/>
+          </a:ln>
+        </p:spPr>
+        <p:style>
+          <a:lnRef idx="2">
+            <a:schemeClr val="accent1">
+              <a:shade val="50000"/>
+            </a:schemeClr>
+          </a:lnRef>
+          <a:fillRef idx="1">
+            <a:schemeClr val="accent1"/>
+          </a:fillRef>
+          <a:effectRef idx="0">
+            <a:schemeClr val="accent1"/>
+          </a:effectRef>
+          <a:fontRef idx="minor">
+            <a:schemeClr val="lt1"/>
+          </a:fontRef>
+        </p:style>
+        <p:txBody>
+          <a:bodyPr wrap="none" lIns="0" tIns="0" rIns="0" bIns="0" rtlCol="0" anchor="ctr"/>
+          <a:lstStyle/>
+          <a:p>
+            <a:pPr algn="ctr"/>
+            <a:r>
+              <a:rPr lang="en-GB" sz="3600" dirty="0"/>
+              <a:t>D’</a:t>
+            </a:r>
+          </a:p>
+        </p:txBody>
+      </p:sp>
+      <p:sp>
+        <p:nvSpPr>
+          <p:cNvPr id="55" name="Oval 47">
+            <a:extLst>
+              <a:ext uri="{FF2B5EF4-FFF2-40B4-BE49-F238E27FC236}">
+                <a16:creationId xmlns:a16="http://schemas.microsoft.com/office/drawing/2014/main" id="{89303513-9752-41F4-8E15-1868F9126CC8}"/>
+              </a:ext>
+            </a:extLst>
+          </p:cNvPr>
+          <p:cNvSpPr/>
+          <p:nvPr/>
+        </p:nvSpPr>
+        <p:spPr>
+          <a:xfrm>
+            <a:off x="7047440" y="6632403"/>
+            <a:ext cx="684695" cy="684695"/>
+          </a:xfrm>
+          <a:prstGeom prst="ellipse">
+            <a:avLst/>
+          </a:prstGeom>
+          <a:solidFill>
+            <a:srgbClr val="FF820A"/>
+          </a:solidFill>
+          <a:ln>
+            <a:noFill/>
+          </a:ln>
+        </p:spPr>
+        <p:style>
+          <a:lnRef idx="2">
+            <a:schemeClr val="accent1">
+              <a:shade val="50000"/>
+            </a:schemeClr>
+          </a:lnRef>
+          <a:fillRef idx="1">
+            <a:schemeClr val="accent1"/>
+          </a:fillRef>
+          <a:effectRef idx="0">
+            <a:schemeClr val="accent1"/>
+          </a:effectRef>
+          <a:fontRef idx="minor">
+            <a:schemeClr val="lt1"/>
+          </a:fontRef>
+        </p:style>
+        <p:txBody>
+          <a:bodyPr wrap="none" lIns="0" tIns="0" rIns="0" bIns="0" rtlCol="0" anchor="ctr"/>
+          <a:lstStyle/>
+          <a:p>
+            <a:pPr algn="ctr"/>
+            <a:r>
+              <a:rPr lang="en-GB" sz="3600" dirty="0"/>
+              <a:t>A</a:t>
+            </a:r>
+          </a:p>
+        </p:txBody>
+      </p:sp>
+      <p:sp>
+        <p:nvSpPr>
+          <p:cNvPr id="56" name="Oval 48">
+            <a:extLst>
+              <a:ext uri="{FF2B5EF4-FFF2-40B4-BE49-F238E27FC236}">
+                <a16:creationId xmlns:a16="http://schemas.microsoft.com/office/drawing/2014/main" id="{E181BD28-D195-4788-9C14-02EEB93506E1}"/>
+              </a:ext>
+            </a:extLst>
+          </p:cNvPr>
+          <p:cNvSpPr/>
+          <p:nvPr/>
+        </p:nvSpPr>
+        <p:spPr>
+          <a:xfrm>
+            <a:off x="8506876" y="6632403"/>
+            <a:ext cx="684695" cy="684695"/>
+          </a:xfrm>
+          <a:prstGeom prst="ellipse">
+            <a:avLst/>
+          </a:prstGeom>
+          <a:solidFill>
+            <a:srgbClr val="FF820A"/>
+          </a:solidFill>
+          <a:ln>
+            <a:noFill/>
+          </a:ln>
+        </p:spPr>
+        <p:style>
+          <a:lnRef idx="2">
+            <a:schemeClr val="accent1">
+              <a:shade val="50000"/>
+            </a:schemeClr>
+          </a:lnRef>
+          <a:fillRef idx="1">
+            <a:schemeClr val="accent1"/>
+          </a:fillRef>
+          <a:effectRef idx="0">
+            <a:schemeClr val="accent1"/>
+          </a:effectRef>
+          <a:fontRef idx="minor">
+            <a:schemeClr val="lt1"/>
+          </a:fontRef>
+        </p:style>
+        <p:txBody>
+          <a:bodyPr wrap="none" lIns="0" tIns="0" rIns="0" bIns="0" rtlCol="0" anchor="ctr"/>
+          <a:lstStyle/>
+          <a:p>
+            <a:pPr algn="ctr"/>
+            <a:r>
+              <a:rPr lang="en-GB" sz="3600" dirty="0"/>
+              <a:t>B</a:t>
+            </a:r>
+          </a:p>
+        </p:txBody>
+      </p:sp>
+      <p:sp>
+        <p:nvSpPr>
+          <p:cNvPr id="57" name="Oval 49">
+            <a:extLst>
+              <a:ext uri="{FF2B5EF4-FFF2-40B4-BE49-F238E27FC236}">
+                <a16:creationId xmlns:a16="http://schemas.microsoft.com/office/drawing/2014/main" id="{41CCF9C3-89E0-4C7D-B03D-5E3F10E09334}"/>
+              </a:ext>
+            </a:extLst>
+          </p:cNvPr>
+          <p:cNvSpPr/>
+          <p:nvPr/>
+        </p:nvSpPr>
+        <p:spPr>
+          <a:xfrm>
+            <a:off x="9966312" y="6632402"/>
+            <a:ext cx="684695" cy="684695"/>
+          </a:xfrm>
+          <a:prstGeom prst="ellipse">
+            <a:avLst/>
+          </a:prstGeom>
+          <a:solidFill>
+            <a:srgbClr val="FF820A"/>
+          </a:solidFill>
+          <a:ln>
+            <a:noFill/>
+          </a:ln>
+        </p:spPr>
+        <p:style>
+          <a:lnRef idx="2">
+            <a:schemeClr val="accent1">
+              <a:shade val="50000"/>
+            </a:schemeClr>
+          </a:lnRef>
+          <a:fillRef idx="1">
+            <a:schemeClr val="accent1"/>
+          </a:fillRef>
+          <a:effectRef idx="0">
+            <a:schemeClr val="accent1"/>
+          </a:effectRef>
+          <a:fontRef idx="minor">
+            <a:schemeClr val="lt1"/>
+          </a:fontRef>
+        </p:style>
+        <p:txBody>
+          <a:bodyPr wrap="none" lIns="0" tIns="0" rIns="0" bIns="0" rtlCol="0" anchor="ctr"/>
+          <a:lstStyle/>
+          <a:p>
+            <a:pPr algn="ctr"/>
+            <a:r>
+              <a:rPr lang="en-GB" sz="3600" dirty="0"/>
+              <a:t>C</a:t>
+            </a:r>
+          </a:p>
+        </p:txBody>
+      </p:sp>
+      <p:cxnSp>
+        <p:nvCxnSpPr>
+          <p:cNvPr id="58" name="Straight Arrow Connector 50">
+            <a:extLst>
+              <a:ext uri="{FF2B5EF4-FFF2-40B4-BE49-F238E27FC236}">
+                <a16:creationId xmlns:a16="http://schemas.microsoft.com/office/drawing/2014/main" id="{BD85B88A-06FA-4CEA-BEC0-DC460C94FD33}"/>
+              </a:ext>
+            </a:extLst>
+          </p:cNvPr>
+          <p:cNvCxnSpPr>
+            <a:stCxn id="55" idx="6"/>
+            <a:endCxn id="56" idx="2"/>
+          </p:cNvCxnSpPr>
+          <p:nvPr/>
+        </p:nvCxnSpPr>
+        <p:spPr>
+          <a:xfrm>
+            <a:off x="7732135" y="6974751"/>
+            <a:ext cx="774741" cy="0"/>
+          </a:xfrm>
+          <a:prstGeom prst="straightConnector1">
+            <a:avLst/>
+          </a:prstGeom>
+          <a:ln w="88900">
+            <a:tailEnd type="triangle"/>
+          </a:ln>
+        </p:spPr>
+        <p:style>
+          <a:lnRef idx="1">
+            <a:schemeClr val="accent1"/>
+          </a:lnRef>
+          <a:fillRef idx="0">
+            <a:schemeClr val="accent1"/>
+          </a:fillRef>
+          <a:effectRef idx="0">
+            <a:schemeClr val="accent1"/>
+          </a:effectRef>
+          <a:fontRef idx="minor">
+            <a:schemeClr val="tx1"/>
+          </a:fontRef>
+        </p:style>
+      </p:cxnSp>
+      <p:cxnSp>
+        <p:nvCxnSpPr>
+          <p:cNvPr id="59" name="Straight Arrow Connector 51">
+            <a:extLst>
+              <a:ext uri="{FF2B5EF4-FFF2-40B4-BE49-F238E27FC236}">
+                <a16:creationId xmlns:a16="http://schemas.microsoft.com/office/drawing/2014/main" id="{771C11A2-8703-47F9-866B-7F97F9792259}"/>
+              </a:ext>
+            </a:extLst>
+          </p:cNvPr>
+          <p:cNvCxnSpPr>
+            <a:stCxn id="56" idx="6"/>
+            <a:endCxn id="57" idx="2"/>
+          </p:cNvCxnSpPr>
+          <p:nvPr/>
+        </p:nvCxnSpPr>
+        <p:spPr>
+          <a:xfrm flipV="1">
+            <a:off x="9191571" y="6974750"/>
+            <a:ext cx="774741" cy="1"/>
+          </a:xfrm>
+          <a:prstGeom prst="straightConnector1">
+            <a:avLst/>
+          </a:prstGeom>
+          <a:ln w="88900">
+            <a:tailEnd type="triangle"/>
+          </a:ln>
+        </p:spPr>
+        <p:style>
+          <a:lnRef idx="1">
+            <a:schemeClr val="accent1"/>
+          </a:lnRef>
+          <a:fillRef idx="0">
+            <a:schemeClr val="accent1"/>
+          </a:fillRef>
+          <a:effectRef idx="0">
+            <a:schemeClr val="accent1"/>
+          </a:effectRef>
+          <a:fontRef idx="minor">
+            <a:schemeClr val="tx1"/>
+          </a:fontRef>
+        </p:style>
+      </p:cxnSp>
+      <p:sp>
+        <p:nvSpPr>
+          <p:cNvPr id="60" name="Oval 52">
+            <a:extLst>
+              <a:ext uri="{FF2B5EF4-FFF2-40B4-BE49-F238E27FC236}">
+                <a16:creationId xmlns:a16="http://schemas.microsoft.com/office/drawing/2014/main" id="{8C48BBA0-7CF0-49EE-AB94-ED148074B403}"/>
+              </a:ext>
+            </a:extLst>
+          </p:cNvPr>
+          <p:cNvSpPr/>
+          <p:nvPr/>
+        </p:nvSpPr>
+        <p:spPr>
+          <a:xfrm>
+            <a:off x="9966312" y="5500282"/>
+            <a:ext cx="684695" cy="684695"/>
+          </a:xfrm>
+          <a:prstGeom prst="ellipse">
+            <a:avLst/>
+          </a:prstGeom>
+          <a:solidFill>
+            <a:srgbClr val="FF820A"/>
+          </a:solidFill>
+          <a:ln>
+            <a:noFill/>
+          </a:ln>
+        </p:spPr>
+        <p:style>
+          <a:lnRef idx="2">
+            <a:schemeClr val="accent1">
+              <a:shade val="50000"/>
+            </a:schemeClr>
+          </a:lnRef>
+          <a:fillRef idx="1">
+            <a:schemeClr val="accent1"/>
+          </a:fillRef>
+          <a:effectRef idx="0">
+            <a:schemeClr val="accent1"/>
+          </a:effectRef>
+          <a:fontRef idx="minor">
+            <a:schemeClr val="lt1"/>
+          </a:fontRef>
+        </p:style>
+        <p:txBody>
+          <a:bodyPr wrap="none" lIns="0" tIns="0" rIns="0" bIns="0" rtlCol="0" anchor="ctr"/>
+          <a:lstStyle/>
+          <a:p>
+            <a:pPr algn="ctr"/>
+            <a:r>
+              <a:rPr lang="en-GB" sz="3600" dirty="0"/>
+              <a:t>D</a:t>
+            </a:r>
+          </a:p>
+        </p:txBody>
+      </p:sp>
+      <p:cxnSp>
+        <p:nvCxnSpPr>
+          <p:cNvPr id="61" name="Curved Connector 53">
+            <a:extLst>
+              <a:ext uri="{FF2B5EF4-FFF2-40B4-BE49-F238E27FC236}">
+                <a16:creationId xmlns:a16="http://schemas.microsoft.com/office/drawing/2014/main" id="{6382AC83-498E-45FE-90BE-081D2A0F1647}"/>
+              </a:ext>
+            </a:extLst>
+          </p:cNvPr>
+          <p:cNvCxnSpPr>
+            <a:stCxn id="56" idx="0"/>
+            <a:endCxn id="60" idx="2"/>
+          </p:cNvCxnSpPr>
+          <p:nvPr/>
+        </p:nvCxnSpPr>
+        <p:spPr>
+          <a:xfrm rot="5400000" flipH="1" flipV="1">
+            <a:off x="9012882" y="5678973"/>
+            <a:ext cx="789773" cy="1117088"/>
+          </a:xfrm>
+          <a:prstGeom prst="curvedConnector2">
+            <a:avLst/>
+          </a:prstGeom>
+          <a:ln w="88900">
+            <a:tailEnd type="triangle"/>
+          </a:ln>
+        </p:spPr>
+        <p:style>
+          <a:lnRef idx="1">
+            <a:schemeClr val="accent1"/>
+          </a:lnRef>
+          <a:fillRef idx="0">
+            <a:schemeClr val="accent1"/>
+          </a:fillRef>
+          <a:effectRef idx="0">
+            <a:schemeClr val="accent1"/>
+          </a:effectRef>
+          <a:fontRef idx="minor">
+            <a:schemeClr val="tx1"/>
+          </a:fontRef>
+        </p:style>
+      </p:cxnSp>
+      <p:sp>
+        <p:nvSpPr>
+          <p:cNvPr id="62" name="Oval 49">
+            <a:extLst>
+              <a:ext uri="{FF2B5EF4-FFF2-40B4-BE49-F238E27FC236}">
+                <a16:creationId xmlns:a16="http://schemas.microsoft.com/office/drawing/2014/main" id="{B29F7565-FEB5-4CEC-9255-2638F54A09DB}"/>
+              </a:ext>
+            </a:extLst>
+          </p:cNvPr>
+          <p:cNvSpPr/>
+          <p:nvPr/>
+        </p:nvSpPr>
+        <p:spPr>
+          <a:xfrm>
+            <a:off x="11425748" y="5496237"/>
+            <a:ext cx="684695" cy="684695"/>
+          </a:xfrm>
+          <a:prstGeom prst="ellipse">
+            <a:avLst/>
+          </a:prstGeom>
+          <a:solidFill>
+            <a:srgbClr val="FF820A"/>
+          </a:solidFill>
+          <a:ln>
+            <a:noFill/>
+          </a:ln>
+        </p:spPr>
+        <p:style>
+          <a:lnRef idx="2">
+            <a:schemeClr val="accent1">
+              <a:shade val="50000"/>
+            </a:schemeClr>
+          </a:lnRef>
+          <a:fillRef idx="1">
+            <a:schemeClr val="accent1"/>
+          </a:fillRef>
+          <a:effectRef idx="0">
+            <a:schemeClr val="accent1"/>
+          </a:effectRef>
+          <a:fontRef idx="minor">
+            <a:schemeClr val="lt1"/>
+          </a:fontRef>
+        </p:style>
+        <p:txBody>
+          <a:bodyPr wrap="none" lIns="0" tIns="0" rIns="0" bIns="0" rtlCol="0" anchor="ctr"/>
+          <a:lstStyle/>
+          <a:p>
+            <a:pPr algn="ctr"/>
+            <a:r>
+              <a:rPr lang="en-GB" sz="3600" dirty="0"/>
+              <a:t>E</a:t>
+            </a:r>
+          </a:p>
+        </p:txBody>
+      </p:sp>
+      <p:cxnSp>
+        <p:nvCxnSpPr>
+          <p:cNvPr id="63" name="Straight Arrow Connector 51">
+            <a:extLst>
+              <a:ext uri="{FF2B5EF4-FFF2-40B4-BE49-F238E27FC236}">
+                <a16:creationId xmlns:a16="http://schemas.microsoft.com/office/drawing/2014/main" id="{7F09BCE1-7B2E-40A1-B9D7-9E0A32225A02}"/>
+              </a:ext>
+            </a:extLst>
+          </p:cNvPr>
+          <p:cNvCxnSpPr/>
+          <p:nvPr/>
+        </p:nvCxnSpPr>
+        <p:spPr>
+          <a:xfrm flipV="1">
+            <a:off x="10651007" y="5838585"/>
+            <a:ext cx="774741" cy="1"/>
+          </a:xfrm>
+          <a:prstGeom prst="straightConnector1">
+            <a:avLst/>
+          </a:prstGeom>
+          <a:ln w="88900">
+            <a:tailEnd type="triangle"/>
+          </a:ln>
+        </p:spPr>
+        <p:style>
+          <a:lnRef idx="1">
+            <a:schemeClr val="accent1"/>
+          </a:lnRef>
+          <a:fillRef idx="0">
+            <a:schemeClr val="accent1"/>
+          </a:fillRef>
+          <a:effectRef idx="0">
+            <a:schemeClr val="accent1"/>
+          </a:effectRef>
+          <a:fontRef idx="minor">
+            <a:schemeClr val="tx1"/>
+          </a:fontRef>
+        </p:style>
+      </p:cxnSp>
+      <p:cxnSp>
+        <p:nvCxnSpPr>
+          <p:cNvPr id="64" name="Curved Connector 53">
+            <a:extLst>
+              <a:ext uri="{FF2B5EF4-FFF2-40B4-BE49-F238E27FC236}">
+                <a16:creationId xmlns:a16="http://schemas.microsoft.com/office/drawing/2014/main" id="{67379437-430C-4280-A256-80FEBB60BDEC}"/>
+              </a:ext>
+            </a:extLst>
+          </p:cNvPr>
+          <p:cNvCxnSpPr>
+            <a:cxnSpLocks/>
+            <a:stCxn id="57" idx="6"/>
+            <a:endCxn id="62" idx="4"/>
+          </p:cNvCxnSpPr>
+          <p:nvPr/>
+        </p:nvCxnSpPr>
+        <p:spPr>
+          <a:xfrm flipV="1">
+            <a:off x="10651007" y="6180932"/>
+            <a:ext cx="1117089" cy="793818"/>
+          </a:xfrm>
+          <a:prstGeom prst="curvedConnector2">
+            <a:avLst/>
+          </a:prstGeom>
+          <a:ln w="88900">
+            <a:tailEnd type="triangle"/>
+          </a:ln>
+        </p:spPr>
+        <p:style>
+          <a:lnRef idx="1">
+            <a:schemeClr val="accent1"/>
+          </a:lnRef>
+          <a:fillRef idx="0">
+            <a:schemeClr val="accent1"/>
+          </a:fillRef>
+          <a:effectRef idx="0">
+            <a:schemeClr val="accent1"/>
+          </a:effectRef>
+          <a:fontRef idx="minor">
+            <a:schemeClr val="tx1"/>
+          </a:fontRef>
+        </p:style>
+      </p:cxnSp>
+      <p:sp>
+        <p:nvSpPr>
+          <p:cNvPr id="66" name="Down Arrow Callout 67">
+            <a:extLst>
+              <a:ext uri="{FF2B5EF4-FFF2-40B4-BE49-F238E27FC236}">
+                <a16:creationId xmlns:a16="http://schemas.microsoft.com/office/drawing/2014/main" id="{796D3411-EAD2-46D0-AA39-254A758A5DE0}"/>
+              </a:ext>
+            </a:extLst>
+          </p:cNvPr>
+          <p:cNvSpPr/>
+          <p:nvPr/>
+        </p:nvSpPr>
+        <p:spPr>
+          <a:xfrm>
+            <a:off x="12567134" y="7301342"/>
+            <a:ext cx="1307308" cy="716205"/>
+          </a:xfrm>
+          <a:prstGeom prst="upArrowCallout">
+            <a:avLst>
+              <a:gd name="adj1" fmla="val 15116"/>
+              <a:gd name="adj2" fmla="val 18410"/>
+              <a:gd name="adj3" fmla="val 25000"/>
+              <a:gd name="adj4" fmla="val 64977"/>
+            </a:avLst>
+          </a:prstGeom>
+          <a:solidFill>
+            <a:srgbClr val="FEB080"/>
+          </a:solidFill>
+          <a:ln>
+            <a:noFill/>
+          </a:ln>
+        </p:spPr>
+        <p:style>
+          <a:lnRef idx="2">
+            <a:schemeClr val="accent1">
+              <a:shade val="50000"/>
+            </a:schemeClr>
+          </a:lnRef>
+          <a:fillRef idx="1">
+            <a:schemeClr val="accent1"/>
+          </a:fillRef>
+          <a:effectRef idx="0">
+            <a:schemeClr val="accent1"/>
+          </a:effectRef>
+          <a:fontRef idx="minor">
+            <a:schemeClr val="lt1"/>
+          </a:fontRef>
+        </p:style>
+        <p:txBody>
+          <a:bodyPr rtlCol="0" anchor="ctr"/>
+          <a:lstStyle/>
+          <a:p>
+            <a:pPr algn="ctr"/>
+            <a:r>
+              <a:rPr lang="en-GB" sz="2400" dirty="0"/>
+              <a:t>master</a:t>
+            </a:r>
+          </a:p>
+        </p:txBody>
+      </p:sp>
+      <p:cxnSp>
+        <p:nvCxnSpPr>
+          <p:cNvPr id="71" name="Straight Arrow Connector 51">
+            <a:extLst>
+              <a:ext uri="{FF2B5EF4-FFF2-40B4-BE49-F238E27FC236}">
+                <a16:creationId xmlns:a16="http://schemas.microsoft.com/office/drawing/2014/main" id="{573254AA-6A26-4258-A56B-2A46FC678765}"/>
+              </a:ext>
+            </a:extLst>
+          </p:cNvPr>
+          <p:cNvCxnSpPr>
+            <a:cxnSpLocks/>
+            <a:endCxn id="73" idx="2"/>
+          </p:cNvCxnSpPr>
+          <p:nvPr/>
+        </p:nvCxnSpPr>
+        <p:spPr>
+          <a:xfrm flipV="1">
+            <a:off x="10651006" y="6974750"/>
+            <a:ext cx="2227435" cy="2"/>
+          </a:xfrm>
+          <a:prstGeom prst="straightConnector1">
+            <a:avLst/>
+          </a:prstGeom>
+          <a:ln w="88900">
+            <a:tailEnd type="triangle"/>
+          </a:ln>
+        </p:spPr>
+        <p:style>
+          <a:lnRef idx="1">
+            <a:schemeClr val="accent1"/>
+          </a:lnRef>
+          <a:fillRef idx="0">
+            <a:schemeClr val="accent1"/>
+          </a:fillRef>
+          <a:effectRef idx="0">
+            <a:schemeClr val="accent1"/>
+          </a:effectRef>
+          <a:fontRef idx="minor">
+            <a:schemeClr val="tx1"/>
+          </a:fontRef>
+        </p:style>
+      </p:cxnSp>
+      <p:sp>
+        <p:nvSpPr>
+          <p:cNvPr id="73" name="Oval 49">
+            <a:extLst>
+              <a:ext uri="{FF2B5EF4-FFF2-40B4-BE49-F238E27FC236}">
+                <a16:creationId xmlns:a16="http://schemas.microsoft.com/office/drawing/2014/main" id="{29378446-7A8B-4D61-935A-76E502C4D104}"/>
+              </a:ext>
+            </a:extLst>
+          </p:cNvPr>
+          <p:cNvSpPr/>
+          <p:nvPr/>
+        </p:nvSpPr>
+        <p:spPr>
+          <a:xfrm>
+            <a:off x="12878441" y="6632402"/>
+            <a:ext cx="684695" cy="684695"/>
+          </a:xfrm>
+          <a:prstGeom prst="ellipse">
+            <a:avLst/>
+          </a:prstGeom>
+          <a:solidFill>
+            <a:srgbClr val="FF820A"/>
+          </a:solidFill>
+          <a:ln>
+            <a:noFill/>
+          </a:ln>
+        </p:spPr>
+        <p:style>
+          <a:lnRef idx="2">
+            <a:schemeClr val="accent1">
+              <a:shade val="50000"/>
+            </a:schemeClr>
+          </a:lnRef>
+          <a:fillRef idx="1">
+            <a:schemeClr val="accent1"/>
+          </a:fillRef>
+          <a:effectRef idx="0">
+            <a:schemeClr val="accent1"/>
+          </a:effectRef>
+          <a:fontRef idx="minor">
+            <a:schemeClr val="lt1"/>
+          </a:fontRef>
+        </p:style>
+        <p:txBody>
+          <a:bodyPr wrap="none" lIns="0" tIns="0" rIns="0" bIns="0" rtlCol="0" anchor="ctr"/>
+          <a:lstStyle/>
+          <a:p>
+            <a:pPr algn="ctr"/>
+            <a:r>
+              <a:rPr lang="en-GB" sz="3600" dirty="0"/>
+              <a:t>F</a:t>
+            </a:r>
+          </a:p>
+        </p:txBody>
+      </p:sp>
+      <p:cxnSp>
+        <p:nvCxnSpPr>
+          <p:cNvPr id="75" name="Curved Connector 53">
+            <a:extLst>
+              <a:ext uri="{FF2B5EF4-FFF2-40B4-BE49-F238E27FC236}">
+                <a16:creationId xmlns:a16="http://schemas.microsoft.com/office/drawing/2014/main" id="{25F5BBDF-0953-4C46-83A4-997861AD1E67}"/>
+              </a:ext>
+            </a:extLst>
+          </p:cNvPr>
+          <p:cNvCxnSpPr>
+            <a:cxnSpLocks/>
+            <a:stCxn id="62" idx="6"/>
+            <a:endCxn id="73" idx="0"/>
+          </p:cNvCxnSpPr>
+          <p:nvPr/>
+        </p:nvCxnSpPr>
+        <p:spPr>
+          <a:xfrm>
+            <a:off x="12110443" y="5838585"/>
+            <a:ext cx="1110346" cy="793817"/>
+          </a:xfrm>
+          <a:prstGeom prst="curvedConnector2">
+            <a:avLst/>
+          </a:prstGeom>
+          <a:ln w="88900">
+            <a:tailEnd type="triangle"/>
+          </a:ln>
+        </p:spPr>
+        <p:style>
+          <a:lnRef idx="1">
+            <a:schemeClr val="accent1"/>
+          </a:lnRef>
+          <a:fillRef idx="0">
+            <a:schemeClr val="accent1"/>
+          </a:fillRef>
+          <a:effectRef idx="0">
+            <a:schemeClr val="accent1"/>
+          </a:effectRef>
+          <a:fontRef idx="minor">
+            <a:schemeClr val="tx1"/>
+          </a:fontRef>
+        </p:style>
+      </p:cxnSp>
+      <p:sp>
+        <p:nvSpPr>
+          <p:cNvPr id="79" name="Down Arrow Callout 67">
+            <a:extLst>
+              <a:ext uri="{FF2B5EF4-FFF2-40B4-BE49-F238E27FC236}">
+                <a16:creationId xmlns:a16="http://schemas.microsoft.com/office/drawing/2014/main" id="{476EB1E6-7470-49F2-86B6-CA83CD8EBC51}"/>
+              </a:ext>
+            </a:extLst>
+          </p:cNvPr>
+          <p:cNvSpPr/>
+          <p:nvPr/>
+        </p:nvSpPr>
+        <p:spPr>
+          <a:xfrm>
+            <a:off x="8754114" y="1039300"/>
+            <a:ext cx="1307308" cy="716205"/>
+          </a:xfrm>
+          <a:prstGeom prst="downArrowCallout">
+            <a:avLst>
+              <a:gd name="adj1" fmla="val 18711"/>
+              <a:gd name="adj2" fmla="val 18711"/>
+              <a:gd name="adj3" fmla="val 25000"/>
+              <a:gd name="adj4" fmla="val 64977"/>
+            </a:avLst>
+          </a:prstGeom>
+          <a:solidFill>
+            <a:srgbClr val="FEB080">
+              <a:alpha val="0"/>
+            </a:srgbClr>
+          </a:solidFill>
+          <a:ln>
+            <a:noFill/>
+          </a:ln>
+        </p:spPr>
+        <p:style>
+          <a:lnRef idx="2">
+            <a:schemeClr val="accent1">
+              <a:shade val="50000"/>
+            </a:schemeClr>
+          </a:lnRef>
+          <a:fillRef idx="1">
+            <a:schemeClr val="accent1"/>
+          </a:fillRef>
+          <a:effectRef idx="0">
+            <a:schemeClr val="accent1"/>
+          </a:effectRef>
+          <a:fontRef idx="minor">
+            <a:schemeClr val="lt1"/>
+          </a:fontRef>
+        </p:style>
+        <p:txBody>
+          <a:bodyPr rtlCol="0" anchor="ctr"/>
+          <a:lstStyle/>
+          <a:p>
+            <a:pPr algn="ctr"/>
+            <a:endParaRPr lang="en-GB" sz="2400" dirty="0"/>
           </a:p>
         </p:txBody>
       </p:sp>

--- a/graph_diagrams.pptx
+++ b/graph_diagrams.pptx
@@ -7,6 +7,8 @@
   <p:sldIdLst>
     <p:sldId id="256" r:id="rId2"/>
     <p:sldId id="257" r:id="rId3"/>
+    <p:sldId id="258" r:id="rId4"/>
+    <p:sldId id="259" r:id="rId5"/>
   </p:sldIdLst>
   <p:sldSz cx="12192000" cy="6858000"/>
   <p:notesSz cx="6858000" cy="9144000"/>
@@ -6339,10 +6341,5503 @@
           </a:p>
         </p:txBody>
       </p:sp>
+      <p:sp>
+        <p:nvSpPr>
+          <p:cNvPr id="80" name="Down Arrow Callout 67">
+            <a:extLst>
+              <a:ext uri="{FF2B5EF4-FFF2-40B4-BE49-F238E27FC236}">
+                <a16:creationId xmlns:a16="http://schemas.microsoft.com/office/drawing/2014/main" id="{59A5715A-9E16-406C-B0A0-4DC6CF30F63A}"/>
+              </a:ext>
+            </a:extLst>
+          </p:cNvPr>
+          <p:cNvSpPr/>
+          <p:nvPr/>
+        </p:nvSpPr>
+        <p:spPr>
+          <a:xfrm>
+            <a:off x="11111069" y="4764277"/>
+            <a:ext cx="1307308" cy="716205"/>
+          </a:xfrm>
+          <a:prstGeom prst="downArrowCallout">
+            <a:avLst>
+              <a:gd name="adj1" fmla="val 18711"/>
+              <a:gd name="adj2" fmla="val 18711"/>
+              <a:gd name="adj3" fmla="val 25000"/>
+              <a:gd name="adj4" fmla="val 64977"/>
+            </a:avLst>
+          </a:prstGeom>
+          <a:solidFill>
+            <a:srgbClr val="FEB080">
+              <a:alpha val="0"/>
+            </a:srgbClr>
+          </a:solidFill>
+          <a:ln>
+            <a:noFill/>
+          </a:ln>
+        </p:spPr>
+        <p:style>
+          <a:lnRef idx="2">
+            <a:schemeClr val="accent1">
+              <a:shade val="50000"/>
+            </a:schemeClr>
+          </a:lnRef>
+          <a:fillRef idx="1">
+            <a:schemeClr val="accent1"/>
+          </a:fillRef>
+          <a:effectRef idx="0">
+            <a:schemeClr val="accent1"/>
+          </a:effectRef>
+          <a:fontRef idx="minor">
+            <a:schemeClr val="lt1"/>
+          </a:fontRef>
+        </p:style>
+        <p:txBody>
+          <a:bodyPr rtlCol="0" anchor="ctr"/>
+          <a:lstStyle/>
+          <a:p>
+            <a:pPr algn="ctr"/>
+            <a:endParaRPr lang="en-GB" sz="2400" dirty="0"/>
+          </a:p>
+        </p:txBody>
+      </p:sp>
     </p:spTree>
     <p:extLst>
       <p:ext uri="{BB962C8B-B14F-4D97-AF65-F5344CB8AC3E}">
         <p14:creationId xmlns:p14="http://schemas.microsoft.com/office/powerpoint/2010/main" val="4242930221"/>
+      </p:ext>
+    </p:extLst>
+  </p:cSld>
+  <p:clrMapOvr>
+    <a:masterClrMapping/>
+  </p:clrMapOvr>
+</p:sld>
+</file>
+
+<file path=ppt/slides/slide3.xml><?xml version="1.0" encoding="utf-8"?>
+<p:sld xmlns:a="http://schemas.openxmlformats.org/drawingml/2006/main" xmlns:r="http://schemas.openxmlformats.org/officeDocument/2006/relationships" xmlns:p="http://schemas.openxmlformats.org/presentationml/2006/main">
+  <p:cSld>
+    <p:spTree>
+      <p:nvGrpSpPr>
+        <p:cNvPr id="1" name=""/>
+        <p:cNvGrpSpPr/>
+        <p:nvPr/>
+      </p:nvGrpSpPr>
+      <p:grpSpPr>
+        <a:xfrm>
+          <a:off x="0" y="0"/>
+          <a:ext cx="0" cy="0"/>
+          <a:chOff x="0" y="0"/>
+          <a:chExt cx="0" cy="0"/>
+        </a:xfrm>
+      </p:grpSpPr>
+      <p:cxnSp>
+        <p:nvCxnSpPr>
+          <p:cNvPr id="4" name="Curved Connector 20">
+            <a:extLst>
+              <a:ext uri="{FF2B5EF4-FFF2-40B4-BE49-F238E27FC236}">
+                <a16:creationId xmlns:a16="http://schemas.microsoft.com/office/drawing/2014/main" id="{2F08BC7D-86EB-4FE6-AC91-E2FBD29412DE}"/>
+              </a:ext>
+            </a:extLst>
+          </p:cNvPr>
+          <p:cNvCxnSpPr/>
+          <p:nvPr/>
+        </p:nvCxnSpPr>
+        <p:spPr>
+          <a:xfrm flipV="1">
+            <a:off x="374744" y="117491"/>
+            <a:ext cx="945931" cy="594585"/>
+          </a:xfrm>
+          <a:prstGeom prst="curvedConnector3">
+            <a:avLst>
+              <a:gd name="adj1" fmla="val 50000"/>
+            </a:avLst>
+          </a:prstGeom>
+          <a:ln w="57150">
+            <a:tailEnd type="triangle"/>
+          </a:ln>
+        </p:spPr>
+        <p:style>
+          <a:lnRef idx="1">
+            <a:schemeClr val="accent1"/>
+          </a:lnRef>
+          <a:fillRef idx="0">
+            <a:schemeClr val="accent1"/>
+          </a:fillRef>
+          <a:effectRef idx="0">
+            <a:schemeClr val="accent1"/>
+          </a:effectRef>
+          <a:fontRef idx="minor">
+            <a:schemeClr val="tx1"/>
+          </a:fontRef>
+        </p:style>
+      </p:cxnSp>
+      <p:cxnSp>
+        <p:nvCxnSpPr>
+          <p:cNvPr id="5" name="Straight Arrow Connector 27">
+            <a:extLst>
+              <a:ext uri="{FF2B5EF4-FFF2-40B4-BE49-F238E27FC236}">
+                <a16:creationId xmlns:a16="http://schemas.microsoft.com/office/drawing/2014/main" id="{0DB7DC97-3883-40E1-AE1C-5D95967ED8C0}"/>
+              </a:ext>
+            </a:extLst>
+          </p:cNvPr>
+          <p:cNvCxnSpPr/>
+          <p:nvPr/>
+        </p:nvCxnSpPr>
+        <p:spPr>
+          <a:xfrm>
+            <a:off x="1430018" y="6097376"/>
+            <a:ext cx="914400" cy="0"/>
+          </a:xfrm>
+          <a:prstGeom prst="straightConnector1">
+            <a:avLst/>
+          </a:prstGeom>
+          <a:ln w="57150">
+            <a:tailEnd type="triangle"/>
+          </a:ln>
+        </p:spPr>
+        <p:style>
+          <a:lnRef idx="1">
+            <a:schemeClr val="accent1"/>
+          </a:lnRef>
+          <a:fillRef idx="0">
+            <a:schemeClr val="accent1"/>
+          </a:fillRef>
+          <a:effectRef idx="0">
+            <a:schemeClr val="accent1"/>
+          </a:effectRef>
+          <a:fontRef idx="minor">
+            <a:schemeClr val="tx1"/>
+          </a:fontRef>
+        </p:style>
+      </p:cxnSp>
+      <p:sp>
+        <p:nvSpPr>
+          <p:cNvPr id="8" name="Down Arrow Callout 63">
+            <a:extLst>
+              <a:ext uri="{FF2B5EF4-FFF2-40B4-BE49-F238E27FC236}">
+                <a16:creationId xmlns:a16="http://schemas.microsoft.com/office/drawing/2014/main" id="{EC937B2E-F02F-404A-AE76-C781B2155CFD}"/>
+              </a:ext>
+            </a:extLst>
+          </p:cNvPr>
+          <p:cNvSpPr/>
+          <p:nvPr/>
+        </p:nvSpPr>
+        <p:spPr>
+          <a:xfrm>
+            <a:off x="8936531" y="4396348"/>
+            <a:ext cx="1118318" cy="644377"/>
+          </a:xfrm>
+          <a:prstGeom prst="upArrowCallout">
+            <a:avLst>
+              <a:gd name="adj1" fmla="val 19087"/>
+              <a:gd name="adj2" fmla="val 19087"/>
+              <a:gd name="adj3" fmla="val 25000"/>
+              <a:gd name="adj4" fmla="val 64977"/>
+            </a:avLst>
+          </a:prstGeom>
+          <a:solidFill>
+            <a:srgbClr val="FEB080"/>
+          </a:solidFill>
+          <a:ln>
+            <a:noFill/>
+          </a:ln>
+        </p:spPr>
+        <p:style>
+          <a:lnRef idx="2">
+            <a:schemeClr val="accent1">
+              <a:shade val="50000"/>
+            </a:schemeClr>
+          </a:lnRef>
+          <a:fillRef idx="1">
+            <a:schemeClr val="accent1"/>
+          </a:fillRef>
+          <a:effectRef idx="0">
+            <a:schemeClr val="accent1"/>
+          </a:effectRef>
+          <a:fontRef idx="minor">
+            <a:schemeClr val="lt1"/>
+          </a:fontRef>
+        </p:style>
+        <p:txBody>
+          <a:bodyPr rtlCol="0" anchor="ctr"/>
+          <a:lstStyle/>
+          <a:p>
+            <a:pPr algn="ctr"/>
+            <a:r>
+              <a:rPr lang="en-GB" sz="2400" dirty="0"/>
+              <a:t>master</a:t>
+            </a:r>
+          </a:p>
+        </p:txBody>
+      </p:sp>
+      <p:sp>
+        <p:nvSpPr>
+          <p:cNvPr id="10" name="Oval 33">
+            <a:extLst>
+              <a:ext uri="{FF2B5EF4-FFF2-40B4-BE49-F238E27FC236}">
+                <a16:creationId xmlns:a16="http://schemas.microsoft.com/office/drawing/2014/main" id="{908F3FAE-3E6D-4B3D-B538-BCE55E5967C4}"/>
+              </a:ext>
+            </a:extLst>
+          </p:cNvPr>
+          <p:cNvSpPr/>
+          <p:nvPr/>
+        </p:nvSpPr>
+        <p:spPr>
+          <a:xfrm>
+            <a:off x="2344418" y="5956635"/>
+            <a:ext cx="283228" cy="283228"/>
+          </a:xfrm>
+          <a:prstGeom prst="ellipse">
+            <a:avLst/>
+          </a:prstGeom>
+          <a:solidFill>
+            <a:srgbClr val="FF820A"/>
+          </a:solidFill>
+          <a:ln>
+            <a:noFill/>
+          </a:ln>
+        </p:spPr>
+        <p:style>
+          <a:lnRef idx="2">
+            <a:schemeClr val="accent1">
+              <a:shade val="50000"/>
+            </a:schemeClr>
+          </a:lnRef>
+          <a:fillRef idx="1">
+            <a:schemeClr val="accent1"/>
+          </a:fillRef>
+          <a:effectRef idx="0">
+            <a:schemeClr val="accent1"/>
+          </a:effectRef>
+          <a:fontRef idx="minor">
+            <a:schemeClr val="lt1"/>
+          </a:fontRef>
+        </p:style>
+        <p:txBody>
+          <a:bodyPr wrap="none" lIns="0" tIns="0" rIns="0" bIns="0" rtlCol="0" anchor="ctr"/>
+          <a:lstStyle/>
+          <a:p>
+            <a:pPr algn="ctr"/>
+            <a:endParaRPr lang="en-GB" sz="3600" dirty="0"/>
+          </a:p>
+        </p:txBody>
+      </p:sp>
+      <p:cxnSp>
+        <p:nvCxnSpPr>
+          <p:cNvPr id="12" name="Straight Arrow Connector 27">
+            <a:extLst>
+              <a:ext uri="{FF2B5EF4-FFF2-40B4-BE49-F238E27FC236}">
+                <a16:creationId xmlns:a16="http://schemas.microsoft.com/office/drawing/2014/main" id="{7916B7FA-5785-4AC4-9596-F654D1978933}"/>
+              </a:ext>
+            </a:extLst>
+          </p:cNvPr>
+          <p:cNvCxnSpPr/>
+          <p:nvPr/>
+        </p:nvCxnSpPr>
+        <p:spPr>
+          <a:xfrm>
+            <a:off x="2627646" y="6097376"/>
+            <a:ext cx="914400" cy="0"/>
+          </a:xfrm>
+          <a:prstGeom prst="straightConnector1">
+            <a:avLst/>
+          </a:prstGeom>
+          <a:ln w="57150">
+            <a:tailEnd type="triangle"/>
+          </a:ln>
+        </p:spPr>
+        <p:style>
+          <a:lnRef idx="1">
+            <a:schemeClr val="accent1"/>
+          </a:lnRef>
+          <a:fillRef idx="0">
+            <a:schemeClr val="accent1"/>
+          </a:fillRef>
+          <a:effectRef idx="0">
+            <a:schemeClr val="accent1"/>
+          </a:effectRef>
+          <a:fontRef idx="minor">
+            <a:schemeClr val="tx1"/>
+          </a:fontRef>
+        </p:style>
+      </p:cxnSp>
+      <p:sp>
+        <p:nvSpPr>
+          <p:cNvPr id="13" name="Oval 33">
+            <a:extLst>
+              <a:ext uri="{FF2B5EF4-FFF2-40B4-BE49-F238E27FC236}">
+                <a16:creationId xmlns:a16="http://schemas.microsoft.com/office/drawing/2014/main" id="{181BE46A-ACFA-4993-B17C-181DEBB62EE8}"/>
+              </a:ext>
+            </a:extLst>
+          </p:cNvPr>
+          <p:cNvSpPr/>
+          <p:nvPr/>
+        </p:nvSpPr>
+        <p:spPr>
+          <a:xfrm>
+            <a:off x="3542046" y="5956635"/>
+            <a:ext cx="283228" cy="283228"/>
+          </a:xfrm>
+          <a:prstGeom prst="ellipse">
+            <a:avLst/>
+          </a:prstGeom>
+          <a:solidFill>
+            <a:srgbClr val="FF820A"/>
+          </a:solidFill>
+          <a:ln>
+            <a:noFill/>
+          </a:ln>
+        </p:spPr>
+        <p:style>
+          <a:lnRef idx="2">
+            <a:schemeClr val="accent1">
+              <a:shade val="50000"/>
+            </a:schemeClr>
+          </a:lnRef>
+          <a:fillRef idx="1">
+            <a:schemeClr val="accent1"/>
+          </a:fillRef>
+          <a:effectRef idx="0">
+            <a:schemeClr val="accent1"/>
+          </a:effectRef>
+          <a:fontRef idx="minor">
+            <a:schemeClr val="lt1"/>
+          </a:fontRef>
+        </p:style>
+        <p:txBody>
+          <a:bodyPr wrap="none" lIns="0" tIns="0" rIns="0" bIns="0" rtlCol="0" anchor="ctr"/>
+          <a:lstStyle/>
+          <a:p>
+            <a:pPr algn="ctr"/>
+            <a:endParaRPr lang="en-GB" sz="3600" dirty="0"/>
+          </a:p>
+        </p:txBody>
+      </p:sp>
+      <p:cxnSp>
+        <p:nvCxnSpPr>
+          <p:cNvPr id="14" name="Straight Arrow Connector 27">
+            <a:extLst>
+              <a:ext uri="{FF2B5EF4-FFF2-40B4-BE49-F238E27FC236}">
+                <a16:creationId xmlns:a16="http://schemas.microsoft.com/office/drawing/2014/main" id="{0EF2AF35-0EA7-497C-BC9E-9733C757B360}"/>
+              </a:ext>
+            </a:extLst>
+          </p:cNvPr>
+          <p:cNvCxnSpPr/>
+          <p:nvPr/>
+        </p:nvCxnSpPr>
+        <p:spPr>
+          <a:xfrm>
+            <a:off x="3825274" y="6097376"/>
+            <a:ext cx="914400" cy="0"/>
+          </a:xfrm>
+          <a:prstGeom prst="straightConnector1">
+            <a:avLst/>
+          </a:prstGeom>
+          <a:ln w="57150">
+            <a:tailEnd type="triangle"/>
+          </a:ln>
+        </p:spPr>
+        <p:style>
+          <a:lnRef idx="1">
+            <a:schemeClr val="accent1"/>
+          </a:lnRef>
+          <a:fillRef idx="0">
+            <a:schemeClr val="accent1"/>
+          </a:fillRef>
+          <a:effectRef idx="0">
+            <a:schemeClr val="accent1"/>
+          </a:effectRef>
+          <a:fontRef idx="minor">
+            <a:schemeClr val="tx1"/>
+          </a:fontRef>
+        </p:style>
+      </p:cxnSp>
+      <p:sp>
+        <p:nvSpPr>
+          <p:cNvPr id="15" name="Oval 33">
+            <a:extLst>
+              <a:ext uri="{FF2B5EF4-FFF2-40B4-BE49-F238E27FC236}">
+                <a16:creationId xmlns:a16="http://schemas.microsoft.com/office/drawing/2014/main" id="{64BB73F8-70BF-4EDC-B6D3-6A8E738CDFC8}"/>
+              </a:ext>
+            </a:extLst>
+          </p:cNvPr>
+          <p:cNvSpPr/>
+          <p:nvPr/>
+        </p:nvSpPr>
+        <p:spPr>
+          <a:xfrm>
+            <a:off x="4739674" y="5956635"/>
+            <a:ext cx="283228" cy="283228"/>
+          </a:xfrm>
+          <a:prstGeom prst="ellipse">
+            <a:avLst/>
+          </a:prstGeom>
+          <a:solidFill>
+            <a:srgbClr val="FF820A"/>
+          </a:solidFill>
+          <a:ln>
+            <a:noFill/>
+          </a:ln>
+        </p:spPr>
+        <p:style>
+          <a:lnRef idx="2">
+            <a:schemeClr val="accent1">
+              <a:shade val="50000"/>
+            </a:schemeClr>
+          </a:lnRef>
+          <a:fillRef idx="1">
+            <a:schemeClr val="accent1"/>
+          </a:fillRef>
+          <a:effectRef idx="0">
+            <a:schemeClr val="accent1"/>
+          </a:effectRef>
+          <a:fontRef idx="minor">
+            <a:schemeClr val="lt1"/>
+          </a:fontRef>
+        </p:style>
+        <p:txBody>
+          <a:bodyPr wrap="none" lIns="0" tIns="0" rIns="0" bIns="0" rtlCol="0" anchor="ctr"/>
+          <a:lstStyle/>
+          <a:p>
+            <a:pPr algn="ctr"/>
+            <a:endParaRPr lang="en-GB" sz="3600" dirty="0"/>
+          </a:p>
+        </p:txBody>
+      </p:sp>
+      <p:cxnSp>
+        <p:nvCxnSpPr>
+          <p:cNvPr id="16" name="Straight Arrow Connector 27">
+            <a:extLst>
+              <a:ext uri="{FF2B5EF4-FFF2-40B4-BE49-F238E27FC236}">
+                <a16:creationId xmlns:a16="http://schemas.microsoft.com/office/drawing/2014/main" id="{BFA83813-637B-4BA7-8C5F-67DA4D18B14A}"/>
+              </a:ext>
+            </a:extLst>
+          </p:cNvPr>
+          <p:cNvCxnSpPr/>
+          <p:nvPr/>
+        </p:nvCxnSpPr>
+        <p:spPr>
+          <a:xfrm>
+            <a:off x="5022902" y="6097376"/>
+            <a:ext cx="914400" cy="0"/>
+          </a:xfrm>
+          <a:prstGeom prst="straightConnector1">
+            <a:avLst/>
+          </a:prstGeom>
+          <a:ln w="57150">
+            <a:tailEnd type="triangle"/>
+          </a:ln>
+        </p:spPr>
+        <p:style>
+          <a:lnRef idx="1">
+            <a:schemeClr val="accent1"/>
+          </a:lnRef>
+          <a:fillRef idx="0">
+            <a:schemeClr val="accent1"/>
+          </a:fillRef>
+          <a:effectRef idx="0">
+            <a:schemeClr val="accent1"/>
+          </a:effectRef>
+          <a:fontRef idx="minor">
+            <a:schemeClr val="tx1"/>
+          </a:fontRef>
+        </p:style>
+      </p:cxnSp>
+      <p:sp>
+        <p:nvSpPr>
+          <p:cNvPr id="17" name="Oval 33">
+            <a:extLst>
+              <a:ext uri="{FF2B5EF4-FFF2-40B4-BE49-F238E27FC236}">
+                <a16:creationId xmlns:a16="http://schemas.microsoft.com/office/drawing/2014/main" id="{89FA513E-480E-4EBE-A40C-CB99A14D95FB}"/>
+              </a:ext>
+            </a:extLst>
+          </p:cNvPr>
+          <p:cNvSpPr/>
+          <p:nvPr/>
+        </p:nvSpPr>
+        <p:spPr>
+          <a:xfrm>
+            <a:off x="5937302" y="5956635"/>
+            <a:ext cx="283228" cy="283228"/>
+          </a:xfrm>
+          <a:prstGeom prst="ellipse">
+            <a:avLst/>
+          </a:prstGeom>
+          <a:solidFill>
+            <a:srgbClr val="FF820A"/>
+          </a:solidFill>
+          <a:ln>
+            <a:noFill/>
+          </a:ln>
+        </p:spPr>
+        <p:style>
+          <a:lnRef idx="2">
+            <a:schemeClr val="accent1">
+              <a:shade val="50000"/>
+            </a:schemeClr>
+          </a:lnRef>
+          <a:fillRef idx="1">
+            <a:schemeClr val="accent1"/>
+          </a:fillRef>
+          <a:effectRef idx="0">
+            <a:schemeClr val="accent1"/>
+          </a:effectRef>
+          <a:fontRef idx="minor">
+            <a:schemeClr val="lt1"/>
+          </a:fontRef>
+        </p:style>
+        <p:txBody>
+          <a:bodyPr wrap="none" lIns="0" tIns="0" rIns="0" bIns="0" rtlCol="0" anchor="ctr"/>
+          <a:lstStyle/>
+          <a:p>
+            <a:pPr algn="ctr"/>
+            <a:endParaRPr lang="en-GB" sz="3600" dirty="0"/>
+          </a:p>
+        </p:txBody>
+      </p:sp>
+      <p:cxnSp>
+        <p:nvCxnSpPr>
+          <p:cNvPr id="26" name="Straight Arrow Connector 27">
+            <a:extLst>
+              <a:ext uri="{FF2B5EF4-FFF2-40B4-BE49-F238E27FC236}">
+                <a16:creationId xmlns:a16="http://schemas.microsoft.com/office/drawing/2014/main" id="{D820D85E-7D1D-41A6-AD3E-714DF6B8065D}"/>
+              </a:ext>
+            </a:extLst>
+          </p:cNvPr>
+          <p:cNvCxnSpPr/>
+          <p:nvPr/>
+        </p:nvCxnSpPr>
+        <p:spPr>
+          <a:xfrm>
+            <a:off x="6220530" y="6097376"/>
+            <a:ext cx="914400" cy="0"/>
+          </a:xfrm>
+          <a:prstGeom prst="straightConnector1">
+            <a:avLst/>
+          </a:prstGeom>
+          <a:ln w="57150">
+            <a:tailEnd type="triangle"/>
+          </a:ln>
+        </p:spPr>
+        <p:style>
+          <a:lnRef idx="1">
+            <a:schemeClr val="accent1"/>
+          </a:lnRef>
+          <a:fillRef idx="0">
+            <a:schemeClr val="accent1"/>
+          </a:fillRef>
+          <a:effectRef idx="0">
+            <a:schemeClr val="accent1"/>
+          </a:effectRef>
+          <a:fontRef idx="minor">
+            <a:schemeClr val="tx1"/>
+          </a:fontRef>
+        </p:style>
+      </p:cxnSp>
+      <p:sp>
+        <p:nvSpPr>
+          <p:cNvPr id="27" name="Oval 33">
+            <a:extLst>
+              <a:ext uri="{FF2B5EF4-FFF2-40B4-BE49-F238E27FC236}">
+                <a16:creationId xmlns:a16="http://schemas.microsoft.com/office/drawing/2014/main" id="{F6D2D9CF-1B21-433A-8F7F-2A7896C3F841}"/>
+              </a:ext>
+            </a:extLst>
+          </p:cNvPr>
+          <p:cNvSpPr/>
+          <p:nvPr/>
+        </p:nvSpPr>
+        <p:spPr>
+          <a:xfrm>
+            <a:off x="7134930" y="5956635"/>
+            <a:ext cx="283228" cy="283228"/>
+          </a:xfrm>
+          <a:prstGeom prst="ellipse">
+            <a:avLst/>
+          </a:prstGeom>
+          <a:solidFill>
+            <a:srgbClr val="FF820A"/>
+          </a:solidFill>
+          <a:ln>
+            <a:noFill/>
+          </a:ln>
+        </p:spPr>
+        <p:style>
+          <a:lnRef idx="2">
+            <a:schemeClr val="accent1">
+              <a:shade val="50000"/>
+            </a:schemeClr>
+          </a:lnRef>
+          <a:fillRef idx="1">
+            <a:schemeClr val="accent1"/>
+          </a:fillRef>
+          <a:effectRef idx="0">
+            <a:schemeClr val="accent1"/>
+          </a:effectRef>
+          <a:fontRef idx="minor">
+            <a:schemeClr val="lt1"/>
+          </a:fontRef>
+        </p:style>
+        <p:txBody>
+          <a:bodyPr wrap="none" lIns="0" tIns="0" rIns="0" bIns="0" rtlCol="0" anchor="ctr"/>
+          <a:lstStyle/>
+          <a:p>
+            <a:pPr algn="ctr"/>
+            <a:endParaRPr lang="en-GB" sz="3600" dirty="0"/>
+          </a:p>
+        </p:txBody>
+      </p:sp>
+      <p:cxnSp>
+        <p:nvCxnSpPr>
+          <p:cNvPr id="28" name="Straight Arrow Connector 27">
+            <a:extLst>
+              <a:ext uri="{FF2B5EF4-FFF2-40B4-BE49-F238E27FC236}">
+                <a16:creationId xmlns:a16="http://schemas.microsoft.com/office/drawing/2014/main" id="{E0E85694-78EA-4A50-92B9-B582FC28BDEE}"/>
+              </a:ext>
+            </a:extLst>
+          </p:cNvPr>
+          <p:cNvCxnSpPr/>
+          <p:nvPr/>
+        </p:nvCxnSpPr>
+        <p:spPr>
+          <a:xfrm>
+            <a:off x="7418158" y="6097376"/>
+            <a:ext cx="914400" cy="0"/>
+          </a:xfrm>
+          <a:prstGeom prst="straightConnector1">
+            <a:avLst/>
+          </a:prstGeom>
+          <a:ln w="57150">
+            <a:tailEnd type="triangle"/>
+          </a:ln>
+        </p:spPr>
+        <p:style>
+          <a:lnRef idx="1">
+            <a:schemeClr val="accent1"/>
+          </a:lnRef>
+          <a:fillRef idx="0">
+            <a:schemeClr val="accent1"/>
+          </a:fillRef>
+          <a:effectRef idx="0">
+            <a:schemeClr val="accent1"/>
+          </a:effectRef>
+          <a:fontRef idx="minor">
+            <a:schemeClr val="tx1"/>
+          </a:fontRef>
+        </p:style>
+      </p:cxnSp>
+      <p:sp>
+        <p:nvSpPr>
+          <p:cNvPr id="29" name="Oval 33">
+            <a:extLst>
+              <a:ext uri="{FF2B5EF4-FFF2-40B4-BE49-F238E27FC236}">
+                <a16:creationId xmlns:a16="http://schemas.microsoft.com/office/drawing/2014/main" id="{1FA90C81-85A6-423E-B417-C759ADF7C228}"/>
+              </a:ext>
+            </a:extLst>
+          </p:cNvPr>
+          <p:cNvSpPr/>
+          <p:nvPr/>
+        </p:nvSpPr>
+        <p:spPr>
+          <a:xfrm>
+            <a:off x="8332558" y="5956635"/>
+            <a:ext cx="283228" cy="283228"/>
+          </a:xfrm>
+          <a:prstGeom prst="ellipse">
+            <a:avLst/>
+          </a:prstGeom>
+          <a:solidFill>
+            <a:srgbClr val="FF820A"/>
+          </a:solidFill>
+          <a:ln>
+            <a:noFill/>
+          </a:ln>
+        </p:spPr>
+        <p:style>
+          <a:lnRef idx="2">
+            <a:schemeClr val="accent1">
+              <a:shade val="50000"/>
+            </a:schemeClr>
+          </a:lnRef>
+          <a:fillRef idx="1">
+            <a:schemeClr val="accent1"/>
+          </a:fillRef>
+          <a:effectRef idx="0">
+            <a:schemeClr val="accent1"/>
+          </a:effectRef>
+          <a:fontRef idx="minor">
+            <a:schemeClr val="lt1"/>
+          </a:fontRef>
+        </p:style>
+        <p:txBody>
+          <a:bodyPr wrap="none" lIns="0" tIns="0" rIns="0" bIns="0" rtlCol="0" anchor="ctr"/>
+          <a:lstStyle/>
+          <a:p>
+            <a:pPr algn="ctr"/>
+            <a:endParaRPr lang="en-GB" sz="3600" dirty="0"/>
+          </a:p>
+        </p:txBody>
+      </p:sp>
+      <p:cxnSp>
+        <p:nvCxnSpPr>
+          <p:cNvPr id="30" name="Straight Arrow Connector 27">
+            <a:extLst>
+              <a:ext uri="{FF2B5EF4-FFF2-40B4-BE49-F238E27FC236}">
+                <a16:creationId xmlns:a16="http://schemas.microsoft.com/office/drawing/2014/main" id="{52A8AF9E-C987-4A66-8E8C-70B2BC305BC1}"/>
+              </a:ext>
+            </a:extLst>
+          </p:cNvPr>
+          <p:cNvCxnSpPr/>
+          <p:nvPr/>
+        </p:nvCxnSpPr>
+        <p:spPr>
+          <a:xfrm>
+            <a:off x="8615786" y="6097376"/>
+            <a:ext cx="914400" cy="0"/>
+          </a:xfrm>
+          <a:prstGeom prst="straightConnector1">
+            <a:avLst/>
+          </a:prstGeom>
+          <a:ln w="57150">
+            <a:tailEnd type="triangle"/>
+          </a:ln>
+        </p:spPr>
+        <p:style>
+          <a:lnRef idx="1">
+            <a:schemeClr val="accent1"/>
+          </a:lnRef>
+          <a:fillRef idx="0">
+            <a:schemeClr val="accent1"/>
+          </a:fillRef>
+          <a:effectRef idx="0">
+            <a:schemeClr val="accent1"/>
+          </a:effectRef>
+          <a:fontRef idx="minor">
+            <a:schemeClr val="tx1"/>
+          </a:fontRef>
+        </p:style>
+      </p:cxnSp>
+      <p:sp>
+        <p:nvSpPr>
+          <p:cNvPr id="31" name="Oval 33">
+            <a:extLst>
+              <a:ext uri="{FF2B5EF4-FFF2-40B4-BE49-F238E27FC236}">
+                <a16:creationId xmlns:a16="http://schemas.microsoft.com/office/drawing/2014/main" id="{3EBB31F5-3CB8-454D-A6DD-DC77116A0A79}"/>
+              </a:ext>
+            </a:extLst>
+          </p:cNvPr>
+          <p:cNvSpPr/>
+          <p:nvPr/>
+        </p:nvSpPr>
+        <p:spPr>
+          <a:xfrm>
+            <a:off x="9530186" y="5956635"/>
+            <a:ext cx="283228" cy="283228"/>
+          </a:xfrm>
+          <a:prstGeom prst="ellipse">
+            <a:avLst/>
+          </a:prstGeom>
+          <a:solidFill>
+            <a:srgbClr val="FF820A"/>
+          </a:solidFill>
+          <a:ln>
+            <a:noFill/>
+          </a:ln>
+        </p:spPr>
+        <p:style>
+          <a:lnRef idx="2">
+            <a:schemeClr val="accent1">
+              <a:shade val="50000"/>
+            </a:schemeClr>
+          </a:lnRef>
+          <a:fillRef idx="1">
+            <a:schemeClr val="accent1"/>
+          </a:fillRef>
+          <a:effectRef idx="0">
+            <a:schemeClr val="accent1"/>
+          </a:effectRef>
+          <a:fontRef idx="minor">
+            <a:schemeClr val="lt1"/>
+          </a:fontRef>
+        </p:style>
+        <p:txBody>
+          <a:bodyPr wrap="none" lIns="0" tIns="0" rIns="0" bIns="0" rtlCol="0" anchor="ctr"/>
+          <a:lstStyle/>
+          <a:p>
+            <a:pPr algn="ctr"/>
+            <a:endParaRPr lang="en-GB" sz="3600" dirty="0"/>
+          </a:p>
+        </p:txBody>
+      </p:sp>
+      <p:cxnSp>
+        <p:nvCxnSpPr>
+          <p:cNvPr id="32" name="Straight Arrow Connector 27">
+            <a:extLst>
+              <a:ext uri="{FF2B5EF4-FFF2-40B4-BE49-F238E27FC236}">
+                <a16:creationId xmlns:a16="http://schemas.microsoft.com/office/drawing/2014/main" id="{0664561C-6785-42D7-91EA-8CEB91CD7412}"/>
+              </a:ext>
+            </a:extLst>
+          </p:cNvPr>
+          <p:cNvCxnSpPr/>
+          <p:nvPr/>
+        </p:nvCxnSpPr>
+        <p:spPr>
+          <a:xfrm>
+            <a:off x="9813414" y="6097376"/>
+            <a:ext cx="914400" cy="0"/>
+          </a:xfrm>
+          <a:prstGeom prst="straightConnector1">
+            <a:avLst/>
+          </a:prstGeom>
+          <a:ln w="57150">
+            <a:tailEnd type="triangle"/>
+          </a:ln>
+        </p:spPr>
+        <p:style>
+          <a:lnRef idx="1">
+            <a:schemeClr val="accent1"/>
+          </a:lnRef>
+          <a:fillRef idx="0">
+            <a:schemeClr val="accent1"/>
+          </a:fillRef>
+          <a:effectRef idx="0">
+            <a:schemeClr val="accent1"/>
+          </a:effectRef>
+          <a:fontRef idx="minor">
+            <a:schemeClr val="tx1"/>
+          </a:fontRef>
+        </p:style>
+      </p:cxnSp>
+      <p:sp>
+        <p:nvSpPr>
+          <p:cNvPr id="33" name="Oval 33">
+            <a:extLst>
+              <a:ext uri="{FF2B5EF4-FFF2-40B4-BE49-F238E27FC236}">
+                <a16:creationId xmlns:a16="http://schemas.microsoft.com/office/drawing/2014/main" id="{781E0945-F334-410C-9143-C12A33D13F37}"/>
+              </a:ext>
+            </a:extLst>
+          </p:cNvPr>
+          <p:cNvSpPr/>
+          <p:nvPr/>
+        </p:nvSpPr>
+        <p:spPr>
+          <a:xfrm>
+            <a:off x="10727814" y="5956635"/>
+            <a:ext cx="283228" cy="283228"/>
+          </a:xfrm>
+          <a:prstGeom prst="ellipse">
+            <a:avLst/>
+          </a:prstGeom>
+          <a:solidFill>
+            <a:srgbClr val="FF820A"/>
+          </a:solidFill>
+          <a:ln>
+            <a:noFill/>
+          </a:ln>
+        </p:spPr>
+        <p:style>
+          <a:lnRef idx="2">
+            <a:schemeClr val="accent1">
+              <a:shade val="50000"/>
+            </a:schemeClr>
+          </a:lnRef>
+          <a:fillRef idx="1">
+            <a:schemeClr val="accent1"/>
+          </a:fillRef>
+          <a:effectRef idx="0">
+            <a:schemeClr val="accent1"/>
+          </a:effectRef>
+          <a:fontRef idx="minor">
+            <a:schemeClr val="lt1"/>
+          </a:fontRef>
+        </p:style>
+        <p:txBody>
+          <a:bodyPr wrap="none" lIns="0" tIns="0" rIns="0" bIns="0" rtlCol="0" anchor="ctr"/>
+          <a:lstStyle/>
+          <a:p>
+            <a:pPr algn="ctr"/>
+            <a:endParaRPr lang="en-GB" sz="3600" dirty="0"/>
+          </a:p>
+        </p:txBody>
+      </p:sp>
+      <p:cxnSp>
+        <p:nvCxnSpPr>
+          <p:cNvPr id="34" name="Straight Arrow Connector 27">
+            <a:extLst>
+              <a:ext uri="{FF2B5EF4-FFF2-40B4-BE49-F238E27FC236}">
+                <a16:creationId xmlns:a16="http://schemas.microsoft.com/office/drawing/2014/main" id="{9ABCDC27-1EBA-4B5F-B987-D26DB54402B9}"/>
+              </a:ext>
+            </a:extLst>
+          </p:cNvPr>
+          <p:cNvCxnSpPr/>
+          <p:nvPr/>
+        </p:nvCxnSpPr>
+        <p:spPr>
+          <a:xfrm>
+            <a:off x="406275" y="1070738"/>
+            <a:ext cx="914400" cy="0"/>
+          </a:xfrm>
+          <a:prstGeom prst="straightConnector1">
+            <a:avLst/>
+          </a:prstGeom>
+          <a:ln w="57150">
+            <a:tailEnd type="triangle"/>
+          </a:ln>
+        </p:spPr>
+        <p:style>
+          <a:lnRef idx="1">
+            <a:schemeClr val="accent1"/>
+          </a:lnRef>
+          <a:fillRef idx="0">
+            <a:schemeClr val="accent1"/>
+          </a:fillRef>
+          <a:effectRef idx="0">
+            <a:schemeClr val="accent1"/>
+          </a:effectRef>
+          <a:fontRef idx="minor">
+            <a:schemeClr val="tx1"/>
+          </a:fontRef>
+        </p:style>
+      </p:cxnSp>
+      <p:sp>
+        <p:nvSpPr>
+          <p:cNvPr id="35" name="Oval 33">
+            <a:extLst>
+              <a:ext uri="{FF2B5EF4-FFF2-40B4-BE49-F238E27FC236}">
+                <a16:creationId xmlns:a16="http://schemas.microsoft.com/office/drawing/2014/main" id="{FB94A22D-EB07-407C-A1C8-92BF3A1AC741}"/>
+              </a:ext>
+            </a:extLst>
+          </p:cNvPr>
+          <p:cNvSpPr/>
+          <p:nvPr/>
+        </p:nvSpPr>
+        <p:spPr>
+          <a:xfrm>
+            <a:off x="644652" y="1537445"/>
+            <a:ext cx="283228" cy="283228"/>
+          </a:xfrm>
+          <a:prstGeom prst="ellipse">
+            <a:avLst/>
+          </a:prstGeom>
+          <a:solidFill>
+            <a:srgbClr val="FF820A"/>
+          </a:solidFill>
+          <a:ln>
+            <a:noFill/>
+          </a:ln>
+        </p:spPr>
+        <p:style>
+          <a:lnRef idx="2">
+            <a:schemeClr val="accent1">
+              <a:shade val="50000"/>
+            </a:schemeClr>
+          </a:lnRef>
+          <a:fillRef idx="1">
+            <a:schemeClr val="accent1"/>
+          </a:fillRef>
+          <a:effectRef idx="0">
+            <a:schemeClr val="accent1"/>
+          </a:effectRef>
+          <a:fontRef idx="minor">
+            <a:schemeClr val="lt1"/>
+          </a:fontRef>
+        </p:style>
+        <p:txBody>
+          <a:bodyPr wrap="none" lIns="0" tIns="0" rIns="0" bIns="0" rtlCol="0" anchor="ctr"/>
+          <a:lstStyle/>
+          <a:p>
+            <a:pPr algn="ctr"/>
+            <a:endParaRPr lang="en-GB" sz="3600" dirty="0"/>
+          </a:p>
+        </p:txBody>
+      </p:sp>
+      <p:sp>
+        <p:nvSpPr>
+          <p:cNvPr id="36" name="Down Arrow Callout 63">
+            <a:extLst>
+              <a:ext uri="{FF2B5EF4-FFF2-40B4-BE49-F238E27FC236}">
+                <a16:creationId xmlns:a16="http://schemas.microsoft.com/office/drawing/2014/main" id="{2776DA18-31C9-495B-AC20-83D99815331D}"/>
+              </a:ext>
+            </a:extLst>
+          </p:cNvPr>
+          <p:cNvSpPr/>
+          <p:nvPr/>
+        </p:nvSpPr>
+        <p:spPr>
+          <a:xfrm>
+            <a:off x="5750379" y="4396348"/>
+            <a:ext cx="1958599" cy="644377"/>
+          </a:xfrm>
+          <a:prstGeom prst="downArrowCallout">
+            <a:avLst>
+              <a:gd name="adj1" fmla="val 18711"/>
+              <a:gd name="adj2" fmla="val 18711"/>
+              <a:gd name="adj3" fmla="val 25000"/>
+              <a:gd name="adj4" fmla="val 62194"/>
+            </a:avLst>
+          </a:prstGeom>
+          <a:solidFill>
+            <a:schemeClr val="accent2">
+              <a:lumMod val="75000"/>
+            </a:schemeClr>
+          </a:solidFill>
+          <a:ln>
+            <a:noFill/>
+          </a:ln>
+        </p:spPr>
+        <p:style>
+          <a:lnRef idx="2">
+            <a:schemeClr val="accent1">
+              <a:shade val="50000"/>
+            </a:schemeClr>
+          </a:lnRef>
+          <a:fillRef idx="1">
+            <a:schemeClr val="accent1"/>
+          </a:fillRef>
+          <a:effectRef idx="0">
+            <a:schemeClr val="accent1"/>
+          </a:effectRef>
+          <a:fontRef idx="minor">
+            <a:schemeClr val="lt1"/>
+          </a:fontRef>
+        </p:style>
+        <p:txBody>
+          <a:bodyPr rtlCol="0" anchor="ctr"/>
+          <a:lstStyle/>
+          <a:p>
+            <a:pPr algn="ctr"/>
+            <a:r>
+              <a:rPr lang="en-GB" sz="2400" dirty="0"/>
+              <a:t>origin/master</a:t>
+            </a:r>
+          </a:p>
+        </p:txBody>
+      </p:sp>
+      <p:sp>
+        <p:nvSpPr>
+          <p:cNvPr id="37" name="Down Arrow Callout 63">
+            <a:extLst>
+              <a:ext uri="{FF2B5EF4-FFF2-40B4-BE49-F238E27FC236}">
+                <a16:creationId xmlns:a16="http://schemas.microsoft.com/office/drawing/2014/main" id="{C336795F-BB63-4FD3-80D3-69B2EDAB98E0}"/>
+              </a:ext>
+            </a:extLst>
+          </p:cNvPr>
+          <p:cNvSpPr/>
+          <p:nvPr/>
+        </p:nvSpPr>
+        <p:spPr>
+          <a:xfrm>
+            <a:off x="805959" y="2861789"/>
+            <a:ext cx="1118318" cy="644377"/>
+          </a:xfrm>
+          <a:prstGeom prst="upArrowCallout">
+            <a:avLst>
+              <a:gd name="adj1" fmla="val 19087"/>
+              <a:gd name="adj2" fmla="val 19087"/>
+              <a:gd name="adj3" fmla="val 25000"/>
+              <a:gd name="adj4" fmla="val 64977"/>
+            </a:avLst>
+          </a:prstGeom>
+          <a:solidFill>
+            <a:srgbClr val="FEB080"/>
+          </a:solidFill>
+          <a:ln>
+            <a:noFill/>
+          </a:ln>
+        </p:spPr>
+        <p:style>
+          <a:lnRef idx="2">
+            <a:schemeClr val="accent1">
+              <a:shade val="50000"/>
+            </a:schemeClr>
+          </a:lnRef>
+          <a:fillRef idx="1">
+            <a:schemeClr val="accent1"/>
+          </a:fillRef>
+          <a:effectRef idx="0">
+            <a:schemeClr val="accent1"/>
+          </a:effectRef>
+          <a:fontRef idx="minor">
+            <a:schemeClr val="lt1"/>
+          </a:fontRef>
+        </p:style>
+        <p:txBody>
+          <a:bodyPr rtlCol="0" anchor="ctr"/>
+          <a:lstStyle/>
+          <a:p>
+            <a:pPr algn="ctr"/>
+            <a:r>
+              <a:rPr lang="en-GB" sz="2400" dirty="0"/>
+              <a:t>master</a:t>
+            </a:r>
+          </a:p>
+        </p:txBody>
+      </p:sp>
+      <p:sp>
+        <p:nvSpPr>
+          <p:cNvPr id="38" name="Down Arrow Callout 63">
+            <a:extLst>
+              <a:ext uri="{FF2B5EF4-FFF2-40B4-BE49-F238E27FC236}">
+                <a16:creationId xmlns:a16="http://schemas.microsoft.com/office/drawing/2014/main" id="{D200FB39-C774-48FA-8439-FE0D88AD9C81}"/>
+              </a:ext>
+            </a:extLst>
+          </p:cNvPr>
+          <p:cNvSpPr/>
+          <p:nvPr/>
+        </p:nvSpPr>
+        <p:spPr>
+          <a:xfrm>
+            <a:off x="385819" y="1965190"/>
+            <a:ext cx="1958599" cy="644377"/>
+          </a:xfrm>
+          <a:prstGeom prst="downArrowCallout">
+            <a:avLst>
+              <a:gd name="adj1" fmla="val 18711"/>
+              <a:gd name="adj2" fmla="val 18711"/>
+              <a:gd name="adj3" fmla="val 25000"/>
+              <a:gd name="adj4" fmla="val 62194"/>
+            </a:avLst>
+          </a:prstGeom>
+          <a:solidFill>
+            <a:schemeClr val="accent2">
+              <a:lumMod val="75000"/>
+            </a:schemeClr>
+          </a:solidFill>
+          <a:ln>
+            <a:noFill/>
+          </a:ln>
+        </p:spPr>
+        <p:style>
+          <a:lnRef idx="2">
+            <a:schemeClr val="accent1">
+              <a:shade val="50000"/>
+            </a:schemeClr>
+          </a:lnRef>
+          <a:fillRef idx="1">
+            <a:schemeClr val="accent1"/>
+          </a:fillRef>
+          <a:effectRef idx="0">
+            <a:schemeClr val="accent1"/>
+          </a:effectRef>
+          <a:fontRef idx="minor">
+            <a:schemeClr val="lt1"/>
+          </a:fontRef>
+        </p:style>
+        <p:txBody>
+          <a:bodyPr rtlCol="0" anchor="ctr"/>
+          <a:lstStyle/>
+          <a:p>
+            <a:pPr algn="ctr"/>
+            <a:r>
+              <a:rPr lang="en-GB" sz="2400" dirty="0"/>
+              <a:t>origin/master</a:t>
+            </a:r>
+          </a:p>
+        </p:txBody>
+      </p:sp>
+    </p:spTree>
+    <p:extLst>
+      <p:ext uri="{BB962C8B-B14F-4D97-AF65-F5344CB8AC3E}">
+        <p14:creationId xmlns:p14="http://schemas.microsoft.com/office/powerpoint/2010/main" val="490787286"/>
+      </p:ext>
+    </p:extLst>
+  </p:cSld>
+  <p:clrMapOvr>
+    <a:masterClrMapping/>
+  </p:clrMapOvr>
+</p:sld>
+</file>
+
+<file path=ppt/slides/slide4.xml><?xml version="1.0" encoding="utf-8"?>
+<p:sld xmlns:a="http://schemas.openxmlformats.org/drawingml/2006/main" xmlns:r="http://schemas.openxmlformats.org/officeDocument/2006/relationships" xmlns:p="http://schemas.openxmlformats.org/presentationml/2006/main">
+  <p:cSld>
+    <p:spTree>
+      <p:nvGrpSpPr>
+        <p:cNvPr id="1" name=""/>
+        <p:cNvGrpSpPr/>
+        <p:nvPr/>
+      </p:nvGrpSpPr>
+      <p:grpSpPr>
+        <a:xfrm>
+          <a:off x="0" y="0"/>
+          <a:ext cx="0" cy="0"/>
+          <a:chOff x="0" y="0"/>
+          <a:chExt cx="0" cy="0"/>
+        </a:xfrm>
+      </p:grpSpPr>
+      <p:sp>
+        <p:nvSpPr>
+          <p:cNvPr id="5" name="Oval 33">
+            <a:extLst>
+              <a:ext uri="{FF2B5EF4-FFF2-40B4-BE49-F238E27FC236}">
+                <a16:creationId xmlns:a16="http://schemas.microsoft.com/office/drawing/2014/main" id="{AD57D420-1BCA-420F-87A2-AB0CCED5D298}"/>
+              </a:ext>
+            </a:extLst>
+          </p:cNvPr>
+          <p:cNvSpPr/>
+          <p:nvPr/>
+        </p:nvSpPr>
+        <p:spPr>
+          <a:xfrm>
+            <a:off x="1436233" y="974745"/>
+            <a:ext cx="283228" cy="283228"/>
+          </a:xfrm>
+          <a:prstGeom prst="ellipse">
+            <a:avLst/>
+          </a:prstGeom>
+          <a:solidFill>
+            <a:srgbClr val="FF820A"/>
+          </a:solidFill>
+          <a:ln>
+            <a:noFill/>
+          </a:ln>
+        </p:spPr>
+        <p:style>
+          <a:lnRef idx="2">
+            <a:schemeClr val="accent1">
+              <a:shade val="50000"/>
+            </a:schemeClr>
+          </a:lnRef>
+          <a:fillRef idx="1">
+            <a:schemeClr val="accent1"/>
+          </a:fillRef>
+          <a:effectRef idx="0">
+            <a:schemeClr val="accent1"/>
+          </a:effectRef>
+          <a:fontRef idx="minor">
+            <a:schemeClr val="lt1"/>
+          </a:fontRef>
+        </p:style>
+        <p:txBody>
+          <a:bodyPr wrap="none" lIns="0" tIns="0" rIns="0" bIns="0" rtlCol="0" anchor="ctr"/>
+          <a:lstStyle/>
+          <a:p>
+            <a:pPr algn="ctr"/>
+            <a:endParaRPr lang="en-GB" sz="3600" dirty="0"/>
+          </a:p>
+        </p:txBody>
+      </p:sp>
+      <p:cxnSp>
+        <p:nvCxnSpPr>
+          <p:cNvPr id="6" name="Straight Arrow Connector 27">
+            <a:extLst>
+              <a:ext uri="{FF2B5EF4-FFF2-40B4-BE49-F238E27FC236}">
+                <a16:creationId xmlns:a16="http://schemas.microsoft.com/office/drawing/2014/main" id="{B6CDCF21-1935-44BF-989E-D8AEFB784638}"/>
+              </a:ext>
+            </a:extLst>
+          </p:cNvPr>
+          <p:cNvCxnSpPr/>
+          <p:nvPr/>
+        </p:nvCxnSpPr>
+        <p:spPr>
+          <a:xfrm>
+            <a:off x="1684218" y="1118976"/>
+            <a:ext cx="914400" cy="0"/>
+          </a:xfrm>
+          <a:prstGeom prst="straightConnector1">
+            <a:avLst/>
+          </a:prstGeom>
+          <a:ln w="57150">
+            <a:tailEnd type="triangle"/>
+          </a:ln>
+        </p:spPr>
+        <p:style>
+          <a:lnRef idx="1">
+            <a:schemeClr val="accent1"/>
+          </a:lnRef>
+          <a:fillRef idx="0">
+            <a:schemeClr val="accent1"/>
+          </a:fillRef>
+          <a:effectRef idx="0">
+            <a:schemeClr val="accent1"/>
+          </a:effectRef>
+          <a:fontRef idx="minor">
+            <a:schemeClr val="tx1"/>
+          </a:fontRef>
+        </p:style>
+      </p:cxnSp>
+      <p:sp>
+        <p:nvSpPr>
+          <p:cNvPr id="7" name="Oval 33">
+            <a:extLst>
+              <a:ext uri="{FF2B5EF4-FFF2-40B4-BE49-F238E27FC236}">
+                <a16:creationId xmlns:a16="http://schemas.microsoft.com/office/drawing/2014/main" id="{1B8DA1F8-5538-4796-9C62-F759BEFA131C}"/>
+              </a:ext>
+            </a:extLst>
+          </p:cNvPr>
+          <p:cNvSpPr/>
+          <p:nvPr/>
+        </p:nvSpPr>
+        <p:spPr>
+          <a:xfrm>
+            <a:off x="2598618" y="978235"/>
+            <a:ext cx="283228" cy="283228"/>
+          </a:xfrm>
+          <a:prstGeom prst="ellipse">
+            <a:avLst/>
+          </a:prstGeom>
+          <a:solidFill>
+            <a:srgbClr val="FF820A"/>
+          </a:solidFill>
+          <a:ln>
+            <a:noFill/>
+          </a:ln>
+        </p:spPr>
+        <p:style>
+          <a:lnRef idx="2">
+            <a:schemeClr val="accent1">
+              <a:shade val="50000"/>
+            </a:schemeClr>
+          </a:lnRef>
+          <a:fillRef idx="1">
+            <a:schemeClr val="accent1"/>
+          </a:fillRef>
+          <a:effectRef idx="0">
+            <a:schemeClr val="accent1"/>
+          </a:effectRef>
+          <a:fontRef idx="minor">
+            <a:schemeClr val="lt1"/>
+          </a:fontRef>
+        </p:style>
+        <p:txBody>
+          <a:bodyPr wrap="none" lIns="0" tIns="0" rIns="0" bIns="0" rtlCol="0" anchor="ctr"/>
+          <a:lstStyle/>
+          <a:p>
+            <a:pPr algn="ctr"/>
+            <a:endParaRPr lang="en-GB" sz="3600" dirty="0"/>
+          </a:p>
+        </p:txBody>
+      </p:sp>
+      <p:cxnSp>
+        <p:nvCxnSpPr>
+          <p:cNvPr id="8" name="Straight Arrow Connector 27">
+            <a:extLst>
+              <a:ext uri="{FF2B5EF4-FFF2-40B4-BE49-F238E27FC236}">
+                <a16:creationId xmlns:a16="http://schemas.microsoft.com/office/drawing/2014/main" id="{D6FFDAC0-BE93-43AB-AC8A-57F06AEE7020}"/>
+              </a:ext>
+            </a:extLst>
+          </p:cNvPr>
+          <p:cNvCxnSpPr/>
+          <p:nvPr/>
+        </p:nvCxnSpPr>
+        <p:spPr>
+          <a:xfrm>
+            <a:off x="2881846" y="1118976"/>
+            <a:ext cx="914400" cy="0"/>
+          </a:xfrm>
+          <a:prstGeom prst="straightConnector1">
+            <a:avLst/>
+          </a:prstGeom>
+          <a:ln w="57150">
+            <a:tailEnd type="triangle"/>
+          </a:ln>
+        </p:spPr>
+        <p:style>
+          <a:lnRef idx="1">
+            <a:schemeClr val="accent1"/>
+          </a:lnRef>
+          <a:fillRef idx="0">
+            <a:schemeClr val="accent1"/>
+          </a:fillRef>
+          <a:effectRef idx="0">
+            <a:schemeClr val="accent1"/>
+          </a:effectRef>
+          <a:fontRef idx="minor">
+            <a:schemeClr val="tx1"/>
+          </a:fontRef>
+        </p:style>
+      </p:cxnSp>
+      <p:sp>
+        <p:nvSpPr>
+          <p:cNvPr id="9" name="Oval 33">
+            <a:extLst>
+              <a:ext uri="{FF2B5EF4-FFF2-40B4-BE49-F238E27FC236}">
+                <a16:creationId xmlns:a16="http://schemas.microsoft.com/office/drawing/2014/main" id="{853DFAFF-8E54-4865-82E6-0774FAC636B7}"/>
+              </a:ext>
+            </a:extLst>
+          </p:cNvPr>
+          <p:cNvSpPr/>
+          <p:nvPr/>
+        </p:nvSpPr>
+        <p:spPr>
+          <a:xfrm>
+            <a:off x="3796246" y="978235"/>
+            <a:ext cx="283228" cy="283228"/>
+          </a:xfrm>
+          <a:prstGeom prst="ellipse">
+            <a:avLst/>
+          </a:prstGeom>
+          <a:solidFill>
+            <a:srgbClr val="FF820A"/>
+          </a:solidFill>
+          <a:ln>
+            <a:noFill/>
+          </a:ln>
+        </p:spPr>
+        <p:style>
+          <a:lnRef idx="2">
+            <a:schemeClr val="accent1">
+              <a:shade val="50000"/>
+            </a:schemeClr>
+          </a:lnRef>
+          <a:fillRef idx="1">
+            <a:schemeClr val="accent1"/>
+          </a:fillRef>
+          <a:effectRef idx="0">
+            <a:schemeClr val="accent1"/>
+          </a:effectRef>
+          <a:fontRef idx="minor">
+            <a:schemeClr val="lt1"/>
+          </a:fontRef>
+        </p:style>
+        <p:txBody>
+          <a:bodyPr wrap="none" lIns="0" tIns="0" rIns="0" bIns="0" rtlCol="0" anchor="ctr"/>
+          <a:lstStyle/>
+          <a:p>
+            <a:pPr algn="ctr"/>
+            <a:endParaRPr lang="en-GB" sz="3600" dirty="0"/>
+          </a:p>
+        </p:txBody>
+      </p:sp>
+      <p:sp>
+        <p:nvSpPr>
+          <p:cNvPr id="14" name="Down Arrow Callout 63">
+            <a:extLst>
+              <a:ext uri="{FF2B5EF4-FFF2-40B4-BE49-F238E27FC236}">
+                <a16:creationId xmlns:a16="http://schemas.microsoft.com/office/drawing/2014/main" id="{35CBB19E-B444-4668-8C50-792E5EA25648}"/>
+              </a:ext>
+            </a:extLst>
+          </p:cNvPr>
+          <p:cNvSpPr/>
+          <p:nvPr/>
+        </p:nvSpPr>
+        <p:spPr>
+          <a:xfrm>
+            <a:off x="2958560" y="332113"/>
+            <a:ext cx="1958599" cy="644377"/>
+          </a:xfrm>
+          <a:prstGeom prst="downArrowCallout">
+            <a:avLst>
+              <a:gd name="adj1" fmla="val 18711"/>
+              <a:gd name="adj2" fmla="val 18711"/>
+              <a:gd name="adj3" fmla="val 25000"/>
+              <a:gd name="adj4" fmla="val 62194"/>
+            </a:avLst>
+          </a:prstGeom>
+          <a:solidFill>
+            <a:srgbClr val="7030A0"/>
+          </a:solidFill>
+          <a:ln>
+            <a:noFill/>
+          </a:ln>
+        </p:spPr>
+        <p:style>
+          <a:lnRef idx="2">
+            <a:schemeClr val="accent1">
+              <a:shade val="50000"/>
+            </a:schemeClr>
+          </a:lnRef>
+          <a:fillRef idx="1">
+            <a:schemeClr val="accent1"/>
+          </a:fillRef>
+          <a:effectRef idx="0">
+            <a:schemeClr val="accent1"/>
+          </a:effectRef>
+          <a:fontRef idx="minor">
+            <a:schemeClr val="lt1"/>
+          </a:fontRef>
+        </p:style>
+        <p:txBody>
+          <a:bodyPr rtlCol="0" anchor="ctr"/>
+          <a:lstStyle/>
+          <a:p>
+            <a:pPr algn="ctr"/>
+            <a:r>
+              <a:rPr lang="en-GB" sz="2400" dirty="0"/>
+              <a:t>master</a:t>
+            </a:r>
+          </a:p>
+        </p:txBody>
+      </p:sp>
+      <p:sp>
+        <p:nvSpPr>
+          <p:cNvPr id="15" name="Oval 33">
+            <a:extLst>
+              <a:ext uri="{FF2B5EF4-FFF2-40B4-BE49-F238E27FC236}">
+                <a16:creationId xmlns:a16="http://schemas.microsoft.com/office/drawing/2014/main" id="{60FD6A7D-7F4A-4A5C-B034-F67C048A8FDF}"/>
+              </a:ext>
+            </a:extLst>
+          </p:cNvPr>
+          <p:cNvSpPr/>
+          <p:nvPr/>
+        </p:nvSpPr>
+        <p:spPr>
+          <a:xfrm>
+            <a:off x="1435061" y="3010695"/>
+            <a:ext cx="283228" cy="283228"/>
+          </a:xfrm>
+          <a:prstGeom prst="ellipse">
+            <a:avLst/>
+          </a:prstGeom>
+          <a:solidFill>
+            <a:srgbClr val="FF820A"/>
+          </a:solidFill>
+          <a:ln>
+            <a:noFill/>
+          </a:ln>
+        </p:spPr>
+        <p:style>
+          <a:lnRef idx="2">
+            <a:schemeClr val="accent1">
+              <a:shade val="50000"/>
+            </a:schemeClr>
+          </a:lnRef>
+          <a:fillRef idx="1">
+            <a:schemeClr val="accent1"/>
+          </a:fillRef>
+          <a:effectRef idx="0">
+            <a:schemeClr val="accent1"/>
+          </a:effectRef>
+          <a:fontRef idx="minor">
+            <a:schemeClr val="lt1"/>
+          </a:fontRef>
+        </p:style>
+        <p:txBody>
+          <a:bodyPr wrap="none" lIns="0" tIns="0" rIns="0" bIns="0" rtlCol="0" anchor="ctr"/>
+          <a:lstStyle/>
+          <a:p>
+            <a:pPr algn="ctr"/>
+            <a:endParaRPr lang="en-GB" sz="3600" dirty="0"/>
+          </a:p>
+        </p:txBody>
+      </p:sp>
+      <p:cxnSp>
+        <p:nvCxnSpPr>
+          <p:cNvPr id="16" name="Straight Arrow Connector 27">
+            <a:extLst>
+              <a:ext uri="{FF2B5EF4-FFF2-40B4-BE49-F238E27FC236}">
+                <a16:creationId xmlns:a16="http://schemas.microsoft.com/office/drawing/2014/main" id="{961D135C-8C31-43FF-8365-1147CA759AD7}"/>
+              </a:ext>
+            </a:extLst>
+          </p:cNvPr>
+          <p:cNvCxnSpPr/>
+          <p:nvPr/>
+        </p:nvCxnSpPr>
+        <p:spPr>
+          <a:xfrm>
+            <a:off x="1718289" y="3151436"/>
+            <a:ext cx="914400" cy="0"/>
+          </a:xfrm>
+          <a:prstGeom prst="straightConnector1">
+            <a:avLst/>
+          </a:prstGeom>
+          <a:ln w="57150">
+            <a:tailEnd type="triangle"/>
+          </a:ln>
+        </p:spPr>
+        <p:style>
+          <a:lnRef idx="1">
+            <a:schemeClr val="accent1"/>
+          </a:lnRef>
+          <a:fillRef idx="0">
+            <a:schemeClr val="accent1"/>
+          </a:fillRef>
+          <a:effectRef idx="0">
+            <a:schemeClr val="accent1"/>
+          </a:effectRef>
+          <a:fontRef idx="minor">
+            <a:schemeClr val="tx1"/>
+          </a:fontRef>
+        </p:style>
+      </p:cxnSp>
+      <p:sp>
+        <p:nvSpPr>
+          <p:cNvPr id="17" name="Oval 33">
+            <a:extLst>
+              <a:ext uri="{FF2B5EF4-FFF2-40B4-BE49-F238E27FC236}">
+                <a16:creationId xmlns:a16="http://schemas.microsoft.com/office/drawing/2014/main" id="{AFF81FD3-DA3C-4C47-997F-8840C8893F76}"/>
+              </a:ext>
+            </a:extLst>
+          </p:cNvPr>
+          <p:cNvSpPr/>
+          <p:nvPr/>
+        </p:nvSpPr>
+        <p:spPr>
+          <a:xfrm>
+            <a:off x="2632689" y="3010695"/>
+            <a:ext cx="283228" cy="283228"/>
+          </a:xfrm>
+          <a:prstGeom prst="ellipse">
+            <a:avLst/>
+          </a:prstGeom>
+          <a:solidFill>
+            <a:srgbClr val="FF820A"/>
+          </a:solidFill>
+          <a:ln>
+            <a:noFill/>
+          </a:ln>
+        </p:spPr>
+        <p:style>
+          <a:lnRef idx="2">
+            <a:schemeClr val="accent1">
+              <a:shade val="50000"/>
+            </a:schemeClr>
+          </a:lnRef>
+          <a:fillRef idx="1">
+            <a:schemeClr val="accent1"/>
+          </a:fillRef>
+          <a:effectRef idx="0">
+            <a:schemeClr val="accent1"/>
+          </a:effectRef>
+          <a:fontRef idx="minor">
+            <a:schemeClr val="lt1"/>
+          </a:fontRef>
+        </p:style>
+        <p:txBody>
+          <a:bodyPr wrap="none" lIns="0" tIns="0" rIns="0" bIns="0" rtlCol="0" anchor="ctr"/>
+          <a:lstStyle/>
+          <a:p>
+            <a:pPr algn="ctr"/>
+            <a:endParaRPr lang="en-GB" sz="3600" dirty="0"/>
+          </a:p>
+        </p:txBody>
+      </p:sp>
+      <p:cxnSp>
+        <p:nvCxnSpPr>
+          <p:cNvPr id="18" name="Straight Arrow Connector 27">
+            <a:extLst>
+              <a:ext uri="{FF2B5EF4-FFF2-40B4-BE49-F238E27FC236}">
+                <a16:creationId xmlns:a16="http://schemas.microsoft.com/office/drawing/2014/main" id="{F6DA47E1-3586-4514-92B9-EBFFCE7C96A5}"/>
+              </a:ext>
+            </a:extLst>
+          </p:cNvPr>
+          <p:cNvCxnSpPr/>
+          <p:nvPr/>
+        </p:nvCxnSpPr>
+        <p:spPr>
+          <a:xfrm>
+            <a:off x="2915917" y="3151436"/>
+            <a:ext cx="914400" cy="0"/>
+          </a:xfrm>
+          <a:prstGeom prst="straightConnector1">
+            <a:avLst/>
+          </a:prstGeom>
+          <a:ln w="57150">
+            <a:tailEnd type="triangle"/>
+          </a:ln>
+        </p:spPr>
+        <p:style>
+          <a:lnRef idx="1">
+            <a:schemeClr val="accent1"/>
+          </a:lnRef>
+          <a:fillRef idx="0">
+            <a:schemeClr val="accent1"/>
+          </a:fillRef>
+          <a:effectRef idx="0">
+            <a:schemeClr val="accent1"/>
+          </a:effectRef>
+          <a:fontRef idx="minor">
+            <a:schemeClr val="tx1"/>
+          </a:fontRef>
+        </p:style>
+      </p:cxnSp>
+      <p:sp>
+        <p:nvSpPr>
+          <p:cNvPr id="19" name="Oval 33">
+            <a:extLst>
+              <a:ext uri="{FF2B5EF4-FFF2-40B4-BE49-F238E27FC236}">
+                <a16:creationId xmlns:a16="http://schemas.microsoft.com/office/drawing/2014/main" id="{9964075D-AD82-46F5-AFC6-996A44C17D73}"/>
+              </a:ext>
+            </a:extLst>
+          </p:cNvPr>
+          <p:cNvSpPr/>
+          <p:nvPr/>
+        </p:nvSpPr>
+        <p:spPr>
+          <a:xfrm>
+            <a:off x="3830317" y="3010695"/>
+            <a:ext cx="283228" cy="283228"/>
+          </a:xfrm>
+          <a:prstGeom prst="ellipse">
+            <a:avLst/>
+          </a:prstGeom>
+          <a:solidFill>
+            <a:srgbClr val="FF820A"/>
+          </a:solidFill>
+          <a:ln>
+            <a:noFill/>
+          </a:ln>
+        </p:spPr>
+        <p:style>
+          <a:lnRef idx="2">
+            <a:schemeClr val="accent1">
+              <a:shade val="50000"/>
+            </a:schemeClr>
+          </a:lnRef>
+          <a:fillRef idx="1">
+            <a:schemeClr val="accent1"/>
+          </a:fillRef>
+          <a:effectRef idx="0">
+            <a:schemeClr val="accent1"/>
+          </a:effectRef>
+          <a:fontRef idx="minor">
+            <a:schemeClr val="lt1"/>
+          </a:fontRef>
+        </p:style>
+        <p:txBody>
+          <a:bodyPr wrap="none" lIns="0" tIns="0" rIns="0" bIns="0" rtlCol="0" anchor="ctr"/>
+          <a:lstStyle/>
+          <a:p>
+            <a:pPr algn="ctr"/>
+            <a:endParaRPr lang="en-GB" sz="3600" dirty="0"/>
+          </a:p>
+        </p:txBody>
+      </p:sp>
+      <p:sp>
+        <p:nvSpPr>
+          <p:cNvPr id="20" name="Down Arrow Callout 63">
+            <a:extLst>
+              <a:ext uri="{FF2B5EF4-FFF2-40B4-BE49-F238E27FC236}">
+                <a16:creationId xmlns:a16="http://schemas.microsoft.com/office/drawing/2014/main" id="{04C0EA21-035C-4E55-8410-3A866E75BCB1}"/>
+              </a:ext>
+            </a:extLst>
+          </p:cNvPr>
+          <p:cNvSpPr/>
+          <p:nvPr/>
+        </p:nvSpPr>
+        <p:spPr>
+          <a:xfrm>
+            <a:off x="2992631" y="2364573"/>
+            <a:ext cx="1958599" cy="644377"/>
+          </a:xfrm>
+          <a:prstGeom prst="downArrowCallout">
+            <a:avLst>
+              <a:gd name="adj1" fmla="val 18711"/>
+              <a:gd name="adj2" fmla="val 18711"/>
+              <a:gd name="adj3" fmla="val 25000"/>
+              <a:gd name="adj4" fmla="val 62194"/>
+            </a:avLst>
+          </a:prstGeom>
+          <a:solidFill>
+            <a:srgbClr val="7030A0"/>
+          </a:solidFill>
+          <a:ln>
+            <a:noFill/>
+          </a:ln>
+        </p:spPr>
+        <p:style>
+          <a:lnRef idx="2">
+            <a:schemeClr val="accent1">
+              <a:shade val="50000"/>
+            </a:schemeClr>
+          </a:lnRef>
+          <a:fillRef idx="1">
+            <a:schemeClr val="accent1"/>
+          </a:fillRef>
+          <a:effectRef idx="0">
+            <a:schemeClr val="accent1"/>
+          </a:effectRef>
+          <a:fontRef idx="minor">
+            <a:schemeClr val="lt1"/>
+          </a:fontRef>
+        </p:style>
+        <p:txBody>
+          <a:bodyPr rtlCol="0" anchor="ctr"/>
+          <a:lstStyle/>
+          <a:p>
+            <a:pPr algn="ctr"/>
+            <a:r>
+              <a:rPr lang="en-GB" sz="2400" dirty="0"/>
+              <a:t>origin/master</a:t>
+            </a:r>
+          </a:p>
+        </p:txBody>
+      </p:sp>
+      <p:sp>
+        <p:nvSpPr>
+          <p:cNvPr id="21" name="Down Arrow Callout 63">
+            <a:extLst>
+              <a:ext uri="{FF2B5EF4-FFF2-40B4-BE49-F238E27FC236}">
+                <a16:creationId xmlns:a16="http://schemas.microsoft.com/office/drawing/2014/main" id="{16971B47-FE67-4CA0-9108-5C780C5B8119}"/>
+              </a:ext>
+            </a:extLst>
+          </p:cNvPr>
+          <p:cNvSpPr/>
+          <p:nvPr/>
+        </p:nvSpPr>
+        <p:spPr>
+          <a:xfrm>
+            <a:off x="3412771" y="3292178"/>
+            <a:ext cx="1118318" cy="644377"/>
+          </a:xfrm>
+          <a:prstGeom prst="upArrowCallout">
+            <a:avLst>
+              <a:gd name="adj1" fmla="val 19087"/>
+              <a:gd name="adj2" fmla="val 19087"/>
+              <a:gd name="adj3" fmla="val 25000"/>
+              <a:gd name="adj4" fmla="val 64977"/>
+            </a:avLst>
+          </a:prstGeom>
+          <a:solidFill>
+            <a:srgbClr val="29A78C"/>
+          </a:solidFill>
+          <a:ln>
+            <a:noFill/>
+          </a:ln>
+        </p:spPr>
+        <p:style>
+          <a:lnRef idx="2">
+            <a:schemeClr val="accent1">
+              <a:shade val="50000"/>
+            </a:schemeClr>
+          </a:lnRef>
+          <a:fillRef idx="1">
+            <a:schemeClr val="accent1"/>
+          </a:fillRef>
+          <a:effectRef idx="0">
+            <a:schemeClr val="accent1"/>
+          </a:effectRef>
+          <a:fontRef idx="minor">
+            <a:schemeClr val="lt1"/>
+          </a:fontRef>
+        </p:style>
+        <p:txBody>
+          <a:bodyPr rtlCol="0" anchor="ctr"/>
+          <a:lstStyle/>
+          <a:p>
+            <a:pPr algn="ctr"/>
+            <a:r>
+              <a:rPr lang="en-GB" sz="2400" dirty="0"/>
+              <a:t>master</a:t>
+            </a:r>
+          </a:p>
+        </p:txBody>
+      </p:sp>
+      <p:sp>
+        <p:nvSpPr>
+          <p:cNvPr id="22" name="Oval 33">
+            <a:extLst>
+              <a:ext uri="{FF2B5EF4-FFF2-40B4-BE49-F238E27FC236}">
+                <a16:creationId xmlns:a16="http://schemas.microsoft.com/office/drawing/2014/main" id="{0378E2FA-77A5-4E7D-9FB7-9387AEBFFABA}"/>
+              </a:ext>
+            </a:extLst>
+          </p:cNvPr>
+          <p:cNvSpPr/>
+          <p:nvPr/>
+        </p:nvSpPr>
+        <p:spPr>
+          <a:xfrm>
+            <a:off x="6038304" y="976490"/>
+            <a:ext cx="283228" cy="283228"/>
+          </a:xfrm>
+          <a:prstGeom prst="ellipse">
+            <a:avLst/>
+          </a:prstGeom>
+          <a:solidFill>
+            <a:srgbClr val="FF820A"/>
+          </a:solidFill>
+          <a:ln>
+            <a:noFill/>
+          </a:ln>
+        </p:spPr>
+        <p:style>
+          <a:lnRef idx="2">
+            <a:schemeClr val="accent1">
+              <a:shade val="50000"/>
+            </a:schemeClr>
+          </a:lnRef>
+          <a:fillRef idx="1">
+            <a:schemeClr val="accent1"/>
+          </a:fillRef>
+          <a:effectRef idx="0">
+            <a:schemeClr val="accent1"/>
+          </a:effectRef>
+          <a:fontRef idx="minor">
+            <a:schemeClr val="lt1"/>
+          </a:fontRef>
+        </p:style>
+        <p:txBody>
+          <a:bodyPr wrap="none" lIns="0" tIns="0" rIns="0" bIns="0" rtlCol="0" anchor="ctr"/>
+          <a:lstStyle/>
+          <a:p>
+            <a:pPr algn="ctr"/>
+            <a:endParaRPr lang="en-GB" sz="3600" dirty="0"/>
+          </a:p>
+        </p:txBody>
+      </p:sp>
+      <p:cxnSp>
+        <p:nvCxnSpPr>
+          <p:cNvPr id="23" name="Straight Arrow Connector 27">
+            <a:extLst>
+              <a:ext uri="{FF2B5EF4-FFF2-40B4-BE49-F238E27FC236}">
+                <a16:creationId xmlns:a16="http://schemas.microsoft.com/office/drawing/2014/main" id="{17D70638-FB18-4B07-8D88-0C72098EB6B5}"/>
+              </a:ext>
+            </a:extLst>
+          </p:cNvPr>
+          <p:cNvCxnSpPr/>
+          <p:nvPr/>
+        </p:nvCxnSpPr>
+        <p:spPr>
+          <a:xfrm>
+            <a:off x="6321532" y="1117231"/>
+            <a:ext cx="914400" cy="0"/>
+          </a:xfrm>
+          <a:prstGeom prst="straightConnector1">
+            <a:avLst/>
+          </a:prstGeom>
+          <a:ln w="57150">
+            <a:tailEnd type="triangle"/>
+          </a:ln>
+        </p:spPr>
+        <p:style>
+          <a:lnRef idx="1">
+            <a:schemeClr val="accent1"/>
+          </a:lnRef>
+          <a:fillRef idx="0">
+            <a:schemeClr val="accent1"/>
+          </a:fillRef>
+          <a:effectRef idx="0">
+            <a:schemeClr val="accent1"/>
+          </a:effectRef>
+          <a:fontRef idx="minor">
+            <a:schemeClr val="tx1"/>
+          </a:fontRef>
+        </p:style>
+      </p:cxnSp>
+      <p:sp>
+        <p:nvSpPr>
+          <p:cNvPr id="24" name="Oval 33">
+            <a:extLst>
+              <a:ext uri="{FF2B5EF4-FFF2-40B4-BE49-F238E27FC236}">
+                <a16:creationId xmlns:a16="http://schemas.microsoft.com/office/drawing/2014/main" id="{3D1BD987-AA54-424C-9A2F-6A35F5FAF4E8}"/>
+              </a:ext>
+            </a:extLst>
+          </p:cNvPr>
+          <p:cNvSpPr/>
+          <p:nvPr/>
+        </p:nvSpPr>
+        <p:spPr>
+          <a:xfrm>
+            <a:off x="7235932" y="976490"/>
+            <a:ext cx="283228" cy="283228"/>
+          </a:xfrm>
+          <a:prstGeom prst="ellipse">
+            <a:avLst/>
+          </a:prstGeom>
+          <a:solidFill>
+            <a:srgbClr val="FF820A"/>
+          </a:solidFill>
+          <a:ln>
+            <a:noFill/>
+          </a:ln>
+        </p:spPr>
+        <p:style>
+          <a:lnRef idx="2">
+            <a:schemeClr val="accent1">
+              <a:shade val="50000"/>
+            </a:schemeClr>
+          </a:lnRef>
+          <a:fillRef idx="1">
+            <a:schemeClr val="accent1"/>
+          </a:fillRef>
+          <a:effectRef idx="0">
+            <a:schemeClr val="accent1"/>
+          </a:effectRef>
+          <a:fontRef idx="minor">
+            <a:schemeClr val="lt1"/>
+          </a:fontRef>
+        </p:style>
+        <p:txBody>
+          <a:bodyPr wrap="none" lIns="0" tIns="0" rIns="0" bIns="0" rtlCol="0" anchor="ctr"/>
+          <a:lstStyle/>
+          <a:p>
+            <a:pPr algn="ctr"/>
+            <a:endParaRPr lang="en-GB" sz="3600" dirty="0"/>
+          </a:p>
+        </p:txBody>
+      </p:sp>
+      <p:cxnSp>
+        <p:nvCxnSpPr>
+          <p:cNvPr id="25" name="Straight Arrow Connector 27">
+            <a:extLst>
+              <a:ext uri="{FF2B5EF4-FFF2-40B4-BE49-F238E27FC236}">
+                <a16:creationId xmlns:a16="http://schemas.microsoft.com/office/drawing/2014/main" id="{9CE79F95-4B56-4B23-A567-36DDE9544E1B}"/>
+              </a:ext>
+            </a:extLst>
+          </p:cNvPr>
+          <p:cNvCxnSpPr/>
+          <p:nvPr/>
+        </p:nvCxnSpPr>
+        <p:spPr>
+          <a:xfrm>
+            <a:off x="7519160" y="1117231"/>
+            <a:ext cx="914400" cy="0"/>
+          </a:xfrm>
+          <a:prstGeom prst="straightConnector1">
+            <a:avLst/>
+          </a:prstGeom>
+          <a:ln w="57150">
+            <a:tailEnd type="triangle"/>
+          </a:ln>
+        </p:spPr>
+        <p:style>
+          <a:lnRef idx="1">
+            <a:schemeClr val="accent1"/>
+          </a:lnRef>
+          <a:fillRef idx="0">
+            <a:schemeClr val="accent1"/>
+          </a:fillRef>
+          <a:effectRef idx="0">
+            <a:schemeClr val="accent1"/>
+          </a:effectRef>
+          <a:fontRef idx="minor">
+            <a:schemeClr val="tx1"/>
+          </a:fontRef>
+        </p:style>
+      </p:cxnSp>
+      <p:sp>
+        <p:nvSpPr>
+          <p:cNvPr id="26" name="Oval 33">
+            <a:extLst>
+              <a:ext uri="{FF2B5EF4-FFF2-40B4-BE49-F238E27FC236}">
+                <a16:creationId xmlns:a16="http://schemas.microsoft.com/office/drawing/2014/main" id="{37B07125-CA8E-46F6-B614-4E36348A7C3C}"/>
+              </a:ext>
+            </a:extLst>
+          </p:cNvPr>
+          <p:cNvSpPr/>
+          <p:nvPr/>
+        </p:nvSpPr>
+        <p:spPr>
+          <a:xfrm>
+            <a:off x="8433560" y="976490"/>
+            <a:ext cx="283228" cy="283228"/>
+          </a:xfrm>
+          <a:prstGeom prst="ellipse">
+            <a:avLst/>
+          </a:prstGeom>
+          <a:solidFill>
+            <a:srgbClr val="FF820A"/>
+          </a:solidFill>
+          <a:ln>
+            <a:noFill/>
+          </a:ln>
+        </p:spPr>
+        <p:style>
+          <a:lnRef idx="2">
+            <a:schemeClr val="accent1">
+              <a:shade val="50000"/>
+            </a:schemeClr>
+          </a:lnRef>
+          <a:fillRef idx="1">
+            <a:schemeClr val="accent1"/>
+          </a:fillRef>
+          <a:effectRef idx="0">
+            <a:schemeClr val="accent1"/>
+          </a:effectRef>
+          <a:fontRef idx="minor">
+            <a:schemeClr val="lt1"/>
+          </a:fontRef>
+        </p:style>
+        <p:txBody>
+          <a:bodyPr wrap="none" lIns="0" tIns="0" rIns="0" bIns="0" rtlCol="0" anchor="ctr"/>
+          <a:lstStyle/>
+          <a:p>
+            <a:pPr algn="ctr"/>
+            <a:endParaRPr lang="en-GB" sz="3600" dirty="0"/>
+          </a:p>
+        </p:txBody>
+      </p:sp>
+      <p:sp>
+        <p:nvSpPr>
+          <p:cNvPr id="27" name="Down Arrow Callout 63">
+            <a:extLst>
+              <a:ext uri="{FF2B5EF4-FFF2-40B4-BE49-F238E27FC236}">
+                <a16:creationId xmlns:a16="http://schemas.microsoft.com/office/drawing/2014/main" id="{5D942552-DC42-4A3C-9D05-7B18EA03D97A}"/>
+              </a:ext>
+            </a:extLst>
+          </p:cNvPr>
+          <p:cNvSpPr/>
+          <p:nvPr/>
+        </p:nvSpPr>
+        <p:spPr>
+          <a:xfrm>
+            <a:off x="8787502" y="334144"/>
+            <a:ext cx="1958599" cy="644377"/>
+          </a:xfrm>
+          <a:prstGeom prst="downArrowCallout">
+            <a:avLst>
+              <a:gd name="adj1" fmla="val 18711"/>
+              <a:gd name="adj2" fmla="val 18711"/>
+              <a:gd name="adj3" fmla="val 25000"/>
+              <a:gd name="adj4" fmla="val 62194"/>
+            </a:avLst>
+          </a:prstGeom>
+          <a:solidFill>
+            <a:srgbClr val="7030A0"/>
+          </a:solidFill>
+          <a:ln>
+            <a:noFill/>
+          </a:ln>
+        </p:spPr>
+        <p:style>
+          <a:lnRef idx="2">
+            <a:schemeClr val="accent1">
+              <a:shade val="50000"/>
+            </a:schemeClr>
+          </a:lnRef>
+          <a:fillRef idx="1">
+            <a:schemeClr val="accent1"/>
+          </a:fillRef>
+          <a:effectRef idx="0">
+            <a:schemeClr val="accent1"/>
+          </a:effectRef>
+          <a:fontRef idx="minor">
+            <a:schemeClr val="lt1"/>
+          </a:fontRef>
+        </p:style>
+        <p:txBody>
+          <a:bodyPr rtlCol="0" anchor="ctr"/>
+          <a:lstStyle/>
+          <a:p>
+            <a:pPr algn="ctr"/>
+            <a:r>
+              <a:rPr lang="en-GB" sz="2400" dirty="0"/>
+              <a:t>master</a:t>
+            </a:r>
+          </a:p>
+        </p:txBody>
+      </p:sp>
+      <p:sp>
+        <p:nvSpPr>
+          <p:cNvPr id="28" name="Oval 33">
+            <a:extLst>
+              <a:ext uri="{FF2B5EF4-FFF2-40B4-BE49-F238E27FC236}">
+                <a16:creationId xmlns:a16="http://schemas.microsoft.com/office/drawing/2014/main" id="{2D277266-3749-4254-AC97-A5564C4A7D0E}"/>
+              </a:ext>
+            </a:extLst>
+          </p:cNvPr>
+          <p:cNvSpPr/>
+          <p:nvPr/>
+        </p:nvSpPr>
+        <p:spPr>
+          <a:xfrm>
+            <a:off x="6038304" y="3008490"/>
+            <a:ext cx="283228" cy="283228"/>
+          </a:xfrm>
+          <a:prstGeom prst="ellipse">
+            <a:avLst/>
+          </a:prstGeom>
+          <a:solidFill>
+            <a:srgbClr val="FF820A"/>
+          </a:solidFill>
+          <a:ln>
+            <a:noFill/>
+          </a:ln>
+        </p:spPr>
+        <p:style>
+          <a:lnRef idx="2">
+            <a:schemeClr val="accent1">
+              <a:shade val="50000"/>
+            </a:schemeClr>
+          </a:lnRef>
+          <a:fillRef idx="1">
+            <a:schemeClr val="accent1"/>
+          </a:fillRef>
+          <a:effectRef idx="0">
+            <a:schemeClr val="accent1"/>
+          </a:effectRef>
+          <a:fontRef idx="minor">
+            <a:schemeClr val="lt1"/>
+          </a:fontRef>
+        </p:style>
+        <p:txBody>
+          <a:bodyPr wrap="none" lIns="0" tIns="0" rIns="0" bIns="0" rtlCol="0" anchor="ctr"/>
+          <a:lstStyle/>
+          <a:p>
+            <a:pPr algn="ctr"/>
+            <a:endParaRPr lang="en-GB" sz="3600" dirty="0"/>
+          </a:p>
+        </p:txBody>
+      </p:sp>
+      <p:cxnSp>
+        <p:nvCxnSpPr>
+          <p:cNvPr id="29" name="Straight Arrow Connector 27">
+            <a:extLst>
+              <a:ext uri="{FF2B5EF4-FFF2-40B4-BE49-F238E27FC236}">
+                <a16:creationId xmlns:a16="http://schemas.microsoft.com/office/drawing/2014/main" id="{A68C7439-CC97-449B-A8B3-C7CEE1104C54}"/>
+              </a:ext>
+            </a:extLst>
+          </p:cNvPr>
+          <p:cNvCxnSpPr/>
+          <p:nvPr/>
+        </p:nvCxnSpPr>
+        <p:spPr>
+          <a:xfrm>
+            <a:off x="6321532" y="3149231"/>
+            <a:ext cx="914400" cy="0"/>
+          </a:xfrm>
+          <a:prstGeom prst="straightConnector1">
+            <a:avLst/>
+          </a:prstGeom>
+          <a:ln w="57150">
+            <a:tailEnd type="triangle"/>
+          </a:ln>
+        </p:spPr>
+        <p:style>
+          <a:lnRef idx="1">
+            <a:schemeClr val="accent1"/>
+          </a:lnRef>
+          <a:fillRef idx="0">
+            <a:schemeClr val="accent1"/>
+          </a:fillRef>
+          <a:effectRef idx="0">
+            <a:schemeClr val="accent1"/>
+          </a:effectRef>
+          <a:fontRef idx="minor">
+            <a:schemeClr val="tx1"/>
+          </a:fontRef>
+        </p:style>
+      </p:cxnSp>
+      <p:sp>
+        <p:nvSpPr>
+          <p:cNvPr id="30" name="Oval 33">
+            <a:extLst>
+              <a:ext uri="{FF2B5EF4-FFF2-40B4-BE49-F238E27FC236}">
+                <a16:creationId xmlns:a16="http://schemas.microsoft.com/office/drawing/2014/main" id="{D997D44E-F96F-4B02-AD21-488E9391A554}"/>
+              </a:ext>
+            </a:extLst>
+          </p:cNvPr>
+          <p:cNvSpPr/>
+          <p:nvPr/>
+        </p:nvSpPr>
+        <p:spPr>
+          <a:xfrm>
+            <a:off x="7235932" y="3008490"/>
+            <a:ext cx="283228" cy="283228"/>
+          </a:xfrm>
+          <a:prstGeom prst="ellipse">
+            <a:avLst/>
+          </a:prstGeom>
+          <a:solidFill>
+            <a:srgbClr val="FF820A"/>
+          </a:solidFill>
+          <a:ln>
+            <a:noFill/>
+          </a:ln>
+        </p:spPr>
+        <p:style>
+          <a:lnRef idx="2">
+            <a:schemeClr val="accent1">
+              <a:shade val="50000"/>
+            </a:schemeClr>
+          </a:lnRef>
+          <a:fillRef idx="1">
+            <a:schemeClr val="accent1"/>
+          </a:fillRef>
+          <a:effectRef idx="0">
+            <a:schemeClr val="accent1"/>
+          </a:effectRef>
+          <a:fontRef idx="minor">
+            <a:schemeClr val="lt1"/>
+          </a:fontRef>
+        </p:style>
+        <p:txBody>
+          <a:bodyPr wrap="none" lIns="0" tIns="0" rIns="0" bIns="0" rtlCol="0" anchor="ctr"/>
+          <a:lstStyle/>
+          <a:p>
+            <a:pPr algn="ctr"/>
+            <a:endParaRPr lang="en-GB" sz="3600" dirty="0"/>
+          </a:p>
+        </p:txBody>
+      </p:sp>
+      <p:cxnSp>
+        <p:nvCxnSpPr>
+          <p:cNvPr id="31" name="Straight Arrow Connector 27">
+            <a:extLst>
+              <a:ext uri="{FF2B5EF4-FFF2-40B4-BE49-F238E27FC236}">
+                <a16:creationId xmlns:a16="http://schemas.microsoft.com/office/drawing/2014/main" id="{0E2AA517-EC02-4400-96D1-F9BED66E9829}"/>
+              </a:ext>
+            </a:extLst>
+          </p:cNvPr>
+          <p:cNvCxnSpPr/>
+          <p:nvPr/>
+        </p:nvCxnSpPr>
+        <p:spPr>
+          <a:xfrm>
+            <a:off x="7519160" y="3149231"/>
+            <a:ext cx="914400" cy="0"/>
+          </a:xfrm>
+          <a:prstGeom prst="straightConnector1">
+            <a:avLst/>
+          </a:prstGeom>
+          <a:ln w="57150">
+            <a:tailEnd type="triangle"/>
+          </a:ln>
+        </p:spPr>
+        <p:style>
+          <a:lnRef idx="1">
+            <a:schemeClr val="accent1"/>
+          </a:lnRef>
+          <a:fillRef idx="0">
+            <a:schemeClr val="accent1"/>
+          </a:fillRef>
+          <a:effectRef idx="0">
+            <a:schemeClr val="accent1"/>
+          </a:effectRef>
+          <a:fontRef idx="minor">
+            <a:schemeClr val="tx1"/>
+          </a:fontRef>
+        </p:style>
+      </p:cxnSp>
+      <p:sp>
+        <p:nvSpPr>
+          <p:cNvPr id="32" name="Oval 33">
+            <a:extLst>
+              <a:ext uri="{FF2B5EF4-FFF2-40B4-BE49-F238E27FC236}">
+                <a16:creationId xmlns:a16="http://schemas.microsoft.com/office/drawing/2014/main" id="{CC3DF701-194A-4C71-8D7E-BE645FC67359}"/>
+              </a:ext>
+            </a:extLst>
+          </p:cNvPr>
+          <p:cNvSpPr/>
+          <p:nvPr/>
+        </p:nvSpPr>
+        <p:spPr>
+          <a:xfrm>
+            <a:off x="8433560" y="3008490"/>
+            <a:ext cx="283228" cy="283228"/>
+          </a:xfrm>
+          <a:prstGeom prst="ellipse">
+            <a:avLst/>
+          </a:prstGeom>
+          <a:solidFill>
+            <a:srgbClr val="FF820A"/>
+          </a:solidFill>
+          <a:ln>
+            <a:noFill/>
+          </a:ln>
+        </p:spPr>
+        <p:style>
+          <a:lnRef idx="2">
+            <a:schemeClr val="accent1">
+              <a:shade val="50000"/>
+            </a:schemeClr>
+          </a:lnRef>
+          <a:fillRef idx="1">
+            <a:schemeClr val="accent1"/>
+          </a:fillRef>
+          <a:effectRef idx="0">
+            <a:schemeClr val="accent1"/>
+          </a:effectRef>
+          <a:fontRef idx="minor">
+            <a:schemeClr val="lt1"/>
+          </a:fontRef>
+        </p:style>
+        <p:txBody>
+          <a:bodyPr wrap="none" lIns="0" tIns="0" rIns="0" bIns="0" rtlCol="0" anchor="ctr"/>
+          <a:lstStyle/>
+          <a:p>
+            <a:pPr algn="ctr"/>
+            <a:endParaRPr lang="en-GB" sz="3600" dirty="0"/>
+          </a:p>
+        </p:txBody>
+      </p:sp>
+      <p:sp>
+        <p:nvSpPr>
+          <p:cNvPr id="33" name="Down Arrow Callout 63">
+            <a:extLst>
+              <a:ext uri="{FF2B5EF4-FFF2-40B4-BE49-F238E27FC236}">
+                <a16:creationId xmlns:a16="http://schemas.microsoft.com/office/drawing/2014/main" id="{AB256490-0DFD-44C5-B111-E8FA0C072729}"/>
+              </a:ext>
+            </a:extLst>
+          </p:cNvPr>
+          <p:cNvSpPr/>
+          <p:nvPr/>
+        </p:nvSpPr>
+        <p:spPr>
+          <a:xfrm>
+            <a:off x="8787501" y="2362368"/>
+            <a:ext cx="1958599" cy="644377"/>
+          </a:xfrm>
+          <a:prstGeom prst="downArrowCallout">
+            <a:avLst>
+              <a:gd name="adj1" fmla="val 18711"/>
+              <a:gd name="adj2" fmla="val 18711"/>
+              <a:gd name="adj3" fmla="val 25000"/>
+              <a:gd name="adj4" fmla="val 62194"/>
+            </a:avLst>
+          </a:prstGeom>
+          <a:solidFill>
+            <a:srgbClr val="7030A0"/>
+          </a:solidFill>
+          <a:ln>
+            <a:noFill/>
+          </a:ln>
+        </p:spPr>
+        <p:style>
+          <a:lnRef idx="2">
+            <a:schemeClr val="accent1">
+              <a:shade val="50000"/>
+            </a:schemeClr>
+          </a:lnRef>
+          <a:fillRef idx="1">
+            <a:schemeClr val="accent1"/>
+          </a:fillRef>
+          <a:effectRef idx="0">
+            <a:schemeClr val="accent1"/>
+          </a:effectRef>
+          <a:fontRef idx="minor">
+            <a:schemeClr val="lt1"/>
+          </a:fontRef>
+        </p:style>
+        <p:txBody>
+          <a:bodyPr rtlCol="0" anchor="ctr"/>
+          <a:lstStyle/>
+          <a:p>
+            <a:pPr algn="ctr"/>
+            <a:r>
+              <a:rPr lang="en-GB" sz="2400" dirty="0"/>
+              <a:t>origin/master</a:t>
+            </a:r>
+          </a:p>
+        </p:txBody>
+      </p:sp>
+      <p:sp>
+        <p:nvSpPr>
+          <p:cNvPr id="34" name="Down Arrow Callout 63">
+            <a:extLst>
+              <a:ext uri="{FF2B5EF4-FFF2-40B4-BE49-F238E27FC236}">
+                <a16:creationId xmlns:a16="http://schemas.microsoft.com/office/drawing/2014/main" id="{E3160FA9-307C-48DB-8AC4-6D1B7E0FDA4D}"/>
+              </a:ext>
+            </a:extLst>
+          </p:cNvPr>
+          <p:cNvSpPr/>
+          <p:nvPr/>
+        </p:nvSpPr>
+        <p:spPr>
+          <a:xfrm>
+            <a:off x="10399271" y="4078582"/>
+            <a:ext cx="1118318" cy="644377"/>
+          </a:xfrm>
+          <a:prstGeom prst="upArrowCallout">
+            <a:avLst>
+              <a:gd name="adj1" fmla="val 19087"/>
+              <a:gd name="adj2" fmla="val 19087"/>
+              <a:gd name="adj3" fmla="val 25000"/>
+              <a:gd name="adj4" fmla="val 64977"/>
+            </a:avLst>
+          </a:prstGeom>
+          <a:solidFill>
+            <a:srgbClr val="29A78C"/>
+          </a:solidFill>
+          <a:ln>
+            <a:noFill/>
+          </a:ln>
+        </p:spPr>
+        <p:style>
+          <a:lnRef idx="2">
+            <a:schemeClr val="accent1">
+              <a:shade val="50000"/>
+            </a:schemeClr>
+          </a:lnRef>
+          <a:fillRef idx="1">
+            <a:schemeClr val="accent1"/>
+          </a:fillRef>
+          <a:effectRef idx="0">
+            <a:schemeClr val="accent1"/>
+          </a:effectRef>
+          <a:fontRef idx="minor">
+            <a:schemeClr val="lt1"/>
+          </a:fontRef>
+        </p:style>
+        <p:txBody>
+          <a:bodyPr rtlCol="0" anchor="ctr"/>
+          <a:lstStyle/>
+          <a:p>
+            <a:pPr algn="ctr"/>
+            <a:r>
+              <a:rPr lang="en-GB" sz="2400" dirty="0"/>
+              <a:t>master</a:t>
+            </a:r>
+          </a:p>
+        </p:txBody>
+      </p:sp>
+      <p:sp>
+        <p:nvSpPr>
+          <p:cNvPr id="38" name="Oval 33">
+            <a:extLst>
+              <a:ext uri="{FF2B5EF4-FFF2-40B4-BE49-F238E27FC236}">
+                <a16:creationId xmlns:a16="http://schemas.microsoft.com/office/drawing/2014/main" id="{13C4DFD6-A80A-4BED-A49E-E6E9791119D6}"/>
+              </a:ext>
+            </a:extLst>
+          </p:cNvPr>
+          <p:cNvSpPr/>
+          <p:nvPr/>
+        </p:nvSpPr>
+        <p:spPr>
+          <a:xfrm>
+            <a:off x="9625188" y="3795354"/>
+            <a:ext cx="283228" cy="283228"/>
+          </a:xfrm>
+          <a:prstGeom prst="ellipse">
+            <a:avLst/>
+          </a:prstGeom>
+          <a:solidFill>
+            <a:srgbClr val="00CC99"/>
+          </a:solidFill>
+          <a:ln>
+            <a:noFill/>
+          </a:ln>
+        </p:spPr>
+        <p:style>
+          <a:lnRef idx="2">
+            <a:schemeClr val="accent1">
+              <a:shade val="50000"/>
+            </a:schemeClr>
+          </a:lnRef>
+          <a:fillRef idx="1">
+            <a:schemeClr val="accent1"/>
+          </a:fillRef>
+          <a:effectRef idx="0">
+            <a:schemeClr val="accent1"/>
+          </a:effectRef>
+          <a:fontRef idx="minor">
+            <a:schemeClr val="lt1"/>
+          </a:fontRef>
+        </p:style>
+        <p:txBody>
+          <a:bodyPr wrap="none" lIns="0" tIns="0" rIns="0" bIns="0" rtlCol="0" anchor="ctr"/>
+          <a:lstStyle/>
+          <a:p>
+            <a:pPr algn="ctr"/>
+            <a:endParaRPr lang="en-GB" sz="3600" dirty="0"/>
+          </a:p>
+        </p:txBody>
+      </p:sp>
+      <p:cxnSp>
+        <p:nvCxnSpPr>
+          <p:cNvPr id="39" name="Straight Arrow Connector 27">
+            <a:extLst>
+              <a:ext uri="{FF2B5EF4-FFF2-40B4-BE49-F238E27FC236}">
+                <a16:creationId xmlns:a16="http://schemas.microsoft.com/office/drawing/2014/main" id="{399CC5B6-A3D2-4F58-9EEB-CCA9963D4518}"/>
+              </a:ext>
+            </a:extLst>
+          </p:cNvPr>
+          <p:cNvCxnSpPr/>
+          <p:nvPr/>
+        </p:nvCxnSpPr>
+        <p:spPr>
+          <a:xfrm>
+            <a:off x="9902416" y="3936095"/>
+            <a:ext cx="914400" cy="0"/>
+          </a:xfrm>
+          <a:prstGeom prst="straightConnector1">
+            <a:avLst/>
+          </a:prstGeom>
+          <a:ln w="57150">
+            <a:tailEnd type="triangle"/>
+          </a:ln>
+        </p:spPr>
+        <p:style>
+          <a:lnRef idx="1">
+            <a:schemeClr val="accent1"/>
+          </a:lnRef>
+          <a:fillRef idx="0">
+            <a:schemeClr val="accent1"/>
+          </a:fillRef>
+          <a:effectRef idx="0">
+            <a:schemeClr val="accent1"/>
+          </a:effectRef>
+          <a:fontRef idx="minor">
+            <a:schemeClr val="tx1"/>
+          </a:fontRef>
+        </p:style>
+      </p:cxnSp>
+      <p:sp>
+        <p:nvSpPr>
+          <p:cNvPr id="40" name="Oval 33">
+            <a:extLst>
+              <a:ext uri="{FF2B5EF4-FFF2-40B4-BE49-F238E27FC236}">
+                <a16:creationId xmlns:a16="http://schemas.microsoft.com/office/drawing/2014/main" id="{F3321CD8-A0AC-4372-9345-0C00E344C113}"/>
+              </a:ext>
+            </a:extLst>
+          </p:cNvPr>
+          <p:cNvSpPr/>
+          <p:nvPr/>
+        </p:nvSpPr>
+        <p:spPr>
+          <a:xfrm>
+            <a:off x="10816816" y="3795354"/>
+            <a:ext cx="283228" cy="283228"/>
+          </a:xfrm>
+          <a:prstGeom prst="ellipse">
+            <a:avLst/>
+          </a:prstGeom>
+          <a:solidFill>
+            <a:srgbClr val="00CC99"/>
+          </a:solidFill>
+          <a:ln>
+            <a:noFill/>
+          </a:ln>
+        </p:spPr>
+        <p:style>
+          <a:lnRef idx="2">
+            <a:schemeClr val="accent1">
+              <a:shade val="50000"/>
+            </a:schemeClr>
+          </a:lnRef>
+          <a:fillRef idx="1">
+            <a:schemeClr val="accent1"/>
+          </a:fillRef>
+          <a:effectRef idx="0">
+            <a:schemeClr val="accent1"/>
+          </a:effectRef>
+          <a:fontRef idx="minor">
+            <a:schemeClr val="lt1"/>
+          </a:fontRef>
+        </p:style>
+        <p:txBody>
+          <a:bodyPr wrap="none" lIns="0" tIns="0" rIns="0" bIns="0" rtlCol="0" anchor="ctr"/>
+          <a:lstStyle/>
+          <a:p>
+            <a:pPr algn="ctr"/>
+            <a:endParaRPr lang="en-GB" sz="3600" dirty="0"/>
+          </a:p>
+        </p:txBody>
+      </p:sp>
+      <p:cxnSp>
+        <p:nvCxnSpPr>
+          <p:cNvPr id="41" name="Straight Arrow Connector 27">
+            <a:extLst>
+              <a:ext uri="{FF2B5EF4-FFF2-40B4-BE49-F238E27FC236}">
+                <a16:creationId xmlns:a16="http://schemas.microsoft.com/office/drawing/2014/main" id="{7F84A151-D1FC-482A-AA1A-736D7C8CF7BA}"/>
+              </a:ext>
+            </a:extLst>
+          </p:cNvPr>
+          <p:cNvCxnSpPr/>
+          <p:nvPr/>
+        </p:nvCxnSpPr>
+        <p:spPr>
+          <a:xfrm>
+            <a:off x="8717019" y="1115486"/>
+            <a:ext cx="914400" cy="0"/>
+          </a:xfrm>
+          <a:prstGeom prst="straightConnector1">
+            <a:avLst/>
+          </a:prstGeom>
+          <a:ln w="57150">
+            <a:tailEnd type="triangle"/>
+          </a:ln>
+        </p:spPr>
+        <p:style>
+          <a:lnRef idx="1">
+            <a:schemeClr val="accent1"/>
+          </a:lnRef>
+          <a:fillRef idx="0">
+            <a:schemeClr val="accent1"/>
+          </a:fillRef>
+          <a:effectRef idx="0">
+            <a:schemeClr val="accent1"/>
+          </a:effectRef>
+          <a:fontRef idx="minor">
+            <a:schemeClr val="tx1"/>
+          </a:fontRef>
+        </p:style>
+      </p:cxnSp>
+      <p:sp>
+        <p:nvSpPr>
+          <p:cNvPr id="42" name="Oval 33">
+            <a:extLst>
+              <a:ext uri="{FF2B5EF4-FFF2-40B4-BE49-F238E27FC236}">
+                <a16:creationId xmlns:a16="http://schemas.microsoft.com/office/drawing/2014/main" id="{AFCB5F2E-96A3-46F2-A555-F4E5F3D1249D}"/>
+              </a:ext>
+            </a:extLst>
+          </p:cNvPr>
+          <p:cNvSpPr/>
+          <p:nvPr/>
+        </p:nvSpPr>
+        <p:spPr>
+          <a:xfrm>
+            <a:off x="9631419" y="974745"/>
+            <a:ext cx="283228" cy="283228"/>
+          </a:xfrm>
+          <a:prstGeom prst="ellipse">
+            <a:avLst/>
+          </a:prstGeom>
+          <a:solidFill>
+            <a:srgbClr val="9966FF"/>
+          </a:solidFill>
+          <a:ln>
+            <a:noFill/>
+          </a:ln>
+        </p:spPr>
+        <p:style>
+          <a:lnRef idx="2">
+            <a:schemeClr val="accent1">
+              <a:shade val="50000"/>
+            </a:schemeClr>
+          </a:lnRef>
+          <a:fillRef idx="1">
+            <a:schemeClr val="accent1"/>
+          </a:fillRef>
+          <a:effectRef idx="0">
+            <a:schemeClr val="accent1"/>
+          </a:effectRef>
+          <a:fontRef idx="minor">
+            <a:schemeClr val="lt1"/>
+          </a:fontRef>
+        </p:style>
+        <p:txBody>
+          <a:bodyPr wrap="none" lIns="0" tIns="0" rIns="0" bIns="0" rtlCol="0" anchor="ctr"/>
+          <a:lstStyle/>
+          <a:p>
+            <a:pPr algn="ctr"/>
+            <a:endParaRPr lang="en-GB" sz="3600" dirty="0"/>
+          </a:p>
+        </p:txBody>
+      </p:sp>
+      <p:cxnSp>
+        <p:nvCxnSpPr>
+          <p:cNvPr id="89" name="Straight Arrow Connector 27">
+            <a:extLst>
+              <a:ext uri="{FF2B5EF4-FFF2-40B4-BE49-F238E27FC236}">
+                <a16:creationId xmlns:a16="http://schemas.microsoft.com/office/drawing/2014/main" id="{0A4006A7-FAC9-4E3B-88CD-27B326FF0EF3}"/>
+              </a:ext>
+            </a:extLst>
+          </p:cNvPr>
+          <p:cNvCxnSpPr/>
+          <p:nvPr/>
+        </p:nvCxnSpPr>
+        <p:spPr>
+          <a:xfrm>
+            <a:off x="8710788" y="3149231"/>
+            <a:ext cx="914400" cy="0"/>
+          </a:xfrm>
+          <a:prstGeom prst="straightConnector1">
+            <a:avLst/>
+          </a:prstGeom>
+          <a:ln w="57150">
+            <a:tailEnd type="triangle"/>
+          </a:ln>
+        </p:spPr>
+        <p:style>
+          <a:lnRef idx="1">
+            <a:schemeClr val="accent1"/>
+          </a:lnRef>
+          <a:fillRef idx="0">
+            <a:schemeClr val="accent1"/>
+          </a:fillRef>
+          <a:effectRef idx="0">
+            <a:schemeClr val="accent1"/>
+          </a:effectRef>
+          <a:fontRef idx="minor">
+            <a:schemeClr val="tx1"/>
+          </a:fontRef>
+        </p:style>
+      </p:cxnSp>
+      <p:sp>
+        <p:nvSpPr>
+          <p:cNvPr id="90" name="Oval 33">
+            <a:extLst>
+              <a:ext uri="{FF2B5EF4-FFF2-40B4-BE49-F238E27FC236}">
+                <a16:creationId xmlns:a16="http://schemas.microsoft.com/office/drawing/2014/main" id="{A8B27050-61DF-4954-9800-9770863254B8}"/>
+              </a:ext>
+            </a:extLst>
+          </p:cNvPr>
+          <p:cNvSpPr/>
+          <p:nvPr/>
+        </p:nvSpPr>
+        <p:spPr>
+          <a:xfrm>
+            <a:off x="9625188" y="3008490"/>
+            <a:ext cx="283228" cy="283228"/>
+          </a:xfrm>
+          <a:prstGeom prst="ellipse">
+            <a:avLst/>
+          </a:prstGeom>
+          <a:solidFill>
+            <a:srgbClr val="9966FF"/>
+          </a:solidFill>
+          <a:ln>
+            <a:noFill/>
+          </a:ln>
+        </p:spPr>
+        <p:style>
+          <a:lnRef idx="2">
+            <a:schemeClr val="accent1">
+              <a:shade val="50000"/>
+            </a:schemeClr>
+          </a:lnRef>
+          <a:fillRef idx="1">
+            <a:schemeClr val="accent1"/>
+          </a:fillRef>
+          <a:effectRef idx="0">
+            <a:schemeClr val="accent1"/>
+          </a:effectRef>
+          <a:fontRef idx="minor">
+            <a:schemeClr val="lt1"/>
+          </a:fontRef>
+        </p:style>
+        <p:txBody>
+          <a:bodyPr wrap="none" lIns="0" tIns="0" rIns="0" bIns="0" rtlCol="0" anchor="ctr"/>
+          <a:lstStyle/>
+          <a:p>
+            <a:pPr algn="ctr"/>
+            <a:endParaRPr lang="en-GB" sz="3600" dirty="0"/>
+          </a:p>
+        </p:txBody>
+      </p:sp>
+      <p:cxnSp>
+        <p:nvCxnSpPr>
+          <p:cNvPr id="93" name="Curved Connector 20">
+            <a:extLst>
+              <a:ext uri="{FF2B5EF4-FFF2-40B4-BE49-F238E27FC236}">
+                <a16:creationId xmlns:a16="http://schemas.microsoft.com/office/drawing/2014/main" id="{C5B37711-1732-4273-84A8-958CF201C820}"/>
+              </a:ext>
+            </a:extLst>
+          </p:cNvPr>
+          <p:cNvCxnSpPr>
+            <a:cxnSpLocks/>
+            <a:stCxn id="32" idx="4"/>
+            <a:endCxn id="38" idx="2"/>
+          </p:cNvCxnSpPr>
+          <p:nvPr/>
+        </p:nvCxnSpPr>
+        <p:spPr>
+          <a:xfrm rot="16200000" flipH="1">
+            <a:off x="8777556" y="3089336"/>
+            <a:ext cx="645250" cy="1050014"/>
+          </a:xfrm>
+          <a:prstGeom prst="curvedConnector2">
+            <a:avLst/>
+          </a:prstGeom>
+          <a:ln w="57150">
+            <a:tailEnd type="triangle"/>
+          </a:ln>
+        </p:spPr>
+        <p:style>
+          <a:lnRef idx="1">
+            <a:schemeClr val="accent1"/>
+          </a:lnRef>
+          <a:fillRef idx="0">
+            <a:schemeClr val="accent1"/>
+          </a:fillRef>
+          <a:effectRef idx="0">
+            <a:schemeClr val="accent1"/>
+          </a:effectRef>
+          <a:fontRef idx="minor">
+            <a:schemeClr val="tx1"/>
+          </a:fontRef>
+        </p:style>
+      </p:cxnSp>
+      <p:sp>
+        <p:nvSpPr>
+          <p:cNvPr id="96" name="Oval 33">
+            <a:extLst>
+              <a:ext uri="{FF2B5EF4-FFF2-40B4-BE49-F238E27FC236}">
+                <a16:creationId xmlns:a16="http://schemas.microsoft.com/office/drawing/2014/main" id="{C9029E05-E68C-4F75-8714-859C8A63E218}"/>
+              </a:ext>
+            </a:extLst>
+          </p:cNvPr>
+          <p:cNvSpPr/>
+          <p:nvPr/>
+        </p:nvSpPr>
+        <p:spPr>
+          <a:xfrm>
+            <a:off x="1400990" y="6393040"/>
+            <a:ext cx="283228" cy="283228"/>
+          </a:xfrm>
+          <a:prstGeom prst="ellipse">
+            <a:avLst/>
+          </a:prstGeom>
+          <a:solidFill>
+            <a:srgbClr val="FF820A"/>
+          </a:solidFill>
+          <a:ln>
+            <a:noFill/>
+          </a:ln>
+        </p:spPr>
+        <p:style>
+          <a:lnRef idx="2">
+            <a:schemeClr val="accent1">
+              <a:shade val="50000"/>
+            </a:schemeClr>
+          </a:lnRef>
+          <a:fillRef idx="1">
+            <a:schemeClr val="accent1"/>
+          </a:fillRef>
+          <a:effectRef idx="0">
+            <a:schemeClr val="accent1"/>
+          </a:effectRef>
+          <a:fontRef idx="minor">
+            <a:schemeClr val="lt1"/>
+          </a:fontRef>
+        </p:style>
+        <p:txBody>
+          <a:bodyPr wrap="none" lIns="0" tIns="0" rIns="0" bIns="0" rtlCol="0" anchor="ctr"/>
+          <a:lstStyle/>
+          <a:p>
+            <a:pPr algn="ctr"/>
+            <a:endParaRPr lang="en-GB" sz="3600" dirty="0"/>
+          </a:p>
+        </p:txBody>
+      </p:sp>
+      <p:cxnSp>
+        <p:nvCxnSpPr>
+          <p:cNvPr id="97" name="Straight Arrow Connector 27">
+            <a:extLst>
+              <a:ext uri="{FF2B5EF4-FFF2-40B4-BE49-F238E27FC236}">
+                <a16:creationId xmlns:a16="http://schemas.microsoft.com/office/drawing/2014/main" id="{CE221EBF-2159-4933-9CFD-3551E4AF5D9A}"/>
+              </a:ext>
+            </a:extLst>
+          </p:cNvPr>
+          <p:cNvCxnSpPr/>
+          <p:nvPr/>
+        </p:nvCxnSpPr>
+        <p:spPr>
+          <a:xfrm>
+            <a:off x="1684218" y="6533781"/>
+            <a:ext cx="914400" cy="0"/>
+          </a:xfrm>
+          <a:prstGeom prst="straightConnector1">
+            <a:avLst/>
+          </a:prstGeom>
+          <a:ln w="57150">
+            <a:tailEnd type="triangle"/>
+          </a:ln>
+        </p:spPr>
+        <p:style>
+          <a:lnRef idx="1">
+            <a:schemeClr val="accent1"/>
+          </a:lnRef>
+          <a:fillRef idx="0">
+            <a:schemeClr val="accent1"/>
+          </a:fillRef>
+          <a:effectRef idx="0">
+            <a:schemeClr val="accent1"/>
+          </a:effectRef>
+          <a:fontRef idx="minor">
+            <a:schemeClr val="tx1"/>
+          </a:fontRef>
+        </p:style>
+      </p:cxnSp>
+      <p:sp>
+        <p:nvSpPr>
+          <p:cNvPr id="98" name="Oval 33">
+            <a:extLst>
+              <a:ext uri="{FF2B5EF4-FFF2-40B4-BE49-F238E27FC236}">
+                <a16:creationId xmlns:a16="http://schemas.microsoft.com/office/drawing/2014/main" id="{E6C8DD80-0BF5-4CA5-BE89-781965786C62}"/>
+              </a:ext>
+            </a:extLst>
+          </p:cNvPr>
+          <p:cNvSpPr/>
+          <p:nvPr/>
+        </p:nvSpPr>
+        <p:spPr>
+          <a:xfrm>
+            <a:off x="2598618" y="6393040"/>
+            <a:ext cx="283228" cy="283228"/>
+          </a:xfrm>
+          <a:prstGeom prst="ellipse">
+            <a:avLst/>
+          </a:prstGeom>
+          <a:solidFill>
+            <a:srgbClr val="FF820A"/>
+          </a:solidFill>
+          <a:ln>
+            <a:noFill/>
+          </a:ln>
+        </p:spPr>
+        <p:style>
+          <a:lnRef idx="2">
+            <a:schemeClr val="accent1">
+              <a:shade val="50000"/>
+            </a:schemeClr>
+          </a:lnRef>
+          <a:fillRef idx="1">
+            <a:schemeClr val="accent1"/>
+          </a:fillRef>
+          <a:effectRef idx="0">
+            <a:schemeClr val="accent1"/>
+          </a:effectRef>
+          <a:fontRef idx="minor">
+            <a:schemeClr val="lt1"/>
+          </a:fontRef>
+        </p:style>
+        <p:txBody>
+          <a:bodyPr wrap="none" lIns="0" tIns="0" rIns="0" bIns="0" rtlCol="0" anchor="ctr"/>
+          <a:lstStyle/>
+          <a:p>
+            <a:pPr algn="ctr"/>
+            <a:endParaRPr lang="en-GB" sz="3600" dirty="0"/>
+          </a:p>
+        </p:txBody>
+      </p:sp>
+      <p:cxnSp>
+        <p:nvCxnSpPr>
+          <p:cNvPr id="99" name="Straight Arrow Connector 27">
+            <a:extLst>
+              <a:ext uri="{FF2B5EF4-FFF2-40B4-BE49-F238E27FC236}">
+                <a16:creationId xmlns:a16="http://schemas.microsoft.com/office/drawing/2014/main" id="{273CB63E-E628-4993-A6AD-BF42814AD4B9}"/>
+              </a:ext>
+            </a:extLst>
+          </p:cNvPr>
+          <p:cNvCxnSpPr/>
+          <p:nvPr/>
+        </p:nvCxnSpPr>
+        <p:spPr>
+          <a:xfrm>
+            <a:off x="2881846" y="6533781"/>
+            <a:ext cx="914400" cy="0"/>
+          </a:xfrm>
+          <a:prstGeom prst="straightConnector1">
+            <a:avLst/>
+          </a:prstGeom>
+          <a:ln w="57150">
+            <a:tailEnd type="triangle"/>
+          </a:ln>
+        </p:spPr>
+        <p:style>
+          <a:lnRef idx="1">
+            <a:schemeClr val="accent1"/>
+          </a:lnRef>
+          <a:fillRef idx="0">
+            <a:schemeClr val="accent1"/>
+          </a:fillRef>
+          <a:effectRef idx="0">
+            <a:schemeClr val="accent1"/>
+          </a:effectRef>
+          <a:fontRef idx="minor">
+            <a:schemeClr val="tx1"/>
+          </a:fontRef>
+        </p:style>
+      </p:cxnSp>
+      <p:sp>
+        <p:nvSpPr>
+          <p:cNvPr id="100" name="Oval 33">
+            <a:extLst>
+              <a:ext uri="{FF2B5EF4-FFF2-40B4-BE49-F238E27FC236}">
+                <a16:creationId xmlns:a16="http://schemas.microsoft.com/office/drawing/2014/main" id="{2081F053-14CF-4518-B5E7-33BB061ACD47}"/>
+              </a:ext>
+            </a:extLst>
+          </p:cNvPr>
+          <p:cNvSpPr/>
+          <p:nvPr/>
+        </p:nvSpPr>
+        <p:spPr>
+          <a:xfrm>
+            <a:off x="3796246" y="6393040"/>
+            <a:ext cx="283228" cy="283228"/>
+          </a:xfrm>
+          <a:prstGeom prst="ellipse">
+            <a:avLst/>
+          </a:prstGeom>
+          <a:solidFill>
+            <a:srgbClr val="FF820A"/>
+          </a:solidFill>
+          <a:ln>
+            <a:noFill/>
+          </a:ln>
+        </p:spPr>
+        <p:style>
+          <a:lnRef idx="2">
+            <a:schemeClr val="accent1">
+              <a:shade val="50000"/>
+            </a:schemeClr>
+          </a:lnRef>
+          <a:fillRef idx="1">
+            <a:schemeClr val="accent1"/>
+          </a:fillRef>
+          <a:effectRef idx="0">
+            <a:schemeClr val="accent1"/>
+          </a:effectRef>
+          <a:fontRef idx="minor">
+            <a:schemeClr val="lt1"/>
+          </a:fontRef>
+        </p:style>
+        <p:txBody>
+          <a:bodyPr wrap="none" lIns="0" tIns="0" rIns="0" bIns="0" rtlCol="0" anchor="ctr"/>
+          <a:lstStyle/>
+          <a:p>
+            <a:pPr algn="ctr"/>
+            <a:endParaRPr lang="en-GB" sz="3600" dirty="0"/>
+          </a:p>
+        </p:txBody>
+      </p:sp>
+      <p:sp>
+        <p:nvSpPr>
+          <p:cNvPr id="101" name="Down Arrow Callout 63">
+            <a:extLst>
+              <a:ext uri="{FF2B5EF4-FFF2-40B4-BE49-F238E27FC236}">
+                <a16:creationId xmlns:a16="http://schemas.microsoft.com/office/drawing/2014/main" id="{CB41DFD0-F396-4CFA-BA31-5A58BFDB916A}"/>
+              </a:ext>
+            </a:extLst>
+          </p:cNvPr>
+          <p:cNvSpPr/>
+          <p:nvPr/>
+        </p:nvSpPr>
+        <p:spPr>
+          <a:xfrm>
+            <a:off x="4150188" y="5750694"/>
+            <a:ext cx="1958599" cy="644377"/>
+          </a:xfrm>
+          <a:prstGeom prst="downArrowCallout">
+            <a:avLst>
+              <a:gd name="adj1" fmla="val 18711"/>
+              <a:gd name="adj2" fmla="val 18711"/>
+              <a:gd name="adj3" fmla="val 25000"/>
+              <a:gd name="adj4" fmla="val 62194"/>
+            </a:avLst>
+          </a:prstGeom>
+          <a:solidFill>
+            <a:srgbClr val="7030A0"/>
+          </a:solidFill>
+          <a:ln>
+            <a:noFill/>
+          </a:ln>
+        </p:spPr>
+        <p:style>
+          <a:lnRef idx="2">
+            <a:schemeClr val="accent1">
+              <a:shade val="50000"/>
+            </a:schemeClr>
+          </a:lnRef>
+          <a:fillRef idx="1">
+            <a:schemeClr val="accent1"/>
+          </a:fillRef>
+          <a:effectRef idx="0">
+            <a:schemeClr val="accent1"/>
+          </a:effectRef>
+          <a:fontRef idx="minor">
+            <a:schemeClr val="lt1"/>
+          </a:fontRef>
+        </p:style>
+        <p:txBody>
+          <a:bodyPr rtlCol="0" anchor="ctr"/>
+          <a:lstStyle/>
+          <a:p>
+            <a:pPr algn="ctr"/>
+            <a:r>
+              <a:rPr lang="en-GB" sz="2400" dirty="0"/>
+              <a:t>master</a:t>
+            </a:r>
+          </a:p>
+        </p:txBody>
+      </p:sp>
+      <p:sp>
+        <p:nvSpPr>
+          <p:cNvPr id="102" name="Oval 33">
+            <a:extLst>
+              <a:ext uri="{FF2B5EF4-FFF2-40B4-BE49-F238E27FC236}">
+                <a16:creationId xmlns:a16="http://schemas.microsoft.com/office/drawing/2014/main" id="{69CF8868-7B20-4B09-8903-C12289BF4D49}"/>
+              </a:ext>
+            </a:extLst>
+          </p:cNvPr>
+          <p:cNvSpPr/>
+          <p:nvPr/>
+        </p:nvSpPr>
+        <p:spPr>
+          <a:xfrm>
+            <a:off x="1400990" y="8425040"/>
+            <a:ext cx="283228" cy="283228"/>
+          </a:xfrm>
+          <a:prstGeom prst="ellipse">
+            <a:avLst/>
+          </a:prstGeom>
+          <a:solidFill>
+            <a:srgbClr val="FF820A"/>
+          </a:solidFill>
+          <a:ln>
+            <a:noFill/>
+          </a:ln>
+        </p:spPr>
+        <p:style>
+          <a:lnRef idx="2">
+            <a:schemeClr val="accent1">
+              <a:shade val="50000"/>
+            </a:schemeClr>
+          </a:lnRef>
+          <a:fillRef idx="1">
+            <a:schemeClr val="accent1"/>
+          </a:fillRef>
+          <a:effectRef idx="0">
+            <a:schemeClr val="accent1"/>
+          </a:effectRef>
+          <a:fontRef idx="minor">
+            <a:schemeClr val="lt1"/>
+          </a:fontRef>
+        </p:style>
+        <p:txBody>
+          <a:bodyPr wrap="none" lIns="0" tIns="0" rIns="0" bIns="0" rtlCol="0" anchor="ctr"/>
+          <a:lstStyle/>
+          <a:p>
+            <a:pPr algn="ctr"/>
+            <a:endParaRPr lang="en-GB" sz="3600" dirty="0"/>
+          </a:p>
+        </p:txBody>
+      </p:sp>
+      <p:cxnSp>
+        <p:nvCxnSpPr>
+          <p:cNvPr id="103" name="Straight Arrow Connector 27">
+            <a:extLst>
+              <a:ext uri="{FF2B5EF4-FFF2-40B4-BE49-F238E27FC236}">
+                <a16:creationId xmlns:a16="http://schemas.microsoft.com/office/drawing/2014/main" id="{D5ACE76A-40D1-455D-A500-07BAA9BDA2B9}"/>
+              </a:ext>
+            </a:extLst>
+          </p:cNvPr>
+          <p:cNvCxnSpPr/>
+          <p:nvPr/>
+        </p:nvCxnSpPr>
+        <p:spPr>
+          <a:xfrm>
+            <a:off x="1684218" y="8565781"/>
+            <a:ext cx="914400" cy="0"/>
+          </a:xfrm>
+          <a:prstGeom prst="straightConnector1">
+            <a:avLst/>
+          </a:prstGeom>
+          <a:ln w="57150">
+            <a:tailEnd type="triangle"/>
+          </a:ln>
+        </p:spPr>
+        <p:style>
+          <a:lnRef idx="1">
+            <a:schemeClr val="accent1"/>
+          </a:lnRef>
+          <a:fillRef idx="0">
+            <a:schemeClr val="accent1"/>
+          </a:fillRef>
+          <a:effectRef idx="0">
+            <a:schemeClr val="accent1"/>
+          </a:effectRef>
+          <a:fontRef idx="minor">
+            <a:schemeClr val="tx1"/>
+          </a:fontRef>
+        </p:style>
+      </p:cxnSp>
+      <p:sp>
+        <p:nvSpPr>
+          <p:cNvPr id="104" name="Oval 33">
+            <a:extLst>
+              <a:ext uri="{FF2B5EF4-FFF2-40B4-BE49-F238E27FC236}">
+                <a16:creationId xmlns:a16="http://schemas.microsoft.com/office/drawing/2014/main" id="{7A317AA1-4285-414D-8725-654EC1A7C195}"/>
+              </a:ext>
+            </a:extLst>
+          </p:cNvPr>
+          <p:cNvSpPr/>
+          <p:nvPr/>
+        </p:nvSpPr>
+        <p:spPr>
+          <a:xfrm>
+            <a:off x="2598618" y="8425040"/>
+            <a:ext cx="283228" cy="283228"/>
+          </a:xfrm>
+          <a:prstGeom prst="ellipse">
+            <a:avLst/>
+          </a:prstGeom>
+          <a:solidFill>
+            <a:srgbClr val="FF820A"/>
+          </a:solidFill>
+          <a:ln>
+            <a:noFill/>
+          </a:ln>
+        </p:spPr>
+        <p:style>
+          <a:lnRef idx="2">
+            <a:schemeClr val="accent1">
+              <a:shade val="50000"/>
+            </a:schemeClr>
+          </a:lnRef>
+          <a:fillRef idx="1">
+            <a:schemeClr val="accent1"/>
+          </a:fillRef>
+          <a:effectRef idx="0">
+            <a:schemeClr val="accent1"/>
+          </a:effectRef>
+          <a:fontRef idx="minor">
+            <a:schemeClr val="lt1"/>
+          </a:fontRef>
+        </p:style>
+        <p:txBody>
+          <a:bodyPr wrap="none" lIns="0" tIns="0" rIns="0" bIns="0" rtlCol="0" anchor="ctr"/>
+          <a:lstStyle/>
+          <a:p>
+            <a:pPr algn="ctr"/>
+            <a:endParaRPr lang="en-GB" sz="3600" dirty="0"/>
+          </a:p>
+        </p:txBody>
+      </p:sp>
+      <p:cxnSp>
+        <p:nvCxnSpPr>
+          <p:cNvPr id="105" name="Straight Arrow Connector 27">
+            <a:extLst>
+              <a:ext uri="{FF2B5EF4-FFF2-40B4-BE49-F238E27FC236}">
+                <a16:creationId xmlns:a16="http://schemas.microsoft.com/office/drawing/2014/main" id="{EFAD14E6-0C91-4610-A687-F9637203BE9A}"/>
+              </a:ext>
+            </a:extLst>
+          </p:cNvPr>
+          <p:cNvCxnSpPr/>
+          <p:nvPr/>
+        </p:nvCxnSpPr>
+        <p:spPr>
+          <a:xfrm>
+            <a:off x="2881846" y="8565781"/>
+            <a:ext cx="914400" cy="0"/>
+          </a:xfrm>
+          <a:prstGeom prst="straightConnector1">
+            <a:avLst/>
+          </a:prstGeom>
+          <a:ln w="57150">
+            <a:tailEnd type="triangle"/>
+          </a:ln>
+        </p:spPr>
+        <p:style>
+          <a:lnRef idx="1">
+            <a:schemeClr val="accent1"/>
+          </a:lnRef>
+          <a:fillRef idx="0">
+            <a:schemeClr val="accent1"/>
+          </a:fillRef>
+          <a:effectRef idx="0">
+            <a:schemeClr val="accent1"/>
+          </a:effectRef>
+          <a:fontRef idx="minor">
+            <a:schemeClr val="tx1"/>
+          </a:fontRef>
+        </p:style>
+      </p:cxnSp>
+      <p:sp>
+        <p:nvSpPr>
+          <p:cNvPr id="106" name="Oval 33">
+            <a:extLst>
+              <a:ext uri="{FF2B5EF4-FFF2-40B4-BE49-F238E27FC236}">
+                <a16:creationId xmlns:a16="http://schemas.microsoft.com/office/drawing/2014/main" id="{821A279F-A2D8-4244-8187-9B44BA5B7BA2}"/>
+              </a:ext>
+            </a:extLst>
+          </p:cNvPr>
+          <p:cNvSpPr/>
+          <p:nvPr/>
+        </p:nvSpPr>
+        <p:spPr>
+          <a:xfrm>
+            <a:off x="3796246" y="8425040"/>
+            <a:ext cx="283228" cy="283228"/>
+          </a:xfrm>
+          <a:prstGeom prst="ellipse">
+            <a:avLst/>
+          </a:prstGeom>
+          <a:solidFill>
+            <a:srgbClr val="FF820A"/>
+          </a:solidFill>
+          <a:ln>
+            <a:noFill/>
+          </a:ln>
+        </p:spPr>
+        <p:style>
+          <a:lnRef idx="2">
+            <a:schemeClr val="accent1">
+              <a:shade val="50000"/>
+            </a:schemeClr>
+          </a:lnRef>
+          <a:fillRef idx="1">
+            <a:schemeClr val="accent1"/>
+          </a:fillRef>
+          <a:effectRef idx="0">
+            <a:schemeClr val="accent1"/>
+          </a:effectRef>
+          <a:fontRef idx="minor">
+            <a:schemeClr val="lt1"/>
+          </a:fontRef>
+        </p:style>
+        <p:txBody>
+          <a:bodyPr wrap="none" lIns="0" tIns="0" rIns="0" bIns="0" rtlCol="0" anchor="ctr"/>
+          <a:lstStyle/>
+          <a:p>
+            <a:pPr algn="ctr"/>
+            <a:endParaRPr lang="en-GB" sz="3600" dirty="0"/>
+          </a:p>
+        </p:txBody>
+      </p:sp>
+      <p:sp>
+        <p:nvSpPr>
+          <p:cNvPr id="107" name="Down Arrow Callout 63">
+            <a:extLst>
+              <a:ext uri="{FF2B5EF4-FFF2-40B4-BE49-F238E27FC236}">
+                <a16:creationId xmlns:a16="http://schemas.microsoft.com/office/drawing/2014/main" id="{0EC03B84-3D2C-4754-B664-DC3A88C6CFED}"/>
+              </a:ext>
+            </a:extLst>
+          </p:cNvPr>
+          <p:cNvSpPr/>
+          <p:nvPr/>
+        </p:nvSpPr>
+        <p:spPr>
+          <a:xfrm>
+            <a:off x="4150187" y="7778918"/>
+            <a:ext cx="1958599" cy="644377"/>
+          </a:xfrm>
+          <a:prstGeom prst="downArrowCallout">
+            <a:avLst>
+              <a:gd name="adj1" fmla="val 18711"/>
+              <a:gd name="adj2" fmla="val 18711"/>
+              <a:gd name="adj3" fmla="val 25000"/>
+              <a:gd name="adj4" fmla="val 62194"/>
+            </a:avLst>
+          </a:prstGeom>
+          <a:solidFill>
+            <a:srgbClr val="7030A0"/>
+          </a:solidFill>
+          <a:ln>
+            <a:noFill/>
+          </a:ln>
+        </p:spPr>
+        <p:style>
+          <a:lnRef idx="2">
+            <a:schemeClr val="accent1">
+              <a:shade val="50000"/>
+            </a:schemeClr>
+          </a:lnRef>
+          <a:fillRef idx="1">
+            <a:schemeClr val="accent1"/>
+          </a:fillRef>
+          <a:effectRef idx="0">
+            <a:schemeClr val="accent1"/>
+          </a:effectRef>
+          <a:fontRef idx="minor">
+            <a:schemeClr val="lt1"/>
+          </a:fontRef>
+        </p:style>
+        <p:txBody>
+          <a:bodyPr rtlCol="0" anchor="ctr"/>
+          <a:lstStyle/>
+          <a:p>
+            <a:pPr algn="ctr"/>
+            <a:r>
+              <a:rPr lang="en-GB" sz="2400" dirty="0"/>
+              <a:t>origin/master</a:t>
+            </a:r>
+          </a:p>
+        </p:txBody>
+      </p:sp>
+      <p:sp>
+        <p:nvSpPr>
+          <p:cNvPr id="109" name="Oval 33">
+            <a:extLst>
+              <a:ext uri="{FF2B5EF4-FFF2-40B4-BE49-F238E27FC236}">
+                <a16:creationId xmlns:a16="http://schemas.microsoft.com/office/drawing/2014/main" id="{F0491163-2D22-4D8D-8F44-E83C814CE283}"/>
+              </a:ext>
+            </a:extLst>
+          </p:cNvPr>
+          <p:cNvSpPr/>
+          <p:nvPr/>
+        </p:nvSpPr>
+        <p:spPr>
+          <a:xfrm>
+            <a:off x="4987874" y="9211904"/>
+            <a:ext cx="283228" cy="283228"/>
+          </a:xfrm>
+          <a:prstGeom prst="ellipse">
+            <a:avLst/>
+          </a:prstGeom>
+          <a:solidFill>
+            <a:srgbClr val="00CC99">
+              <a:alpha val="30000"/>
+            </a:srgbClr>
+          </a:solidFill>
+          <a:ln>
+            <a:noFill/>
+          </a:ln>
+        </p:spPr>
+        <p:style>
+          <a:lnRef idx="2">
+            <a:schemeClr val="accent1">
+              <a:shade val="50000"/>
+            </a:schemeClr>
+          </a:lnRef>
+          <a:fillRef idx="1">
+            <a:schemeClr val="accent1"/>
+          </a:fillRef>
+          <a:effectRef idx="0">
+            <a:schemeClr val="accent1"/>
+          </a:effectRef>
+          <a:fontRef idx="minor">
+            <a:schemeClr val="lt1"/>
+          </a:fontRef>
+        </p:style>
+        <p:txBody>
+          <a:bodyPr wrap="none" lIns="0" tIns="0" rIns="0" bIns="0" rtlCol="0" anchor="ctr"/>
+          <a:lstStyle/>
+          <a:p>
+            <a:pPr algn="ctr"/>
+            <a:endParaRPr lang="en-GB" sz="3600" dirty="0"/>
+          </a:p>
+        </p:txBody>
+      </p:sp>
+      <p:cxnSp>
+        <p:nvCxnSpPr>
+          <p:cNvPr id="110" name="Straight Arrow Connector 27">
+            <a:extLst>
+              <a:ext uri="{FF2B5EF4-FFF2-40B4-BE49-F238E27FC236}">
+                <a16:creationId xmlns:a16="http://schemas.microsoft.com/office/drawing/2014/main" id="{350C2196-A879-4202-9DB2-695AE7122015}"/>
+              </a:ext>
+            </a:extLst>
+          </p:cNvPr>
+          <p:cNvCxnSpPr/>
+          <p:nvPr/>
+        </p:nvCxnSpPr>
+        <p:spPr>
+          <a:xfrm>
+            <a:off x="5265102" y="9352645"/>
+            <a:ext cx="914400" cy="0"/>
+          </a:xfrm>
+          <a:prstGeom prst="straightConnector1">
+            <a:avLst/>
+          </a:prstGeom>
+          <a:ln w="57150">
+            <a:solidFill>
+              <a:schemeClr val="accent1">
+                <a:alpha val="30000"/>
+              </a:schemeClr>
+            </a:solidFill>
+            <a:tailEnd type="triangle"/>
+          </a:ln>
+        </p:spPr>
+        <p:style>
+          <a:lnRef idx="1">
+            <a:schemeClr val="accent1"/>
+          </a:lnRef>
+          <a:fillRef idx="0">
+            <a:schemeClr val="accent1"/>
+          </a:fillRef>
+          <a:effectRef idx="0">
+            <a:schemeClr val="accent1"/>
+          </a:effectRef>
+          <a:fontRef idx="minor">
+            <a:schemeClr val="tx1"/>
+          </a:fontRef>
+        </p:style>
+      </p:cxnSp>
+      <p:sp>
+        <p:nvSpPr>
+          <p:cNvPr id="111" name="Oval 33">
+            <a:extLst>
+              <a:ext uri="{FF2B5EF4-FFF2-40B4-BE49-F238E27FC236}">
+                <a16:creationId xmlns:a16="http://schemas.microsoft.com/office/drawing/2014/main" id="{DD308249-6515-43D7-AB70-897D908E7B76}"/>
+              </a:ext>
+            </a:extLst>
+          </p:cNvPr>
+          <p:cNvSpPr/>
+          <p:nvPr/>
+        </p:nvSpPr>
+        <p:spPr>
+          <a:xfrm>
+            <a:off x="6179502" y="9211904"/>
+            <a:ext cx="283228" cy="283228"/>
+          </a:xfrm>
+          <a:prstGeom prst="ellipse">
+            <a:avLst/>
+          </a:prstGeom>
+          <a:solidFill>
+            <a:srgbClr val="00CC99">
+              <a:alpha val="30000"/>
+            </a:srgbClr>
+          </a:solidFill>
+          <a:ln>
+            <a:noFill/>
+          </a:ln>
+        </p:spPr>
+        <p:style>
+          <a:lnRef idx="2">
+            <a:schemeClr val="accent1">
+              <a:shade val="50000"/>
+            </a:schemeClr>
+          </a:lnRef>
+          <a:fillRef idx="1">
+            <a:schemeClr val="accent1"/>
+          </a:fillRef>
+          <a:effectRef idx="0">
+            <a:schemeClr val="accent1"/>
+          </a:effectRef>
+          <a:fontRef idx="minor">
+            <a:schemeClr val="lt1"/>
+          </a:fontRef>
+        </p:style>
+        <p:txBody>
+          <a:bodyPr wrap="none" lIns="0" tIns="0" rIns="0" bIns="0" rtlCol="0" anchor="ctr"/>
+          <a:lstStyle/>
+          <a:p>
+            <a:pPr algn="ctr"/>
+            <a:endParaRPr lang="en-GB" sz="3600" dirty="0"/>
+          </a:p>
+        </p:txBody>
+      </p:sp>
+      <p:cxnSp>
+        <p:nvCxnSpPr>
+          <p:cNvPr id="112" name="Straight Arrow Connector 27">
+            <a:extLst>
+              <a:ext uri="{FF2B5EF4-FFF2-40B4-BE49-F238E27FC236}">
+                <a16:creationId xmlns:a16="http://schemas.microsoft.com/office/drawing/2014/main" id="{12525FEB-69BB-4B66-9C07-38BF36AA42E6}"/>
+              </a:ext>
+            </a:extLst>
+          </p:cNvPr>
+          <p:cNvCxnSpPr/>
+          <p:nvPr/>
+        </p:nvCxnSpPr>
+        <p:spPr>
+          <a:xfrm>
+            <a:off x="4079705" y="6532036"/>
+            <a:ext cx="914400" cy="0"/>
+          </a:xfrm>
+          <a:prstGeom prst="straightConnector1">
+            <a:avLst/>
+          </a:prstGeom>
+          <a:ln w="57150">
+            <a:tailEnd type="triangle"/>
+          </a:ln>
+        </p:spPr>
+        <p:style>
+          <a:lnRef idx="1">
+            <a:schemeClr val="accent1"/>
+          </a:lnRef>
+          <a:fillRef idx="0">
+            <a:schemeClr val="accent1"/>
+          </a:fillRef>
+          <a:effectRef idx="0">
+            <a:schemeClr val="accent1"/>
+          </a:effectRef>
+          <a:fontRef idx="minor">
+            <a:schemeClr val="tx1"/>
+          </a:fontRef>
+        </p:style>
+      </p:cxnSp>
+      <p:sp>
+        <p:nvSpPr>
+          <p:cNvPr id="113" name="Oval 33">
+            <a:extLst>
+              <a:ext uri="{FF2B5EF4-FFF2-40B4-BE49-F238E27FC236}">
+                <a16:creationId xmlns:a16="http://schemas.microsoft.com/office/drawing/2014/main" id="{C5711CFF-5F8D-4546-AA6F-ABC78B30EFA3}"/>
+              </a:ext>
+            </a:extLst>
+          </p:cNvPr>
+          <p:cNvSpPr/>
+          <p:nvPr/>
+        </p:nvSpPr>
+        <p:spPr>
+          <a:xfrm>
+            <a:off x="4994105" y="6391295"/>
+            <a:ext cx="283228" cy="283228"/>
+          </a:xfrm>
+          <a:prstGeom prst="ellipse">
+            <a:avLst/>
+          </a:prstGeom>
+          <a:solidFill>
+            <a:srgbClr val="9966FF"/>
+          </a:solidFill>
+          <a:ln>
+            <a:noFill/>
+          </a:ln>
+        </p:spPr>
+        <p:style>
+          <a:lnRef idx="2">
+            <a:schemeClr val="accent1">
+              <a:shade val="50000"/>
+            </a:schemeClr>
+          </a:lnRef>
+          <a:fillRef idx="1">
+            <a:schemeClr val="accent1"/>
+          </a:fillRef>
+          <a:effectRef idx="0">
+            <a:schemeClr val="accent1"/>
+          </a:effectRef>
+          <a:fontRef idx="minor">
+            <a:schemeClr val="lt1"/>
+          </a:fontRef>
+        </p:style>
+        <p:txBody>
+          <a:bodyPr wrap="none" lIns="0" tIns="0" rIns="0" bIns="0" rtlCol="0" anchor="ctr"/>
+          <a:lstStyle/>
+          <a:p>
+            <a:pPr algn="ctr"/>
+            <a:endParaRPr lang="en-GB" sz="3600" dirty="0"/>
+          </a:p>
+        </p:txBody>
+      </p:sp>
+      <p:cxnSp>
+        <p:nvCxnSpPr>
+          <p:cNvPr id="114" name="Straight Arrow Connector 27">
+            <a:extLst>
+              <a:ext uri="{FF2B5EF4-FFF2-40B4-BE49-F238E27FC236}">
+                <a16:creationId xmlns:a16="http://schemas.microsoft.com/office/drawing/2014/main" id="{37D9189B-8AD4-4D87-8B11-0ED628393CD4}"/>
+              </a:ext>
+            </a:extLst>
+          </p:cNvPr>
+          <p:cNvCxnSpPr/>
+          <p:nvPr/>
+        </p:nvCxnSpPr>
+        <p:spPr>
+          <a:xfrm>
+            <a:off x="4073474" y="8565781"/>
+            <a:ext cx="914400" cy="0"/>
+          </a:xfrm>
+          <a:prstGeom prst="straightConnector1">
+            <a:avLst/>
+          </a:prstGeom>
+          <a:ln w="57150">
+            <a:tailEnd type="triangle"/>
+          </a:ln>
+        </p:spPr>
+        <p:style>
+          <a:lnRef idx="1">
+            <a:schemeClr val="accent1"/>
+          </a:lnRef>
+          <a:fillRef idx="0">
+            <a:schemeClr val="accent1"/>
+          </a:fillRef>
+          <a:effectRef idx="0">
+            <a:schemeClr val="accent1"/>
+          </a:effectRef>
+          <a:fontRef idx="minor">
+            <a:schemeClr val="tx1"/>
+          </a:fontRef>
+        </p:style>
+      </p:cxnSp>
+      <p:sp>
+        <p:nvSpPr>
+          <p:cNvPr id="115" name="Oval 33">
+            <a:extLst>
+              <a:ext uri="{FF2B5EF4-FFF2-40B4-BE49-F238E27FC236}">
+                <a16:creationId xmlns:a16="http://schemas.microsoft.com/office/drawing/2014/main" id="{19EA8F77-5200-4B18-AC88-62DB12DCD9A9}"/>
+              </a:ext>
+            </a:extLst>
+          </p:cNvPr>
+          <p:cNvSpPr/>
+          <p:nvPr/>
+        </p:nvSpPr>
+        <p:spPr>
+          <a:xfrm>
+            <a:off x="4987874" y="8425040"/>
+            <a:ext cx="283228" cy="283228"/>
+          </a:xfrm>
+          <a:prstGeom prst="ellipse">
+            <a:avLst/>
+          </a:prstGeom>
+          <a:solidFill>
+            <a:srgbClr val="9966FF"/>
+          </a:solidFill>
+          <a:ln>
+            <a:noFill/>
+          </a:ln>
+        </p:spPr>
+        <p:style>
+          <a:lnRef idx="2">
+            <a:schemeClr val="accent1">
+              <a:shade val="50000"/>
+            </a:schemeClr>
+          </a:lnRef>
+          <a:fillRef idx="1">
+            <a:schemeClr val="accent1"/>
+          </a:fillRef>
+          <a:effectRef idx="0">
+            <a:schemeClr val="accent1"/>
+          </a:effectRef>
+          <a:fontRef idx="minor">
+            <a:schemeClr val="lt1"/>
+          </a:fontRef>
+        </p:style>
+        <p:txBody>
+          <a:bodyPr wrap="none" lIns="0" tIns="0" rIns="0" bIns="0" rtlCol="0" anchor="ctr"/>
+          <a:lstStyle/>
+          <a:p>
+            <a:pPr algn="ctr"/>
+            <a:endParaRPr lang="en-GB" sz="3600" dirty="0"/>
+          </a:p>
+        </p:txBody>
+      </p:sp>
+      <p:cxnSp>
+        <p:nvCxnSpPr>
+          <p:cNvPr id="116" name="Curved Connector 20">
+            <a:extLst>
+              <a:ext uri="{FF2B5EF4-FFF2-40B4-BE49-F238E27FC236}">
+                <a16:creationId xmlns:a16="http://schemas.microsoft.com/office/drawing/2014/main" id="{57A4046A-2AC3-4906-A7E9-4CCAA8A605A8}"/>
+              </a:ext>
+            </a:extLst>
+          </p:cNvPr>
+          <p:cNvCxnSpPr>
+            <a:cxnSpLocks/>
+            <a:stCxn id="106" idx="4"/>
+            <a:endCxn id="109" idx="2"/>
+          </p:cNvCxnSpPr>
+          <p:nvPr/>
+        </p:nvCxnSpPr>
+        <p:spPr>
+          <a:xfrm rot="16200000" flipH="1">
+            <a:off x="4140242" y="8505886"/>
+            <a:ext cx="645250" cy="1050014"/>
+          </a:xfrm>
+          <a:prstGeom prst="curvedConnector2">
+            <a:avLst/>
+          </a:prstGeom>
+          <a:ln w="57150">
+            <a:solidFill>
+              <a:schemeClr val="accent1">
+                <a:alpha val="30000"/>
+              </a:schemeClr>
+            </a:solidFill>
+            <a:tailEnd type="triangle"/>
+          </a:ln>
+        </p:spPr>
+        <p:style>
+          <a:lnRef idx="1">
+            <a:schemeClr val="accent1"/>
+          </a:lnRef>
+          <a:fillRef idx="0">
+            <a:schemeClr val="accent1"/>
+          </a:fillRef>
+          <a:effectRef idx="0">
+            <a:schemeClr val="accent1"/>
+          </a:effectRef>
+          <a:fontRef idx="minor">
+            <a:schemeClr val="tx1"/>
+          </a:fontRef>
+        </p:style>
+      </p:cxnSp>
+      <p:sp>
+        <p:nvSpPr>
+          <p:cNvPr id="117" name="Down Arrow Callout 63">
+            <a:extLst>
+              <a:ext uri="{FF2B5EF4-FFF2-40B4-BE49-F238E27FC236}">
+                <a16:creationId xmlns:a16="http://schemas.microsoft.com/office/drawing/2014/main" id="{3DB9CB4A-BF0D-4CE0-AAC0-5EC6027369BC}"/>
+              </a:ext>
+            </a:extLst>
+          </p:cNvPr>
+          <p:cNvSpPr/>
+          <p:nvPr/>
+        </p:nvSpPr>
+        <p:spPr>
+          <a:xfrm>
+            <a:off x="6965585" y="8708268"/>
+            <a:ext cx="1118318" cy="644377"/>
+          </a:xfrm>
+          <a:prstGeom prst="upArrowCallout">
+            <a:avLst>
+              <a:gd name="adj1" fmla="val 19087"/>
+              <a:gd name="adj2" fmla="val 19087"/>
+              <a:gd name="adj3" fmla="val 25000"/>
+              <a:gd name="adj4" fmla="val 64977"/>
+            </a:avLst>
+          </a:prstGeom>
+          <a:solidFill>
+            <a:srgbClr val="29A78C"/>
+          </a:solidFill>
+          <a:ln>
+            <a:noFill/>
+          </a:ln>
+        </p:spPr>
+        <p:style>
+          <a:lnRef idx="2">
+            <a:schemeClr val="accent1">
+              <a:shade val="50000"/>
+            </a:schemeClr>
+          </a:lnRef>
+          <a:fillRef idx="1">
+            <a:schemeClr val="accent1"/>
+          </a:fillRef>
+          <a:effectRef idx="0">
+            <a:schemeClr val="accent1"/>
+          </a:effectRef>
+          <a:fontRef idx="minor">
+            <a:schemeClr val="lt1"/>
+          </a:fontRef>
+        </p:style>
+        <p:txBody>
+          <a:bodyPr rtlCol="0" anchor="ctr"/>
+          <a:lstStyle/>
+          <a:p>
+            <a:pPr algn="ctr"/>
+            <a:r>
+              <a:rPr lang="en-GB" sz="2400" dirty="0"/>
+              <a:t>master</a:t>
+            </a:r>
+          </a:p>
+        </p:txBody>
+      </p:sp>
+      <p:sp>
+        <p:nvSpPr>
+          <p:cNvPr id="118" name="Oval 33">
+            <a:extLst>
+              <a:ext uri="{FF2B5EF4-FFF2-40B4-BE49-F238E27FC236}">
+                <a16:creationId xmlns:a16="http://schemas.microsoft.com/office/drawing/2014/main" id="{44CADA95-0353-49BF-9B17-368FAF7D813E}"/>
+              </a:ext>
+            </a:extLst>
+          </p:cNvPr>
+          <p:cNvSpPr/>
+          <p:nvPr/>
+        </p:nvSpPr>
+        <p:spPr>
+          <a:xfrm>
+            <a:off x="6191502" y="8425040"/>
+            <a:ext cx="283228" cy="283228"/>
+          </a:xfrm>
+          <a:prstGeom prst="ellipse">
+            <a:avLst/>
+          </a:prstGeom>
+          <a:solidFill>
+            <a:srgbClr val="00CC99"/>
+          </a:solidFill>
+          <a:ln>
+            <a:noFill/>
+          </a:ln>
+        </p:spPr>
+        <p:style>
+          <a:lnRef idx="2">
+            <a:schemeClr val="accent1">
+              <a:shade val="50000"/>
+            </a:schemeClr>
+          </a:lnRef>
+          <a:fillRef idx="1">
+            <a:schemeClr val="accent1"/>
+          </a:fillRef>
+          <a:effectRef idx="0">
+            <a:schemeClr val="accent1"/>
+          </a:effectRef>
+          <a:fontRef idx="minor">
+            <a:schemeClr val="lt1"/>
+          </a:fontRef>
+        </p:style>
+        <p:txBody>
+          <a:bodyPr wrap="none" lIns="0" tIns="0" rIns="0" bIns="0" rtlCol="0" anchor="ctr"/>
+          <a:lstStyle/>
+          <a:p>
+            <a:pPr algn="ctr"/>
+            <a:endParaRPr lang="en-GB" sz="3600" dirty="0"/>
+          </a:p>
+        </p:txBody>
+      </p:sp>
+      <p:cxnSp>
+        <p:nvCxnSpPr>
+          <p:cNvPr id="119" name="Straight Arrow Connector 27">
+            <a:extLst>
+              <a:ext uri="{FF2B5EF4-FFF2-40B4-BE49-F238E27FC236}">
+                <a16:creationId xmlns:a16="http://schemas.microsoft.com/office/drawing/2014/main" id="{5E1E3163-F440-46C8-A354-370BB34B8DAD}"/>
+              </a:ext>
+            </a:extLst>
+          </p:cNvPr>
+          <p:cNvCxnSpPr/>
+          <p:nvPr/>
+        </p:nvCxnSpPr>
+        <p:spPr>
+          <a:xfrm>
+            <a:off x="6468730" y="8565781"/>
+            <a:ext cx="914400" cy="0"/>
+          </a:xfrm>
+          <a:prstGeom prst="straightConnector1">
+            <a:avLst/>
+          </a:prstGeom>
+          <a:ln w="57150">
+            <a:tailEnd type="triangle"/>
+          </a:ln>
+        </p:spPr>
+        <p:style>
+          <a:lnRef idx="1">
+            <a:schemeClr val="accent1"/>
+          </a:lnRef>
+          <a:fillRef idx="0">
+            <a:schemeClr val="accent1"/>
+          </a:fillRef>
+          <a:effectRef idx="0">
+            <a:schemeClr val="accent1"/>
+          </a:effectRef>
+          <a:fontRef idx="minor">
+            <a:schemeClr val="tx1"/>
+          </a:fontRef>
+        </p:style>
+      </p:cxnSp>
+      <p:sp>
+        <p:nvSpPr>
+          <p:cNvPr id="120" name="Oval 33">
+            <a:extLst>
+              <a:ext uri="{FF2B5EF4-FFF2-40B4-BE49-F238E27FC236}">
+                <a16:creationId xmlns:a16="http://schemas.microsoft.com/office/drawing/2014/main" id="{C9454451-013E-4A3E-B3DF-62DD071F6859}"/>
+              </a:ext>
+            </a:extLst>
+          </p:cNvPr>
+          <p:cNvSpPr/>
+          <p:nvPr/>
+        </p:nvSpPr>
+        <p:spPr>
+          <a:xfrm>
+            <a:off x="7383130" y="8425040"/>
+            <a:ext cx="283228" cy="283228"/>
+          </a:xfrm>
+          <a:prstGeom prst="ellipse">
+            <a:avLst/>
+          </a:prstGeom>
+          <a:solidFill>
+            <a:srgbClr val="00CC99"/>
+          </a:solidFill>
+          <a:ln>
+            <a:noFill/>
+          </a:ln>
+        </p:spPr>
+        <p:style>
+          <a:lnRef idx="2">
+            <a:schemeClr val="accent1">
+              <a:shade val="50000"/>
+            </a:schemeClr>
+          </a:lnRef>
+          <a:fillRef idx="1">
+            <a:schemeClr val="accent1"/>
+          </a:fillRef>
+          <a:effectRef idx="0">
+            <a:schemeClr val="accent1"/>
+          </a:effectRef>
+          <a:fontRef idx="minor">
+            <a:schemeClr val="lt1"/>
+          </a:fontRef>
+        </p:style>
+        <p:txBody>
+          <a:bodyPr wrap="none" lIns="0" tIns="0" rIns="0" bIns="0" rtlCol="0" anchor="ctr"/>
+          <a:lstStyle/>
+          <a:p>
+            <a:pPr algn="ctr"/>
+            <a:endParaRPr lang="en-GB" sz="3600" dirty="0"/>
+          </a:p>
+        </p:txBody>
+      </p:sp>
+      <p:cxnSp>
+        <p:nvCxnSpPr>
+          <p:cNvPr id="125" name="Straight Arrow Connector 27">
+            <a:extLst>
+              <a:ext uri="{FF2B5EF4-FFF2-40B4-BE49-F238E27FC236}">
+                <a16:creationId xmlns:a16="http://schemas.microsoft.com/office/drawing/2014/main" id="{7DB94168-6878-4A3A-893A-4D8F76A19D8E}"/>
+              </a:ext>
+            </a:extLst>
+          </p:cNvPr>
+          <p:cNvCxnSpPr/>
+          <p:nvPr/>
+        </p:nvCxnSpPr>
+        <p:spPr>
+          <a:xfrm>
+            <a:off x="5265102" y="8565781"/>
+            <a:ext cx="914400" cy="0"/>
+          </a:xfrm>
+          <a:prstGeom prst="straightConnector1">
+            <a:avLst/>
+          </a:prstGeom>
+          <a:ln w="57150">
+            <a:tailEnd type="triangle"/>
+          </a:ln>
+        </p:spPr>
+        <p:style>
+          <a:lnRef idx="1">
+            <a:schemeClr val="accent1"/>
+          </a:lnRef>
+          <a:fillRef idx="0">
+            <a:schemeClr val="accent1"/>
+          </a:fillRef>
+          <a:effectRef idx="0">
+            <a:schemeClr val="accent1"/>
+          </a:effectRef>
+          <a:fontRef idx="minor">
+            <a:schemeClr val="tx1"/>
+          </a:fontRef>
+        </p:style>
+      </p:cxnSp>
+      <p:sp>
+        <p:nvSpPr>
+          <p:cNvPr id="126" name="Oval 33">
+            <a:extLst>
+              <a:ext uri="{FF2B5EF4-FFF2-40B4-BE49-F238E27FC236}">
+                <a16:creationId xmlns:a16="http://schemas.microsoft.com/office/drawing/2014/main" id="{937BDAFE-616A-408B-A9E0-6DB066DA538E}"/>
+              </a:ext>
+            </a:extLst>
+          </p:cNvPr>
+          <p:cNvSpPr/>
+          <p:nvPr/>
+        </p:nvSpPr>
+        <p:spPr>
+          <a:xfrm>
+            <a:off x="8918415" y="6248808"/>
+            <a:ext cx="283228" cy="283228"/>
+          </a:xfrm>
+          <a:prstGeom prst="ellipse">
+            <a:avLst/>
+          </a:prstGeom>
+          <a:solidFill>
+            <a:srgbClr val="FF820A"/>
+          </a:solidFill>
+          <a:ln>
+            <a:noFill/>
+          </a:ln>
+        </p:spPr>
+        <p:style>
+          <a:lnRef idx="2">
+            <a:schemeClr val="accent1">
+              <a:shade val="50000"/>
+            </a:schemeClr>
+          </a:lnRef>
+          <a:fillRef idx="1">
+            <a:schemeClr val="accent1"/>
+          </a:fillRef>
+          <a:effectRef idx="0">
+            <a:schemeClr val="accent1"/>
+          </a:effectRef>
+          <a:fontRef idx="minor">
+            <a:schemeClr val="lt1"/>
+          </a:fontRef>
+        </p:style>
+        <p:txBody>
+          <a:bodyPr wrap="none" lIns="0" tIns="0" rIns="0" bIns="0" rtlCol="0" anchor="ctr"/>
+          <a:lstStyle/>
+          <a:p>
+            <a:pPr algn="ctr"/>
+            <a:endParaRPr lang="en-GB" sz="3600" dirty="0"/>
+          </a:p>
+        </p:txBody>
+      </p:sp>
+      <p:cxnSp>
+        <p:nvCxnSpPr>
+          <p:cNvPr id="127" name="Straight Arrow Connector 27">
+            <a:extLst>
+              <a:ext uri="{FF2B5EF4-FFF2-40B4-BE49-F238E27FC236}">
+                <a16:creationId xmlns:a16="http://schemas.microsoft.com/office/drawing/2014/main" id="{18D80ED8-594A-4D33-8290-5BF88E0C8E3B}"/>
+              </a:ext>
+            </a:extLst>
+          </p:cNvPr>
+          <p:cNvCxnSpPr/>
+          <p:nvPr/>
+        </p:nvCxnSpPr>
+        <p:spPr>
+          <a:xfrm>
+            <a:off x="9201643" y="6389549"/>
+            <a:ext cx="914400" cy="0"/>
+          </a:xfrm>
+          <a:prstGeom prst="straightConnector1">
+            <a:avLst/>
+          </a:prstGeom>
+          <a:ln w="57150">
+            <a:tailEnd type="triangle"/>
+          </a:ln>
+        </p:spPr>
+        <p:style>
+          <a:lnRef idx="1">
+            <a:schemeClr val="accent1"/>
+          </a:lnRef>
+          <a:fillRef idx="0">
+            <a:schemeClr val="accent1"/>
+          </a:fillRef>
+          <a:effectRef idx="0">
+            <a:schemeClr val="accent1"/>
+          </a:effectRef>
+          <a:fontRef idx="minor">
+            <a:schemeClr val="tx1"/>
+          </a:fontRef>
+        </p:style>
+      </p:cxnSp>
+      <p:sp>
+        <p:nvSpPr>
+          <p:cNvPr id="128" name="Oval 33">
+            <a:extLst>
+              <a:ext uri="{FF2B5EF4-FFF2-40B4-BE49-F238E27FC236}">
+                <a16:creationId xmlns:a16="http://schemas.microsoft.com/office/drawing/2014/main" id="{886777CD-F373-4363-894A-B762A1F1CB8B}"/>
+              </a:ext>
+            </a:extLst>
+          </p:cNvPr>
+          <p:cNvSpPr/>
+          <p:nvPr/>
+        </p:nvSpPr>
+        <p:spPr>
+          <a:xfrm>
+            <a:off x="10116043" y="6248808"/>
+            <a:ext cx="283228" cy="283228"/>
+          </a:xfrm>
+          <a:prstGeom prst="ellipse">
+            <a:avLst/>
+          </a:prstGeom>
+          <a:solidFill>
+            <a:srgbClr val="FF820A"/>
+          </a:solidFill>
+          <a:ln>
+            <a:noFill/>
+          </a:ln>
+        </p:spPr>
+        <p:style>
+          <a:lnRef idx="2">
+            <a:schemeClr val="accent1">
+              <a:shade val="50000"/>
+            </a:schemeClr>
+          </a:lnRef>
+          <a:fillRef idx="1">
+            <a:schemeClr val="accent1"/>
+          </a:fillRef>
+          <a:effectRef idx="0">
+            <a:schemeClr val="accent1"/>
+          </a:effectRef>
+          <a:fontRef idx="minor">
+            <a:schemeClr val="lt1"/>
+          </a:fontRef>
+        </p:style>
+        <p:txBody>
+          <a:bodyPr wrap="none" lIns="0" tIns="0" rIns="0" bIns="0" rtlCol="0" anchor="ctr"/>
+          <a:lstStyle/>
+          <a:p>
+            <a:pPr algn="ctr"/>
+            <a:endParaRPr lang="en-GB" sz="3600" dirty="0"/>
+          </a:p>
+        </p:txBody>
+      </p:sp>
+      <p:cxnSp>
+        <p:nvCxnSpPr>
+          <p:cNvPr id="129" name="Straight Arrow Connector 27">
+            <a:extLst>
+              <a:ext uri="{FF2B5EF4-FFF2-40B4-BE49-F238E27FC236}">
+                <a16:creationId xmlns:a16="http://schemas.microsoft.com/office/drawing/2014/main" id="{19180B91-CD6E-4A89-A235-4DEF898011BB}"/>
+              </a:ext>
+            </a:extLst>
+          </p:cNvPr>
+          <p:cNvCxnSpPr/>
+          <p:nvPr/>
+        </p:nvCxnSpPr>
+        <p:spPr>
+          <a:xfrm>
+            <a:off x="10399271" y="6389549"/>
+            <a:ext cx="914400" cy="0"/>
+          </a:xfrm>
+          <a:prstGeom prst="straightConnector1">
+            <a:avLst/>
+          </a:prstGeom>
+          <a:ln w="57150">
+            <a:tailEnd type="triangle"/>
+          </a:ln>
+        </p:spPr>
+        <p:style>
+          <a:lnRef idx="1">
+            <a:schemeClr val="accent1"/>
+          </a:lnRef>
+          <a:fillRef idx="0">
+            <a:schemeClr val="accent1"/>
+          </a:fillRef>
+          <a:effectRef idx="0">
+            <a:schemeClr val="accent1"/>
+          </a:effectRef>
+          <a:fontRef idx="minor">
+            <a:schemeClr val="tx1"/>
+          </a:fontRef>
+        </p:style>
+      </p:cxnSp>
+      <p:sp>
+        <p:nvSpPr>
+          <p:cNvPr id="130" name="Oval 33">
+            <a:extLst>
+              <a:ext uri="{FF2B5EF4-FFF2-40B4-BE49-F238E27FC236}">
+                <a16:creationId xmlns:a16="http://schemas.microsoft.com/office/drawing/2014/main" id="{CF2F233C-04D3-4B26-A72E-4BD460D622F7}"/>
+              </a:ext>
+            </a:extLst>
+          </p:cNvPr>
+          <p:cNvSpPr/>
+          <p:nvPr/>
+        </p:nvSpPr>
+        <p:spPr>
+          <a:xfrm>
+            <a:off x="11313671" y="6248808"/>
+            <a:ext cx="283228" cy="283228"/>
+          </a:xfrm>
+          <a:prstGeom prst="ellipse">
+            <a:avLst/>
+          </a:prstGeom>
+          <a:solidFill>
+            <a:srgbClr val="FF820A"/>
+          </a:solidFill>
+          <a:ln>
+            <a:noFill/>
+          </a:ln>
+        </p:spPr>
+        <p:style>
+          <a:lnRef idx="2">
+            <a:schemeClr val="accent1">
+              <a:shade val="50000"/>
+            </a:schemeClr>
+          </a:lnRef>
+          <a:fillRef idx="1">
+            <a:schemeClr val="accent1"/>
+          </a:fillRef>
+          <a:effectRef idx="0">
+            <a:schemeClr val="accent1"/>
+          </a:effectRef>
+          <a:fontRef idx="minor">
+            <a:schemeClr val="lt1"/>
+          </a:fontRef>
+        </p:style>
+        <p:txBody>
+          <a:bodyPr wrap="none" lIns="0" tIns="0" rIns="0" bIns="0" rtlCol="0" anchor="ctr"/>
+          <a:lstStyle/>
+          <a:p>
+            <a:pPr algn="ctr"/>
+            <a:endParaRPr lang="en-GB" sz="3600" dirty="0"/>
+          </a:p>
+        </p:txBody>
+      </p:sp>
+      <p:sp>
+        <p:nvSpPr>
+          <p:cNvPr id="131" name="Down Arrow Callout 63">
+            <a:extLst>
+              <a:ext uri="{FF2B5EF4-FFF2-40B4-BE49-F238E27FC236}">
+                <a16:creationId xmlns:a16="http://schemas.microsoft.com/office/drawing/2014/main" id="{FADE8171-9192-4F5A-96F7-4B51180619CD}"/>
+              </a:ext>
+            </a:extLst>
+          </p:cNvPr>
+          <p:cNvSpPr/>
+          <p:nvPr/>
+        </p:nvSpPr>
+        <p:spPr>
+          <a:xfrm>
+            <a:off x="14074869" y="5600256"/>
+            <a:ext cx="1958599" cy="644377"/>
+          </a:xfrm>
+          <a:prstGeom prst="downArrowCallout">
+            <a:avLst>
+              <a:gd name="adj1" fmla="val 18711"/>
+              <a:gd name="adj2" fmla="val 18711"/>
+              <a:gd name="adj3" fmla="val 25000"/>
+              <a:gd name="adj4" fmla="val 62194"/>
+            </a:avLst>
+          </a:prstGeom>
+          <a:solidFill>
+            <a:srgbClr val="7030A0"/>
+          </a:solidFill>
+          <a:ln>
+            <a:noFill/>
+          </a:ln>
+        </p:spPr>
+        <p:style>
+          <a:lnRef idx="2">
+            <a:schemeClr val="accent1">
+              <a:shade val="50000"/>
+            </a:schemeClr>
+          </a:lnRef>
+          <a:fillRef idx="1">
+            <a:schemeClr val="accent1"/>
+          </a:fillRef>
+          <a:effectRef idx="0">
+            <a:schemeClr val="accent1"/>
+          </a:effectRef>
+          <a:fontRef idx="minor">
+            <a:schemeClr val="lt1"/>
+          </a:fontRef>
+        </p:style>
+        <p:txBody>
+          <a:bodyPr rtlCol="0" anchor="ctr"/>
+          <a:lstStyle/>
+          <a:p>
+            <a:pPr algn="ctr"/>
+            <a:r>
+              <a:rPr lang="en-GB" sz="2400" dirty="0"/>
+              <a:t>master</a:t>
+            </a:r>
+          </a:p>
+        </p:txBody>
+      </p:sp>
+      <p:sp>
+        <p:nvSpPr>
+          <p:cNvPr id="132" name="Oval 33">
+            <a:extLst>
+              <a:ext uri="{FF2B5EF4-FFF2-40B4-BE49-F238E27FC236}">
+                <a16:creationId xmlns:a16="http://schemas.microsoft.com/office/drawing/2014/main" id="{E10BEDB5-CD0A-49BE-8BC4-29D0EDDB9018}"/>
+              </a:ext>
+            </a:extLst>
+          </p:cNvPr>
+          <p:cNvSpPr/>
+          <p:nvPr/>
+        </p:nvSpPr>
+        <p:spPr>
+          <a:xfrm>
+            <a:off x="8918415" y="8280808"/>
+            <a:ext cx="283228" cy="283228"/>
+          </a:xfrm>
+          <a:prstGeom prst="ellipse">
+            <a:avLst/>
+          </a:prstGeom>
+          <a:solidFill>
+            <a:srgbClr val="FF820A"/>
+          </a:solidFill>
+          <a:ln>
+            <a:noFill/>
+          </a:ln>
+        </p:spPr>
+        <p:style>
+          <a:lnRef idx="2">
+            <a:schemeClr val="accent1">
+              <a:shade val="50000"/>
+            </a:schemeClr>
+          </a:lnRef>
+          <a:fillRef idx="1">
+            <a:schemeClr val="accent1"/>
+          </a:fillRef>
+          <a:effectRef idx="0">
+            <a:schemeClr val="accent1"/>
+          </a:effectRef>
+          <a:fontRef idx="minor">
+            <a:schemeClr val="lt1"/>
+          </a:fontRef>
+        </p:style>
+        <p:txBody>
+          <a:bodyPr wrap="none" lIns="0" tIns="0" rIns="0" bIns="0" rtlCol="0" anchor="ctr"/>
+          <a:lstStyle/>
+          <a:p>
+            <a:pPr algn="ctr"/>
+            <a:endParaRPr lang="en-GB" sz="3600" dirty="0"/>
+          </a:p>
+        </p:txBody>
+      </p:sp>
+      <p:cxnSp>
+        <p:nvCxnSpPr>
+          <p:cNvPr id="133" name="Straight Arrow Connector 27">
+            <a:extLst>
+              <a:ext uri="{FF2B5EF4-FFF2-40B4-BE49-F238E27FC236}">
+                <a16:creationId xmlns:a16="http://schemas.microsoft.com/office/drawing/2014/main" id="{AD5CF7C0-1F40-4FB2-BA6E-F983989D20B0}"/>
+              </a:ext>
+            </a:extLst>
+          </p:cNvPr>
+          <p:cNvCxnSpPr/>
+          <p:nvPr/>
+        </p:nvCxnSpPr>
+        <p:spPr>
+          <a:xfrm>
+            <a:off x="9201643" y="8421549"/>
+            <a:ext cx="914400" cy="0"/>
+          </a:xfrm>
+          <a:prstGeom prst="straightConnector1">
+            <a:avLst/>
+          </a:prstGeom>
+          <a:ln w="57150">
+            <a:tailEnd type="triangle"/>
+          </a:ln>
+        </p:spPr>
+        <p:style>
+          <a:lnRef idx="1">
+            <a:schemeClr val="accent1"/>
+          </a:lnRef>
+          <a:fillRef idx="0">
+            <a:schemeClr val="accent1"/>
+          </a:fillRef>
+          <a:effectRef idx="0">
+            <a:schemeClr val="accent1"/>
+          </a:effectRef>
+          <a:fontRef idx="minor">
+            <a:schemeClr val="tx1"/>
+          </a:fontRef>
+        </p:style>
+      </p:cxnSp>
+      <p:sp>
+        <p:nvSpPr>
+          <p:cNvPr id="134" name="Oval 33">
+            <a:extLst>
+              <a:ext uri="{FF2B5EF4-FFF2-40B4-BE49-F238E27FC236}">
+                <a16:creationId xmlns:a16="http://schemas.microsoft.com/office/drawing/2014/main" id="{8D656B99-1875-4952-B3B8-47AE593A5983}"/>
+              </a:ext>
+            </a:extLst>
+          </p:cNvPr>
+          <p:cNvSpPr/>
+          <p:nvPr/>
+        </p:nvSpPr>
+        <p:spPr>
+          <a:xfrm>
+            <a:off x="10116043" y="8280808"/>
+            <a:ext cx="283228" cy="283228"/>
+          </a:xfrm>
+          <a:prstGeom prst="ellipse">
+            <a:avLst/>
+          </a:prstGeom>
+          <a:solidFill>
+            <a:srgbClr val="FF820A"/>
+          </a:solidFill>
+          <a:ln>
+            <a:noFill/>
+          </a:ln>
+        </p:spPr>
+        <p:style>
+          <a:lnRef idx="2">
+            <a:schemeClr val="accent1">
+              <a:shade val="50000"/>
+            </a:schemeClr>
+          </a:lnRef>
+          <a:fillRef idx="1">
+            <a:schemeClr val="accent1"/>
+          </a:fillRef>
+          <a:effectRef idx="0">
+            <a:schemeClr val="accent1"/>
+          </a:effectRef>
+          <a:fontRef idx="minor">
+            <a:schemeClr val="lt1"/>
+          </a:fontRef>
+        </p:style>
+        <p:txBody>
+          <a:bodyPr wrap="none" lIns="0" tIns="0" rIns="0" bIns="0" rtlCol="0" anchor="ctr"/>
+          <a:lstStyle/>
+          <a:p>
+            <a:pPr algn="ctr"/>
+            <a:endParaRPr lang="en-GB" sz="3600" dirty="0"/>
+          </a:p>
+        </p:txBody>
+      </p:sp>
+      <p:cxnSp>
+        <p:nvCxnSpPr>
+          <p:cNvPr id="135" name="Straight Arrow Connector 27">
+            <a:extLst>
+              <a:ext uri="{FF2B5EF4-FFF2-40B4-BE49-F238E27FC236}">
+                <a16:creationId xmlns:a16="http://schemas.microsoft.com/office/drawing/2014/main" id="{5E69BD51-4B7C-43DF-A992-FE93E92B9EFE}"/>
+              </a:ext>
+            </a:extLst>
+          </p:cNvPr>
+          <p:cNvCxnSpPr/>
+          <p:nvPr/>
+        </p:nvCxnSpPr>
+        <p:spPr>
+          <a:xfrm>
+            <a:off x="10399271" y="8421549"/>
+            <a:ext cx="914400" cy="0"/>
+          </a:xfrm>
+          <a:prstGeom prst="straightConnector1">
+            <a:avLst/>
+          </a:prstGeom>
+          <a:ln w="57150">
+            <a:tailEnd type="triangle"/>
+          </a:ln>
+        </p:spPr>
+        <p:style>
+          <a:lnRef idx="1">
+            <a:schemeClr val="accent1"/>
+          </a:lnRef>
+          <a:fillRef idx="0">
+            <a:schemeClr val="accent1"/>
+          </a:fillRef>
+          <a:effectRef idx="0">
+            <a:schemeClr val="accent1"/>
+          </a:effectRef>
+          <a:fontRef idx="minor">
+            <a:schemeClr val="tx1"/>
+          </a:fontRef>
+        </p:style>
+      </p:cxnSp>
+      <p:sp>
+        <p:nvSpPr>
+          <p:cNvPr id="136" name="Oval 33">
+            <a:extLst>
+              <a:ext uri="{FF2B5EF4-FFF2-40B4-BE49-F238E27FC236}">
+                <a16:creationId xmlns:a16="http://schemas.microsoft.com/office/drawing/2014/main" id="{BFB83E81-71A4-4168-9A29-57753DA03AE8}"/>
+              </a:ext>
+            </a:extLst>
+          </p:cNvPr>
+          <p:cNvSpPr/>
+          <p:nvPr/>
+        </p:nvSpPr>
+        <p:spPr>
+          <a:xfrm>
+            <a:off x="11313671" y="8280808"/>
+            <a:ext cx="283228" cy="283228"/>
+          </a:xfrm>
+          <a:prstGeom prst="ellipse">
+            <a:avLst/>
+          </a:prstGeom>
+          <a:solidFill>
+            <a:srgbClr val="FF820A"/>
+          </a:solidFill>
+          <a:ln>
+            <a:noFill/>
+          </a:ln>
+        </p:spPr>
+        <p:style>
+          <a:lnRef idx="2">
+            <a:schemeClr val="accent1">
+              <a:shade val="50000"/>
+            </a:schemeClr>
+          </a:lnRef>
+          <a:fillRef idx="1">
+            <a:schemeClr val="accent1"/>
+          </a:fillRef>
+          <a:effectRef idx="0">
+            <a:schemeClr val="accent1"/>
+          </a:effectRef>
+          <a:fontRef idx="minor">
+            <a:schemeClr val="lt1"/>
+          </a:fontRef>
+        </p:style>
+        <p:txBody>
+          <a:bodyPr wrap="none" lIns="0" tIns="0" rIns="0" bIns="0" rtlCol="0" anchor="ctr"/>
+          <a:lstStyle/>
+          <a:p>
+            <a:pPr algn="ctr"/>
+            <a:endParaRPr lang="en-GB" sz="3600" dirty="0"/>
+          </a:p>
+        </p:txBody>
+      </p:sp>
+      <p:sp>
+        <p:nvSpPr>
+          <p:cNvPr id="137" name="Down Arrow Callout 63">
+            <a:extLst>
+              <a:ext uri="{FF2B5EF4-FFF2-40B4-BE49-F238E27FC236}">
+                <a16:creationId xmlns:a16="http://schemas.microsoft.com/office/drawing/2014/main" id="{7722EFEC-D102-4811-9CDC-E07EF00F9A4A}"/>
+              </a:ext>
+            </a:extLst>
+          </p:cNvPr>
+          <p:cNvSpPr/>
+          <p:nvPr/>
+        </p:nvSpPr>
+        <p:spPr>
+          <a:xfrm>
+            <a:off x="14062869" y="7634686"/>
+            <a:ext cx="1958599" cy="644377"/>
+          </a:xfrm>
+          <a:prstGeom prst="downArrowCallout">
+            <a:avLst>
+              <a:gd name="adj1" fmla="val 18711"/>
+              <a:gd name="adj2" fmla="val 18711"/>
+              <a:gd name="adj3" fmla="val 25000"/>
+              <a:gd name="adj4" fmla="val 62194"/>
+            </a:avLst>
+          </a:prstGeom>
+          <a:solidFill>
+            <a:srgbClr val="7030A0"/>
+          </a:solidFill>
+          <a:ln>
+            <a:noFill/>
+          </a:ln>
+        </p:spPr>
+        <p:style>
+          <a:lnRef idx="2">
+            <a:schemeClr val="accent1">
+              <a:shade val="50000"/>
+            </a:schemeClr>
+          </a:lnRef>
+          <a:fillRef idx="1">
+            <a:schemeClr val="accent1"/>
+          </a:fillRef>
+          <a:effectRef idx="0">
+            <a:schemeClr val="accent1"/>
+          </a:effectRef>
+          <a:fontRef idx="minor">
+            <a:schemeClr val="lt1"/>
+          </a:fontRef>
+        </p:style>
+        <p:txBody>
+          <a:bodyPr rtlCol="0" anchor="ctr"/>
+          <a:lstStyle/>
+          <a:p>
+            <a:pPr algn="ctr"/>
+            <a:r>
+              <a:rPr lang="en-GB" sz="2400" dirty="0"/>
+              <a:t>origin/master</a:t>
+            </a:r>
+          </a:p>
+        </p:txBody>
+      </p:sp>
+      <p:cxnSp>
+        <p:nvCxnSpPr>
+          <p:cNvPr id="139" name="Straight Arrow Connector 27">
+            <a:extLst>
+              <a:ext uri="{FF2B5EF4-FFF2-40B4-BE49-F238E27FC236}">
+                <a16:creationId xmlns:a16="http://schemas.microsoft.com/office/drawing/2014/main" id="{73469E2C-15AC-4ED5-AA0A-9334A544589F}"/>
+              </a:ext>
+            </a:extLst>
+          </p:cNvPr>
+          <p:cNvCxnSpPr/>
+          <p:nvPr/>
+        </p:nvCxnSpPr>
+        <p:spPr>
+          <a:xfrm>
+            <a:off x="11597130" y="6387804"/>
+            <a:ext cx="914400" cy="0"/>
+          </a:xfrm>
+          <a:prstGeom prst="straightConnector1">
+            <a:avLst/>
+          </a:prstGeom>
+          <a:ln w="57150">
+            <a:tailEnd type="triangle"/>
+          </a:ln>
+        </p:spPr>
+        <p:style>
+          <a:lnRef idx="1">
+            <a:schemeClr val="accent1"/>
+          </a:lnRef>
+          <a:fillRef idx="0">
+            <a:schemeClr val="accent1"/>
+          </a:fillRef>
+          <a:effectRef idx="0">
+            <a:schemeClr val="accent1"/>
+          </a:effectRef>
+          <a:fontRef idx="minor">
+            <a:schemeClr val="tx1"/>
+          </a:fontRef>
+        </p:style>
+      </p:cxnSp>
+      <p:sp>
+        <p:nvSpPr>
+          <p:cNvPr id="140" name="Oval 33">
+            <a:extLst>
+              <a:ext uri="{FF2B5EF4-FFF2-40B4-BE49-F238E27FC236}">
+                <a16:creationId xmlns:a16="http://schemas.microsoft.com/office/drawing/2014/main" id="{F698467E-77DA-4C8F-9A2D-81E4BBBFE0F7}"/>
+              </a:ext>
+            </a:extLst>
+          </p:cNvPr>
+          <p:cNvSpPr/>
+          <p:nvPr/>
+        </p:nvSpPr>
+        <p:spPr>
+          <a:xfrm>
+            <a:off x="12511530" y="6247063"/>
+            <a:ext cx="283228" cy="283228"/>
+          </a:xfrm>
+          <a:prstGeom prst="ellipse">
+            <a:avLst/>
+          </a:prstGeom>
+          <a:solidFill>
+            <a:srgbClr val="9966FF"/>
+          </a:solidFill>
+          <a:ln>
+            <a:noFill/>
+          </a:ln>
+        </p:spPr>
+        <p:style>
+          <a:lnRef idx="2">
+            <a:schemeClr val="accent1">
+              <a:shade val="50000"/>
+            </a:schemeClr>
+          </a:lnRef>
+          <a:fillRef idx="1">
+            <a:schemeClr val="accent1"/>
+          </a:fillRef>
+          <a:effectRef idx="0">
+            <a:schemeClr val="accent1"/>
+          </a:effectRef>
+          <a:fontRef idx="minor">
+            <a:schemeClr val="lt1"/>
+          </a:fontRef>
+        </p:style>
+        <p:txBody>
+          <a:bodyPr wrap="none" lIns="0" tIns="0" rIns="0" bIns="0" rtlCol="0" anchor="ctr"/>
+          <a:lstStyle/>
+          <a:p>
+            <a:pPr algn="ctr"/>
+            <a:endParaRPr lang="en-GB" sz="3600" dirty="0"/>
+          </a:p>
+        </p:txBody>
+      </p:sp>
+      <p:cxnSp>
+        <p:nvCxnSpPr>
+          <p:cNvPr id="141" name="Straight Arrow Connector 27">
+            <a:extLst>
+              <a:ext uri="{FF2B5EF4-FFF2-40B4-BE49-F238E27FC236}">
+                <a16:creationId xmlns:a16="http://schemas.microsoft.com/office/drawing/2014/main" id="{2A1E6CFE-DE56-4057-8674-F24A7B359350}"/>
+              </a:ext>
+            </a:extLst>
+          </p:cNvPr>
+          <p:cNvCxnSpPr/>
+          <p:nvPr/>
+        </p:nvCxnSpPr>
+        <p:spPr>
+          <a:xfrm>
+            <a:off x="11590899" y="8421549"/>
+            <a:ext cx="914400" cy="0"/>
+          </a:xfrm>
+          <a:prstGeom prst="straightConnector1">
+            <a:avLst/>
+          </a:prstGeom>
+          <a:ln w="57150">
+            <a:tailEnd type="triangle"/>
+          </a:ln>
+        </p:spPr>
+        <p:style>
+          <a:lnRef idx="1">
+            <a:schemeClr val="accent1"/>
+          </a:lnRef>
+          <a:fillRef idx="0">
+            <a:schemeClr val="accent1"/>
+          </a:fillRef>
+          <a:effectRef idx="0">
+            <a:schemeClr val="accent1"/>
+          </a:effectRef>
+          <a:fontRef idx="minor">
+            <a:schemeClr val="tx1"/>
+          </a:fontRef>
+        </p:style>
+      </p:cxnSp>
+      <p:sp>
+        <p:nvSpPr>
+          <p:cNvPr id="142" name="Oval 33">
+            <a:extLst>
+              <a:ext uri="{FF2B5EF4-FFF2-40B4-BE49-F238E27FC236}">
+                <a16:creationId xmlns:a16="http://schemas.microsoft.com/office/drawing/2014/main" id="{8FBD6023-A3B5-40D8-8700-3792E26CCB2B}"/>
+              </a:ext>
+            </a:extLst>
+          </p:cNvPr>
+          <p:cNvSpPr/>
+          <p:nvPr/>
+        </p:nvSpPr>
+        <p:spPr>
+          <a:xfrm>
+            <a:off x="12505299" y="8280808"/>
+            <a:ext cx="283228" cy="283228"/>
+          </a:xfrm>
+          <a:prstGeom prst="ellipse">
+            <a:avLst/>
+          </a:prstGeom>
+          <a:solidFill>
+            <a:srgbClr val="9966FF"/>
+          </a:solidFill>
+          <a:ln>
+            <a:noFill/>
+          </a:ln>
+        </p:spPr>
+        <p:style>
+          <a:lnRef idx="2">
+            <a:schemeClr val="accent1">
+              <a:shade val="50000"/>
+            </a:schemeClr>
+          </a:lnRef>
+          <a:fillRef idx="1">
+            <a:schemeClr val="accent1"/>
+          </a:fillRef>
+          <a:effectRef idx="0">
+            <a:schemeClr val="accent1"/>
+          </a:effectRef>
+          <a:fontRef idx="minor">
+            <a:schemeClr val="lt1"/>
+          </a:fontRef>
+        </p:style>
+        <p:txBody>
+          <a:bodyPr wrap="none" lIns="0" tIns="0" rIns="0" bIns="0" rtlCol="0" anchor="ctr"/>
+          <a:lstStyle/>
+          <a:p>
+            <a:pPr algn="ctr"/>
+            <a:endParaRPr lang="en-GB" sz="3600" dirty="0"/>
+          </a:p>
+        </p:txBody>
+      </p:sp>
+      <p:sp>
+        <p:nvSpPr>
+          <p:cNvPr id="144" name="Down Arrow Callout 63">
+            <a:extLst>
+              <a:ext uri="{FF2B5EF4-FFF2-40B4-BE49-F238E27FC236}">
+                <a16:creationId xmlns:a16="http://schemas.microsoft.com/office/drawing/2014/main" id="{5C4F1D38-CBF0-44E0-A8A0-37F7069FB8A4}"/>
+              </a:ext>
+            </a:extLst>
+          </p:cNvPr>
+          <p:cNvSpPr/>
+          <p:nvPr/>
+        </p:nvSpPr>
+        <p:spPr>
+          <a:xfrm>
+            <a:off x="14483010" y="8564036"/>
+            <a:ext cx="1118318" cy="644377"/>
+          </a:xfrm>
+          <a:prstGeom prst="upArrowCallout">
+            <a:avLst>
+              <a:gd name="adj1" fmla="val 19087"/>
+              <a:gd name="adj2" fmla="val 19087"/>
+              <a:gd name="adj3" fmla="val 25000"/>
+              <a:gd name="adj4" fmla="val 64977"/>
+            </a:avLst>
+          </a:prstGeom>
+          <a:solidFill>
+            <a:srgbClr val="29A78C"/>
+          </a:solidFill>
+          <a:ln>
+            <a:noFill/>
+          </a:ln>
+        </p:spPr>
+        <p:style>
+          <a:lnRef idx="2">
+            <a:schemeClr val="accent1">
+              <a:shade val="50000"/>
+            </a:schemeClr>
+          </a:lnRef>
+          <a:fillRef idx="1">
+            <a:schemeClr val="accent1"/>
+          </a:fillRef>
+          <a:effectRef idx="0">
+            <a:schemeClr val="accent1"/>
+          </a:effectRef>
+          <a:fontRef idx="minor">
+            <a:schemeClr val="lt1"/>
+          </a:fontRef>
+        </p:style>
+        <p:txBody>
+          <a:bodyPr rtlCol="0" anchor="ctr"/>
+          <a:lstStyle/>
+          <a:p>
+            <a:pPr algn="ctr"/>
+            <a:r>
+              <a:rPr lang="en-GB" sz="2400" dirty="0"/>
+              <a:t>master</a:t>
+            </a:r>
+          </a:p>
+        </p:txBody>
+      </p:sp>
+      <p:sp>
+        <p:nvSpPr>
+          <p:cNvPr id="145" name="Oval 33">
+            <a:extLst>
+              <a:ext uri="{FF2B5EF4-FFF2-40B4-BE49-F238E27FC236}">
+                <a16:creationId xmlns:a16="http://schemas.microsoft.com/office/drawing/2014/main" id="{B4A483B5-08BD-4A8A-A18D-C85FC42BC849}"/>
+              </a:ext>
+            </a:extLst>
+          </p:cNvPr>
+          <p:cNvSpPr/>
+          <p:nvPr/>
+        </p:nvSpPr>
+        <p:spPr>
+          <a:xfrm>
+            <a:off x="13708927" y="8280808"/>
+            <a:ext cx="283228" cy="283228"/>
+          </a:xfrm>
+          <a:prstGeom prst="ellipse">
+            <a:avLst/>
+          </a:prstGeom>
+          <a:solidFill>
+            <a:srgbClr val="00CC99"/>
+          </a:solidFill>
+          <a:ln>
+            <a:noFill/>
+          </a:ln>
+        </p:spPr>
+        <p:style>
+          <a:lnRef idx="2">
+            <a:schemeClr val="accent1">
+              <a:shade val="50000"/>
+            </a:schemeClr>
+          </a:lnRef>
+          <a:fillRef idx="1">
+            <a:schemeClr val="accent1"/>
+          </a:fillRef>
+          <a:effectRef idx="0">
+            <a:schemeClr val="accent1"/>
+          </a:effectRef>
+          <a:fontRef idx="minor">
+            <a:schemeClr val="lt1"/>
+          </a:fontRef>
+        </p:style>
+        <p:txBody>
+          <a:bodyPr wrap="none" lIns="0" tIns="0" rIns="0" bIns="0" rtlCol="0" anchor="ctr"/>
+          <a:lstStyle/>
+          <a:p>
+            <a:pPr algn="ctr"/>
+            <a:endParaRPr lang="en-GB" sz="3600" dirty="0"/>
+          </a:p>
+        </p:txBody>
+      </p:sp>
+      <p:cxnSp>
+        <p:nvCxnSpPr>
+          <p:cNvPr id="146" name="Straight Arrow Connector 27">
+            <a:extLst>
+              <a:ext uri="{FF2B5EF4-FFF2-40B4-BE49-F238E27FC236}">
+                <a16:creationId xmlns:a16="http://schemas.microsoft.com/office/drawing/2014/main" id="{2074A28D-0DC9-4D12-821D-EAF1ECB5E2E1}"/>
+              </a:ext>
+            </a:extLst>
+          </p:cNvPr>
+          <p:cNvCxnSpPr/>
+          <p:nvPr/>
+        </p:nvCxnSpPr>
+        <p:spPr>
+          <a:xfrm>
+            <a:off x="13986155" y="8421549"/>
+            <a:ext cx="914400" cy="0"/>
+          </a:xfrm>
+          <a:prstGeom prst="straightConnector1">
+            <a:avLst/>
+          </a:prstGeom>
+          <a:ln w="57150">
+            <a:tailEnd type="triangle"/>
+          </a:ln>
+        </p:spPr>
+        <p:style>
+          <a:lnRef idx="1">
+            <a:schemeClr val="accent1"/>
+          </a:lnRef>
+          <a:fillRef idx="0">
+            <a:schemeClr val="accent1"/>
+          </a:fillRef>
+          <a:effectRef idx="0">
+            <a:schemeClr val="accent1"/>
+          </a:effectRef>
+          <a:fontRef idx="minor">
+            <a:schemeClr val="tx1"/>
+          </a:fontRef>
+        </p:style>
+      </p:cxnSp>
+      <p:sp>
+        <p:nvSpPr>
+          <p:cNvPr id="147" name="Oval 33">
+            <a:extLst>
+              <a:ext uri="{FF2B5EF4-FFF2-40B4-BE49-F238E27FC236}">
+                <a16:creationId xmlns:a16="http://schemas.microsoft.com/office/drawing/2014/main" id="{8AF44C1E-034F-4A2E-A716-565A089EC388}"/>
+              </a:ext>
+            </a:extLst>
+          </p:cNvPr>
+          <p:cNvSpPr/>
+          <p:nvPr/>
+        </p:nvSpPr>
+        <p:spPr>
+          <a:xfrm>
+            <a:off x="14900555" y="8280808"/>
+            <a:ext cx="283228" cy="283228"/>
+          </a:xfrm>
+          <a:prstGeom prst="ellipse">
+            <a:avLst/>
+          </a:prstGeom>
+          <a:solidFill>
+            <a:srgbClr val="00CC99"/>
+          </a:solidFill>
+          <a:ln>
+            <a:noFill/>
+          </a:ln>
+        </p:spPr>
+        <p:style>
+          <a:lnRef idx="2">
+            <a:schemeClr val="accent1">
+              <a:shade val="50000"/>
+            </a:schemeClr>
+          </a:lnRef>
+          <a:fillRef idx="1">
+            <a:schemeClr val="accent1"/>
+          </a:fillRef>
+          <a:effectRef idx="0">
+            <a:schemeClr val="accent1"/>
+          </a:effectRef>
+          <a:fontRef idx="minor">
+            <a:schemeClr val="lt1"/>
+          </a:fontRef>
+        </p:style>
+        <p:txBody>
+          <a:bodyPr wrap="none" lIns="0" tIns="0" rIns="0" bIns="0" rtlCol="0" anchor="ctr"/>
+          <a:lstStyle/>
+          <a:p>
+            <a:pPr algn="ctr"/>
+            <a:endParaRPr lang="en-GB" sz="3600" dirty="0"/>
+          </a:p>
+        </p:txBody>
+      </p:sp>
+      <p:cxnSp>
+        <p:nvCxnSpPr>
+          <p:cNvPr id="148" name="Straight Arrow Connector 27">
+            <a:extLst>
+              <a:ext uri="{FF2B5EF4-FFF2-40B4-BE49-F238E27FC236}">
+                <a16:creationId xmlns:a16="http://schemas.microsoft.com/office/drawing/2014/main" id="{4FC38D25-0D89-4EB0-BE2C-E320E7F91161}"/>
+              </a:ext>
+            </a:extLst>
+          </p:cNvPr>
+          <p:cNvCxnSpPr/>
+          <p:nvPr/>
+        </p:nvCxnSpPr>
+        <p:spPr>
+          <a:xfrm>
+            <a:off x="12782527" y="8421549"/>
+            <a:ext cx="914400" cy="0"/>
+          </a:xfrm>
+          <a:prstGeom prst="straightConnector1">
+            <a:avLst/>
+          </a:prstGeom>
+          <a:ln w="57150">
+            <a:tailEnd type="triangle"/>
+          </a:ln>
+        </p:spPr>
+        <p:style>
+          <a:lnRef idx="1">
+            <a:schemeClr val="accent1"/>
+          </a:lnRef>
+          <a:fillRef idx="0">
+            <a:schemeClr val="accent1"/>
+          </a:fillRef>
+          <a:effectRef idx="0">
+            <a:schemeClr val="accent1"/>
+          </a:effectRef>
+          <a:fontRef idx="minor">
+            <a:schemeClr val="tx1"/>
+          </a:fontRef>
+        </p:style>
+      </p:cxnSp>
+      <p:sp>
+        <p:nvSpPr>
+          <p:cNvPr id="149" name="Oval 33">
+            <a:extLst>
+              <a:ext uri="{FF2B5EF4-FFF2-40B4-BE49-F238E27FC236}">
+                <a16:creationId xmlns:a16="http://schemas.microsoft.com/office/drawing/2014/main" id="{4CA6F1AE-4666-4AEF-9A30-6363AE63F1D5}"/>
+              </a:ext>
+            </a:extLst>
+          </p:cNvPr>
+          <p:cNvSpPr/>
+          <p:nvPr/>
+        </p:nvSpPr>
+        <p:spPr>
+          <a:xfrm>
+            <a:off x="13720927" y="6246379"/>
+            <a:ext cx="283228" cy="283228"/>
+          </a:xfrm>
+          <a:prstGeom prst="ellipse">
+            <a:avLst/>
+          </a:prstGeom>
+          <a:solidFill>
+            <a:srgbClr val="00CC99"/>
+          </a:solidFill>
+          <a:ln>
+            <a:noFill/>
+          </a:ln>
+        </p:spPr>
+        <p:style>
+          <a:lnRef idx="2">
+            <a:schemeClr val="accent1">
+              <a:shade val="50000"/>
+            </a:schemeClr>
+          </a:lnRef>
+          <a:fillRef idx="1">
+            <a:schemeClr val="accent1"/>
+          </a:fillRef>
+          <a:effectRef idx="0">
+            <a:schemeClr val="accent1"/>
+          </a:effectRef>
+          <a:fontRef idx="minor">
+            <a:schemeClr val="lt1"/>
+          </a:fontRef>
+        </p:style>
+        <p:txBody>
+          <a:bodyPr wrap="none" lIns="0" tIns="0" rIns="0" bIns="0" rtlCol="0" anchor="ctr"/>
+          <a:lstStyle/>
+          <a:p>
+            <a:pPr algn="ctr"/>
+            <a:endParaRPr lang="en-GB" sz="3600" dirty="0"/>
+          </a:p>
+        </p:txBody>
+      </p:sp>
+      <p:cxnSp>
+        <p:nvCxnSpPr>
+          <p:cNvPr id="150" name="Straight Arrow Connector 27">
+            <a:extLst>
+              <a:ext uri="{FF2B5EF4-FFF2-40B4-BE49-F238E27FC236}">
+                <a16:creationId xmlns:a16="http://schemas.microsoft.com/office/drawing/2014/main" id="{ACAE06F8-6222-4EAD-AB71-D976B7E80DF8}"/>
+              </a:ext>
+            </a:extLst>
+          </p:cNvPr>
+          <p:cNvCxnSpPr/>
+          <p:nvPr/>
+        </p:nvCxnSpPr>
+        <p:spPr>
+          <a:xfrm>
+            <a:off x="13998155" y="6387120"/>
+            <a:ext cx="914400" cy="0"/>
+          </a:xfrm>
+          <a:prstGeom prst="straightConnector1">
+            <a:avLst/>
+          </a:prstGeom>
+          <a:ln w="57150">
+            <a:tailEnd type="triangle"/>
+          </a:ln>
+        </p:spPr>
+        <p:style>
+          <a:lnRef idx="1">
+            <a:schemeClr val="accent1"/>
+          </a:lnRef>
+          <a:fillRef idx="0">
+            <a:schemeClr val="accent1"/>
+          </a:fillRef>
+          <a:effectRef idx="0">
+            <a:schemeClr val="accent1"/>
+          </a:effectRef>
+          <a:fontRef idx="minor">
+            <a:schemeClr val="tx1"/>
+          </a:fontRef>
+        </p:style>
+      </p:cxnSp>
+      <p:sp>
+        <p:nvSpPr>
+          <p:cNvPr id="151" name="Oval 33">
+            <a:extLst>
+              <a:ext uri="{FF2B5EF4-FFF2-40B4-BE49-F238E27FC236}">
+                <a16:creationId xmlns:a16="http://schemas.microsoft.com/office/drawing/2014/main" id="{BFC8B677-6451-4807-B122-84FA5A8D7D65}"/>
+              </a:ext>
+            </a:extLst>
+          </p:cNvPr>
+          <p:cNvSpPr/>
+          <p:nvPr/>
+        </p:nvSpPr>
+        <p:spPr>
+          <a:xfrm>
+            <a:off x="14912555" y="6246379"/>
+            <a:ext cx="283228" cy="283228"/>
+          </a:xfrm>
+          <a:prstGeom prst="ellipse">
+            <a:avLst/>
+          </a:prstGeom>
+          <a:solidFill>
+            <a:srgbClr val="00CC99"/>
+          </a:solidFill>
+          <a:ln>
+            <a:noFill/>
+          </a:ln>
+        </p:spPr>
+        <p:style>
+          <a:lnRef idx="2">
+            <a:schemeClr val="accent1">
+              <a:shade val="50000"/>
+            </a:schemeClr>
+          </a:lnRef>
+          <a:fillRef idx="1">
+            <a:schemeClr val="accent1"/>
+          </a:fillRef>
+          <a:effectRef idx="0">
+            <a:schemeClr val="accent1"/>
+          </a:effectRef>
+          <a:fontRef idx="minor">
+            <a:schemeClr val="lt1"/>
+          </a:fontRef>
+        </p:style>
+        <p:txBody>
+          <a:bodyPr wrap="none" lIns="0" tIns="0" rIns="0" bIns="0" rtlCol="0" anchor="ctr"/>
+          <a:lstStyle/>
+          <a:p>
+            <a:pPr algn="ctr"/>
+            <a:endParaRPr lang="en-GB" sz="3600" dirty="0"/>
+          </a:p>
+        </p:txBody>
+      </p:sp>
+      <p:cxnSp>
+        <p:nvCxnSpPr>
+          <p:cNvPr id="152" name="Straight Arrow Connector 27">
+            <a:extLst>
+              <a:ext uri="{FF2B5EF4-FFF2-40B4-BE49-F238E27FC236}">
+                <a16:creationId xmlns:a16="http://schemas.microsoft.com/office/drawing/2014/main" id="{33C32675-8544-42FE-960A-970F9E59DE71}"/>
+              </a:ext>
+            </a:extLst>
+          </p:cNvPr>
+          <p:cNvCxnSpPr/>
+          <p:nvPr/>
+        </p:nvCxnSpPr>
+        <p:spPr>
+          <a:xfrm>
+            <a:off x="12794527" y="6387120"/>
+            <a:ext cx="914400" cy="0"/>
+          </a:xfrm>
+          <a:prstGeom prst="straightConnector1">
+            <a:avLst/>
+          </a:prstGeom>
+          <a:ln w="57150">
+            <a:tailEnd type="triangle"/>
+          </a:ln>
+        </p:spPr>
+        <p:style>
+          <a:lnRef idx="1">
+            <a:schemeClr val="accent1"/>
+          </a:lnRef>
+          <a:fillRef idx="0">
+            <a:schemeClr val="accent1"/>
+          </a:fillRef>
+          <a:effectRef idx="0">
+            <a:schemeClr val="accent1"/>
+          </a:effectRef>
+          <a:fontRef idx="minor">
+            <a:schemeClr val="tx1"/>
+          </a:fontRef>
+        </p:style>
+      </p:cxnSp>
+      <p:sp>
+        <p:nvSpPr>
+          <p:cNvPr id="157" name="Rechteck 156">
+            <a:extLst>
+              <a:ext uri="{FF2B5EF4-FFF2-40B4-BE49-F238E27FC236}">
+                <a16:creationId xmlns:a16="http://schemas.microsoft.com/office/drawing/2014/main" id="{88185FF8-50C7-4525-9CDF-826086092FBF}"/>
+              </a:ext>
+            </a:extLst>
+          </p:cNvPr>
+          <p:cNvSpPr/>
+          <p:nvPr/>
+        </p:nvSpPr>
+        <p:spPr>
+          <a:xfrm>
+            <a:off x="8952700" y="5506332"/>
+            <a:ext cx="7068768" cy="4390846"/>
+          </a:xfrm>
+          <a:prstGeom prst="rect">
+            <a:avLst/>
+          </a:prstGeom>
+          <a:noFill/>
+          <a:ln>
+            <a:noFill/>
+          </a:ln>
+        </p:spPr>
+        <p:style>
+          <a:lnRef idx="2">
+            <a:schemeClr val="accent1">
+              <a:shade val="50000"/>
+            </a:schemeClr>
+          </a:lnRef>
+          <a:fillRef idx="1">
+            <a:schemeClr val="accent1"/>
+          </a:fillRef>
+          <a:effectRef idx="0">
+            <a:schemeClr val="accent1"/>
+          </a:effectRef>
+          <a:fontRef idx="minor">
+            <a:schemeClr val="lt1"/>
+          </a:fontRef>
+        </p:style>
+        <p:txBody>
+          <a:bodyPr rtlCol="0" anchor="ctr"/>
+          <a:lstStyle/>
+          <a:p>
+            <a:pPr algn="ctr"/>
+            <a:endParaRPr lang="de-CH"/>
+          </a:p>
+        </p:txBody>
+      </p:sp>
+      <p:sp>
+        <p:nvSpPr>
+          <p:cNvPr id="158" name="Rechteck 157">
+            <a:extLst>
+              <a:ext uri="{FF2B5EF4-FFF2-40B4-BE49-F238E27FC236}">
+                <a16:creationId xmlns:a16="http://schemas.microsoft.com/office/drawing/2014/main" id="{CA538F4E-B767-4DB1-ABEB-49B059DBAD2D}"/>
+              </a:ext>
+            </a:extLst>
+          </p:cNvPr>
+          <p:cNvSpPr/>
+          <p:nvPr/>
+        </p:nvSpPr>
+        <p:spPr>
+          <a:xfrm>
+            <a:off x="1406590" y="5761451"/>
+            <a:ext cx="7068768" cy="4390846"/>
+          </a:xfrm>
+          <a:prstGeom prst="rect">
+            <a:avLst/>
+          </a:prstGeom>
+          <a:noFill/>
+          <a:ln>
+            <a:noFill/>
+          </a:ln>
+        </p:spPr>
+        <p:style>
+          <a:lnRef idx="2">
+            <a:schemeClr val="accent1">
+              <a:shade val="50000"/>
+            </a:schemeClr>
+          </a:lnRef>
+          <a:fillRef idx="1">
+            <a:schemeClr val="accent1"/>
+          </a:fillRef>
+          <a:effectRef idx="0">
+            <a:schemeClr val="accent1"/>
+          </a:effectRef>
+          <a:fontRef idx="minor">
+            <a:schemeClr val="lt1"/>
+          </a:fontRef>
+        </p:style>
+        <p:txBody>
+          <a:bodyPr rtlCol="0" anchor="ctr"/>
+          <a:lstStyle/>
+          <a:p>
+            <a:pPr algn="ctr"/>
+            <a:endParaRPr lang="de-CH"/>
+          </a:p>
+        </p:txBody>
+      </p:sp>
+      <p:sp>
+        <p:nvSpPr>
+          <p:cNvPr id="159" name="Rechteck 158">
+            <a:extLst>
+              <a:ext uri="{FF2B5EF4-FFF2-40B4-BE49-F238E27FC236}">
+                <a16:creationId xmlns:a16="http://schemas.microsoft.com/office/drawing/2014/main" id="{EC48BE2D-4FCE-41DD-93EF-3D0119F5F289}"/>
+              </a:ext>
+            </a:extLst>
+          </p:cNvPr>
+          <p:cNvSpPr/>
+          <p:nvPr/>
+        </p:nvSpPr>
+        <p:spPr>
+          <a:xfrm>
+            <a:off x="6038304" y="332113"/>
+            <a:ext cx="7068768" cy="4390846"/>
+          </a:xfrm>
+          <a:prstGeom prst="rect">
+            <a:avLst/>
+          </a:prstGeom>
+          <a:noFill/>
+          <a:ln>
+            <a:noFill/>
+          </a:ln>
+        </p:spPr>
+        <p:style>
+          <a:lnRef idx="2">
+            <a:schemeClr val="accent1">
+              <a:shade val="50000"/>
+            </a:schemeClr>
+          </a:lnRef>
+          <a:fillRef idx="1">
+            <a:schemeClr val="accent1"/>
+          </a:fillRef>
+          <a:effectRef idx="0">
+            <a:schemeClr val="accent1"/>
+          </a:effectRef>
+          <a:fontRef idx="minor">
+            <a:schemeClr val="lt1"/>
+          </a:fontRef>
+        </p:style>
+        <p:txBody>
+          <a:bodyPr rtlCol="0" anchor="ctr"/>
+          <a:lstStyle/>
+          <a:p>
+            <a:pPr algn="ctr"/>
+            <a:endParaRPr lang="de-CH"/>
+          </a:p>
+        </p:txBody>
+      </p:sp>
+      <p:sp>
+        <p:nvSpPr>
+          <p:cNvPr id="160" name="Rechteck 159">
+            <a:extLst>
+              <a:ext uri="{FF2B5EF4-FFF2-40B4-BE49-F238E27FC236}">
+                <a16:creationId xmlns:a16="http://schemas.microsoft.com/office/drawing/2014/main" id="{4F88C6E8-1A1D-4FDD-8866-F1FFCD36E41C}"/>
+              </a:ext>
+            </a:extLst>
+          </p:cNvPr>
+          <p:cNvSpPr/>
+          <p:nvPr/>
+        </p:nvSpPr>
+        <p:spPr>
+          <a:xfrm>
+            <a:off x="1431921" y="330368"/>
+            <a:ext cx="7068768" cy="4390846"/>
+          </a:xfrm>
+          <a:prstGeom prst="rect">
+            <a:avLst/>
+          </a:prstGeom>
+          <a:noFill/>
+          <a:ln>
+            <a:noFill/>
+          </a:ln>
+        </p:spPr>
+        <p:style>
+          <a:lnRef idx="2">
+            <a:schemeClr val="accent1">
+              <a:shade val="50000"/>
+            </a:schemeClr>
+          </a:lnRef>
+          <a:fillRef idx="1">
+            <a:schemeClr val="accent1"/>
+          </a:fillRef>
+          <a:effectRef idx="0">
+            <a:schemeClr val="accent1"/>
+          </a:effectRef>
+          <a:fontRef idx="minor">
+            <a:schemeClr val="lt1"/>
+          </a:fontRef>
+        </p:style>
+        <p:txBody>
+          <a:bodyPr rtlCol="0" anchor="ctr"/>
+          <a:lstStyle/>
+          <a:p>
+            <a:pPr algn="ctr"/>
+            <a:endParaRPr lang="de-CH"/>
+          </a:p>
+        </p:txBody>
+      </p:sp>
+    </p:spTree>
+    <p:extLst>
+      <p:ext uri="{BB962C8B-B14F-4D97-AF65-F5344CB8AC3E}">
+        <p14:creationId xmlns:p14="http://schemas.microsoft.com/office/powerpoint/2010/main" val="2689118351"/>
       </p:ext>
     </p:extLst>
   </p:cSld>

--- a/graph_diagrams.pptx
+++ b/graph_diagrams.pptx
@@ -15,6 +15,7 @@
     <p:sldId id="261" r:id="rId9"/>
     <p:sldId id="264" r:id="rId10"/>
     <p:sldId id="265" r:id="rId11"/>
+    <p:sldId id="266" r:id="rId12"/>
   </p:sldIdLst>
   <p:sldSz cx="12192000" cy="6858000"/>
   <p:notesSz cx="6858000" cy="9144000"/>
@@ -6994,6 +6995,1579 @@
     <p:extLst>
       <p:ext uri="{BB962C8B-B14F-4D97-AF65-F5344CB8AC3E}">
         <p14:creationId xmlns:p14="http://schemas.microsoft.com/office/powerpoint/2010/main" val="3100751570"/>
+      </p:ext>
+    </p:extLst>
+  </p:cSld>
+  <p:clrMapOvr>
+    <a:masterClrMapping/>
+  </p:clrMapOvr>
+</p:sld>
+</file>
+
+<file path=ppt/slides/slide11.xml><?xml version="1.0" encoding="utf-8"?>
+<p:sld xmlns:a="http://schemas.openxmlformats.org/drawingml/2006/main" xmlns:r="http://schemas.openxmlformats.org/officeDocument/2006/relationships" xmlns:p="http://schemas.openxmlformats.org/presentationml/2006/main">
+  <p:cSld>
+    <p:spTree>
+      <p:nvGrpSpPr>
+        <p:cNvPr id="1" name=""/>
+        <p:cNvGrpSpPr/>
+        <p:nvPr/>
+      </p:nvGrpSpPr>
+      <p:grpSpPr>
+        <a:xfrm>
+          <a:off x="0" y="0"/>
+          <a:ext cx="0" cy="0"/>
+          <a:chOff x="0" y="0"/>
+          <a:chExt cx="0" cy="0"/>
+        </a:xfrm>
+      </p:grpSpPr>
+      <p:cxnSp>
+        <p:nvCxnSpPr>
+          <p:cNvPr id="53" name="Gerade Verbindung mit Pfeil 52">
+            <a:extLst>
+              <a:ext uri="{FF2B5EF4-FFF2-40B4-BE49-F238E27FC236}">
+                <a16:creationId xmlns:a16="http://schemas.microsoft.com/office/drawing/2014/main" id="{A480F2B6-0606-40DA-9241-39FCE443BB95}"/>
+              </a:ext>
+            </a:extLst>
+          </p:cNvPr>
+          <p:cNvCxnSpPr>
+            <a:cxnSpLocks/>
+            <a:stCxn id="10" idx="4"/>
+            <a:endCxn id="19" idx="1"/>
+          </p:cNvCxnSpPr>
+          <p:nvPr/>
+        </p:nvCxnSpPr>
+        <p:spPr>
+          <a:xfrm>
+            <a:off x="4032885" y="2301557"/>
+            <a:ext cx="1384766" cy="658918"/>
+          </a:xfrm>
+          <a:prstGeom prst="straightConnector1">
+            <a:avLst/>
+          </a:prstGeom>
+          <a:ln w="44450">
+            <a:solidFill>
+              <a:schemeClr val="accent1">
+                <a:lumMod val="60000"/>
+                <a:lumOff val="40000"/>
+              </a:schemeClr>
+            </a:solidFill>
+            <a:tailEnd type="triangle"/>
+          </a:ln>
+        </p:spPr>
+        <p:style>
+          <a:lnRef idx="1">
+            <a:schemeClr val="accent1"/>
+          </a:lnRef>
+          <a:fillRef idx="0">
+            <a:schemeClr val="accent1"/>
+          </a:fillRef>
+          <a:effectRef idx="0">
+            <a:schemeClr val="accent1"/>
+          </a:effectRef>
+          <a:fontRef idx="minor">
+            <a:schemeClr val="tx1"/>
+          </a:fontRef>
+        </p:style>
+      </p:cxnSp>
+      <p:cxnSp>
+        <p:nvCxnSpPr>
+          <p:cNvPr id="56" name="Gerade Verbindung mit Pfeil 55">
+            <a:extLst>
+              <a:ext uri="{FF2B5EF4-FFF2-40B4-BE49-F238E27FC236}">
+                <a16:creationId xmlns:a16="http://schemas.microsoft.com/office/drawing/2014/main" id="{4C4B90AC-4C22-4161-A128-2C845ACAB6F6}"/>
+              </a:ext>
+            </a:extLst>
+          </p:cNvPr>
+          <p:cNvCxnSpPr>
+            <a:cxnSpLocks/>
+            <a:stCxn id="14" idx="2"/>
+            <a:endCxn id="19" idx="7"/>
+          </p:cNvCxnSpPr>
+          <p:nvPr/>
+        </p:nvCxnSpPr>
+        <p:spPr>
+          <a:xfrm flipH="1">
+            <a:off x="5665637" y="2301557"/>
+            <a:ext cx="1384768" cy="658918"/>
+          </a:xfrm>
+          <a:prstGeom prst="straightConnector1">
+            <a:avLst/>
+          </a:prstGeom>
+          <a:ln w="44450">
+            <a:solidFill>
+              <a:schemeClr val="accent6">
+                <a:lumMod val="60000"/>
+                <a:lumOff val="40000"/>
+              </a:schemeClr>
+            </a:solidFill>
+            <a:tailEnd type="triangle"/>
+          </a:ln>
+        </p:spPr>
+        <p:style>
+          <a:lnRef idx="1">
+            <a:schemeClr val="accent1"/>
+          </a:lnRef>
+          <a:fillRef idx="0">
+            <a:schemeClr val="accent1"/>
+          </a:fillRef>
+          <a:effectRef idx="0">
+            <a:schemeClr val="accent1"/>
+          </a:effectRef>
+          <a:fontRef idx="minor">
+            <a:schemeClr val="tx1"/>
+          </a:fontRef>
+        </p:style>
+      </p:cxnSp>
+      <p:cxnSp>
+        <p:nvCxnSpPr>
+          <p:cNvPr id="31" name="Gerade Verbindung mit Pfeil 30">
+            <a:extLst>
+              <a:ext uri="{FF2B5EF4-FFF2-40B4-BE49-F238E27FC236}">
+                <a16:creationId xmlns:a16="http://schemas.microsoft.com/office/drawing/2014/main" id="{804718AF-2681-4539-AC36-441A5F7B9576}"/>
+              </a:ext>
+            </a:extLst>
+          </p:cNvPr>
+          <p:cNvCxnSpPr>
+            <a:cxnSpLocks/>
+            <a:stCxn id="4" idx="3"/>
+            <a:endCxn id="26" idx="7"/>
+          </p:cNvCxnSpPr>
+          <p:nvPr/>
+        </p:nvCxnSpPr>
+        <p:spPr>
+          <a:xfrm flipH="1">
+            <a:off x="3674912" y="2189727"/>
+            <a:ext cx="1866733" cy="770748"/>
+          </a:xfrm>
+          <a:prstGeom prst="straightConnector1">
+            <a:avLst/>
+          </a:prstGeom>
+          <a:ln w="44450">
+            <a:solidFill>
+              <a:srgbClr val="7030A0"/>
+            </a:solidFill>
+            <a:tailEnd type="triangle"/>
+          </a:ln>
+        </p:spPr>
+        <p:style>
+          <a:lnRef idx="1">
+            <a:schemeClr val="accent1"/>
+          </a:lnRef>
+          <a:fillRef idx="0">
+            <a:schemeClr val="accent1"/>
+          </a:fillRef>
+          <a:effectRef idx="0">
+            <a:schemeClr val="accent1"/>
+          </a:effectRef>
+          <a:fontRef idx="minor">
+            <a:schemeClr val="tx1"/>
+          </a:fontRef>
+        </p:style>
+      </p:cxnSp>
+      <p:cxnSp>
+        <p:nvCxnSpPr>
+          <p:cNvPr id="33" name="Gerade Verbindung mit Pfeil 32">
+            <a:extLst>
+              <a:ext uri="{FF2B5EF4-FFF2-40B4-BE49-F238E27FC236}">
+                <a16:creationId xmlns:a16="http://schemas.microsoft.com/office/drawing/2014/main" id="{39733C93-17E8-45E4-B457-BA1C3A2597F2}"/>
+              </a:ext>
+            </a:extLst>
+          </p:cNvPr>
+          <p:cNvCxnSpPr>
+            <a:cxnSpLocks/>
+            <a:stCxn id="26" idx="0"/>
+            <a:endCxn id="10" idx="3"/>
+          </p:cNvCxnSpPr>
+          <p:nvPr/>
+        </p:nvCxnSpPr>
+        <p:spPr>
+          <a:xfrm flipV="1">
+            <a:off x="3550919" y="2504122"/>
+            <a:ext cx="1" cy="404994"/>
+          </a:xfrm>
+          <a:prstGeom prst="straightConnector1">
+            <a:avLst/>
+          </a:prstGeom>
+          <a:ln w="44450">
+            <a:solidFill>
+              <a:schemeClr val="accent1">
+                <a:lumMod val="60000"/>
+                <a:lumOff val="40000"/>
+              </a:schemeClr>
+            </a:solidFill>
+            <a:headEnd type="triangle"/>
+            <a:tailEnd type="triangle"/>
+          </a:ln>
+        </p:spPr>
+        <p:style>
+          <a:lnRef idx="1">
+            <a:schemeClr val="accent1"/>
+          </a:lnRef>
+          <a:fillRef idx="0">
+            <a:schemeClr val="accent1"/>
+          </a:fillRef>
+          <a:effectRef idx="0">
+            <a:schemeClr val="accent1"/>
+          </a:effectRef>
+          <a:fontRef idx="minor">
+            <a:schemeClr val="tx1"/>
+          </a:fontRef>
+        </p:style>
+      </p:cxnSp>
+      <p:cxnSp>
+        <p:nvCxnSpPr>
+          <p:cNvPr id="34" name="Gerade Verbindung mit Pfeil 33">
+            <a:extLst>
+              <a:ext uri="{FF2B5EF4-FFF2-40B4-BE49-F238E27FC236}">
+                <a16:creationId xmlns:a16="http://schemas.microsoft.com/office/drawing/2014/main" id="{E382C66C-8B78-49CA-92D9-62FACB07675B}"/>
+              </a:ext>
+            </a:extLst>
+          </p:cNvPr>
+          <p:cNvCxnSpPr>
+            <a:cxnSpLocks/>
+            <a:stCxn id="29" idx="0"/>
+            <a:endCxn id="14" idx="3"/>
+          </p:cNvCxnSpPr>
+          <p:nvPr/>
+        </p:nvCxnSpPr>
+        <p:spPr>
+          <a:xfrm flipV="1">
+            <a:off x="7532369" y="2504122"/>
+            <a:ext cx="1" cy="404994"/>
+          </a:xfrm>
+          <a:prstGeom prst="straightConnector1">
+            <a:avLst/>
+          </a:prstGeom>
+          <a:ln w="44450">
+            <a:solidFill>
+              <a:schemeClr val="accent6">
+                <a:lumMod val="60000"/>
+                <a:lumOff val="40000"/>
+              </a:schemeClr>
+            </a:solidFill>
+            <a:headEnd type="triangle"/>
+            <a:tailEnd type="triangle"/>
+          </a:ln>
+        </p:spPr>
+        <p:style>
+          <a:lnRef idx="1">
+            <a:schemeClr val="accent1"/>
+          </a:lnRef>
+          <a:fillRef idx="0">
+            <a:schemeClr val="accent1"/>
+          </a:fillRef>
+          <a:effectRef idx="0">
+            <a:schemeClr val="accent1"/>
+          </a:effectRef>
+          <a:fontRef idx="minor">
+            <a:schemeClr val="tx1"/>
+          </a:fontRef>
+        </p:style>
+      </p:cxnSp>
+      <p:cxnSp>
+        <p:nvCxnSpPr>
+          <p:cNvPr id="47" name="Gerade Verbindung mit Pfeil 46">
+            <a:extLst>
+              <a:ext uri="{FF2B5EF4-FFF2-40B4-BE49-F238E27FC236}">
+                <a16:creationId xmlns:a16="http://schemas.microsoft.com/office/drawing/2014/main" id="{34C1D555-E96F-4EC6-A111-FF297F2377C3}"/>
+              </a:ext>
+            </a:extLst>
+          </p:cNvPr>
+          <p:cNvCxnSpPr>
+            <a:cxnSpLocks/>
+            <a:stCxn id="4" idx="3"/>
+            <a:endCxn id="29" idx="1"/>
+          </p:cNvCxnSpPr>
+          <p:nvPr/>
+        </p:nvCxnSpPr>
+        <p:spPr>
+          <a:xfrm>
+            <a:off x="5541645" y="2189727"/>
+            <a:ext cx="1866731" cy="770748"/>
+          </a:xfrm>
+          <a:prstGeom prst="straightConnector1">
+            <a:avLst/>
+          </a:prstGeom>
+          <a:ln w="44450">
+            <a:solidFill>
+              <a:srgbClr val="7030A0"/>
+            </a:solidFill>
+            <a:tailEnd type="triangle"/>
+          </a:ln>
+        </p:spPr>
+        <p:style>
+          <a:lnRef idx="1">
+            <a:schemeClr val="accent1"/>
+          </a:lnRef>
+          <a:fillRef idx="0">
+            <a:schemeClr val="accent1"/>
+          </a:fillRef>
+          <a:effectRef idx="0">
+            <a:schemeClr val="accent1"/>
+          </a:effectRef>
+          <a:fontRef idx="minor">
+            <a:schemeClr val="tx1"/>
+          </a:fontRef>
+        </p:style>
+      </p:cxnSp>
+      <p:cxnSp>
+        <p:nvCxnSpPr>
+          <p:cNvPr id="50" name="Gerade Verbindung mit Pfeil 49">
+            <a:extLst>
+              <a:ext uri="{FF2B5EF4-FFF2-40B4-BE49-F238E27FC236}">
+                <a16:creationId xmlns:a16="http://schemas.microsoft.com/office/drawing/2014/main" id="{D229F99D-FF1F-45B7-A342-7BAF89B870AD}"/>
+              </a:ext>
+            </a:extLst>
+          </p:cNvPr>
+          <p:cNvCxnSpPr>
+            <a:cxnSpLocks/>
+            <a:stCxn id="19" idx="0"/>
+            <a:endCxn id="4" idx="3"/>
+          </p:cNvCxnSpPr>
+          <p:nvPr/>
+        </p:nvCxnSpPr>
+        <p:spPr>
+          <a:xfrm flipV="1">
+            <a:off x="5541644" y="2189727"/>
+            <a:ext cx="1" cy="719389"/>
+          </a:xfrm>
+          <a:prstGeom prst="straightConnector1">
+            <a:avLst/>
+          </a:prstGeom>
+          <a:ln w="44450">
+            <a:solidFill>
+              <a:srgbClr val="7030A0"/>
+            </a:solidFill>
+            <a:headEnd type="triangle"/>
+            <a:tailEnd type="triangle"/>
+          </a:ln>
+        </p:spPr>
+        <p:style>
+          <a:lnRef idx="1">
+            <a:schemeClr val="accent1"/>
+          </a:lnRef>
+          <a:fillRef idx="0">
+            <a:schemeClr val="accent1"/>
+          </a:fillRef>
+          <a:effectRef idx="0">
+            <a:schemeClr val="accent1"/>
+          </a:effectRef>
+          <a:fontRef idx="minor">
+            <a:schemeClr val="tx1"/>
+          </a:fontRef>
+        </p:style>
+      </p:cxnSp>
+      <p:grpSp>
+        <p:nvGrpSpPr>
+          <p:cNvPr id="21" name="Gruppieren 20">
+            <a:extLst>
+              <a:ext uri="{FF2B5EF4-FFF2-40B4-BE49-F238E27FC236}">
+                <a16:creationId xmlns:a16="http://schemas.microsoft.com/office/drawing/2014/main" id="{8924F145-CC61-4067-82DA-107FE83AAC59}"/>
+              </a:ext>
+            </a:extLst>
+          </p:cNvPr>
+          <p:cNvGrpSpPr/>
+          <p:nvPr/>
+        </p:nvGrpSpPr>
+        <p:grpSpPr>
+          <a:xfrm>
+            <a:off x="4930140" y="796521"/>
+            <a:ext cx="1223010" cy="1393206"/>
+            <a:chOff x="5059680" y="944087"/>
+            <a:chExt cx="963930" cy="1098073"/>
+          </a:xfrm>
+        </p:grpSpPr>
+        <p:sp>
+          <p:nvSpPr>
+            <p:cNvPr id="4" name="Zylinder 3">
+              <a:extLst>
+                <a:ext uri="{FF2B5EF4-FFF2-40B4-BE49-F238E27FC236}">
+                  <a16:creationId xmlns:a16="http://schemas.microsoft.com/office/drawing/2014/main" id="{5952976C-E2C6-43F9-9CF7-761F8AAB1A51}"/>
+                </a:ext>
+              </a:extLst>
+            </p:cNvPr>
+            <p:cNvSpPr/>
+            <p:nvPr/>
+          </p:nvSpPr>
+          <p:spPr>
+            <a:xfrm>
+              <a:off x="5059680" y="1637030"/>
+              <a:ext cx="963930" cy="405130"/>
+            </a:xfrm>
+            <a:prstGeom prst="can">
+              <a:avLst>
+                <a:gd name="adj" fmla="val 43221"/>
+              </a:avLst>
+            </a:prstGeom>
+            <a:solidFill>
+              <a:srgbClr val="7030A0"/>
+            </a:solidFill>
+            <a:ln w="38100">
+              <a:solidFill>
+                <a:srgbClr val="002060"/>
+              </a:solidFill>
+            </a:ln>
+          </p:spPr>
+          <p:style>
+            <a:lnRef idx="2">
+              <a:schemeClr val="accent1">
+                <a:shade val="50000"/>
+              </a:schemeClr>
+            </a:lnRef>
+            <a:fillRef idx="1">
+              <a:schemeClr val="accent1"/>
+            </a:fillRef>
+            <a:effectRef idx="0">
+              <a:schemeClr val="accent1"/>
+            </a:effectRef>
+            <a:fontRef idx="minor">
+              <a:schemeClr val="lt1"/>
+            </a:fontRef>
+          </p:style>
+          <p:txBody>
+            <a:bodyPr rtlCol="0" anchor="ctr"/>
+            <a:lstStyle/>
+            <a:p>
+              <a:pPr algn="ctr"/>
+              <a:endParaRPr lang="de-CH"/>
+            </a:p>
+          </p:txBody>
+        </p:sp>
+        <p:sp>
+          <p:nvSpPr>
+            <p:cNvPr id="7" name="Zylinder 6">
+              <a:extLst>
+                <a:ext uri="{FF2B5EF4-FFF2-40B4-BE49-F238E27FC236}">
+                  <a16:creationId xmlns:a16="http://schemas.microsoft.com/office/drawing/2014/main" id="{790B5FED-91EA-4A98-B118-3819583A0088}"/>
+                </a:ext>
+              </a:extLst>
+            </p:cNvPr>
+            <p:cNvSpPr/>
+            <p:nvPr/>
+          </p:nvSpPr>
+          <p:spPr>
+            <a:xfrm>
+              <a:off x="5059680" y="1406049"/>
+              <a:ext cx="963930" cy="405130"/>
+            </a:xfrm>
+            <a:prstGeom prst="can">
+              <a:avLst>
+                <a:gd name="adj" fmla="val 43221"/>
+              </a:avLst>
+            </a:prstGeom>
+            <a:solidFill>
+              <a:srgbClr val="7030A0"/>
+            </a:solidFill>
+            <a:ln w="38100">
+              <a:solidFill>
+                <a:srgbClr val="002060"/>
+              </a:solidFill>
+            </a:ln>
+          </p:spPr>
+          <p:style>
+            <a:lnRef idx="2">
+              <a:schemeClr val="accent1">
+                <a:shade val="50000"/>
+              </a:schemeClr>
+            </a:lnRef>
+            <a:fillRef idx="1">
+              <a:schemeClr val="accent1"/>
+            </a:fillRef>
+            <a:effectRef idx="0">
+              <a:schemeClr val="accent1"/>
+            </a:effectRef>
+            <a:fontRef idx="minor">
+              <a:schemeClr val="lt1"/>
+            </a:fontRef>
+          </p:style>
+          <p:txBody>
+            <a:bodyPr rtlCol="0" anchor="ctr"/>
+            <a:lstStyle/>
+            <a:p>
+              <a:pPr algn="ctr"/>
+              <a:endParaRPr lang="de-CH"/>
+            </a:p>
+          </p:txBody>
+        </p:sp>
+        <p:sp>
+          <p:nvSpPr>
+            <p:cNvPr id="8" name="Zylinder 7">
+              <a:extLst>
+                <a:ext uri="{FF2B5EF4-FFF2-40B4-BE49-F238E27FC236}">
+                  <a16:creationId xmlns:a16="http://schemas.microsoft.com/office/drawing/2014/main" id="{F5747061-283B-459D-A9FF-1E71CD757327}"/>
+                </a:ext>
+              </a:extLst>
+            </p:cNvPr>
+            <p:cNvSpPr/>
+            <p:nvPr/>
+          </p:nvSpPr>
+          <p:spPr>
+            <a:xfrm>
+              <a:off x="5059680" y="1175068"/>
+              <a:ext cx="963930" cy="405130"/>
+            </a:xfrm>
+            <a:prstGeom prst="can">
+              <a:avLst>
+                <a:gd name="adj" fmla="val 43221"/>
+              </a:avLst>
+            </a:prstGeom>
+            <a:solidFill>
+              <a:srgbClr val="7030A0"/>
+            </a:solidFill>
+            <a:ln w="38100">
+              <a:solidFill>
+                <a:srgbClr val="002060"/>
+              </a:solidFill>
+            </a:ln>
+          </p:spPr>
+          <p:style>
+            <a:lnRef idx="2">
+              <a:schemeClr val="accent1">
+                <a:shade val="50000"/>
+              </a:schemeClr>
+            </a:lnRef>
+            <a:fillRef idx="1">
+              <a:schemeClr val="accent1"/>
+            </a:fillRef>
+            <a:effectRef idx="0">
+              <a:schemeClr val="accent1"/>
+            </a:effectRef>
+            <a:fontRef idx="minor">
+              <a:schemeClr val="lt1"/>
+            </a:fontRef>
+          </p:style>
+          <p:txBody>
+            <a:bodyPr rtlCol="0" anchor="ctr"/>
+            <a:lstStyle/>
+            <a:p>
+              <a:pPr algn="ctr"/>
+              <a:endParaRPr lang="de-CH"/>
+            </a:p>
+          </p:txBody>
+        </p:sp>
+        <p:sp>
+          <p:nvSpPr>
+            <p:cNvPr id="9" name="Zylinder 8">
+              <a:extLst>
+                <a:ext uri="{FF2B5EF4-FFF2-40B4-BE49-F238E27FC236}">
+                  <a16:creationId xmlns:a16="http://schemas.microsoft.com/office/drawing/2014/main" id="{E2520082-1438-45AE-BEE7-C857536818F9}"/>
+                </a:ext>
+              </a:extLst>
+            </p:cNvPr>
+            <p:cNvSpPr/>
+            <p:nvPr/>
+          </p:nvSpPr>
+          <p:spPr>
+            <a:xfrm>
+              <a:off x="5059680" y="944087"/>
+              <a:ext cx="963930" cy="405130"/>
+            </a:xfrm>
+            <a:prstGeom prst="can">
+              <a:avLst>
+                <a:gd name="adj" fmla="val 43221"/>
+              </a:avLst>
+            </a:prstGeom>
+            <a:solidFill>
+              <a:srgbClr val="7030A0"/>
+            </a:solidFill>
+            <a:ln w="38100">
+              <a:solidFill>
+                <a:srgbClr val="002060"/>
+              </a:solidFill>
+            </a:ln>
+          </p:spPr>
+          <p:style>
+            <a:lnRef idx="2">
+              <a:schemeClr val="accent1">
+                <a:shade val="50000"/>
+              </a:schemeClr>
+            </a:lnRef>
+            <a:fillRef idx="1">
+              <a:schemeClr val="accent1"/>
+            </a:fillRef>
+            <a:effectRef idx="0">
+              <a:schemeClr val="accent1"/>
+            </a:effectRef>
+            <a:fontRef idx="minor">
+              <a:schemeClr val="lt1"/>
+            </a:fontRef>
+          </p:style>
+          <p:txBody>
+            <a:bodyPr rtlCol="0" anchor="ctr"/>
+            <a:lstStyle/>
+            <a:p>
+              <a:pPr algn="ctr"/>
+              <a:endParaRPr lang="de-CH"/>
+            </a:p>
+          </p:txBody>
+        </p:sp>
+      </p:grpSp>
+      <p:grpSp>
+        <p:nvGrpSpPr>
+          <p:cNvPr id="23" name="Gruppieren 22">
+            <a:extLst>
+              <a:ext uri="{FF2B5EF4-FFF2-40B4-BE49-F238E27FC236}">
+                <a16:creationId xmlns:a16="http://schemas.microsoft.com/office/drawing/2014/main" id="{ACAE6233-1A6A-4423-8909-F54249F4994B}"/>
+              </a:ext>
+            </a:extLst>
+          </p:cNvPr>
+          <p:cNvGrpSpPr/>
+          <p:nvPr/>
+        </p:nvGrpSpPr>
+        <p:grpSpPr>
+          <a:xfrm>
+            <a:off x="3068955" y="1406049"/>
+            <a:ext cx="963930" cy="1098073"/>
+            <a:chOff x="3068955" y="1406049"/>
+            <a:chExt cx="963930" cy="1098073"/>
+          </a:xfrm>
+        </p:grpSpPr>
+        <p:sp>
+          <p:nvSpPr>
+            <p:cNvPr id="10" name="Zylinder 9">
+              <a:extLst>
+                <a:ext uri="{FF2B5EF4-FFF2-40B4-BE49-F238E27FC236}">
+                  <a16:creationId xmlns:a16="http://schemas.microsoft.com/office/drawing/2014/main" id="{A3D5ED3C-DE74-4E61-B9E1-4EE221DC1DA5}"/>
+                </a:ext>
+              </a:extLst>
+            </p:cNvPr>
+            <p:cNvSpPr/>
+            <p:nvPr/>
+          </p:nvSpPr>
+          <p:spPr>
+            <a:xfrm>
+              <a:off x="3068955" y="2098992"/>
+              <a:ext cx="963930" cy="405130"/>
+            </a:xfrm>
+            <a:prstGeom prst="can">
+              <a:avLst>
+                <a:gd name="adj" fmla="val 43221"/>
+              </a:avLst>
+            </a:prstGeom>
+            <a:solidFill>
+              <a:schemeClr val="accent1">
+                <a:lumMod val="75000"/>
+              </a:schemeClr>
+            </a:solidFill>
+            <a:ln w="38100">
+              <a:solidFill>
+                <a:schemeClr val="accent1">
+                  <a:lumMod val="50000"/>
+                </a:schemeClr>
+              </a:solidFill>
+            </a:ln>
+          </p:spPr>
+          <p:style>
+            <a:lnRef idx="2">
+              <a:schemeClr val="accent1">
+                <a:shade val="50000"/>
+              </a:schemeClr>
+            </a:lnRef>
+            <a:fillRef idx="1">
+              <a:schemeClr val="accent1"/>
+            </a:fillRef>
+            <a:effectRef idx="0">
+              <a:schemeClr val="accent1"/>
+            </a:effectRef>
+            <a:fontRef idx="minor">
+              <a:schemeClr val="lt1"/>
+            </a:fontRef>
+          </p:style>
+          <p:txBody>
+            <a:bodyPr rtlCol="0" anchor="ctr"/>
+            <a:lstStyle/>
+            <a:p>
+              <a:pPr algn="ctr"/>
+              <a:endParaRPr lang="de-CH"/>
+            </a:p>
+          </p:txBody>
+        </p:sp>
+        <p:sp>
+          <p:nvSpPr>
+            <p:cNvPr id="11" name="Zylinder 10">
+              <a:extLst>
+                <a:ext uri="{FF2B5EF4-FFF2-40B4-BE49-F238E27FC236}">
+                  <a16:creationId xmlns:a16="http://schemas.microsoft.com/office/drawing/2014/main" id="{16B61AC3-A504-4CD8-BB1E-AF9602D1D870}"/>
+                </a:ext>
+              </a:extLst>
+            </p:cNvPr>
+            <p:cNvSpPr/>
+            <p:nvPr/>
+          </p:nvSpPr>
+          <p:spPr>
+            <a:xfrm>
+              <a:off x="3068955" y="1868011"/>
+              <a:ext cx="963930" cy="405130"/>
+            </a:xfrm>
+            <a:prstGeom prst="can">
+              <a:avLst>
+                <a:gd name="adj" fmla="val 43221"/>
+              </a:avLst>
+            </a:prstGeom>
+            <a:solidFill>
+              <a:schemeClr val="accent1">
+                <a:lumMod val="75000"/>
+              </a:schemeClr>
+            </a:solidFill>
+            <a:ln w="38100">
+              <a:solidFill>
+                <a:schemeClr val="accent1">
+                  <a:lumMod val="50000"/>
+                </a:schemeClr>
+              </a:solidFill>
+            </a:ln>
+          </p:spPr>
+          <p:style>
+            <a:lnRef idx="2">
+              <a:schemeClr val="accent1">
+                <a:shade val="50000"/>
+              </a:schemeClr>
+            </a:lnRef>
+            <a:fillRef idx="1">
+              <a:schemeClr val="accent1"/>
+            </a:fillRef>
+            <a:effectRef idx="0">
+              <a:schemeClr val="accent1"/>
+            </a:effectRef>
+            <a:fontRef idx="minor">
+              <a:schemeClr val="lt1"/>
+            </a:fontRef>
+          </p:style>
+          <p:txBody>
+            <a:bodyPr rtlCol="0" anchor="ctr"/>
+            <a:lstStyle/>
+            <a:p>
+              <a:pPr algn="ctr"/>
+              <a:endParaRPr lang="de-CH"/>
+            </a:p>
+          </p:txBody>
+        </p:sp>
+        <p:sp>
+          <p:nvSpPr>
+            <p:cNvPr id="12" name="Zylinder 11">
+              <a:extLst>
+                <a:ext uri="{FF2B5EF4-FFF2-40B4-BE49-F238E27FC236}">
+                  <a16:creationId xmlns:a16="http://schemas.microsoft.com/office/drawing/2014/main" id="{02335C5A-414E-4296-A490-FAAC4CBEDC6A}"/>
+                </a:ext>
+              </a:extLst>
+            </p:cNvPr>
+            <p:cNvSpPr/>
+            <p:nvPr/>
+          </p:nvSpPr>
+          <p:spPr>
+            <a:xfrm>
+              <a:off x="3068955" y="1637030"/>
+              <a:ext cx="963930" cy="405130"/>
+            </a:xfrm>
+            <a:prstGeom prst="can">
+              <a:avLst>
+                <a:gd name="adj" fmla="val 43221"/>
+              </a:avLst>
+            </a:prstGeom>
+            <a:solidFill>
+              <a:schemeClr val="accent1">
+                <a:lumMod val="75000"/>
+              </a:schemeClr>
+            </a:solidFill>
+            <a:ln w="38100">
+              <a:solidFill>
+                <a:schemeClr val="accent1">
+                  <a:lumMod val="50000"/>
+                </a:schemeClr>
+              </a:solidFill>
+            </a:ln>
+          </p:spPr>
+          <p:style>
+            <a:lnRef idx="2">
+              <a:schemeClr val="accent1">
+                <a:shade val="50000"/>
+              </a:schemeClr>
+            </a:lnRef>
+            <a:fillRef idx="1">
+              <a:schemeClr val="accent1"/>
+            </a:fillRef>
+            <a:effectRef idx="0">
+              <a:schemeClr val="accent1"/>
+            </a:effectRef>
+            <a:fontRef idx="minor">
+              <a:schemeClr val="lt1"/>
+            </a:fontRef>
+          </p:style>
+          <p:txBody>
+            <a:bodyPr rtlCol="0" anchor="ctr"/>
+            <a:lstStyle/>
+            <a:p>
+              <a:pPr algn="ctr"/>
+              <a:endParaRPr lang="de-CH"/>
+            </a:p>
+          </p:txBody>
+        </p:sp>
+        <p:sp>
+          <p:nvSpPr>
+            <p:cNvPr id="13" name="Zylinder 12">
+              <a:extLst>
+                <a:ext uri="{FF2B5EF4-FFF2-40B4-BE49-F238E27FC236}">
+                  <a16:creationId xmlns:a16="http://schemas.microsoft.com/office/drawing/2014/main" id="{07FFBC33-A5DF-41A7-91F8-B5B99EE4402A}"/>
+                </a:ext>
+              </a:extLst>
+            </p:cNvPr>
+            <p:cNvSpPr/>
+            <p:nvPr/>
+          </p:nvSpPr>
+          <p:spPr>
+            <a:xfrm>
+              <a:off x="3068955" y="1406049"/>
+              <a:ext cx="963930" cy="405130"/>
+            </a:xfrm>
+            <a:prstGeom prst="can">
+              <a:avLst>
+                <a:gd name="adj" fmla="val 43221"/>
+              </a:avLst>
+            </a:prstGeom>
+            <a:solidFill>
+              <a:schemeClr val="accent1">
+                <a:lumMod val="75000"/>
+              </a:schemeClr>
+            </a:solidFill>
+            <a:ln w="38100">
+              <a:solidFill>
+                <a:schemeClr val="accent1">
+                  <a:lumMod val="50000"/>
+                </a:schemeClr>
+              </a:solidFill>
+            </a:ln>
+          </p:spPr>
+          <p:style>
+            <a:lnRef idx="2">
+              <a:schemeClr val="accent1">
+                <a:shade val="50000"/>
+              </a:schemeClr>
+            </a:lnRef>
+            <a:fillRef idx="1">
+              <a:schemeClr val="accent1"/>
+            </a:fillRef>
+            <a:effectRef idx="0">
+              <a:schemeClr val="accent1"/>
+            </a:effectRef>
+            <a:fontRef idx="minor">
+              <a:schemeClr val="lt1"/>
+            </a:fontRef>
+          </p:style>
+          <p:txBody>
+            <a:bodyPr rtlCol="0" anchor="ctr"/>
+            <a:lstStyle/>
+            <a:p>
+              <a:pPr algn="ctr"/>
+              <a:endParaRPr lang="de-CH"/>
+            </a:p>
+          </p:txBody>
+        </p:sp>
+      </p:grpSp>
+      <p:grpSp>
+        <p:nvGrpSpPr>
+          <p:cNvPr id="22" name="Gruppieren 21">
+            <a:extLst>
+              <a:ext uri="{FF2B5EF4-FFF2-40B4-BE49-F238E27FC236}">
+                <a16:creationId xmlns:a16="http://schemas.microsoft.com/office/drawing/2014/main" id="{058EDA28-7AC5-4888-9CF8-FA3CD7321068}"/>
+              </a:ext>
+            </a:extLst>
+          </p:cNvPr>
+          <p:cNvGrpSpPr/>
+          <p:nvPr/>
+        </p:nvGrpSpPr>
+        <p:grpSpPr>
+          <a:xfrm>
+            <a:off x="7050405" y="1406049"/>
+            <a:ext cx="963930" cy="1098073"/>
+            <a:chOff x="7050405" y="1406049"/>
+            <a:chExt cx="963930" cy="1098073"/>
+          </a:xfrm>
+        </p:grpSpPr>
+        <p:sp>
+          <p:nvSpPr>
+            <p:cNvPr id="14" name="Zylinder 13">
+              <a:extLst>
+                <a:ext uri="{FF2B5EF4-FFF2-40B4-BE49-F238E27FC236}">
+                  <a16:creationId xmlns:a16="http://schemas.microsoft.com/office/drawing/2014/main" id="{C99C46CD-CC46-4D3E-8047-66D5A2C4CBC3}"/>
+                </a:ext>
+              </a:extLst>
+            </p:cNvPr>
+            <p:cNvSpPr/>
+            <p:nvPr/>
+          </p:nvSpPr>
+          <p:spPr>
+            <a:xfrm>
+              <a:off x="7050405" y="2098992"/>
+              <a:ext cx="963930" cy="405130"/>
+            </a:xfrm>
+            <a:prstGeom prst="can">
+              <a:avLst>
+                <a:gd name="adj" fmla="val 43221"/>
+              </a:avLst>
+            </a:prstGeom>
+            <a:solidFill>
+              <a:schemeClr val="accent6">
+                <a:lumMod val="60000"/>
+                <a:lumOff val="40000"/>
+              </a:schemeClr>
+            </a:solidFill>
+            <a:ln w="38100">
+              <a:solidFill>
+                <a:schemeClr val="accent6">
+                  <a:lumMod val="50000"/>
+                </a:schemeClr>
+              </a:solidFill>
+            </a:ln>
+          </p:spPr>
+          <p:style>
+            <a:lnRef idx="2">
+              <a:schemeClr val="accent1">
+                <a:shade val="50000"/>
+              </a:schemeClr>
+            </a:lnRef>
+            <a:fillRef idx="1">
+              <a:schemeClr val="accent1"/>
+            </a:fillRef>
+            <a:effectRef idx="0">
+              <a:schemeClr val="accent1"/>
+            </a:effectRef>
+            <a:fontRef idx="minor">
+              <a:schemeClr val="lt1"/>
+            </a:fontRef>
+          </p:style>
+          <p:txBody>
+            <a:bodyPr rtlCol="0" anchor="ctr"/>
+            <a:lstStyle/>
+            <a:p>
+              <a:pPr algn="ctr"/>
+              <a:endParaRPr lang="de-CH"/>
+            </a:p>
+          </p:txBody>
+        </p:sp>
+        <p:sp>
+          <p:nvSpPr>
+            <p:cNvPr id="15" name="Zylinder 14">
+              <a:extLst>
+                <a:ext uri="{FF2B5EF4-FFF2-40B4-BE49-F238E27FC236}">
+                  <a16:creationId xmlns:a16="http://schemas.microsoft.com/office/drawing/2014/main" id="{6C1D44D2-B8F1-41AD-989A-6D6D0AD3B8B8}"/>
+                </a:ext>
+              </a:extLst>
+            </p:cNvPr>
+            <p:cNvSpPr/>
+            <p:nvPr/>
+          </p:nvSpPr>
+          <p:spPr>
+            <a:xfrm>
+              <a:off x="7050405" y="1868011"/>
+              <a:ext cx="963930" cy="405130"/>
+            </a:xfrm>
+            <a:prstGeom prst="can">
+              <a:avLst>
+                <a:gd name="adj" fmla="val 43221"/>
+              </a:avLst>
+            </a:prstGeom>
+            <a:solidFill>
+              <a:schemeClr val="accent6">
+                <a:lumMod val="60000"/>
+                <a:lumOff val="40000"/>
+              </a:schemeClr>
+            </a:solidFill>
+            <a:ln w="38100">
+              <a:solidFill>
+                <a:schemeClr val="accent6">
+                  <a:lumMod val="50000"/>
+                </a:schemeClr>
+              </a:solidFill>
+            </a:ln>
+          </p:spPr>
+          <p:style>
+            <a:lnRef idx="2">
+              <a:schemeClr val="accent1">
+                <a:shade val="50000"/>
+              </a:schemeClr>
+            </a:lnRef>
+            <a:fillRef idx="1">
+              <a:schemeClr val="accent1"/>
+            </a:fillRef>
+            <a:effectRef idx="0">
+              <a:schemeClr val="accent1"/>
+            </a:effectRef>
+            <a:fontRef idx="minor">
+              <a:schemeClr val="lt1"/>
+            </a:fontRef>
+          </p:style>
+          <p:txBody>
+            <a:bodyPr rtlCol="0" anchor="ctr"/>
+            <a:lstStyle/>
+            <a:p>
+              <a:pPr algn="ctr"/>
+              <a:endParaRPr lang="de-CH"/>
+            </a:p>
+          </p:txBody>
+        </p:sp>
+        <p:sp>
+          <p:nvSpPr>
+            <p:cNvPr id="16" name="Zylinder 15">
+              <a:extLst>
+                <a:ext uri="{FF2B5EF4-FFF2-40B4-BE49-F238E27FC236}">
+                  <a16:creationId xmlns:a16="http://schemas.microsoft.com/office/drawing/2014/main" id="{97668139-C1D7-4805-8C09-6DF12AF9375C}"/>
+                </a:ext>
+              </a:extLst>
+            </p:cNvPr>
+            <p:cNvSpPr/>
+            <p:nvPr/>
+          </p:nvSpPr>
+          <p:spPr>
+            <a:xfrm>
+              <a:off x="7050405" y="1637030"/>
+              <a:ext cx="963930" cy="405130"/>
+            </a:xfrm>
+            <a:prstGeom prst="can">
+              <a:avLst>
+                <a:gd name="adj" fmla="val 43221"/>
+              </a:avLst>
+            </a:prstGeom>
+            <a:solidFill>
+              <a:schemeClr val="accent6">
+                <a:lumMod val="60000"/>
+                <a:lumOff val="40000"/>
+              </a:schemeClr>
+            </a:solidFill>
+            <a:ln w="38100">
+              <a:solidFill>
+                <a:schemeClr val="accent6">
+                  <a:lumMod val="50000"/>
+                </a:schemeClr>
+              </a:solidFill>
+            </a:ln>
+          </p:spPr>
+          <p:style>
+            <a:lnRef idx="2">
+              <a:schemeClr val="accent1">
+                <a:shade val="50000"/>
+              </a:schemeClr>
+            </a:lnRef>
+            <a:fillRef idx="1">
+              <a:schemeClr val="accent1"/>
+            </a:fillRef>
+            <a:effectRef idx="0">
+              <a:schemeClr val="accent1"/>
+            </a:effectRef>
+            <a:fontRef idx="minor">
+              <a:schemeClr val="lt1"/>
+            </a:fontRef>
+          </p:style>
+          <p:txBody>
+            <a:bodyPr rtlCol="0" anchor="ctr"/>
+            <a:lstStyle/>
+            <a:p>
+              <a:pPr algn="ctr"/>
+              <a:endParaRPr lang="de-CH"/>
+            </a:p>
+          </p:txBody>
+        </p:sp>
+        <p:sp>
+          <p:nvSpPr>
+            <p:cNvPr id="17" name="Zylinder 16">
+              <a:extLst>
+                <a:ext uri="{FF2B5EF4-FFF2-40B4-BE49-F238E27FC236}">
+                  <a16:creationId xmlns:a16="http://schemas.microsoft.com/office/drawing/2014/main" id="{1B3D0DD9-ECE8-405F-B66B-95B08BBA9A7F}"/>
+                </a:ext>
+              </a:extLst>
+            </p:cNvPr>
+            <p:cNvSpPr/>
+            <p:nvPr/>
+          </p:nvSpPr>
+          <p:spPr>
+            <a:xfrm>
+              <a:off x="7050405" y="1406049"/>
+              <a:ext cx="963930" cy="405130"/>
+            </a:xfrm>
+            <a:prstGeom prst="can">
+              <a:avLst>
+                <a:gd name="adj" fmla="val 43221"/>
+              </a:avLst>
+            </a:prstGeom>
+            <a:solidFill>
+              <a:schemeClr val="accent6">
+                <a:lumMod val="60000"/>
+                <a:lumOff val="40000"/>
+              </a:schemeClr>
+            </a:solidFill>
+            <a:ln w="38100">
+              <a:solidFill>
+                <a:schemeClr val="accent6">
+                  <a:lumMod val="50000"/>
+                </a:schemeClr>
+              </a:solidFill>
+            </a:ln>
+          </p:spPr>
+          <p:style>
+            <a:lnRef idx="2">
+              <a:schemeClr val="accent1">
+                <a:shade val="50000"/>
+              </a:schemeClr>
+            </a:lnRef>
+            <a:fillRef idx="1">
+              <a:schemeClr val="accent1"/>
+            </a:fillRef>
+            <a:effectRef idx="0">
+              <a:schemeClr val="accent1"/>
+            </a:effectRef>
+            <a:fontRef idx="minor">
+              <a:schemeClr val="lt1"/>
+            </a:fontRef>
+          </p:style>
+          <p:txBody>
+            <a:bodyPr rtlCol="0" anchor="ctr"/>
+            <a:lstStyle/>
+            <a:p>
+              <a:pPr algn="ctr"/>
+              <a:endParaRPr lang="de-CH"/>
+            </a:p>
+          </p:txBody>
+        </p:sp>
+      </p:grpSp>
+      <p:grpSp>
+        <p:nvGrpSpPr>
+          <p:cNvPr id="20" name="Gruppieren 19">
+            <a:extLst>
+              <a:ext uri="{FF2B5EF4-FFF2-40B4-BE49-F238E27FC236}">
+                <a16:creationId xmlns:a16="http://schemas.microsoft.com/office/drawing/2014/main" id="{137AA0C8-2FF3-4F9B-A18F-FB9E65325D36}"/>
+              </a:ext>
+            </a:extLst>
+          </p:cNvPr>
+          <p:cNvGrpSpPr/>
+          <p:nvPr/>
+        </p:nvGrpSpPr>
+        <p:grpSpPr>
+          <a:xfrm>
+            <a:off x="5254944" y="2909116"/>
+            <a:ext cx="573401" cy="727712"/>
+            <a:chOff x="4973955" y="2941318"/>
+            <a:chExt cx="622935" cy="790576"/>
+          </a:xfrm>
+        </p:grpSpPr>
+        <p:sp>
+          <p:nvSpPr>
+            <p:cNvPr id="18" name="Flussdiagramm: Verzögerung 17">
+              <a:extLst>
+                <a:ext uri="{FF2B5EF4-FFF2-40B4-BE49-F238E27FC236}">
+                  <a16:creationId xmlns:a16="http://schemas.microsoft.com/office/drawing/2014/main" id="{664D4850-8E42-4E5A-9EF8-B5D53C2F2E01}"/>
+                </a:ext>
+              </a:extLst>
+            </p:cNvPr>
+            <p:cNvSpPr/>
+            <p:nvPr/>
+          </p:nvSpPr>
+          <p:spPr>
+            <a:xfrm rot="16200000">
+              <a:off x="5080635" y="3215639"/>
+              <a:ext cx="409575" cy="622935"/>
+            </a:xfrm>
+            <a:prstGeom prst="flowChartDelay">
+              <a:avLst/>
+            </a:prstGeom>
+            <a:solidFill>
+              <a:srgbClr val="7030A0"/>
+            </a:solidFill>
+            <a:ln w="38100">
+              <a:solidFill>
+                <a:srgbClr val="002060"/>
+              </a:solidFill>
+            </a:ln>
+          </p:spPr>
+          <p:style>
+            <a:lnRef idx="2">
+              <a:schemeClr val="accent1">
+                <a:shade val="50000"/>
+              </a:schemeClr>
+            </a:lnRef>
+            <a:fillRef idx="1">
+              <a:schemeClr val="accent1"/>
+            </a:fillRef>
+            <a:effectRef idx="0">
+              <a:schemeClr val="accent1"/>
+            </a:effectRef>
+            <a:fontRef idx="minor">
+              <a:schemeClr val="lt1"/>
+            </a:fontRef>
+          </p:style>
+          <p:txBody>
+            <a:bodyPr rot="0" spcFirstLastPara="0" vertOverflow="overflow" horzOverflow="overflow" vert="horz" wrap="square" lIns="91440" tIns="45720" rIns="91440" bIns="45720" numCol="1" spcCol="0" rtlCol="0" fromWordArt="0" anchor="ctr" anchorCtr="0" forceAA="0" compatLnSpc="1">
+              <a:prstTxWarp prst="textNoShape">
+                <a:avLst/>
+              </a:prstTxWarp>
+              <a:noAutofit/>
+            </a:bodyPr>
+            <a:lstStyle/>
+            <a:p>
+              <a:pPr algn="ctr"/>
+              <a:endParaRPr lang="de-CH"/>
+            </a:p>
+          </p:txBody>
+        </p:sp>
+        <p:sp>
+          <p:nvSpPr>
+            <p:cNvPr id="19" name="Ellipse 18">
+              <a:extLst>
+                <a:ext uri="{FF2B5EF4-FFF2-40B4-BE49-F238E27FC236}">
+                  <a16:creationId xmlns:a16="http://schemas.microsoft.com/office/drawing/2014/main" id="{AA56748D-D228-4D17-A7D5-6D24F7A1694C}"/>
+                </a:ext>
+              </a:extLst>
+            </p:cNvPr>
+            <p:cNvSpPr/>
+            <p:nvPr/>
+          </p:nvSpPr>
+          <p:spPr>
+            <a:xfrm>
+              <a:off x="5094922" y="2941318"/>
+              <a:ext cx="381000" cy="381000"/>
+            </a:xfrm>
+            <a:prstGeom prst="ellipse">
+              <a:avLst/>
+            </a:prstGeom>
+            <a:solidFill>
+              <a:srgbClr val="7030A0"/>
+            </a:solidFill>
+            <a:ln w="38100">
+              <a:solidFill>
+                <a:srgbClr val="002060"/>
+              </a:solidFill>
+            </a:ln>
+          </p:spPr>
+          <p:style>
+            <a:lnRef idx="2">
+              <a:schemeClr val="accent1">
+                <a:shade val="50000"/>
+              </a:schemeClr>
+            </a:lnRef>
+            <a:fillRef idx="1">
+              <a:schemeClr val="accent1"/>
+            </a:fillRef>
+            <a:effectRef idx="0">
+              <a:schemeClr val="accent1"/>
+            </a:effectRef>
+            <a:fontRef idx="minor">
+              <a:schemeClr val="lt1"/>
+            </a:fontRef>
+          </p:style>
+          <p:txBody>
+            <a:bodyPr rot="0" spcFirstLastPara="0" vertOverflow="overflow" horzOverflow="overflow" vert="horz" wrap="square" lIns="91440" tIns="45720" rIns="91440" bIns="45720" numCol="1" spcCol="0" rtlCol="0" fromWordArt="0" anchor="ctr" anchorCtr="0" forceAA="0" compatLnSpc="1">
+              <a:prstTxWarp prst="textNoShape">
+                <a:avLst/>
+              </a:prstTxWarp>
+              <a:noAutofit/>
+            </a:bodyPr>
+            <a:lstStyle/>
+            <a:p>
+              <a:pPr algn="ctr"/>
+              <a:endParaRPr lang="de-CH"/>
+            </a:p>
+          </p:txBody>
+        </p:sp>
+      </p:grpSp>
+      <p:grpSp>
+        <p:nvGrpSpPr>
+          <p:cNvPr id="24" name="Gruppieren 23">
+            <a:extLst>
+              <a:ext uri="{FF2B5EF4-FFF2-40B4-BE49-F238E27FC236}">
+                <a16:creationId xmlns:a16="http://schemas.microsoft.com/office/drawing/2014/main" id="{420350C4-5D16-4A5A-BF9E-134154EB3273}"/>
+              </a:ext>
+            </a:extLst>
+          </p:cNvPr>
+          <p:cNvGrpSpPr/>
+          <p:nvPr/>
+        </p:nvGrpSpPr>
+        <p:grpSpPr>
+          <a:xfrm>
+            <a:off x="3264219" y="2909116"/>
+            <a:ext cx="573401" cy="727712"/>
+            <a:chOff x="4973955" y="2941318"/>
+            <a:chExt cx="622935" cy="790576"/>
+          </a:xfrm>
+        </p:grpSpPr>
+        <p:sp>
+          <p:nvSpPr>
+            <p:cNvPr id="25" name="Flussdiagramm: Verzögerung 24">
+              <a:extLst>
+                <a:ext uri="{FF2B5EF4-FFF2-40B4-BE49-F238E27FC236}">
+                  <a16:creationId xmlns:a16="http://schemas.microsoft.com/office/drawing/2014/main" id="{B105E9ED-E389-4616-8EC1-A7AC64CB567C}"/>
+                </a:ext>
+              </a:extLst>
+            </p:cNvPr>
+            <p:cNvSpPr/>
+            <p:nvPr/>
+          </p:nvSpPr>
+          <p:spPr>
+            <a:xfrm rot="16200000">
+              <a:off x="5080635" y="3215639"/>
+              <a:ext cx="409575" cy="622935"/>
+            </a:xfrm>
+            <a:prstGeom prst="flowChartDelay">
+              <a:avLst/>
+            </a:prstGeom>
+            <a:solidFill>
+              <a:schemeClr val="accent1">
+                <a:lumMod val="75000"/>
+              </a:schemeClr>
+            </a:solidFill>
+            <a:ln w="38100">
+              <a:solidFill>
+                <a:schemeClr val="accent1">
+                  <a:lumMod val="50000"/>
+                </a:schemeClr>
+              </a:solidFill>
+            </a:ln>
+          </p:spPr>
+          <p:style>
+            <a:lnRef idx="2">
+              <a:schemeClr val="accent1">
+                <a:shade val="50000"/>
+              </a:schemeClr>
+            </a:lnRef>
+            <a:fillRef idx="1">
+              <a:schemeClr val="accent1"/>
+            </a:fillRef>
+            <a:effectRef idx="0">
+              <a:schemeClr val="accent1"/>
+            </a:effectRef>
+            <a:fontRef idx="minor">
+              <a:schemeClr val="lt1"/>
+            </a:fontRef>
+          </p:style>
+          <p:txBody>
+            <a:bodyPr rot="0" spcFirstLastPara="0" vertOverflow="overflow" horzOverflow="overflow" vert="horz" wrap="square" lIns="91440" tIns="45720" rIns="91440" bIns="45720" numCol="1" spcCol="0" rtlCol="0" fromWordArt="0" anchor="ctr" anchorCtr="0" forceAA="0" compatLnSpc="1">
+              <a:prstTxWarp prst="textNoShape">
+                <a:avLst/>
+              </a:prstTxWarp>
+              <a:noAutofit/>
+            </a:bodyPr>
+            <a:lstStyle/>
+            <a:p>
+              <a:pPr algn="ctr"/>
+              <a:endParaRPr lang="de-CH"/>
+            </a:p>
+          </p:txBody>
+        </p:sp>
+        <p:sp>
+          <p:nvSpPr>
+            <p:cNvPr id="26" name="Ellipse 25">
+              <a:extLst>
+                <a:ext uri="{FF2B5EF4-FFF2-40B4-BE49-F238E27FC236}">
+                  <a16:creationId xmlns:a16="http://schemas.microsoft.com/office/drawing/2014/main" id="{881CFD8A-4CEE-474D-B70A-C65BF86DEA31}"/>
+                </a:ext>
+              </a:extLst>
+            </p:cNvPr>
+            <p:cNvSpPr/>
+            <p:nvPr/>
+          </p:nvSpPr>
+          <p:spPr>
+            <a:xfrm>
+              <a:off x="5094922" y="2941318"/>
+              <a:ext cx="381000" cy="381000"/>
+            </a:xfrm>
+            <a:prstGeom prst="ellipse">
+              <a:avLst/>
+            </a:prstGeom>
+            <a:solidFill>
+              <a:schemeClr val="accent1">
+                <a:lumMod val="75000"/>
+              </a:schemeClr>
+            </a:solidFill>
+            <a:ln w="38100">
+              <a:solidFill>
+                <a:schemeClr val="accent1">
+                  <a:lumMod val="50000"/>
+                </a:schemeClr>
+              </a:solidFill>
+            </a:ln>
+          </p:spPr>
+          <p:style>
+            <a:lnRef idx="2">
+              <a:schemeClr val="accent1">
+                <a:shade val="50000"/>
+              </a:schemeClr>
+            </a:lnRef>
+            <a:fillRef idx="1">
+              <a:schemeClr val="accent1"/>
+            </a:fillRef>
+            <a:effectRef idx="0">
+              <a:schemeClr val="accent1"/>
+            </a:effectRef>
+            <a:fontRef idx="minor">
+              <a:schemeClr val="lt1"/>
+            </a:fontRef>
+          </p:style>
+          <p:txBody>
+            <a:bodyPr rot="0" spcFirstLastPara="0" vertOverflow="overflow" horzOverflow="overflow" vert="horz" wrap="square" lIns="91440" tIns="45720" rIns="91440" bIns="45720" numCol="1" spcCol="0" rtlCol="0" fromWordArt="0" anchor="ctr" anchorCtr="0" forceAA="0" compatLnSpc="1">
+              <a:prstTxWarp prst="textNoShape">
+                <a:avLst/>
+              </a:prstTxWarp>
+              <a:noAutofit/>
+            </a:bodyPr>
+            <a:lstStyle/>
+            <a:p>
+              <a:pPr algn="ctr"/>
+              <a:endParaRPr lang="de-CH"/>
+            </a:p>
+          </p:txBody>
+        </p:sp>
+      </p:grpSp>
+      <p:grpSp>
+        <p:nvGrpSpPr>
+          <p:cNvPr id="27" name="Gruppieren 26">
+            <a:extLst>
+              <a:ext uri="{FF2B5EF4-FFF2-40B4-BE49-F238E27FC236}">
+                <a16:creationId xmlns:a16="http://schemas.microsoft.com/office/drawing/2014/main" id="{A9D5A2B2-972A-468D-B8FF-5E469ABEF194}"/>
+              </a:ext>
+            </a:extLst>
+          </p:cNvPr>
+          <p:cNvGrpSpPr/>
+          <p:nvPr/>
+        </p:nvGrpSpPr>
+        <p:grpSpPr>
+          <a:xfrm>
+            <a:off x="7245669" y="2909116"/>
+            <a:ext cx="573401" cy="727712"/>
+            <a:chOff x="4973955" y="2941318"/>
+            <a:chExt cx="622935" cy="790576"/>
+          </a:xfrm>
+        </p:grpSpPr>
+        <p:sp>
+          <p:nvSpPr>
+            <p:cNvPr id="28" name="Flussdiagramm: Verzögerung 27">
+              <a:extLst>
+                <a:ext uri="{FF2B5EF4-FFF2-40B4-BE49-F238E27FC236}">
+                  <a16:creationId xmlns:a16="http://schemas.microsoft.com/office/drawing/2014/main" id="{9F223261-DF89-4AA6-ADEB-42A4589AF776}"/>
+                </a:ext>
+              </a:extLst>
+            </p:cNvPr>
+            <p:cNvSpPr/>
+            <p:nvPr/>
+          </p:nvSpPr>
+          <p:spPr>
+            <a:xfrm rot="16200000">
+              <a:off x="5080635" y="3215639"/>
+              <a:ext cx="409575" cy="622935"/>
+            </a:xfrm>
+            <a:prstGeom prst="flowChartDelay">
+              <a:avLst/>
+            </a:prstGeom>
+            <a:solidFill>
+              <a:schemeClr val="accent6">
+                <a:lumMod val="60000"/>
+                <a:lumOff val="40000"/>
+              </a:schemeClr>
+            </a:solidFill>
+            <a:ln w="38100">
+              <a:solidFill>
+                <a:schemeClr val="accent6">
+                  <a:lumMod val="50000"/>
+                </a:schemeClr>
+              </a:solidFill>
+            </a:ln>
+          </p:spPr>
+          <p:style>
+            <a:lnRef idx="2">
+              <a:schemeClr val="accent1">
+                <a:shade val="50000"/>
+              </a:schemeClr>
+            </a:lnRef>
+            <a:fillRef idx="1">
+              <a:schemeClr val="accent1"/>
+            </a:fillRef>
+            <a:effectRef idx="0">
+              <a:schemeClr val="accent1"/>
+            </a:effectRef>
+            <a:fontRef idx="minor">
+              <a:schemeClr val="lt1"/>
+            </a:fontRef>
+          </p:style>
+          <p:txBody>
+            <a:bodyPr rot="0" spcFirstLastPara="0" vertOverflow="overflow" horzOverflow="overflow" vert="horz" wrap="square" lIns="91440" tIns="45720" rIns="91440" bIns="45720" numCol="1" spcCol="0" rtlCol="0" fromWordArt="0" anchor="ctr" anchorCtr="0" forceAA="0" compatLnSpc="1">
+              <a:prstTxWarp prst="textNoShape">
+                <a:avLst/>
+              </a:prstTxWarp>
+              <a:noAutofit/>
+            </a:bodyPr>
+            <a:lstStyle/>
+            <a:p>
+              <a:pPr algn="ctr"/>
+              <a:endParaRPr lang="de-CH"/>
+            </a:p>
+          </p:txBody>
+        </p:sp>
+        <p:sp>
+          <p:nvSpPr>
+            <p:cNvPr id="29" name="Ellipse 28">
+              <a:extLst>
+                <a:ext uri="{FF2B5EF4-FFF2-40B4-BE49-F238E27FC236}">
+                  <a16:creationId xmlns:a16="http://schemas.microsoft.com/office/drawing/2014/main" id="{E91172A6-7F9E-4581-BCE8-99F927D0B9E1}"/>
+                </a:ext>
+              </a:extLst>
+            </p:cNvPr>
+            <p:cNvSpPr/>
+            <p:nvPr/>
+          </p:nvSpPr>
+          <p:spPr>
+            <a:xfrm>
+              <a:off x="5094922" y="2941318"/>
+              <a:ext cx="381000" cy="381000"/>
+            </a:xfrm>
+            <a:prstGeom prst="ellipse">
+              <a:avLst/>
+            </a:prstGeom>
+            <a:solidFill>
+              <a:schemeClr val="accent6">
+                <a:lumMod val="60000"/>
+                <a:lumOff val="40000"/>
+              </a:schemeClr>
+            </a:solidFill>
+            <a:ln w="38100">
+              <a:solidFill>
+                <a:schemeClr val="accent6">
+                  <a:lumMod val="50000"/>
+                </a:schemeClr>
+              </a:solidFill>
+            </a:ln>
+          </p:spPr>
+          <p:style>
+            <a:lnRef idx="2">
+              <a:schemeClr val="accent1">
+                <a:shade val="50000"/>
+              </a:schemeClr>
+            </a:lnRef>
+            <a:fillRef idx="1">
+              <a:schemeClr val="accent1"/>
+            </a:fillRef>
+            <a:effectRef idx="0">
+              <a:schemeClr val="accent1"/>
+            </a:effectRef>
+            <a:fontRef idx="minor">
+              <a:schemeClr val="lt1"/>
+            </a:fontRef>
+          </p:style>
+          <p:txBody>
+            <a:bodyPr rot="0" spcFirstLastPara="0" vertOverflow="overflow" horzOverflow="overflow" vert="horz" wrap="square" lIns="91440" tIns="45720" rIns="91440" bIns="45720" numCol="1" spcCol="0" rtlCol="0" fromWordArt="0" anchor="ctr" anchorCtr="0" forceAA="0" compatLnSpc="1">
+              <a:prstTxWarp prst="textNoShape">
+                <a:avLst/>
+              </a:prstTxWarp>
+              <a:noAutofit/>
+            </a:bodyPr>
+            <a:lstStyle/>
+            <a:p>
+              <a:pPr algn="ctr"/>
+              <a:endParaRPr lang="de-CH"/>
+            </a:p>
+          </p:txBody>
+        </p:sp>
+      </p:grpSp>
+    </p:spTree>
+    <p:extLst>
+      <p:ext uri="{BB962C8B-B14F-4D97-AF65-F5344CB8AC3E}">
+        <p14:creationId xmlns:p14="http://schemas.microsoft.com/office/powerpoint/2010/main" val="988161133"/>
       </p:ext>
     </p:extLst>
   </p:cSld>

--- a/graph_diagrams.pptx
+++ b/graph_diagrams.pptx
@@ -257,7 +257,7 @@
           <a:p>
             <a:fld id="{26DDC37A-2C2D-40D8-9678-FEE24CA3A861}" type="datetimeFigureOut">
               <a:rPr lang="en-GB" smtClean="0"/>
-              <a:t>19/08/2017</a:t>
+              <a:t>21/08/2017</a:t>
             </a:fld>
             <a:endParaRPr lang="en-GB"/>
           </a:p>
@@ -299,7 +299,7 @@
           <a:p>
             <a:fld id="{53007432-4F62-4A3D-96D0-1D087F291AF4}" type="slidenum">
               <a:rPr lang="en-GB" smtClean="0"/>
-              <a:t>‹Nr.›</a:t>
+              <a:t>‹#›</a:t>
             </a:fld>
             <a:endParaRPr lang="en-GB"/>
           </a:p>
@@ -427,7 +427,7 @@
           <a:p>
             <a:fld id="{26DDC37A-2C2D-40D8-9678-FEE24CA3A861}" type="datetimeFigureOut">
               <a:rPr lang="en-GB" smtClean="0"/>
-              <a:t>19/08/2017</a:t>
+              <a:t>21/08/2017</a:t>
             </a:fld>
             <a:endParaRPr lang="en-GB"/>
           </a:p>
@@ -469,7 +469,7 @@
           <a:p>
             <a:fld id="{53007432-4F62-4A3D-96D0-1D087F291AF4}" type="slidenum">
               <a:rPr lang="en-GB" smtClean="0"/>
-              <a:t>‹Nr.›</a:t>
+              <a:t>‹#›</a:t>
             </a:fld>
             <a:endParaRPr lang="en-GB"/>
           </a:p>
@@ -607,7 +607,7 @@
           <a:p>
             <a:fld id="{26DDC37A-2C2D-40D8-9678-FEE24CA3A861}" type="datetimeFigureOut">
               <a:rPr lang="en-GB" smtClean="0"/>
-              <a:t>19/08/2017</a:t>
+              <a:t>21/08/2017</a:t>
             </a:fld>
             <a:endParaRPr lang="en-GB"/>
           </a:p>
@@ -649,7 +649,7 @@
           <a:p>
             <a:fld id="{53007432-4F62-4A3D-96D0-1D087F291AF4}" type="slidenum">
               <a:rPr lang="en-GB" smtClean="0"/>
-              <a:t>‹Nr.›</a:t>
+              <a:t>‹#›</a:t>
             </a:fld>
             <a:endParaRPr lang="en-GB"/>
           </a:p>
@@ -777,7 +777,7 @@
           <a:p>
             <a:fld id="{26DDC37A-2C2D-40D8-9678-FEE24CA3A861}" type="datetimeFigureOut">
               <a:rPr lang="en-GB" smtClean="0"/>
-              <a:t>19/08/2017</a:t>
+              <a:t>21/08/2017</a:t>
             </a:fld>
             <a:endParaRPr lang="en-GB"/>
           </a:p>
@@ -819,7 +819,7 @@
           <a:p>
             <a:fld id="{53007432-4F62-4A3D-96D0-1D087F291AF4}" type="slidenum">
               <a:rPr lang="en-GB" smtClean="0"/>
-              <a:t>‹Nr.›</a:t>
+              <a:t>‹#›</a:t>
             </a:fld>
             <a:endParaRPr lang="en-GB"/>
           </a:p>
@@ -1023,7 +1023,7 @@
           <a:p>
             <a:fld id="{26DDC37A-2C2D-40D8-9678-FEE24CA3A861}" type="datetimeFigureOut">
               <a:rPr lang="en-GB" smtClean="0"/>
-              <a:t>19/08/2017</a:t>
+              <a:t>21/08/2017</a:t>
             </a:fld>
             <a:endParaRPr lang="en-GB"/>
           </a:p>
@@ -1065,7 +1065,7 @@
           <a:p>
             <a:fld id="{53007432-4F62-4A3D-96D0-1D087F291AF4}" type="slidenum">
               <a:rPr lang="en-GB" smtClean="0"/>
-              <a:t>‹Nr.›</a:t>
+              <a:t>‹#›</a:t>
             </a:fld>
             <a:endParaRPr lang="en-GB"/>
           </a:p>
@@ -1255,7 +1255,7 @@
           <a:p>
             <a:fld id="{26DDC37A-2C2D-40D8-9678-FEE24CA3A861}" type="datetimeFigureOut">
               <a:rPr lang="en-GB" smtClean="0"/>
-              <a:t>19/08/2017</a:t>
+              <a:t>21/08/2017</a:t>
             </a:fld>
             <a:endParaRPr lang="en-GB"/>
           </a:p>
@@ -1297,7 +1297,7 @@
           <a:p>
             <a:fld id="{53007432-4F62-4A3D-96D0-1D087F291AF4}" type="slidenum">
               <a:rPr lang="en-GB" smtClean="0"/>
-              <a:t>‹Nr.›</a:t>
+              <a:t>‹#›</a:t>
             </a:fld>
             <a:endParaRPr lang="en-GB"/>
           </a:p>
@@ -1622,7 +1622,7 @@
           <a:p>
             <a:fld id="{26DDC37A-2C2D-40D8-9678-FEE24CA3A861}" type="datetimeFigureOut">
               <a:rPr lang="en-GB" smtClean="0"/>
-              <a:t>19/08/2017</a:t>
+              <a:t>21/08/2017</a:t>
             </a:fld>
             <a:endParaRPr lang="en-GB"/>
           </a:p>
@@ -1664,7 +1664,7 @@
           <a:p>
             <a:fld id="{53007432-4F62-4A3D-96D0-1D087F291AF4}" type="slidenum">
               <a:rPr lang="en-GB" smtClean="0"/>
-              <a:t>‹Nr.›</a:t>
+              <a:t>‹#›</a:t>
             </a:fld>
             <a:endParaRPr lang="en-GB"/>
           </a:p>
@@ -1740,7 +1740,7 @@
           <a:p>
             <a:fld id="{26DDC37A-2C2D-40D8-9678-FEE24CA3A861}" type="datetimeFigureOut">
               <a:rPr lang="en-GB" smtClean="0"/>
-              <a:t>19/08/2017</a:t>
+              <a:t>21/08/2017</a:t>
             </a:fld>
             <a:endParaRPr lang="en-GB"/>
           </a:p>
@@ -1782,7 +1782,7 @@
           <a:p>
             <a:fld id="{53007432-4F62-4A3D-96D0-1D087F291AF4}" type="slidenum">
               <a:rPr lang="en-GB" smtClean="0"/>
-              <a:t>‹Nr.›</a:t>
+              <a:t>‹#›</a:t>
             </a:fld>
             <a:endParaRPr lang="en-GB"/>
           </a:p>
@@ -1835,7 +1835,7 @@
           <a:p>
             <a:fld id="{26DDC37A-2C2D-40D8-9678-FEE24CA3A861}" type="datetimeFigureOut">
               <a:rPr lang="en-GB" smtClean="0"/>
-              <a:t>19/08/2017</a:t>
+              <a:t>21/08/2017</a:t>
             </a:fld>
             <a:endParaRPr lang="en-GB"/>
           </a:p>
@@ -1877,7 +1877,7 @@
           <a:p>
             <a:fld id="{53007432-4F62-4A3D-96D0-1D087F291AF4}" type="slidenum">
               <a:rPr lang="en-GB" smtClean="0"/>
-              <a:t>‹Nr.›</a:t>
+              <a:t>‹#›</a:t>
             </a:fld>
             <a:endParaRPr lang="en-GB"/>
           </a:p>
@@ -2112,7 +2112,7 @@
           <a:p>
             <a:fld id="{26DDC37A-2C2D-40D8-9678-FEE24CA3A861}" type="datetimeFigureOut">
               <a:rPr lang="en-GB" smtClean="0"/>
-              <a:t>19/08/2017</a:t>
+              <a:t>21/08/2017</a:t>
             </a:fld>
             <a:endParaRPr lang="en-GB"/>
           </a:p>
@@ -2154,7 +2154,7 @@
           <a:p>
             <a:fld id="{53007432-4F62-4A3D-96D0-1D087F291AF4}" type="slidenum">
               <a:rPr lang="en-GB" smtClean="0"/>
-              <a:t>‹Nr.›</a:t>
+              <a:t>‹#›</a:t>
             </a:fld>
             <a:endParaRPr lang="en-GB"/>
           </a:p>
@@ -2365,7 +2365,7 @@
           <a:p>
             <a:fld id="{26DDC37A-2C2D-40D8-9678-FEE24CA3A861}" type="datetimeFigureOut">
               <a:rPr lang="en-GB" smtClean="0"/>
-              <a:t>19/08/2017</a:t>
+              <a:t>21/08/2017</a:t>
             </a:fld>
             <a:endParaRPr lang="en-GB"/>
           </a:p>
@@ -2407,7 +2407,7 @@
           <a:p>
             <a:fld id="{53007432-4F62-4A3D-96D0-1D087F291AF4}" type="slidenum">
               <a:rPr lang="en-GB" smtClean="0"/>
-              <a:t>‹Nr.›</a:t>
+              <a:t>‹#›</a:t>
             </a:fld>
             <a:endParaRPr lang="en-GB"/>
           </a:p>
@@ -2578,7 +2578,7 @@
           <a:p>
             <a:fld id="{26DDC37A-2C2D-40D8-9678-FEE24CA3A861}" type="datetimeFigureOut">
               <a:rPr lang="en-GB" smtClean="0"/>
-              <a:t>19/08/2017</a:t>
+              <a:t>21/08/2017</a:t>
             </a:fld>
             <a:endParaRPr lang="en-GB"/>
           </a:p>
@@ -2656,7 +2656,7 @@
           <a:p>
             <a:fld id="{53007432-4F62-4A3D-96D0-1D087F291AF4}" type="slidenum">
               <a:rPr lang="en-GB" smtClean="0"/>
-              <a:t>‹Nr.›</a:t>
+              <a:t>‹#›</a:t>
             </a:fld>
             <a:endParaRPr lang="en-GB"/>
           </a:p>
@@ -21349,109 +21349,14 @@
           <p:cNvCxnSpPr>
             <a:cxnSpLocks/>
             <a:stCxn id="8" idx="6"/>
-            <a:endCxn id="19" idx="2"/>
-          </p:cNvCxnSpPr>
-          <p:nvPr/>
-        </p:nvCxnSpPr>
-        <p:spPr>
-          <a:xfrm>
-            <a:off x="3863944" y="2491151"/>
-            <a:ext cx="492351" cy="0"/>
-          </a:xfrm>
-          <a:prstGeom prst="straightConnector1">
-            <a:avLst/>
-          </a:prstGeom>
-          <a:ln w="57150">
-            <a:tailEnd type="triangle"/>
-          </a:ln>
-        </p:spPr>
-        <p:style>
-          <a:lnRef idx="1">
-            <a:schemeClr val="accent1"/>
-          </a:lnRef>
-          <a:fillRef idx="0">
-            <a:schemeClr val="accent1"/>
-          </a:fillRef>
-          <a:effectRef idx="0">
-            <a:schemeClr val="accent1"/>
-          </a:effectRef>
-          <a:fontRef idx="minor">
-            <a:schemeClr val="tx1"/>
-          </a:fontRef>
-        </p:style>
-      </p:cxnSp>
-      <p:sp>
-        <p:nvSpPr>
-          <p:cNvPr id="19" name="Oval 33">
-            <a:extLst>
-              <a:ext uri="{FF2B5EF4-FFF2-40B4-BE49-F238E27FC236}">
-                <a16:creationId xmlns:a16="http://schemas.microsoft.com/office/drawing/2014/main" id="{93EA0B85-A096-4A0E-99C7-DE0CF930D3D7}"/>
-              </a:ext>
-            </a:extLst>
-          </p:cNvPr>
-          <p:cNvSpPr/>
-          <p:nvPr/>
-        </p:nvSpPr>
-        <p:spPr>
-          <a:xfrm>
-            <a:off x="4356295" y="2349537"/>
-            <a:ext cx="283228" cy="283228"/>
-          </a:xfrm>
-          <a:prstGeom prst="ellipse">
-            <a:avLst/>
-          </a:prstGeom>
-          <a:solidFill>
-            <a:srgbClr val="7030A0"/>
-          </a:solidFill>
-          <a:ln>
-            <a:noFill/>
-          </a:ln>
-        </p:spPr>
-        <p:style>
-          <a:lnRef idx="2">
-            <a:schemeClr val="accent1">
-              <a:shade val="50000"/>
-            </a:schemeClr>
-          </a:lnRef>
-          <a:fillRef idx="1">
-            <a:schemeClr val="accent1"/>
-          </a:fillRef>
-          <a:effectRef idx="0">
-            <a:schemeClr val="accent1"/>
-          </a:effectRef>
-          <a:fontRef idx="minor">
-            <a:schemeClr val="lt1"/>
-          </a:fontRef>
-        </p:style>
-        <p:txBody>
-          <a:bodyPr wrap="none" lIns="0" tIns="0" rIns="0" bIns="0" rtlCol="0" anchor="ctr"/>
-          <a:lstStyle/>
-          <a:p>
-            <a:pPr algn="ctr"/>
-            <a:endParaRPr lang="en-GB" sz="3600" dirty="0"/>
-          </a:p>
-        </p:txBody>
-      </p:sp>
-      <p:cxnSp>
-        <p:nvCxnSpPr>
-          <p:cNvPr id="20" name="Straight Arrow Connector 27">
-            <a:extLst>
-              <a:ext uri="{FF2B5EF4-FFF2-40B4-BE49-F238E27FC236}">
-                <a16:creationId xmlns:a16="http://schemas.microsoft.com/office/drawing/2014/main" id="{AD41A6F5-08ED-4ED6-87FB-4DD382F8BC39}"/>
-              </a:ext>
-            </a:extLst>
-          </p:cNvPr>
-          <p:cNvCxnSpPr>
-            <a:cxnSpLocks/>
-            <a:stCxn id="19" idx="6"/>
             <a:endCxn id="21" idx="2"/>
           </p:cNvCxnSpPr>
           <p:nvPr/>
         </p:nvCxnSpPr>
         <p:spPr>
           <a:xfrm flipV="1">
-            <a:off x="4639523" y="2491150"/>
-            <a:ext cx="492351" cy="1"/>
+            <a:off x="3863944" y="2491150"/>
+            <a:ext cx="1267930" cy="1"/>
           </a:xfrm>
           <a:prstGeom prst="straightConnector1">
             <a:avLst/>
@@ -21634,14 +21539,14 @@
           <p:cNvCxnSpPr>
             <a:cxnSpLocks/>
             <a:stCxn id="27" idx="6"/>
-            <a:endCxn id="60" idx="2"/>
+            <a:endCxn id="112" idx="2"/>
           </p:cNvCxnSpPr>
           <p:nvPr/>
         </p:nvCxnSpPr>
         <p:spPr>
           <a:xfrm>
             <a:off x="6189789" y="2491150"/>
-            <a:ext cx="491459" cy="0"/>
+            <a:ext cx="2040833" cy="0"/>
           </a:xfrm>
           <a:prstGeom prst="straightConnector1">
             <a:avLst/>
@@ -21665,153 +21570,6 @@
           </a:fontRef>
         </p:style>
       </p:cxnSp>
-      <p:sp>
-        <p:nvSpPr>
-          <p:cNvPr id="60" name="Oval 33">
-            <a:extLst>
-              <a:ext uri="{FF2B5EF4-FFF2-40B4-BE49-F238E27FC236}">
-                <a16:creationId xmlns:a16="http://schemas.microsoft.com/office/drawing/2014/main" id="{049E66D1-2EE5-4336-9918-072C7ED9099B}"/>
-              </a:ext>
-            </a:extLst>
-          </p:cNvPr>
-          <p:cNvSpPr/>
-          <p:nvPr/>
-        </p:nvSpPr>
-        <p:spPr>
-          <a:xfrm>
-            <a:off x="6681248" y="2349536"/>
-            <a:ext cx="283228" cy="283228"/>
-          </a:xfrm>
-          <a:prstGeom prst="ellipse">
-            <a:avLst/>
-          </a:prstGeom>
-          <a:solidFill>
-            <a:srgbClr val="7030A0"/>
-          </a:solidFill>
-          <a:ln>
-            <a:noFill/>
-          </a:ln>
-        </p:spPr>
-        <p:style>
-          <a:lnRef idx="2">
-            <a:schemeClr val="accent1">
-              <a:shade val="50000"/>
-            </a:schemeClr>
-          </a:lnRef>
-          <a:fillRef idx="1">
-            <a:schemeClr val="accent1"/>
-          </a:fillRef>
-          <a:effectRef idx="0">
-            <a:schemeClr val="accent1"/>
-          </a:effectRef>
-          <a:fontRef idx="minor">
-            <a:schemeClr val="lt1"/>
-          </a:fontRef>
-        </p:style>
-        <p:txBody>
-          <a:bodyPr wrap="none" lIns="0" tIns="0" rIns="0" bIns="0" rtlCol="0" anchor="ctr"/>
-          <a:lstStyle/>
-          <a:p>
-            <a:pPr algn="ctr"/>
-            <a:endParaRPr lang="en-GB" sz="3600" dirty="0"/>
-          </a:p>
-        </p:txBody>
-      </p:sp>
-      <p:cxnSp>
-        <p:nvCxnSpPr>
-          <p:cNvPr id="61" name="Straight Arrow Connector 27">
-            <a:extLst>
-              <a:ext uri="{FF2B5EF4-FFF2-40B4-BE49-F238E27FC236}">
-                <a16:creationId xmlns:a16="http://schemas.microsoft.com/office/drawing/2014/main" id="{D0C6419C-463D-48FE-B84A-1163F84AC3E1}"/>
-              </a:ext>
-            </a:extLst>
-          </p:cNvPr>
-          <p:cNvCxnSpPr>
-            <a:cxnSpLocks/>
-            <a:stCxn id="60" idx="6"/>
-            <a:endCxn id="62" idx="2"/>
-          </p:cNvCxnSpPr>
-          <p:nvPr/>
-        </p:nvCxnSpPr>
-        <p:spPr>
-          <a:xfrm>
-            <a:off x="6964476" y="2491150"/>
-            <a:ext cx="491459" cy="0"/>
-          </a:xfrm>
-          <a:prstGeom prst="straightConnector1">
-            <a:avLst/>
-          </a:prstGeom>
-          <a:ln w="57150">
-            <a:tailEnd type="triangle"/>
-          </a:ln>
-        </p:spPr>
-        <p:style>
-          <a:lnRef idx="1">
-            <a:schemeClr val="accent1"/>
-          </a:lnRef>
-          <a:fillRef idx="0">
-            <a:schemeClr val="accent1"/>
-          </a:fillRef>
-          <a:effectRef idx="0">
-            <a:schemeClr val="accent1"/>
-          </a:effectRef>
-          <a:fontRef idx="minor">
-            <a:schemeClr val="tx1"/>
-          </a:fontRef>
-        </p:style>
-      </p:cxnSp>
-      <p:sp>
-        <p:nvSpPr>
-          <p:cNvPr id="62" name="Oval 33">
-            <a:extLst>
-              <a:ext uri="{FF2B5EF4-FFF2-40B4-BE49-F238E27FC236}">
-                <a16:creationId xmlns:a16="http://schemas.microsoft.com/office/drawing/2014/main" id="{4D61F07D-77DD-43B4-82B8-3529BFDF0C2D}"/>
-              </a:ext>
-            </a:extLst>
-          </p:cNvPr>
-          <p:cNvSpPr/>
-          <p:nvPr/>
-        </p:nvSpPr>
-        <p:spPr>
-          <a:xfrm>
-            <a:off x="7455935" y="2349536"/>
-            <a:ext cx="283228" cy="283228"/>
-          </a:xfrm>
-          <a:prstGeom prst="ellipse">
-            <a:avLst/>
-          </a:prstGeom>
-          <a:solidFill>
-            <a:srgbClr val="7030A0"/>
-          </a:solidFill>
-          <a:ln>
-            <a:noFill/>
-          </a:ln>
-        </p:spPr>
-        <p:style>
-          <a:lnRef idx="2">
-            <a:schemeClr val="accent1">
-              <a:shade val="50000"/>
-            </a:schemeClr>
-          </a:lnRef>
-          <a:fillRef idx="1">
-            <a:schemeClr val="accent1"/>
-          </a:fillRef>
-          <a:effectRef idx="0">
-            <a:schemeClr val="accent1"/>
-          </a:effectRef>
-          <a:fontRef idx="minor">
-            <a:schemeClr val="lt1"/>
-          </a:fontRef>
-        </p:style>
-        <p:txBody>
-          <a:bodyPr wrap="none" lIns="0" tIns="0" rIns="0" bIns="0" rtlCol="0" anchor="ctr"/>
-          <a:lstStyle/>
-          <a:p>
-            <a:pPr algn="ctr"/>
-            <a:endParaRPr lang="en-GB" sz="3600" dirty="0"/>
-          </a:p>
-        </p:txBody>
-      </p:sp>
       <p:sp>
         <p:nvSpPr>
           <p:cNvPr id="64" name="Oval 33">
@@ -22421,47 +22179,6 @@
           </a:p>
         </p:txBody>
       </p:sp>
-      <p:cxnSp>
-        <p:nvCxnSpPr>
-          <p:cNvPr id="111" name="Straight Arrow Connector 27">
-            <a:extLst>
-              <a:ext uri="{FF2B5EF4-FFF2-40B4-BE49-F238E27FC236}">
-                <a16:creationId xmlns:a16="http://schemas.microsoft.com/office/drawing/2014/main" id="{2486031B-2C75-49A8-94D4-D1944AEB9996}"/>
-              </a:ext>
-            </a:extLst>
-          </p:cNvPr>
-          <p:cNvCxnSpPr>
-            <a:cxnSpLocks/>
-          </p:cNvCxnSpPr>
-          <p:nvPr/>
-        </p:nvCxnSpPr>
-        <p:spPr>
-          <a:xfrm>
-            <a:off x="7739163" y="2491150"/>
-            <a:ext cx="491459" cy="0"/>
-          </a:xfrm>
-          <a:prstGeom prst="straightConnector1">
-            <a:avLst/>
-          </a:prstGeom>
-          <a:ln w="57150">
-            <a:tailEnd type="triangle"/>
-          </a:ln>
-        </p:spPr>
-        <p:style>
-          <a:lnRef idx="1">
-            <a:schemeClr val="accent1"/>
-          </a:lnRef>
-          <a:fillRef idx="0">
-            <a:schemeClr val="accent1"/>
-          </a:fillRef>
-          <a:effectRef idx="0">
-            <a:schemeClr val="accent1"/>
-          </a:effectRef>
-          <a:fontRef idx="minor">
-            <a:schemeClr val="tx1"/>
-          </a:fontRef>
-        </p:style>
-      </p:cxnSp>
       <p:sp>
         <p:nvSpPr>
           <p:cNvPr id="112" name="Oval 33">
@@ -28488,7 +28205,7 @@
         </p:nvSpPr>
         <p:spPr>
           <a:xfrm>
-            <a:off x="6846416" y="1596555"/>
+            <a:off x="6846416" y="2256562"/>
             <a:ext cx="283228" cy="283228"/>
           </a:xfrm>
           <a:prstGeom prst="ellipse">
@@ -28544,8 +28261,8 @@
         </p:nvCxnSpPr>
         <p:spPr>
           <a:xfrm rot="16200000" flipH="1">
-            <a:off x="6381915" y="1273668"/>
-            <a:ext cx="579850" cy="349152"/>
+            <a:off x="6051912" y="1603671"/>
+            <a:ext cx="1239857" cy="349152"/>
           </a:xfrm>
           <a:prstGeom prst="curvedConnector2">
             <a:avLst/>
@@ -28587,8 +28304,8 @@
         </p:nvCxnSpPr>
         <p:spPr>
           <a:xfrm>
-            <a:off x="7129644" y="1738169"/>
-            <a:ext cx="441381" cy="2547468"/>
+            <a:off x="7129644" y="2398176"/>
+            <a:ext cx="441381" cy="1887461"/>
           </a:xfrm>
           <a:prstGeom prst="curvedConnector2">
             <a:avLst/>
@@ -28631,7 +28348,7 @@
         <p:spPr>
           <a:xfrm flipV="1">
             <a:off x="7129644" y="1199795"/>
-            <a:ext cx="444120" cy="538374"/>
+            <a:ext cx="444120" cy="1198381"/>
           </a:xfrm>
           <a:prstGeom prst="curvedConnector2">
             <a:avLst/>

--- a/graph_diagrams.pptx
+++ b/graph_diagrams.pptx
@@ -16566,7 +16566,7 @@
         </p:nvSpPr>
         <p:spPr>
           <a:xfrm>
-            <a:off x="10898675" y="4609101"/>
+            <a:off x="9439239" y="4609101"/>
             <a:ext cx="1307308" cy="716205"/>
           </a:xfrm>
           <a:prstGeom prst="downArrowCallout">
